--- a/NO_2D_metamaterials_talk.pptx
+++ b/NO_2D_metamaterials_talk.pptx
@@ -5,7 +5,7 @@
     <p:sldMasterId id="2147483660" r:id="rId4"/>
   </p:sldMasterIdLst>
   <p:notesMasterIdLst>
-    <p:notesMasterId r:id="rId11"/>
+    <p:notesMasterId r:id="rId14"/>
   </p:notesMasterIdLst>
   <p:sldIdLst>
     <p:sldId id="256" r:id="rId5"/>
@@ -13,7 +13,10 @@
     <p:sldId id="1029" r:id="rId7"/>
     <p:sldId id="1028" r:id="rId8"/>
     <p:sldId id="1031" r:id="rId9"/>
-    <p:sldId id="1030" r:id="rId10"/>
+    <p:sldId id="1032" r:id="rId10"/>
+    <p:sldId id="1033" r:id="rId11"/>
+    <p:sldId id="1035" r:id="rId12"/>
+    <p:sldId id="1034" r:id="rId13"/>
   </p:sldIdLst>
   <p:sldSz cx="12192000" cy="6858000"/>
   <p:notesSz cx="6858000" cy="9144000"/>
@@ -122,7 +125,10 @@
             <p14:sldId id="1029"/>
             <p14:sldId id="1028"/>
             <p14:sldId id="1031"/>
-            <p14:sldId id="1030"/>
+            <p14:sldId id="1032"/>
+            <p14:sldId id="1033"/>
+            <p14:sldId id="1035"/>
+            <p14:sldId id="1034"/>
           </p14:sldIdLst>
         </p14:section>
       </p14:sectionLst>
@@ -689,7 +695,7 @@
         <p:cNvPr id="1" name="">
           <a:extLst>
             <a:ext uri="{FF2B5EF4-FFF2-40B4-BE49-F238E27FC236}">
-              <a16:creationId xmlns:a16="http://schemas.microsoft.com/office/drawing/2014/main" id="{E419DC44-E170-FFC3-6CB0-2C42698C26D1}"/>
+              <a16:creationId xmlns:a16="http://schemas.microsoft.com/office/drawing/2014/main" id="{883BCB70-BB24-2FE6-AEBD-65DA51D321B3}"/>
             </a:ext>
           </a:extLst>
         </p:cNvPr>
@@ -709,7 +715,7 @@
           <p:cNvPr id="2" name="Slide Image Placeholder 1">
             <a:extLst>
               <a:ext uri="{FF2B5EF4-FFF2-40B4-BE49-F238E27FC236}">
-                <a16:creationId xmlns:a16="http://schemas.microsoft.com/office/drawing/2014/main" id="{2BC9B38A-6CEC-1F54-F499-D6D56C7E3C46}"/>
+                <a16:creationId xmlns:a16="http://schemas.microsoft.com/office/drawing/2014/main" id="{25A5AF58-48A3-B5CD-8D0E-859370956764}"/>
               </a:ext>
             </a:extLst>
           </p:cNvPr>
@@ -727,7 +733,7 @@
           <p:cNvPr id="3" name="Notes Placeholder 2">
             <a:extLst>
               <a:ext uri="{FF2B5EF4-FFF2-40B4-BE49-F238E27FC236}">
-                <a16:creationId xmlns:a16="http://schemas.microsoft.com/office/drawing/2014/main" id="{1E1A6124-5713-C889-BCEA-697EB620F48E}"/>
+                <a16:creationId xmlns:a16="http://schemas.microsoft.com/office/drawing/2014/main" id="{036B444F-1159-9EDC-FB04-3E2B94682BD1}"/>
               </a:ext>
             </a:extLst>
           </p:cNvPr>
@@ -752,7 +758,7 @@
           <p:cNvPr id="4" name="Slide Number Placeholder 3">
             <a:extLst>
               <a:ext uri="{FF2B5EF4-FFF2-40B4-BE49-F238E27FC236}">
-                <a16:creationId xmlns:a16="http://schemas.microsoft.com/office/drawing/2014/main" id="{00E00CF8-3219-47CA-179D-BA32F3286368}"/>
+                <a16:creationId xmlns:a16="http://schemas.microsoft.com/office/drawing/2014/main" id="{A51036C3-AE36-D8E7-5329-0F1E043A9566}"/>
               </a:ext>
             </a:extLst>
           </p:cNvPr>
@@ -779,7 +785,331 @@
     </p:spTree>
     <p:extLst>
       <p:ext uri="{BB962C8B-B14F-4D97-AF65-F5344CB8AC3E}">
-        <p14:creationId xmlns:p14="http://schemas.microsoft.com/office/powerpoint/2010/main" val="2522545909"/>
+        <p14:creationId xmlns:p14="http://schemas.microsoft.com/office/powerpoint/2010/main" val="1725775283"/>
+      </p:ext>
+    </p:extLst>
+  </p:cSld>
+  <p:clrMapOvr>
+    <a:masterClrMapping/>
+  </p:clrMapOvr>
+</p:notes>
+</file>
+
+<file path=ppt/notesSlides/notesSlide4.xml><?xml version="1.0" encoding="utf-8"?>
+<p:notes xmlns:a="http://schemas.openxmlformats.org/drawingml/2006/main" xmlns:r="http://schemas.openxmlformats.org/officeDocument/2006/relationships" xmlns:p="http://schemas.openxmlformats.org/presentationml/2006/main">
+  <p:cSld>
+    <p:spTree>
+      <p:nvGrpSpPr>
+        <p:cNvPr id="1" name="">
+          <a:extLst>
+            <a:ext uri="{FF2B5EF4-FFF2-40B4-BE49-F238E27FC236}">
+              <a16:creationId xmlns:a16="http://schemas.microsoft.com/office/drawing/2014/main" id="{0A602439-030D-3C71-F9CC-81498B43EA99}"/>
+            </a:ext>
+          </a:extLst>
+        </p:cNvPr>
+        <p:cNvGrpSpPr/>
+        <p:nvPr/>
+      </p:nvGrpSpPr>
+      <p:grpSpPr>
+        <a:xfrm>
+          <a:off x="0" y="0"/>
+          <a:ext cx="0" cy="0"/>
+          <a:chOff x="0" y="0"/>
+          <a:chExt cx="0" cy="0"/>
+        </a:xfrm>
+      </p:grpSpPr>
+      <p:sp>
+        <p:nvSpPr>
+          <p:cNvPr id="2" name="Slide Image Placeholder 1">
+            <a:extLst>
+              <a:ext uri="{FF2B5EF4-FFF2-40B4-BE49-F238E27FC236}">
+                <a16:creationId xmlns:a16="http://schemas.microsoft.com/office/drawing/2014/main" id="{40E5DBF3-617D-D616-1525-9D79EE72A1CC}"/>
+              </a:ext>
+            </a:extLst>
+          </p:cNvPr>
+          <p:cNvSpPr>
+            <a:spLocks noGrp="1" noRot="1" noChangeAspect="1"/>
+          </p:cNvSpPr>
+          <p:nvPr>
+            <p:ph type="sldImg"/>
+          </p:nvPr>
+        </p:nvSpPr>
+        <p:spPr/>
+      </p:sp>
+      <p:sp>
+        <p:nvSpPr>
+          <p:cNvPr id="3" name="Notes Placeholder 2">
+            <a:extLst>
+              <a:ext uri="{FF2B5EF4-FFF2-40B4-BE49-F238E27FC236}">
+                <a16:creationId xmlns:a16="http://schemas.microsoft.com/office/drawing/2014/main" id="{395EA856-ED35-1133-32FE-9C4F2254E0C1}"/>
+              </a:ext>
+            </a:extLst>
+          </p:cNvPr>
+          <p:cNvSpPr>
+            <a:spLocks noGrp="1"/>
+          </p:cNvSpPr>
+          <p:nvPr>
+            <p:ph type="body" idx="1"/>
+          </p:nvPr>
+        </p:nvSpPr>
+        <p:spPr/>
+        <p:txBody>
+          <a:bodyPr/>
+          <a:lstStyle/>
+          <a:p>
+            <a:endParaRPr lang="en-US" dirty="0"/>
+          </a:p>
+        </p:txBody>
+      </p:sp>
+      <p:sp>
+        <p:nvSpPr>
+          <p:cNvPr id="4" name="Slide Number Placeholder 3">
+            <a:extLst>
+              <a:ext uri="{FF2B5EF4-FFF2-40B4-BE49-F238E27FC236}">
+                <a16:creationId xmlns:a16="http://schemas.microsoft.com/office/drawing/2014/main" id="{08EA552F-5DDD-8634-6D7D-7F27A8AF495E}"/>
+              </a:ext>
+            </a:extLst>
+          </p:cNvPr>
+          <p:cNvSpPr>
+            <a:spLocks noGrp="1"/>
+          </p:cNvSpPr>
+          <p:nvPr>
+            <p:ph type="sldNum" sz="quarter" idx="5"/>
+          </p:nvPr>
+        </p:nvSpPr>
+        <p:spPr/>
+        <p:txBody>
+          <a:bodyPr/>
+          <a:lstStyle/>
+          <a:p>
+            <a:fld id="{5ED6D2F6-D9A8-4EC3-B74F-DA40A0FC4A95}" type="slidenum">
+              <a:rPr lang="en-US" smtClean="0"/>
+              <a:t>7</a:t>
+            </a:fld>
+            <a:endParaRPr lang="en-US"/>
+          </a:p>
+        </p:txBody>
+      </p:sp>
+    </p:spTree>
+    <p:extLst>
+      <p:ext uri="{BB962C8B-B14F-4D97-AF65-F5344CB8AC3E}">
+        <p14:creationId xmlns:p14="http://schemas.microsoft.com/office/powerpoint/2010/main" val="2986868693"/>
+      </p:ext>
+    </p:extLst>
+  </p:cSld>
+  <p:clrMapOvr>
+    <a:masterClrMapping/>
+  </p:clrMapOvr>
+</p:notes>
+</file>
+
+<file path=ppt/notesSlides/notesSlide5.xml><?xml version="1.0" encoding="utf-8"?>
+<p:notes xmlns:a="http://schemas.openxmlformats.org/drawingml/2006/main" xmlns:r="http://schemas.openxmlformats.org/officeDocument/2006/relationships" xmlns:p="http://schemas.openxmlformats.org/presentationml/2006/main">
+  <p:cSld>
+    <p:spTree>
+      <p:nvGrpSpPr>
+        <p:cNvPr id="1" name="">
+          <a:extLst>
+            <a:ext uri="{FF2B5EF4-FFF2-40B4-BE49-F238E27FC236}">
+              <a16:creationId xmlns:a16="http://schemas.microsoft.com/office/drawing/2014/main" id="{21C49F83-2AAA-390E-01A0-E46076BB355A}"/>
+            </a:ext>
+          </a:extLst>
+        </p:cNvPr>
+        <p:cNvGrpSpPr/>
+        <p:nvPr/>
+      </p:nvGrpSpPr>
+      <p:grpSpPr>
+        <a:xfrm>
+          <a:off x="0" y="0"/>
+          <a:ext cx="0" cy="0"/>
+          <a:chOff x="0" y="0"/>
+          <a:chExt cx="0" cy="0"/>
+        </a:xfrm>
+      </p:grpSpPr>
+      <p:sp>
+        <p:nvSpPr>
+          <p:cNvPr id="2" name="Slide Image Placeholder 1">
+            <a:extLst>
+              <a:ext uri="{FF2B5EF4-FFF2-40B4-BE49-F238E27FC236}">
+                <a16:creationId xmlns:a16="http://schemas.microsoft.com/office/drawing/2014/main" id="{2432B1C5-B28F-BB9D-A9C0-58E048CC187E}"/>
+              </a:ext>
+            </a:extLst>
+          </p:cNvPr>
+          <p:cNvSpPr>
+            <a:spLocks noGrp="1" noRot="1" noChangeAspect="1"/>
+          </p:cNvSpPr>
+          <p:nvPr>
+            <p:ph type="sldImg"/>
+          </p:nvPr>
+        </p:nvSpPr>
+        <p:spPr/>
+      </p:sp>
+      <p:sp>
+        <p:nvSpPr>
+          <p:cNvPr id="3" name="Notes Placeholder 2">
+            <a:extLst>
+              <a:ext uri="{FF2B5EF4-FFF2-40B4-BE49-F238E27FC236}">
+                <a16:creationId xmlns:a16="http://schemas.microsoft.com/office/drawing/2014/main" id="{A8B16F7B-E060-39C9-7D67-268C3A7792E6}"/>
+              </a:ext>
+            </a:extLst>
+          </p:cNvPr>
+          <p:cNvSpPr>
+            <a:spLocks noGrp="1"/>
+          </p:cNvSpPr>
+          <p:nvPr>
+            <p:ph type="body" idx="1"/>
+          </p:nvPr>
+        </p:nvSpPr>
+        <p:spPr/>
+        <p:txBody>
+          <a:bodyPr/>
+          <a:lstStyle/>
+          <a:p>
+            <a:endParaRPr lang="en-US" dirty="0"/>
+          </a:p>
+        </p:txBody>
+      </p:sp>
+      <p:sp>
+        <p:nvSpPr>
+          <p:cNvPr id="4" name="Slide Number Placeholder 3">
+            <a:extLst>
+              <a:ext uri="{FF2B5EF4-FFF2-40B4-BE49-F238E27FC236}">
+                <a16:creationId xmlns:a16="http://schemas.microsoft.com/office/drawing/2014/main" id="{88757E8A-9DB2-68F5-E4BE-55E2B9B537A3}"/>
+              </a:ext>
+            </a:extLst>
+          </p:cNvPr>
+          <p:cNvSpPr>
+            <a:spLocks noGrp="1"/>
+          </p:cNvSpPr>
+          <p:nvPr>
+            <p:ph type="sldNum" sz="quarter" idx="5"/>
+          </p:nvPr>
+        </p:nvSpPr>
+        <p:spPr/>
+        <p:txBody>
+          <a:bodyPr/>
+          <a:lstStyle/>
+          <a:p>
+            <a:fld id="{5ED6D2F6-D9A8-4EC3-B74F-DA40A0FC4A95}" type="slidenum">
+              <a:rPr lang="en-US" smtClean="0"/>
+              <a:t>8</a:t>
+            </a:fld>
+            <a:endParaRPr lang="en-US"/>
+          </a:p>
+        </p:txBody>
+      </p:sp>
+    </p:spTree>
+    <p:extLst>
+      <p:ext uri="{BB962C8B-B14F-4D97-AF65-F5344CB8AC3E}">
+        <p14:creationId xmlns:p14="http://schemas.microsoft.com/office/powerpoint/2010/main" val="4268607995"/>
+      </p:ext>
+    </p:extLst>
+  </p:cSld>
+  <p:clrMapOvr>
+    <a:masterClrMapping/>
+  </p:clrMapOvr>
+</p:notes>
+</file>
+
+<file path=ppt/notesSlides/notesSlide6.xml><?xml version="1.0" encoding="utf-8"?>
+<p:notes xmlns:a="http://schemas.openxmlformats.org/drawingml/2006/main" xmlns:r="http://schemas.openxmlformats.org/officeDocument/2006/relationships" xmlns:p="http://schemas.openxmlformats.org/presentationml/2006/main">
+  <p:cSld>
+    <p:spTree>
+      <p:nvGrpSpPr>
+        <p:cNvPr id="1" name="">
+          <a:extLst>
+            <a:ext uri="{FF2B5EF4-FFF2-40B4-BE49-F238E27FC236}">
+              <a16:creationId xmlns:a16="http://schemas.microsoft.com/office/drawing/2014/main" id="{3F27801F-3C9C-A262-8752-13E979D5A6A4}"/>
+            </a:ext>
+          </a:extLst>
+        </p:cNvPr>
+        <p:cNvGrpSpPr/>
+        <p:nvPr/>
+      </p:nvGrpSpPr>
+      <p:grpSpPr>
+        <a:xfrm>
+          <a:off x="0" y="0"/>
+          <a:ext cx="0" cy="0"/>
+          <a:chOff x="0" y="0"/>
+          <a:chExt cx="0" cy="0"/>
+        </a:xfrm>
+      </p:grpSpPr>
+      <p:sp>
+        <p:nvSpPr>
+          <p:cNvPr id="2" name="Slide Image Placeholder 1">
+            <a:extLst>
+              <a:ext uri="{FF2B5EF4-FFF2-40B4-BE49-F238E27FC236}">
+                <a16:creationId xmlns:a16="http://schemas.microsoft.com/office/drawing/2014/main" id="{41D9093F-B511-89D9-A192-371076427C42}"/>
+              </a:ext>
+            </a:extLst>
+          </p:cNvPr>
+          <p:cNvSpPr>
+            <a:spLocks noGrp="1" noRot="1" noChangeAspect="1"/>
+          </p:cNvSpPr>
+          <p:nvPr>
+            <p:ph type="sldImg"/>
+          </p:nvPr>
+        </p:nvSpPr>
+        <p:spPr/>
+      </p:sp>
+      <p:sp>
+        <p:nvSpPr>
+          <p:cNvPr id="3" name="Notes Placeholder 2">
+            <a:extLst>
+              <a:ext uri="{FF2B5EF4-FFF2-40B4-BE49-F238E27FC236}">
+                <a16:creationId xmlns:a16="http://schemas.microsoft.com/office/drawing/2014/main" id="{086E0E00-F174-ADBB-A3D6-30A9A08CF367}"/>
+              </a:ext>
+            </a:extLst>
+          </p:cNvPr>
+          <p:cNvSpPr>
+            <a:spLocks noGrp="1"/>
+          </p:cNvSpPr>
+          <p:nvPr>
+            <p:ph type="body" idx="1"/>
+          </p:nvPr>
+        </p:nvSpPr>
+        <p:spPr/>
+        <p:txBody>
+          <a:bodyPr/>
+          <a:lstStyle/>
+          <a:p>
+            <a:endParaRPr lang="en-US" dirty="0"/>
+          </a:p>
+        </p:txBody>
+      </p:sp>
+      <p:sp>
+        <p:nvSpPr>
+          <p:cNvPr id="4" name="Slide Number Placeholder 3">
+            <a:extLst>
+              <a:ext uri="{FF2B5EF4-FFF2-40B4-BE49-F238E27FC236}">
+                <a16:creationId xmlns:a16="http://schemas.microsoft.com/office/drawing/2014/main" id="{7FA88960-833F-DD7A-C9C4-4CBFE7C12F66}"/>
+              </a:ext>
+            </a:extLst>
+          </p:cNvPr>
+          <p:cNvSpPr>
+            <a:spLocks noGrp="1"/>
+          </p:cNvSpPr>
+          <p:nvPr>
+            <p:ph type="sldNum" sz="quarter" idx="5"/>
+          </p:nvPr>
+        </p:nvSpPr>
+        <p:spPr/>
+        <p:txBody>
+          <a:bodyPr/>
+          <a:lstStyle/>
+          <a:p>
+            <a:fld id="{5ED6D2F6-D9A8-4EC3-B74F-DA40A0FC4A95}" type="slidenum">
+              <a:rPr lang="en-US" smtClean="0"/>
+              <a:t>9</a:t>
+            </a:fld>
+            <a:endParaRPr lang="en-US"/>
+          </a:p>
+        </p:txBody>
+      </p:sp>
+    </p:spTree>
+    <p:extLst>
+      <p:ext uri="{BB962C8B-B14F-4D97-AF65-F5344CB8AC3E}">
+        <p14:creationId xmlns:p14="http://schemas.microsoft.com/office/powerpoint/2010/main" val="1276290506"/>
       </p:ext>
     </p:extLst>
   </p:cSld>
@@ -4656,8 +4986,8 @@
           </a:p>
         </p:txBody>
       </p:sp>
-      <mc:AlternateContent xmlns:mc="http://schemas.openxmlformats.org/markup-compatibility/2006">
-        <mc:Choice xmlns:a14="http://schemas.microsoft.com/office/drawing/2010/main" Requires="a14">
+      <mc:AlternateContent xmlns:mc="http://schemas.openxmlformats.org/markup-compatibility/2006" xmlns:a14="http://schemas.microsoft.com/office/drawing/2010/main">
+        <mc:Choice Requires="a14">
           <p:sp>
             <p:nvSpPr>
               <p:cNvPr id="8" name="Content Placeholder 2">
@@ -5149,7 +5479,7 @@
             </p:txBody>
           </p:sp>
         </mc:Choice>
-        <mc:Fallback>
+        <mc:Fallback xmlns="">
           <p:sp>
             <p:nvSpPr>
               <p:cNvPr id="8" name="Content Placeholder 2">
@@ -7375,7 +7705,7 @@
         <p:cNvPr id="1" name="">
           <a:extLst>
             <a:ext uri="{FF2B5EF4-FFF2-40B4-BE49-F238E27FC236}">
-              <a16:creationId xmlns:a16="http://schemas.microsoft.com/office/drawing/2014/main" id="{54D17A24-8D0D-1785-50F2-081BBAAC79B1}"/>
+              <a16:creationId xmlns:a16="http://schemas.microsoft.com/office/drawing/2014/main" id="{46230114-1321-D895-2421-09FAB195287B}"/>
             </a:ext>
           </a:extLst>
         </p:cNvPr>
@@ -7392,38 +7722,457 @@
       </p:grpSpPr>
       <p:sp>
         <p:nvSpPr>
-          <p:cNvPr id="2" name="Title 1">
+          <p:cNvPr id="19" name="Content Placeholder 2">
             <a:extLst>
               <a:ext uri="{FF2B5EF4-FFF2-40B4-BE49-F238E27FC236}">
-                <a16:creationId xmlns:a16="http://schemas.microsoft.com/office/drawing/2014/main" id="{AD3BACFE-D3F4-80E8-4CD2-AC044312BD8A}"/>
+                <a16:creationId xmlns:a16="http://schemas.microsoft.com/office/drawing/2014/main" id="{63D58E82-62EB-6F3C-0550-CD957298AB96}"/>
               </a:ext>
             </a:extLst>
           </p:cNvPr>
-          <p:cNvSpPr>
-            <a:spLocks noGrp="1"/>
+          <p:cNvSpPr txBox="1">
+            <a:spLocks/>
           </p:cNvSpPr>
-          <p:nvPr>
-            <p:ph type="title"/>
-          </p:nvPr>
+          <p:nvPr/>
         </p:nvSpPr>
-        <p:spPr/>
+        <p:spPr>
+          <a:xfrm>
+            <a:off x="6179360" y="941744"/>
+            <a:ext cx="5758938" cy="2487256"/>
+          </a:xfrm>
+          <a:prstGeom prst="rect">
+            <a:avLst/>
+          </a:prstGeom>
+        </p:spPr>
         <p:txBody>
-          <a:bodyPr/>
+          <a:bodyPr vert="horz" lIns="91440" tIns="45720" rIns="91440" bIns="45720" rtlCol="0">
+            <a:normAutofit/>
+          </a:bodyPr>
+          <a:lstStyle>
+            <a:lvl1pPr marL="228600" indent="-228600" algn="l" defTabSz="914400" rtl="0" eaLnBrk="1" latinLnBrk="0" hangingPunct="1">
+              <a:lnSpc>
+                <a:spcPct val="90000"/>
+              </a:lnSpc>
+              <a:spcBef>
+                <a:spcPts val="1000"/>
+              </a:spcBef>
+              <a:buFont typeface="Arial" panose="020B0604020202020204" pitchFamily="34" charset="0"/>
+              <a:buChar char="•"/>
+              <a:defRPr sz="2800" kern="1200">
+                <a:solidFill>
+                  <a:schemeClr val="accent6">
+                    <a:lumMod val="75000"/>
+                  </a:schemeClr>
+                </a:solidFill>
+                <a:latin typeface="Trebuchet MS" panose="020B0603020202020204" pitchFamily="34" charset="0"/>
+                <a:ea typeface="+mn-ea"/>
+                <a:cs typeface="+mn-cs"/>
+              </a:defRPr>
+            </a:lvl1pPr>
+            <a:lvl2pPr marL="685800" indent="-228600" algn="l" defTabSz="914400" rtl="0" eaLnBrk="1" latinLnBrk="0" hangingPunct="1">
+              <a:lnSpc>
+                <a:spcPct val="90000"/>
+              </a:lnSpc>
+              <a:spcBef>
+                <a:spcPts val="500"/>
+              </a:spcBef>
+              <a:buFont typeface="Arial" panose="020B0604020202020204" pitchFamily="34" charset="0"/>
+              <a:buChar char="•"/>
+              <a:defRPr sz="2400" kern="1200">
+                <a:solidFill>
+                  <a:schemeClr val="accent6">
+                    <a:lumMod val="75000"/>
+                  </a:schemeClr>
+                </a:solidFill>
+                <a:latin typeface="Trebuchet MS" panose="020B0603020202020204" pitchFamily="34" charset="0"/>
+                <a:ea typeface="+mn-ea"/>
+                <a:cs typeface="+mn-cs"/>
+              </a:defRPr>
+            </a:lvl2pPr>
+            <a:lvl3pPr marL="1143000" indent="-228600" algn="l" defTabSz="914400" rtl="0" eaLnBrk="1" latinLnBrk="0" hangingPunct="1">
+              <a:lnSpc>
+                <a:spcPct val="90000"/>
+              </a:lnSpc>
+              <a:spcBef>
+                <a:spcPts val="500"/>
+              </a:spcBef>
+              <a:buFont typeface="Arial" panose="020B0604020202020204" pitchFamily="34" charset="0"/>
+              <a:buChar char="•"/>
+              <a:defRPr sz="2000" kern="1200">
+                <a:solidFill>
+                  <a:schemeClr val="accent6">
+                    <a:lumMod val="75000"/>
+                  </a:schemeClr>
+                </a:solidFill>
+                <a:latin typeface="Trebuchet MS" panose="020B0603020202020204" pitchFamily="34" charset="0"/>
+                <a:ea typeface="+mn-ea"/>
+                <a:cs typeface="+mn-cs"/>
+              </a:defRPr>
+            </a:lvl3pPr>
+            <a:lvl4pPr marL="1600200" indent="-228600" algn="l" defTabSz="914400" rtl="0" eaLnBrk="1" latinLnBrk="0" hangingPunct="1">
+              <a:lnSpc>
+                <a:spcPct val="90000"/>
+              </a:lnSpc>
+              <a:spcBef>
+                <a:spcPts val="500"/>
+              </a:spcBef>
+              <a:buFont typeface="Arial" panose="020B0604020202020204" pitchFamily="34" charset="0"/>
+              <a:buChar char="•"/>
+              <a:defRPr sz="1800" kern="1200">
+                <a:solidFill>
+                  <a:schemeClr val="accent6">
+                    <a:lumMod val="75000"/>
+                  </a:schemeClr>
+                </a:solidFill>
+                <a:latin typeface="Trebuchet MS" panose="020B0603020202020204" pitchFamily="34" charset="0"/>
+                <a:ea typeface="+mn-ea"/>
+                <a:cs typeface="+mn-cs"/>
+              </a:defRPr>
+            </a:lvl4pPr>
+            <a:lvl5pPr marL="2057400" indent="-228600" algn="l" defTabSz="914400" rtl="0" eaLnBrk="1" latinLnBrk="0" hangingPunct="1">
+              <a:lnSpc>
+                <a:spcPct val="90000"/>
+              </a:lnSpc>
+              <a:spcBef>
+                <a:spcPts val="500"/>
+              </a:spcBef>
+              <a:buFont typeface="Arial" panose="020B0604020202020204" pitchFamily="34" charset="0"/>
+              <a:buChar char="•"/>
+              <a:defRPr sz="1800" kern="1200">
+                <a:solidFill>
+                  <a:schemeClr val="accent6">
+                    <a:lumMod val="75000"/>
+                  </a:schemeClr>
+                </a:solidFill>
+                <a:latin typeface="Trebuchet MS" panose="020B0603020202020204" pitchFamily="34" charset="0"/>
+                <a:ea typeface="+mn-ea"/>
+                <a:cs typeface="+mn-cs"/>
+              </a:defRPr>
+            </a:lvl5pPr>
+            <a:lvl6pPr marL="2514600" indent="-228600" algn="l" defTabSz="914400" rtl="0" eaLnBrk="1" latinLnBrk="0" hangingPunct="1">
+              <a:lnSpc>
+                <a:spcPct val="90000"/>
+              </a:lnSpc>
+              <a:spcBef>
+                <a:spcPts val="500"/>
+              </a:spcBef>
+              <a:buFont typeface="Arial" panose="020B0604020202020204" pitchFamily="34" charset="0"/>
+              <a:buChar char="•"/>
+              <a:defRPr sz="1800" kern="1200">
+                <a:solidFill>
+                  <a:schemeClr val="tx1"/>
+                </a:solidFill>
+                <a:latin typeface="+mn-lt"/>
+                <a:ea typeface="+mn-ea"/>
+                <a:cs typeface="+mn-cs"/>
+              </a:defRPr>
+            </a:lvl6pPr>
+            <a:lvl7pPr marL="2971800" indent="-228600" algn="l" defTabSz="914400" rtl="0" eaLnBrk="1" latinLnBrk="0" hangingPunct="1">
+              <a:lnSpc>
+                <a:spcPct val="90000"/>
+              </a:lnSpc>
+              <a:spcBef>
+                <a:spcPts val="500"/>
+              </a:spcBef>
+              <a:buFont typeface="Arial" panose="020B0604020202020204" pitchFamily="34" charset="0"/>
+              <a:buChar char="•"/>
+              <a:defRPr sz="1800" kern="1200">
+                <a:solidFill>
+                  <a:schemeClr val="tx1"/>
+                </a:solidFill>
+                <a:latin typeface="+mn-lt"/>
+                <a:ea typeface="+mn-ea"/>
+                <a:cs typeface="+mn-cs"/>
+              </a:defRPr>
+            </a:lvl7pPr>
+            <a:lvl8pPr marL="3429000" indent="-228600" algn="l" defTabSz="914400" rtl="0" eaLnBrk="1" latinLnBrk="0" hangingPunct="1">
+              <a:lnSpc>
+                <a:spcPct val="90000"/>
+              </a:lnSpc>
+              <a:spcBef>
+                <a:spcPts val="500"/>
+              </a:spcBef>
+              <a:buFont typeface="Arial" panose="020B0604020202020204" pitchFamily="34" charset="0"/>
+              <a:buChar char="•"/>
+              <a:defRPr sz="1800" kern="1200">
+                <a:solidFill>
+                  <a:schemeClr val="tx1"/>
+                </a:solidFill>
+                <a:latin typeface="+mn-lt"/>
+                <a:ea typeface="+mn-ea"/>
+                <a:cs typeface="+mn-cs"/>
+              </a:defRPr>
+            </a:lvl8pPr>
+            <a:lvl9pPr marL="3886200" indent="-228600" algn="l" defTabSz="914400" rtl="0" eaLnBrk="1" latinLnBrk="0" hangingPunct="1">
+              <a:lnSpc>
+                <a:spcPct val="90000"/>
+              </a:lnSpc>
+              <a:spcBef>
+                <a:spcPts val="500"/>
+              </a:spcBef>
+              <a:buFont typeface="Arial" panose="020B0604020202020204" pitchFamily="34" charset="0"/>
+              <a:buChar char="•"/>
+              <a:defRPr sz="1800" kern="1200">
+                <a:solidFill>
+                  <a:schemeClr val="tx1"/>
+                </a:solidFill>
+                <a:latin typeface="+mn-lt"/>
+                <a:ea typeface="+mn-ea"/>
+                <a:cs typeface="+mn-cs"/>
+              </a:defRPr>
+            </a:lvl9pPr>
+          </a:lstStyle>
+          <a:p>
+            <a:r>
+              <a:rPr lang="en-US" sz="2000" dirty="0">
+                <a:solidFill>
+                  <a:schemeClr val="tx1"/>
+                </a:solidFill>
+              </a:rPr>
+              <a:t>Geometry given in spatial representation (32x32 pixels) [0,1]</a:t>
+            </a:r>
+            <a:endParaRPr lang="en-US" sz="1600" dirty="0">
+              <a:solidFill>
+                <a:schemeClr val="tx1"/>
+              </a:solidFill>
+            </a:endParaRPr>
+          </a:p>
+          <a:p>
+            <a:r>
+              <a:rPr lang="en-US" sz="2000" dirty="0">
+                <a:solidFill>
+                  <a:schemeClr val="tx1"/>
+                </a:solidFill>
+              </a:rPr>
+              <a:t>Band given as the frequency of a 2D sinusoidal function. [-1,1]</a:t>
+            </a:r>
+          </a:p>
+          <a:p>
+            <a:r>
+              <a:rPr lang="en-US" sz="2000" dirty="0">
+                <a:solidFill>
+                  <a:schemeClr val="tx1"/>
+                </a:solidFill>
+              </a:rPr>
+              <a:t>Wavevector given as two frequencies of a 2D sinusoidal function. [-1,1]</a:t>
+            </a:r>
+          </a:p>
+        </p:txBody>
+      </p:sp>
+      <p:sp>
+        <p:nvSpPr>
+          <p:cNvPr id="3" name="Title 1">
+            <a:extLst>
+              <a:ext uri="{FF2B5EF4-FFF2-40B4-BE49-F238E27FC236}">
+                <a16:creationId xmlns:a16="http://schemas.microsoft.com/office/drawing/2014/main" id="{5F87EEA2-3413-8D08-A59E-741EB22E9206}"/>
+              </a:ext>
+            </a:extLst>
+          </p:cNvPr>
+          <p:cNvSpPr txBox="1">
+            <a:spLocks/>
+          </p:cNvSpPr>
+          <p:nvPr/>
+        </p:nvSpPr>
+        <p:spPr>
+          <a:xfrm>
+            <a:off x="1064404" y="90397"/>
+            <a:ext cx="10289395" cy="771015"/>
+          </a:xfrm>
+          <a:prstGeom prst="rect">
+            <a:avLst/>
+          </a:prstGeom>
+        </p:spPr>
+        <p:txBody>
+          <a:bodyPr vert="horz" lIns="91440" tIns="45720" rIns="91440" bIns="45720" rtlCol="0" anchor="ctr">
+            <a:normAutofit/>
+          </a:bodyPr>
+          <a:lstStyle>
+            <a:lvl1pPr algn="l" defTabSz="914400" rtl="0" eaLnBrk="1" latinLnBrk="0" hangingPunct="1">
+              <a:lnSpc>
+                <a:spcPct val="90000"/>
+              </a:lnSpc>
+              <a:spcBef>
+                <a:spcPct val="0"/>
+              </a:spcBef>
+              <a:buNone/>
+              <a:defRPr sz="4400" b="1" kern="1200">
+                <a:solidFill>
+                  <a:schemeClr val="accent6">
+                    <a:lumMod val="75000"/>
+                  </a:schemeClr>
+                </a:solidFill>
+                <a:latin typeface="Garamond" panose="02020404030301010803" pitchFamily="18" charset="0"/>
+                <a:ea typeface="+mj-ea"/>
+                <a:cs typeface="+mj-cs"/>
+              </a:defRPr>
+            </a:lvl1pPr>
+          </a:lstStyle>
+          <a:p>
+            <a:pPr algn="ctr"/>
+            <a:r>
+              <a:rPr lang="en-US" sz="4000" dirty="0">
+                <a:latin typeface="Segoe UI Light" panose="020B0502040204020203" pitchFamily="34" charset="0"/>
+                <a:ea typeface="Calibri" panose="020F0502020204030204" pitchFamily="34" charset="0"/>
+                <a:cs typeface="Segoe UI Light" panose="020B0502040204020203" pitchFamily="34" charset="0"/>
+              </a:rPr>
+              <a:t>Sinusoidal Field Encoding</a:t>
+            </a:r>
+          </a:p>
+        </p:txBody>
+      </p:sp>
+      <p:sp>
+        <p:nvSpPr>
+          <p:cNvPr id="6" name="TextBox 5">
+            <a:extLst>
+              <a:ext uri="{FF2B5EF4-FFF2-40B4-BE49-F238E27FC236}">
+                <a16:creationId xmlns:a16="http://schemas.microsoft.com/office/drawing/2014/main" id="{FA1B5DCE-1283-3E5A-10FB-3BFC189E771A}"/>
+              </a:ext>
+            </a:extLst>
+          </p:cNvPr>
+          <p:cNvSpPr txBox="1"/>
+          <p:nvPr/>
+        </p:nvSpPr>
+        <p:spPr>
+          <a:xfrm>
+            <a:off x="8998986" y="4462130"/>
+            <a:ext cx="1651378" cy="246221"/>
+          </a:xfrm>
+          <a:prstGeom prst="rect">
+            <a:avLst/>
+          </a:prstGeom>
+          <a:noFill/>
+        </p:spPr>
+        <p:txBody>
+          <a:bodyPr wrap="square" rtlCol="0">
+            <a:spAutoFit/>
+          </a:bodyPr>
+          <a:lstStyle/>
+          <a:p>
+            <a:r>
+              <a:rPr lang="en-US" sz="1000" dirty="0"/>
+              <a:t>(Li, </a:t>
+            </a:r>
+            <a:r>
+              <a:rPr lang="en-US" sz="1000" dirty="0" err="1"/>
+              <a:t>Zongyi</a:t>
+            </a:r>
+            <a:r>
+              <a:rPr lang="en-US" sz="1000" dirty="0"/>
+              <a:t>, et. Al, ICLR 2021)</a:t>
+            </a:r>
+          </a:p>
+        </p:txBody>
+      </p:sp>
+      <p:sp>
+        <p:nvSpPr>
+          <p:cNvPr id="13" name="TextBox 12">
+            <a:extLst>
+              <a:ext uri="{FF2B5EF4-FFF2-40B4-BE49-F238E27FC236}">
+                <a16:creationId xmlns:a16="http://schemas.microsoft.com/office/drawing/2014/main" id="{2EB025D1-741B-3897-78A4-53607F59F1C3}"/>
+              </a:ext>
+            </a:extLst>
+          </p:cNvPr>
+          <p:cNvSpPr txBox="1"/>
+          <p:nvPr/>
+        </p:nvSpPr>
+        <p:spPr>
+          <a:xfrm>
+            <a:off x="2705100" y="861413"/>
+            <a:ext cx="1647825" cy="369332"/>
+          </a:xfrm>
+          <a:prstGeom prst="rect">
+            <a:avLst/>
+          </a:prstGeom>
+          <a:noFill/>
+        </p:spPr>
+        <p:txBody>
+          <a:bodyPr wrap="square" rtlCol="0">
+            <a:spAutoFit/>
+          </a:bodyPr>
           <a:lstStyle/>
           <a:p>
             <a:r>
               <a:rPr lang="en-US" dirty="0"/>
-              <a:t>Data &amp; Results</a:t>
+              <a:t>Inputs</a:t>
+            </a:r>
+          </a:p>
+        </p:txBody>
+      </p:sp>
+      <p:sp>
+        <p:nvSpPr>
+          <p:cNvPr id="14" name="TextBox 13">
+            <a:extLst>
+              <a:ext uri="{FF2B5EF4-FFF2-40B4-BE49-F238E27FC236}">
+                <a16:creationId xmlns:a16="http://schemas.microsoft.com/office/drawing/2014/main" id="{D2EE14BF-CC40-E3E2-3D95-B216A4331E39}"/>
+              </a:ext>
+            </a:extLst>
+          </p:cNvPr>
+          <p:cNvSpPr txBox="1"/>
+          <p:nvPr/>
+        </p:nvSpPr>
+        <p:spPr>
+          <a:xfrm>
+            <a:off x="1064404" y="3059668"/>
+            <a:ext cx="1038225" cy="369332"/>
+          </a:xfrm>
+          <a:prstGeom prst="rect">
+            <a:avLst/>
+          </a:prstGeom>
+          <a:noFill/>
+        </p:spPr>
+        <p:txBody>
+          <a:bodyPr wrap="square" rtlCol="0">
+            <a:spAutoFit/>
+          </a:bodyPr>
+          <a:lstStyle/>
+          <a:p>
+            <a:r>
+              <a:rPr lang="en-US" dirty="0"/>
+              <a:t>Outputs</a:t>
+            </a:r>
+          </a:p>
+        </p:txBody>
+      </p:sp>
+      <p:sp>
+        <p:nvSpPr>
+          <p:cNvPr id="15" name="TextBox 14">
+            <a:extLst>
+              <a:ext uri="{FF2B5EF4-FFF2-40B4-BE49-F238E27FC236}">
+                <a16:creationId xmlns:a16="http://schemas.microsoft.com/office/drawing/2014/main" id="{41EECE52-B5E1-4F2A-18DD-39695DB8859F}"/>
+              </a:ext>
+            </a:extLst>
+          </p:cNvPr>
+          <p:cNvSpPr txBox="1"/>
+          <p:nvPr/>
+        </p:nvSpPr>
+        <p:spPr>
+          <a:xfrm>
+            <a:off x="5120388" y="3059668"/>
+            <a:ext cx="1038225" cy="369332"/>
+          </a:xfrm>
+          <a:prstGeom prst="rect">
+            <a:avLst/>
+          </a:prstGeom>
+          <a:noFill/>
+        </p:spPr>
+        <p:txBody>
+          <a:bodyPr wrap="square" rtlCol="0">
+            <a:spAutoFit/>
+          </a:bodyPr>
+          <a:lstStyle/>
+          <a:p>
+            <a:r>
+              <a:rPr lang="en-US" dirty="0"/>
+              <a:t>Targets</a:t>
             </a:r>
           </a:p>
         </p:txBody>
       </p:sp>
       <p:pic>
         <p:nvPicPr>
-          <p:cNvPr id="9" name="Picture 8" descr="A chart of a wave&#10;&#10;Description automatically generated with medium confidence">
+          <p:cNvPr id="17" name="Picture 16" descr="A diagram of a mathematical equation&#10;&#10;AI-generated content may be incorrect.">
             <a:extLst>
               <a:ext uri="{FF2B5EF4-FFF2-40B4-BE49-F238E27FC236}">
-                <a16:creationId xmlns:a16="http://schemas.microsoft.com/office/drawing/2014/main" id="{A4880E23-2415-07A3-D471-9B15EF2A51B7}"/>
+                <a16:creationId xmlns:a16="http://schemas.microsoft.com/office/drawing/2014/main" id="{05359F4A-1E63-5C5B-28F3-58134D299004}"/>
               </a:ext>
             </a:extLst>
           </p:cNvPr>
@@ -7434,14 +8183,15 @@
         </p:nvPicPr>
         <p:blipFill>
           <a:blip r:embed="rId3"/>
+          <a:srcRect l="8329" t="43359" r="7787"/>
           <a:stretch>
             <a:fillRect/>
           </a:stretch>
         </p:blipFill>
         <p:spPr>
           <a:xfrm>
-            <a:off x="7816824" y="1161294"/>
-            <a:ext cx="4083982" cy="3901117"/>
+            <a:off x="7606414" y="3380144"/>
+            <a:ext cx="4436522" cy="986451"/>
           </a:xfrm>
           <a:prstGeom prst="rect">
             <a:avLst/>
@@ -7450,10 +8200,596 @@
       </p:pic>
       <p:pic>
         <p:nvPicPr>
-          <p:cNvPr id="11" name="Picture 10" descr="A colorful squares with black lines&#10;&#10;Description automatically generated with medium confidence">
+          <p:cNvPr id="16" name="Picture 15" descr="A chart of different colors&#10;&#10;AI-generated content may be incorrect.">
             <a:extLst>
               <a:ext uri="{FF2B5EF4-FFF2-40B4-BE49-F238E27FC236}">
-                <a16:creationId xmlns:a16="http://schemas.microsoft.com/office/drawing/2014/main" id="{BDBA371A-C59A-BF65-AA43-84D09F7F5941}"/>
+                <a16:creationId xmlns:a16="http://schemas.microsoft.com/office/drawing/2014/main" id="{33CDD739-5074-F9B7-AAB0-18D39060CF39}"/>
+              </a:ext>
+            </a:extLst>
+          </p:cNvPr>
+          <p:cNvPicPr>
+            <a:picLocks noChangeAspect="1"/>
+          </p:cNvPicPr>
+          <p:nvPr/>
+        </p:nvPicPr>
+        <p:blipFill>
+          <a:blip r:embed="rId4"/>
+          <a:srcRect t="42388" r="15115" b="29254"/>
+          <a:stretch>
+            <a:fillRect/>
+          </a:stretch>
+        </p:blipFill>
+        <p:spPr>
+          <a:xfrm>
+            <a:off x="386590" y="1172802"/>
+            <a:ext cx="5390866" cy="1944807"/>
+          </a:xfrm>
+          <a:prstGeom prst="rect">
+            <a:avLst/>
+          </a:prstGeom>
+        </p:spPr>
+      </p:pic>
+      <p:pic>
+        <p:nvPicPr>
+          <p:cNvPr id="20" name="Picture 19" descr="A screenshot of a computer generated image&#10;&#10;AI-generated content may be incorrect.">
+            <a:extLst>
+              <a:ext uri="{FF2B5EF4-FFF2-40B4-BE49-F238E27FC236}">
+                <a16:creationId xmlns:a16="http://schemas.microsoft.com/office/drawing/2014/main" id="{DE011208-2138-72CC-ACCD-0ED68851816D}"/>
+              </a:ext>
+            </a:extLst>
+          </p:cNvPr>
+          <p:cNvPicPr>
+            <a:picLocks noChangeAspect="1"/>
+          </p:cNvPicPr>
+          <p:nvPr/>
+        </p:nvPicPr>
+        <p:blipFill>
+          <a:blip r:embed="rId5"/>
+          <a:srcRect t="12381"/>
+          <a:stretch>
+            <a:fillRect/>
+          </a:stretch>
+        </p:blipFill>
+        <p:spPr>
+          <a:xfrm>
+            <a:off x="162563" y="3428998"/>
+            <a:ext cx="3471681" cy="3375989"/>
+          </a:xfrm>
+          <a:prstGeom prst="rect">
+            <a:avLst/>
+          </a:prstGeom>
+        </p:spPr>
+      </p:pic>
+      <p:pic>
+        <p:nvPicPr>
+          <p:cNvPr id="29" name="Picture 28" descr="A screenshot of a computer screen&#10;&#10;AI-generated content may be incorrect.">
+            <a:extLst>
+              <a:ext uri="{FF2B5EF4-FFF2-40B4-BE49-F238E27FC236}">
+                <a16:creationId xmlns:a16="http://schemas.microsoft.com/office/drawing/2014/main" id="{7A473F31-FC13-8348-29F4-B40DDE0A70E1}"/>
+              </a:ext>
+            </a:extLst>
+          </p:cNvPr>
+          <p:cNvPicPr>
+            <a:picLocks noChangeAspect="1"/>
+          </p:cNvPicPr>
+          <p:nvPr/>
+        </p:nvPicPr>
+        <p:blipFill>
+          <a:blip r:embed="rId6"/>
+          <a:srcRect t="12381"/>
+          <a:stretch>
+            <a:fillRect/>
+          </a:stretch>
+        </p:blipFill>
+        <p:spPr>
+          <a:xfrm>
+            <a:off x="3634244" y="3428997"/>
+            <a:ext cx="3471681" cy="3375989"/>
+          </a:xfrm>
+          <a:prstGeom prst="rect">
+            <a:avLst/>
+          </a:prstGeom>
+        </p:spPr>
+      </p:pic>
+      <p:pic>
+        <p:nvPicPr>
+          <p:cNvPr id="31" name="Picture 30" descr="A close-up of a chart&#10;&#10;AI-generated content may be incorrect.">
+            <a:extLst>
+              <a:ext uri="{FF2B5EF4-FFF2-40B4-BE49-F238E27FC236}">
+                <a16:creationId xmlns:a16="http://schemas.microsoft.com/office/drawing/2014/main" id="{BC42E9C3-4E92-44F9-B4E6-B849C99F6DC8}"/>
+              </a:ext>
+            </a:extLst>
+          </p:cNvPr>
+          <p:cNvPicPr>
+            <a:picLocks noChangeAspect="1"/>
+          </p:cNvPicPr>
+          <p:nvPr/>
+        </p:nvPicPr>
+        <p:blipFill>
+          <a:blip r:embed="rId7"/>
+          <a:stretch>
+            <a:fillRect/>
+          </a:stretch>
+        </p:blipFill>
+        <p:spPr>
+          <a:xfrm>
+            <a:off x="7392139" y="4462131"/>
+            <a:ext cx="4799862" cy="2395870"/>
+          </a:xfrm>
+          <a:prstGeom prst="rect">
+            <a:avLst/>
+          </a:prstGeom>
+        </p:spPr>
+      </p:pic>
+    </p:spTree>
+    <p:extLst>
+      <p:ext uri="{BB962C8B-B14F-4D97-AF65-F5344CB8AC3E}">
+        <p14:creationId xmlns:p14="http://schemas.microsoft.com/office/powerpoint/2010/main" val="1976504753"/>
+      </p:ext>
+    </p:extLst>
+  </p:cSld>
+  <p:clrMapOvr>
+    <a:masterClrMapping/>
+  </p:clrMapOvr>
+</p:sld>
+</file>
+
+<file path=ppt/slides/slide7.xml><?xml version="1.0" encoding="utf-8"?>
+<p:sld xmlns:a="http://schemas.openxmlformats.org/drawingml/2006/main" xmlns:r="http://schemas.openxmlformats.org/officeDocument/2006/relationships" xmlns:p="http://schemas.openxmlformats.org/presentationml/2006/main">
+  <p:cSld>
+    <p:spTree>
+      <p:nvGrpSpPr>
+        <p:cNvPr id="1" name="">
+          <a:extLst>
+            <a:ext uri="{FF2B5EF4-FFF2-40B4-BE49-F238E27FC236}">
+              <a16:creationId xmlns:a16="http://schemas.microsoft.com/office/drawing/2014/main" id="{79198ED3-0476-BC75-AD32-EBEEEA070162}"/>
+            </a:ext>
+          </a:extLst>
+        </p:cNvPr>
+        <p:cNvGrpSpPr/>
+        <p:nvPr/>
+      </p:nvGrpSpPr>
+      <p:grpSpPr>
+        <a:xfrm>
+          <a:off x="0" y="0"/>
+          <a:ext cx="0" cy="0"/>
+          <a:chOff x="0" y="0"/>
+          <a:chExt cx="0" cy="0"/>
+        </a:xfrm>
+      </p:grpSpPr>
+      <mc:AlternateContent xmlns:mc="http://schemas.openxmlformats.org/markup-compatibility/2006">
+        <mc:Choice xmlns:a14="http://schemas.microsoft.com/office/drawing/2010/main" Requires="a14">
+          <p:sp>
+            <p:nvSpPr>
+              <p:cNvPr id="19" name="Content Placeholder 2">
+                <a:extLst>
+                  <a:ext uri="{FF2B5EF4-FFF2-40B4-BE49-F238E27FC236}">
+                    <a16:creationId xmlns:a16="http://schemas.microsoft.com/office/drawing/2014/main" id="{D64A289F-4B98-8DF0-C8DA-9EE9677D071D}"/>
+                  </a:ext>
+                </a:extLst>
+              </p:cNvPr>
+              <p:cNvSpPr txBox="1">
+                <a:spLocks/>
+              </p:cNvSpPr>
+              <p:nvPr/>
+            </p:nvSpPr>
+            <p:spPr>
+              <a:xfrm>
+                <a:off x="1956458" y="941744"/>
+                <a:ext cx="1754581" cy="658601"/>
+              </a:xfrm>
+              <a:prstGeom prst="rect">
+                <a:avLst/>
+              </a:prstGeom>
+              <a:ln>
+                <a:solidFill>
+                  <a:schemeClr val="tx1"/>
+                </a:solidFill>
+              </a:ln>
+            </p:spPr>
+            <p:txBody>
+              <a:bodyPr vert="horz" lIns="91440" tIns="45720" rIns="91440" bIns="45720" rtlCol="0">
+                <a:normAutofit/>
+              </a:bodyPr>
+              <a:lstStyle>
+                <a:lvl1pPr marL="228600" indent="-228600" algn="l" defTabSz="914400" rtl="0" eaLnBrk="1" latinLnBrk="0" hangingPunct="1">
+                  <a:lnSpc>
+                    <a:spcPct val="90000"/>
+                  </a:lnSpc>
+                  <a:spcBef>
+                    <a:spcPts val="1000"/>
+                  </a:spcBef>
+                  <a:buFont typeface="Arial" panose="020B0604020202020204" pitchFamily="34" charset="0"/>
+                  <a:buChar char="•"/>
+                  <a:defRPr sz="2800" kern="1200">
+                    <a:solidFill>
+                      <a:schemeClr val="accent6">
+                        <a:lumMod val="75000"/>
+                      </a:schemeClr>
+                    </a:solidFill>
+                    <a:latin typeface="Trebuchet MS" panose="020B0603020202020204" pitchFamily="34" charset="0"/>
+                    <a:ea typeface="+mn-ea"/>
+                    <a:cs typeface="+mn-cs"/>
+                  </a:defRPr>
+                </a:lvl1pPr>
+                <a:lvl2pPr marL="685800" indent="-228600" algn="l" defTabSz="914400" rtl="0" eaLnBrk="1" latinLnBrk="0" hangingPunct="1">
+                  <a:lnSpc>
+                    <a:spcPct val="90000"/>
+                  </a:lnSpc>
+                  <a:spcBef>
+                    <a:spcPts val="500"/>
+                  </a:spcBef>
+                  <a:buFont typeface="Arial" panose="020B0604020202020204" pitchFamily="34" charset="0"/>
+                  <a:buChar char="•"/>
+                  <a:defRPr sz="2400" kern="1200">
+                    <a:solidFill>
+                      <a:schemeClr val="accent6">
+                        <a:lumMod val="75000"/>
+                      </a:schemeClr>
+                    </a:solidFill>
+                    <a:latin typeface="Trebuchet MS" panose="020B0603020202020204" pitchFamily="34" charset="0"/>
+                    <a:ea typeface="+mn-ea"/>
+                    <a:cs typeface="+mn-cs"/>
+                  </a:defRPr>
+                </a:lvl2pPr>
+                <a:lvl3pPr marL="1143000" indent="-228600" algn="l" defTabSz="914400" rtl="0" eaLnBrk="1" latinLnBrk="0" hangingPunct="1">
+                  <a:lnSpc>
+                    <a:spcPct val="90000"/>
+                  </a:lnSpc>
+                  <a:spcBef>
+                    <a:spcPts val="500"/>
+                  </a:spcBef>
+                  <a:buFont typeface="Arial" panose="020B0604020202020204" pitchFamily="34" charset="0"/>
+                  <a:buChar char="•"/>
+                  <a:defRPr sz="2000" kern="1200">
+                    <a:solidFill>
+                      <a:schemeClr val="accent6">
+                        <a:lumMod val="75000"/>
+                      </a:schemeClr>
+                    </a:solidFill>
+                    <a:latin typeface="Trebuchet MS" panose="020B0603020202020204" pitchFamily="34" charset="0"/>
+                    <a:ea typeface="+mn-ea"/>
+                    <a:cs typeface="+mn-cs"/>
+                  </a:defRPr>
+                </a:lvl3pPr>
+                <a:lvl4pPr marL="1600200" indent="-228600" algn="l" defTabSz="914400" rtl="0" eaLnBrk="1" latinLnBrk="0" hangingPunct="1">
+                  <a:lnSpc>
+                    <a:spcPct val="90000"/>
+                  </a:lnSpc>
+                  <a:spcBef>
+                    <a:spcPts val="500"/>
+                  </a:spcBef>
+                  <a:buFont typeface="Arial" panose="020B0604020202020204" pitchFamily="34" charset="0"/>
+                  <a:buChar char="•"/>
+                  <a:defRPr sz="1800" kern="1200">
+                    <a:solidFill>
+                      <a:schemeClr val="accent6">
+                        <a:lumMod val="75000"/>
+                      </a:schemeClr>
+                    </a:solidFill>
+                    <a:latin typeface="Trebuchet MS" panose="020B0603020202020204" pitchFamily="34" charset="0"/>
+                    <a:ea typeface="+mn-ea"/>
+                    <a:cs typeface="+mn-cs"/>
+                  </a:defRPr>
+                </a:lvl4pPr>
+                <a:lvl5pPr marL="2057400" indent="-228600" algn="l" defTabSz="914400" rtl="0" eaLnBrk="1" latinLnBrk="0" hangingPunct="1">
+                  <a:lnSpc>
+                    <a:spcPct val="90000"/>
+                  </a:lnSpc>
+                  <a:spcBef>
+                    <a:spcPts val="500"/>
+                  </a:spcBef>
+                  <a:buFont typeface="Arial" panose="020B0604020202020204" pitchFamily="34" charset="0"/>
+                  <a:buChar char="•"/>
+                  <a:defRPr sz="1800" kern="1200">
+                    <a:solidFill>
+                      <a:schemeClr val="accent6">
+                        <a:lumMod val="75000"/>
+                      </a:schemeClr>
+                    </a:solidFill>
+                    <a:latin typeface="Trebuchet MS" panose="020B0603020202020204" pitchFamily="34" charset="0"/>
+                    <a:ea typeface="+mn-ea"/>
+                    <a:cs typeface="+mn-cs"/>
+                  </a:defRPr>
+                </a:lvl5pPr>
+                <a:lvl6pPr marL="2514600" indent="-228600" algn="l" defTabSz="914400" rtl="0" eaLnBrk="1" latinLnBrk="0" hangingPunct="1">
+                  <a:lnSpc>
+                    <a:spcPct val="90000"/>
+                  </a:lnSpc>
+                  <a:spcBef>
+                    <a:spcPts val="500"/>
+                  </a:spcBef>
+                  <a:buFont typeface="Arial" panose="020B0604020202020204" pitchFamily="34" charset="0"/>
+                  <a:buChar char="•"/>
+                  <a:defRPr sz="1800" kern="1200">
+                    <a:solidFill>
+                      <a:schemeClr val="tx1"/>
+                    </a:solidFill>
+                    <a:latin typeface="+mn-lt"/>
+                    <a:ea typeface="+mn-ea"/>
+                    <a:cs typeface="+mn-cs"/>
+                  </a:defRPr>
+                </a:lvl6pPr>
+                <a:lvl7pPr marL="2971800" indent="-228600" algn="l" defTabSz="914400" rtl="0" eaLnBrk="1" latinLnBrk="0" hangingPunct="1">
+                  <a:lnSpc>
+                    <a:spcPct val="90000"/>
+                  </a:lnSpc>
+                  <a:spcBef>
+                    <a:spcPts val="500"/>
+                  </a:spcBef>
+                  <a:buFont typeface="Arial" panose="020B0604020202020204" pitchFamily="34" charset="0"/>
+                  <a:buChar char="•"/>
+                  <a:defRPr sz="1800" kern="1200">
+                    <a:solidFill>
+                      <a:schemeClr val="tx1"/>
+                    </a:solidFill>
+                    <a:latin typeface="+mn-lt"/>
+                    <a:ea typeface="+mn-ea"/>
+                    <a:cs typeface="+mn-cs"/>
+                  </a:defRPr>
+                </a:lvl7pPr>
+                <a:lvl8pPr marL="3429000" indent="-228600" algn="l" defTabSz="914400" rtl="0" eaLnBrk="1" latinLnBrk="0" hangingPunct="1">
+                  <a:lnSpc>
+                    <a:spcPct val="90000"/>
+                  </a:lnSpc>
+                  <a:spcBef>
+                    <a:spcPts val="500"/>
+                  </a:spcBef>
+                  <a:buFont typeface="Arial" panose="020B0604020202020204" pitchFamily="34" charset="0"/>
+                  <a:buChar char="•"/>
+                  <a:defRPr sz="1800" kern="1200">
+                    <a:solidFill>
+                      <a:schemeClr val="tx1"/>
+                    </a:solidFill>
+                    <a:latin typeface="+mn-lt"/>
+                    <a:ea typeface="+mn-ea"/>
+                    <a:cs typeface="+mn-cs"/>
+                  </a:defRPr>
+                </a:lvl8pPr>
+                <a:lvl9pPr marL="3886200" indent="-228600" algn="l" defTabSz="914400" rtl="0" eaLnBrk="1" latinLnBrk="0" hangingPunct="1">
+                  <a:lnSpc>
+                    <a:spcPct val="90000"/>
+                  </a:lnSpc>
+                  <a:spcBef>
+                    <a:spcPts val="500"/>
+                  </a:spcBef>
+                  <a:buFont typeface="Arial" panose="020B0604020202020204" pitchFamily="34" charset="0"/>
+                  <a:buChar char="•"/>
+                  <a:defRPr sz="1800" kern="1200">
+                    <a:solidFill>
+                      <a:schemeClr val="tx1"/>
+                    </a:solidFill>
+                    <a:latin typeface="+mn-lt"/>
+                    <a:ea typeface="+mn-ea"/>
+                    <a:cs typeface="+mn-cs"/>
+                  </a:defRPr>
+                </a:lvl9pPr>
+              </a:lstStyle>
+              <a:p>
+                <a:pPr marL="0" indent="0" algn="ctr">
+                  <a:buNone/>
+                </a:pPr>
+                <a14:m>
+                  <m:oMathPara xmlns:m="http://schemas.openxmlformats.org/officeDocument/2006/math">
+                    <m:oMathParaPr>
+                      <m:jc m:val="centerGroup"/>
+                    </m:oMathParaPr>
+                    <m:oMath xmlns:m="http://schemas.openxmlformats.org/officeDocument/2006/math">
+                      <m:r>
+                        <a:rPr lang="en-US" sz="1600" b="0" i="1" smtClean="0">
+                          <a:solidFill>
+                            <a:schemeClr val="tx1"/>
+                          </a:solidFill>
+                          <a:latin typeface="Cambria Math" panose="02040503050406030204" pitchFamily="18" charset="0"/>
+                        </a:rPr>
+                        <m:t>𝑓</m:t>
+                      </m:r>
+                      <m:r>
+                        <a:rPr lang="en-US" sz="1600" b="0" i="1" smtClean="0">
+                          <a:solidFill>
+                            <a:schemeClr val="tx1"/>
+                          </a:solidFill>
+                          <a:latin typeface="Cambria Math" panose="02040503050406030204" pitchFamily="18" charset="0"/>
+                        </a:rPr>
+                        <m:t>=(1+</m:t>
+                      </m:r>
+                      <m:d>
+                        <m:dPr>
+                          <m:begChr m:val="|"/>
+                          <m:endChr m:val="|"/>
+                          <m:ctrlPr>
+                            <a:rPr lang="en-US" sz="1600" b="0" i="1" smtClean="0">
+                              <a:solidFill>
+                                <a:schemeClr val="tx1"/>
+                              </a:solidFill>
+                              <a:latin typeface="Cambria Math" panose="02040503050406030204" pitchFamily="18" charset="0"/>
+                            </a:rPr>
+                          </m:ctrlPr>
+                        </m:dPr>
+                        <m:e>
+                          <m:r>
+                            <a:rPr lang="en-US" sz="1600" b="0" i="1" smtClean="0">
+                              <a:solidFill>
+                                <a:schemeClr val="tx1"/>
+                              </a:solidFill>
+                              <a:latin typeface="Cambria Math" panose="02040503050406030204" pitchFamily="18" charset="0"/>
+                            </a:rPr>
+                            <m:t>𝑏</m:t>
+                          </m:r>
+                        </m:e>
+                      </m:d>
+                      <m:r>
+                        <a:rPr lang="en-US" sz="1600" b="0" i="1" smtClean="0">
+                          <a:solidFill>
+                            <a:schemeClr val="tx1"/>
+                          </a:solidFill>
+                          <a:latin typeface="Cambria Math" panose="02040503050406030204" pitchFamily="18" charset="0"/>
+                        </a:rPr>
+                        <m:t>)</m:t>
+                      </m:r>
+                      <m:f>
+                        <m:fPr>
+                          <m:ctrlPr>
+                            <a:rPr lang="en-US" sz="1600" b="0" i="1" smtClean="0">
+                              <a:solidFill>
+                                <a:schemeClr val="tx1"/>
+                              </a:solidFill>
+                              <a:latin typeface="Cambria Math" panose="02040503050406030204" pitchFamily="18" charset="0"/>
+                            </a:rPr>
+                          </m:ctrlPr>
+                        </m:fPr>
+                        <m:num>
+                          <m:r>
+                            <a:rPr lang="en-US" sz="1600" b="0" i="1" smtClean="0">
+                              <a:solidFill>
+                                <a:schemeClr val="tx1"/>
+                              </a:solidFill>
+                              <a:latin typeface="Cambria Math" panose="02040503050406030204" pitchFamily="18" charset="0"/>
+                            </a:rPr>
+                            <m:t>𝑆</m:t>
+                          </m:r>
+                        </m:num>
+                        <m:den>
+                          <m:r>
+                            <a:rPr lang="en-US" sz="1600" b="0" i="1" smtClean="0">
+                              <a:solidFill>
+                                <a:schemeClr val="tx1"/>
+                              </a:solidFill>
+                              <a:latin typeface="Cambria Math" panose="02040503050406030204" pitchFamily="18" charset="0"/>
+                            </a:rPr>
+                            <m:t>8</m:t>
+                          </m:r>
+                        </m:den>
+                      </m:f>
+                    </m:oMath>
+                  </m:oMathPara>
+                </a14:m>
+                <a:endParaRPr lang="en-US" sz="2400" dirty="0">
+                  <a:solidFill>
+                    <a:schemeClr val="tx1"/>
+                  </a:solidFill>
+                </a:endParaRPr>
+              </a:p>
+            </p:txBody>
+          </p:sp>
+        </mc:Choice>
+        <mc:Fallback>
+          <p:sp>
+            <p:nvSpPr>
+              <p:cNvPr id="19" name="Content Placeholder 2">
+                <a:extLst>
+                  <a:ext uri="{FF2B5EF4-FFF2-40B4-BE49-F238E27FC236}">
+                    <a16:creationId xmlns:a16="http://schemas.microsoft.com/office/drawing/2014/main" id="{D64A289F-4B98-8DF0-C8DA-9EE9677D071D}"/>
+                  </a:ext>
+                </a:extLst>
+              </p:cNvPr>
+              <p:cNvSpPr txBox="1">
+                <a:spLocks noRot="1" noChangeAspect="1" noMove="1" noResize="1" noEditPoints="1" noAdjustHandles="1" noChangeArrowheads="1" noChangeShapeType="1" noTextEdit="1"/>
+              </p:cNvSpPr>
+              <p:nvPr/>
+            </p:nvSpPr>
+            <p:spPr>
+              <a:xfrm>
+                <a:off x="1956458" y="941744"/>
+                <a:ext cx="1754581" cy="658601"/>
+              </a:xfrm>
+              <a:prstGeom prst="rect">
+                <a:avLst/>
+              </a:prstGeom>
+              <a:blipFill>
+                <a:blip r:embed="rId3"/>
+                <a:stretch>
+                  <a:fillRect/>
+                </a:stretch>
+              </a:blipFill>
+              <a:ln>
+                <a:solidFill>
+                  <a:schemeClr val="tx1"/>
+                </a:solidFill>
+              </a:ln>
+            </p:spPr>
+            <p:txBody>
+              <a:bodyPr/>
+              <a:lstStyle/>
+              <a:p>
+                <a:r>
+                  <a:rPr lang="en-US">
+                    <a:noFill/>
+                  </a:rPr>
+                  <a:t> </a:t>
+                </a:r>
+              </a:p>
+            </p:txBody>
+          </p:sp>
+        </mc:Fallback>
+      </mc:AlternateContent>
+      <p:sp>
+        <p:nvSpPr>
+          <p:cNvPr id="3" name="Title 1">
+            <a:extLst>
+              <a:ext uri="{FF2B5EF4-FFF2-40B4-BE49-F238E27FC236}">
+                <a16:creationId xmlns:a16="http://schemas.microsoft.com/office/drawing/2014/main" id="{4EA4B0E3-A87E-6D55-6611-63E1F880B4F8}"/>
+              </a:ext>
+            </a:extLst>
+          </p:cNvPr>
+          <p:cNvSpPr txBox="1">
+            <a:spLocks/>
+          </p:cNvSpPr>
+          <p:nvPr/>
+        </p:nvSpPr>
+        <p:spPr>
+          <a:xfrm>
+            <a:off x="1064404" y="90397"/>
+            <a:ext cx="10289395" cy="771015"/>
+          </a:xfrm>
+          <a:prstGeom prst="rect">
+            <a:avLst/>
+          </a:prstGeom>
+        </p:spPr>
+        <p:txBody>
+          <a:bodyPr vert="horz" lIns="91440" tIns="45720" rIns="91440" bIns="45720" rtlCol="0" anchor="ctr">
+            <a:normAutofit/>
+          </a:bodyPr>
+          <a:lstStyle>
+            <a:lvl1pPr algn="l" defTabSz="914400" rtl="0" eaLnBrk="1" latinLnBrk="0" hangingPunct="1">
+              <a:lnSpc>
+                <a:spcPct val="90000"/>
+              </a:lnSpc>
+              <a:spcBef>
+                <a:spcPct val="0"/>
+              </a:spcBef>
+              <a:buNone/>
+              <a:defRPr sz="4400" b="1" kern="1200">
+                <a:solidFill>
+                  <a:schemeClr val="accent6">
+                    <a:lumMod val="75000"/>
+                  </a:schemeClr>
+                </a:solidFill>
+                <a:latin typeface="Garamond" panose="02020404030301010803" pitchFamily="18" charset="0"/>
+                <a:ea typeface="+mj-ea"/>
+                <a:cs typeface="+mj-cs"/>
+              </a:defRPr>
+            </a:lvl1pPr>
+          </a:lstStyle>
+          <a:p>
+            <a:pPr algn="ctr"/>
+            <a:r>
+              <a:rPr lang="en-US" sz="4000" dirty="0">
+                <a:latin typeface="Segoe UI Light" panose="020B0502040204020203" pitchFamily="34" charset="0"/>
+                <a:ea typeface="Calibri" panose="020F0502020204030204" pitchFamily="34" charset="0"/>
+                <a:cs typeface="Segoe UI Light" panose="020B0502040204020203" pitchFamily="34" charset="0"/>
+              </a:rPr>
+              <a:t>1D (Band) Wavelet Encoding</a:t>
+            </a:r>
+          </a:p>
+        </p:txBody>
+      </p:sp>
+      <p:pic>
+        <p:nvPicPr>
+          <p:cNvPr id="4" name="Picture 3" descr="A close up of a blue background&#10;&#10;AI-generated content may be incorrect.">
+            <a:extLst>
+              <a:ext uri="{FF2B5EF4-FFF2-40B4-BE49-F238E27FC236}">
+                <a16:creationId xmlns:a16="http://schemas.microsoft.com/office/drawing/2014/main" id="{94245D64-8B1B-CE96-8B08-9BA59D9969A0}"/>
               </a:ext>
             </a:extLst>
           </p:cNvPr>
@@ -7470,311 +8806,20 @@
         </p:blipFill>
         <p:spPr>
           <a:xfrm>
-            <a:off x="291194" y="1161294"/>
-            <a:ext cx="3639011" cy="3901117"/>
+            <a:off x="0" y="1837115"/>
+            <a:ext cx="12192000" cy="2133179"/>
           </a:xfrm>
           <a:prstGeom prst="rect">
             <a:avLst/>
           </a:prstGeom>
         </p:spPr>
       </p:pic>
-      <p:sp>
-        <p:nvSpPr>
-          <p:cNvPr id="14" name="TextBox 13">
+      <p:pic>
+        <p:nvPicPr>
+          <p:cNvPr id="7" name="Picture 6" descr="A screenshot of a computer generated image&#10;&#10;AI-generated content may be incorrect.">
             <a:extLst>
               <a:ext uri="{FF2B5EF4-FFF2-40B4-BE49-F238E27FC236}">
-                <a16:creationId xmlns:a16="http://schemas.microsoft.com/office/drawing/2014/main" id="{92A6633C-90B0-1DE3-50FC-B118A1FE612A}"/>
-              </a:ext>
-            </a:extLst>
-          </p:cNvPr>
-          <p:cNvSpPr txBox="1"/>
-          <p:nvPr/>
-        </p:nvSpPr>
-        <p:spPr>
-          <a:xfrm>
-            <a:off x="4192384" y="2850242"/>
-            <a:ext cx="924697" cy="523220"/>
-          </a:xfrm>
-          <a:prstGeom prst="rect">
-            <a:avLst/>
-          </a:prstGeom>
-          <a:noFill/>
-          <a:ln>
-            <a:solidFill>
-              <a:schemeClr val="tx1"/>
-            </a:solidFill>
-          </a:ln>
-        </p:spPr>
-        <p:txBody>
-          <a:bodyPr wrap="square" rtlCol="0">
-            <a:spAutoFit/>
-          </a:bodyPr>
-          <a:lstStyle/>
-          <a:p>
-            <a:r>
-              <a:rPr lang="en-US" sz="1400" dirty="0"/>
-              <a:t>Encode as function</a:t>
-            </a:r>
-          </a:p>
-        </p:txBody>
-      </p:sp>
-      <p:sp>
-        <p:nvSpPr>
-          <p:cNvPr id="15" name="TextBox 14">
-            <a:extLst>
-              <a:ext uri="{FF2B5EF4-FFF2-40B4-BE49-F238E27FC236}">
-                <a16:creationId xmlns:a16="http://schemas.microsoft.com/office/drawing/2014/main" id="{3F7D8D3F-5BE3-07A3-D128-458662240FCF}"/>
-              </a:ext>
-            </a:extLst>
-          </p:cNvPr>
-          <p:cNvSpPr txBox="1"/>
-          <p:nvPr/>
-        </p:nvSpPr>
-        <p:spPr>
-          <a:xfrm>
-            <a:off x="6566136" y="2850242"/>
-            <a:ext cx="1120603" cy="523220"/>
-          </a:xfrm>
-          <a:prstGeom prst="rect">
-            <a:avLst/>
-          </a:prstGeom>
-          <a:noFill/>
-          <a:ln>
-            <a:solidFill>
-              <a:schemeClr val="tx1"/>
-            </a:solidFill>
-          </a:ln>
-        </p:spPr>
-        <p:txBody>
-          <a:bodyPr wrap="square" rtlCol="0">
-            <a:spAutoFit/>
-          </a:bodyPr>
-          <a:lstStyle/>
-          <a:p>
-            <a:r>
-              <a:rPr lang="en-US" sz="1400" dirty="0"/>
-              <a:t>Decode from function</a:t>
-            </a:r>
-          </a:p>
-        </p:txBody>
-      </p:sp>
-      <p:sp>
-        <p:nvSpPr>
-          <p:cNvPr id="16" name="TextBox 15">
-            <a:extLst>
-              <a:ext uri="{FF2B5EF4-FFF2-40B4-BE49-F238E27FC236}">
-                <a16:creationId xmlns:a16="http://schemas.microsoft.com/office/drawing/2014/main" id="{8DE23300-DA99-D660-AB08-F61CD9BD1A11}"/>
-              </a:ext>
-            </a:extLst>
-          </p:cNvPr>
-          <p:cNvSpPr txBox="1"/>
-          <p:nvPr/>
-        </p:nvSpPr>
-        <p:spPr>
-          <a:xfrm>
-            <a:off x="5379260" y="2850242"/>
-            <a:ext cx="924697" cy="523220"/>
-          </a:xfrm>
-          <a:prstGeom prst="rect">
-            <a:avLst/>
-          </a:prstGeom>
-          <a:noFill/>
-          <a:ln>
-            <a:solidFill>
-              <a:schemeClr val="tx1"/>
-            </a:solidFill>
-          </a:ln>
-        </p:spPr>
-        <p:txBody>
-          <a:bodyPr wrap="square" rtlCol="0">
-            <a:spAutoFit/>
-          </a:bodyPr>
-          <a:lstStyle/>
-          <a:p>
-            <a:r>
-              <a:rPr lang="en-US" sz="1400" dirty="0"/>
-              <a:t>Neural Operator</a:t>
-            </a:r>
-          </a:p>
-        </p:txBody>
-      </p:sp>
-      <p:cxnSp>
-        <p:nvCxnSpPr>
-          <p:cNvPr id="18" name="Straight Arrow Connector 17">
-            <a:extLst>
-              <a:ext uri="{FF2B5EF4-FFF2-40B4-BE49-F238E27FC236}">
-                <a16:creationId xmlns:a16="http://schemas.microsoft.com/office/drawing/2014/main" id="{8C90139C-8C8F-8621-B16F-C98D0D7A1996}"/>
-              </a:ext>
-            </a:extLst>
-          </p:cNvPr>
-          <p:cNvCxnSpPr>
-            <a:stCxn id="11" idx="3"/>
-            <a:endCxn id="14" idx="1"/>
-          </p:cNvCxnSpPr>
-          <p:nvPr/>
-        </p:nvCxnSpPr>
-        <p:spPr>
-          <a:xfrm flipV="1">
-            <a:off x="3930205" y="3111852"/>
-            <a:ext cx="262179" cy="1"/>
-          </a:xfrm>
-          <a:prstGeom prst="straightConnector1">
-            <a:avLst/>
-          </a:prstGeom>
-          <a:ln>
-            <a:tailEnd type="triangle"/>
-          </a:ln>
-        </p:spPr>
-        <p:style>
-          <a:lnRef idx="1">
-            <a:schemeClr val="accent1"/>
-          </a:lnRef>
-          <a:fillRef idx="0">
-            <a:schemeClr val="accent1"/>
-          </a:fillRef>
-          <a:effectRef idx="0">
-            <a:schemeClr val="accent1"/>
-          </a:effectRef>
-          <a:fontRef idx="minor">
-            <a:schemeClr val="tx1"/>
-          </a:fontRef>
-        </p:style>
-      </p:cxnSp>
-      <p:cxnSp>
-        <p:nvCxnSpPr>
-          <p:cNvPr id="20" name="Straight Arrow Connector 19">
-            <a:extLst>
-              <a:ext uri="{FF2B5EF4-FFF2-40B4-BE49-F238E27FC236}">
-                <a16:creationId xmlns:a16="http://schemas.microsoft.com/office/drawing/2014/main" id="{D4672BEA-C375-FDC8-B55C-B4BFBBC4DE3D}"/>
-              </a:ext>
-            </a:extLst>
-          </p:cNvPr>
-          <p:cNvCxnSpPr>
-            <a:cxnSpLocks/>
-            <a:stCxn id="14" idx="3"/>
-            <a:endCxn id="16" idx="1"/>
-          </p:cNvCxnSpPr>
-          <p:nvPr/>
-        </p:nvCxnSpPr>
-        <p:spPr>
-          <a:xfrm>
-            <a:off x="5117081" y="3111852"/>
-            <a:ext cx="262179" cy="0"/>
-          </a:xfrm>
-          <a:prstGeom prst="straightConnector1">
-            <a:avLst/>
-          </a:prstGeom>
-          <a:ln>
-            <a:tailEnd type="triangle"/>
-          </a:ln>
-        </p:spPr>
-        <p:style>
-          <a:lnRef idx="1">
-            <a:schemeClr val="accent1"/>
-          </a:lnRef>
-          <a:fillRef idx="0">
-            <a:schemeClr val="accent1"/>
-          </a:fillRef>
-          <a:effectRef idx="0">
-            <a:schemeClr val="accent1"/>
-          </a:effectRef>
-          <a:fontRef idx="minor">
-            <a:schemeClr val="tx1"/>
-          </a:fontRef>
-        </p:style>
-      </p:cxnSp>
-      <p:cxnSp>
-        <p:nvCxnSpPr>
-          <p:cNvPr id="24" name="Straight Arrow Connector 23">
-            <a:extLst>
-              <a:ext uri="{FF2B5EF4-FFF2-40B4-BE49-F238E27FC236}">
-                <a16:creationId xmlns:a16="http://schemas.microsoft.com/office/drawing/2014/main" id="{81F7E391-8EAE-6E87-9A62-3CC08A3C1300}"/>
-              </a:ext>
-            </a:extLst>
-          </p:cNvPr>
-          <p:cNvCxnSpPr>
-            <a:cxnSpLocks/>
-            <a:stCxn id="16" idx="3"/>
-            <a:endCxn id="15" idx="1"/>
-          </p:cNvCxnSpPr>
-          <p:nvPr/>
-        </p:nvCxnSpPr>
-        <p:spPr>
-          <a:xfrm>
-            <a:off x="6303957" y="3111852"/>
-            <a:ext cx="262179" cy="0"/>
-          </a:xfrm>
-          <a:prstGeom prst="straightConnector1">
-            <a:avLst/>
-          </a:prstGeom>
-          <a:ln>
-            <a:tailEnd type="triangle"/>
-          </a:ln>
-        </p:spPr>
-        <p:style>
-          <a:lnRef idx="1">
-            <a:schemeClr val="accent1"/>
-          </a:lnRef>
-          <a:fillRef idx="0">
-            <a:schemeClr val="accent1"/>
-          </a:fillRef>
-          <a:effectRef idx="0">
-            <a:schemeClr val="accent1"/>
-          </a:effectRef>
-          <a:fontRef idx="minor">
-            <a:schemeClr val="tx1"/>
-          </a:fontRef>
-        </p:style>
-      </p:cxnSp>
-      <p:cxnSp>
-        <p:nvCxnSpPr>
-          <p:cNvPr id="27" name="Straight Arrow Connector 26">
-            <a:extLst>
-              <a:ext uri="{FF2B5EF4-FFF2-40B4-BE49-F238E27FC236}">
-                <a16:creationId xmlns:a16="http://schemas.microsoft.com/office/drawing/2014/main" id="{EA3DD5EA-2B30-A74C-F7E6-074BE315CD88}"/>
-              </a:ext>
-            </a:extLst>
-          </p:cNvPr>
-          <p:cNvCxnSpPr>
-            <a:cxnSpLocks/>
-            <a:stCxn id="15" idx="3"/>
-            <a:endCxn id="9" idx="1"/>
-          </p:cNvCxnSpPr>
-          <p:nvPr/>
-        </p:nvCxnSpPr>
-        <p:spPr>
-          <a:xfrm>
-            <a:off x="7686739" y="3111852"/>
-            <a:ext cx="130085" cy="1"/>
-          </a:xfrm>
-          <a:prstGeom prst="straightConnector1">
-            <a:avLst/>
-          </a:prstGeom>
-          <a:ln>
-            <a:tailEnd type="triangle"/>
-          </a:ln>
-        </p:spPr>
-        <p:style>
-          <a:lnRef idx="1">
-            <a:schemeClr val="accent1"/>
-          </a:lnRef>
-          <a:fillRef idx="0">
-            <a:schemeClr val="accent1"/>
-          </a:fillRef>
-          <a:effectRef idx="0">
-            <a:schemeClr val="accent1"/>
-          </a:effectRef>
-          <a:fontRef idx="minor">
-            <a:schemeClr val="tx1"/>
-          </a:fontRef>
-        </p:style>
-      </p:cxnSp>
-      <p:pic>
-        <p:nvPicPr>
-          <p:cNvPr id="31" name="Picture 30" descr="A chart of a spectrum&#10;&#10;Description automatically generated">
-            <a:extLst>
-              <a:ext uri="{FF2B5EF4-FFF2-40B4-BE49-F238E27FC236}">
-                <a16:creationId xmlns:a16="http://schemas.microsoft.com/office/drawing/2014/main" id="{5F5AFD6F-570C-D61B-59EF-9D8BE737A802}"/>
+                <a16:creationId xmlns:a16="http://schemas.microsoft.com/office/drawing/2014/main" id="{C6C447A9-E865-2614-84EB-E84746E79EFB}"/>
               </a:ext>
             </a:extLst>
           </p:cNvPr>
@@ -7791,20 +8836,5717 @@
         </p:blipFill>
         <p:spPr>
           <a:xfrm>
-            <a:off x="7751781" y="5062411"/>
-            <a:ext cx="2897462" cy="1786639"/>
+            <a:off x="0" y="3970294"/>
+            <a:ext cx="12192000" cy="2186563"/>
           </a:xfrm>
           <a:prstGeom prst="rect">
             <a:avLst/>
           </a:prstGeom>
         </p:spPr>
       </p:pic>
+      <mc:AlternateContent xmlns:mc="http://schemas.openxmlformats.org/markup-compatibility/2006">
+        <mc:Choice xmlns:a14="http://schemas.microsoft.com/office/drawing/2010/main" Requires="a14">
+          <p:sp>
+            <p:nvSpPr>
+              <p:cNvPr id="8" name="Content Placeholder 2">
+                <a:extLst>
+                  <a:ext uri="{FF2B5EF4-FFF2-40B4-BE49-F238E27FC236}">
+                    <a16:creationId xmlns:a16="http://schemas.microsoft.com/office/drawing/2014/main" id="{2FE14384-05F4-1385-4940-15656E9686AE}"/>
+                  </a:ext>
+                </a:extLst>
+              </p:cNvPr>
+              <p:cNvSpPr txBox="1">
+                <a:spLocks/>
+              </p:cNvSpPr>
+              <p:nvPr/>
+            </p:nvSpPr>
+            <p:spPr>
+              <a:xfrm>
+                <a:off x="147453" y="941744"/>
+                <a:ext cx="1657595" cy="658601"/>
+              </a:xfrm>
+              <a:prstGeom prst="rect">
+                <a:avLst/>
+              </a:prstGeom>
+              <a:ln>
+                <a:solidFill>
+                  <a:schemeClr val="tx1"/>
+                </a:solidFill>
+              </a:ln>
+            </p:spPr>
+            <p:txBody>
+              <a:bodyPr vert="horz" lIns="91440" tIns="45720" rIns="91440" bIns="45720" rtlCol="0">
+                <a:normAutofit fontScale="77500" lnSpcReduction="20000"/>
+              </a:bodyPr>
+              <a:lstStyle>
+                <a:lvl1pPr marL="228600" indent="-228600" algn="l" defTabSz="914400" rtl="0" eaLnBrk="1" latinLnBrk="0" hangingPunct="1">
+                  <a:lnSpc>
+                    <a:spcPct val="90000"/>
+                  </a:lnSpc>
+                  <a:spcBef>
+                    <a:spcPts val="1000"/>
+                  </a:spcBef>
+                  <a:buFont typeface="Arial" panose="020B0604020202020204" pitchFamily="34" charset="0"/>
+                  <a:buChar char="•"/>
+                  <a:defRPr sz="2800" kern="1200">
+                    <a:solidFill>
+                      <a:schemeClr val="accent6">
+                        <a:lumMod val="75000"/>
+                      </a:schemeClr>
+                    </a:solidFill>
+                    <a:latin typeface="Trebuchet MS" panose="020B0603020202020204" pitchFamily="34" charset="0"/>
+                    <a:ea typeface="+mn-ea"/>
+                    <a:cs typeface="+mn-cs"/>
+                  </a:defRPr>
+                </a:lvl1pPr>
+                <a:lvl2pPr marL="685800" indent="-228600" algn="l" defTabSz="914400" rtl="0" eaLnBrk="1" latinLnBrk="0" hangingPunct="1">
+                  <a:lnSpc>
+                    <a:spcPct val="90000"/>
+                  </a:lnSpc>
+                  <a:spcBef>
+                    <a:spcPts val="500"/>
+                  </a:spcBef>
+                  <a:buFont typeface="Arial" panose="020B0604020202020204" pitchFamily="34" charset="0"/>
+                  <a:buChar char="•"/>
+                  <a:defRPr sz="2400" kern="1200">
+                    <a:solidFill>
+                      <a:schemeClr val="accent6">
+                        <a:lumMod val="75000"/>
+                      </a:schemeClr>
+                    </a:solidFill>
+                    <a:latin typeface="Trebuchet MS" panose="020B0603020202020204" pitchFamily="34" charset="0"/>
+                    <a:ea typeface="+mn-ea"/>
+                    <a:cs typeface="+mn-cs"/>
+                  </a:defRPr>
+                </a:lvl2pPr>
+                <a:lvl3pPr marL="1143000" indent="-228600" algn="l" defTabSz="914400" rtl="0" eaLnBrk="1" latinLnBrk="0" hangingPunct="1">
+                  <a:lnSpc>
+                    <a:spcPct val="90000"/>
+                  </a:lnSpc>
+                  <a:spcBef>
+                    <a:spcPts val="500"/>
+                  </a:spcBef>
+                  <a:buFont typeface="Arial" panose="020B0604020202020204" pitchFamily="34" charset="0"/>
+                  <a:buChar char="•"/>
+                  <a:defRPr sz="2000" kern="1200">
+                    <a:solidFill>
+                      <a:schemeClr val="accent6">
+                        <a:lumMod val="75000"/>
+                      </a:schemeClr>
+                    </a:solidFill>
+                    <a:latin typeface="Trebuchet MS" panose="020B0603020202020204" pitchFamily="34" charset="0"/>
+                    <a:ea typeface="+mn-ea"/>
+                    <a:cs typeface="+mn-cs"/>
+                  </a:defRPr>
+                </a:lvl3pPr>
+                <a:lvl4pPr marL="1600200" indent="-228600" algn="l" defTabSz="914400" rtl="0" eaLnBrk="1" latinLnBrk="0" hangingPunct="1">
+                  <a:lnSpc>
+                    <a:spcPct val="90000"/>
+                  </a:lnSpc>
+                  <a:spcBef>
+                    <a:spcPts val="500"/>
+                  </a:spcBef>
+                  <a:buFont typeface="Arial" panose="020B0604020202020204" pitchFamily="34" charset="0"/>
+                  <a:buChar char="•"/>
+                  <a:defRPr sz="1800" kern="1200">
+                    <a:solidFill>
+                      <a:schemeClr val="accent6">
+                        <a:lumMod val="75000"/>
+                      </a:schemeClr>
+                    </a:solidFill>
+                    <a:latin typeface="Trebuchet MS" panose="020B0603020202020204" pitchFamily="34" charset="0"/>
+                    <a:ea typeface="+mn-ea"/>
+                    <a:cs typeface="+mn-cs"/>
+                  </a:defRPr>
+                </a:lvl4pPr>
+                <a:lvl5pPr marL="2057400" indent="-228600" algn="l" defTabSz="914400" rtl="0" eaLnBrk="1" latinLnBrk="0" hangingPunct="1">
+                  <a:lnSpc>
+                    <a:spcPct val="90000"/>
+                  </a:lnSpc>
+                  <a:spcBef>
+                    <a:spcPts val="500"/>
+                  </a:spcBef>
+                  <a:buFont typeface="Arial" panose="020B0604020202020204" pitchFamily="34" charset="0"/>
+                  <a:buChar char="•"/>
+                  <a:defRPr sz="1800" kern="1200">
+                    <a:solidFill>
+                      <a:schemeClr val="accent6">
+                        <a:lumMod val="75000"/>
+                      </a:schemeClr>
+                    </a:solidFill>
+                    <a:latin typeface="Trebuchet MS" panose="020B0603020202020204" pitchFamily="34" charset="0"/>
+                    <a:ea typeface="+mn-ea"/>
+                    <a:cs typeface="+mn-cs"/>
+                  </a:defRPr>
+                </a:lvl5pPr>
+                <a:lvl6pPr marL="2514600" indent="-228600" algn="l" defTabSz="914400" rtl="0" eaLnBrk="1" latinLnBrk="0" hangingPunct="1">
+                  <a:lnSpc>
+                    <a:spcPct val="90000"/>
+                  </a:lnSpc>
+                  <a:spcBef>
+                    <a:spcPts val="500"/>
+                  </a:spcBef>
+                  <a:buFont typeface="Arial" panose="020B0604020202020204" pitchFamily="34" charset="0"/>
+                  <a:buChar char="•"/>
+                  <a:defRPr sz="1800" kern="1200">
+                    <a:solidFill>
+                      <a:schemeClr val="tx1"/>
+                    </a:solidFill>
+                    <a:latin typeface="+mn-lt"/>
+                    <a:ea typeface="+mn-ea"/>
+                    <a:cs typeface="+mn-cs"/>
+                  </a:defRPr>
+                </a:lvl6pPr>
+                <a:lvl7pPr marL="2971800" indent="-228600" algn="l" defTabSz="914400" rtl="0" eaLnBrk="1" latinLnBrk="0" hangingPunct="1">
+                  <a:lnSpc>
+                    <a:spcPct val="90000"/>
+                  </a:lnSpc>
+                  <a:spcBef>
+                    <a:spcPts val="500"/>
+                  </a:spcBef>
+                  <a:buFont typeface="Arial" panose="020B0604020202020204" pitchFamily="34" charset="0"/>
+                  <a:buChar char="•"/>
+                  <a:defRPr sz="1800" kern="1200">
+                    <a:solidFill>
+                      <a:schemeClr val="tx1"/>
+                    </a:solidFill>
+                    <a:latin typeface="+mn-lt"/>
+                    <a:ea typeface="+mn-ea"/>
+                    <a:cs typeface="+mn-cs"/>
+                  </a:defRPr>
+                </a:lvl7pPr>
+                <a:lvl8pPr marL="3429000" indent="-228600" algn="l" defTabSz="914400" rtl="0" eaLnBrk="1" latinLnBrk="0" hangingPunct="1">
+                  <a:lnSpc>
+                    <a:spcPct val="90000"/>
+                  </a:lnSpc>
+                  <a:spcBef>
+                    <a:spcPts val="500"/>
+                  </a:spcBef>
+                  <a:buFont typeface="Arial" panose="020B0604020202020204" pitchFamily="34" charset="0"/>
+                  <a:buChar char="•"/>
+                  <a:defRPr sz="1800" kern="1200">
+                    <a:solidFill>
+                      <a:schemeClr val="tx1"/>
+                    </a:solidFill>
+                    <a:latin typeface="+mn-lt"/>
+                    <a:ea typeface="+mn-ea"/>
+                    <a:cs typeface="+mn-cs"/>
+                  </a:defRPr>
+                </a:lvl8pPr>
+                <a:lvl9pPr marL="3886200" indent="-228600" algn="l" defTabSz="914400" rtl="0" eaLnBrk="1" latinLnBrk="0" hangingPunct="1">
+                  <a:lnSpc>
+                    <a:spcPct val="90000"/>
+                  </a:lnSpc>
+                  <a:spcBef>
+                    <a:spcPts val="500"/>
+                  </a:spcBef>
+                  <a:buFont typeface="Arial" panose="020B0604020202020204" pitchFamily="34" charset="0"/>
+                  <a:buChar char="•"/>
+                  <a:defRPr sz="1800" kern="1200">
+                    <a:solidFill>
+                      <a:schemeClr val="tx1"/>
+                    </a:solidFill>
+                    <a:latin typeface="+mn-lt"/>
+                    <a:ea typeface="+mn-ea"/>
+                    <a:cs typeface="+mn-cs"/>
+                  </a:defRPr>
+                </a:lvl9pPr>
+              </a:lstStyle>
+              <a:p>
+                <a:pPr marL="0" indent="0" algn="ctr">
+                  <a:buNone/>
+                </a:pPr>
+                <a14:m>
+                  <m:oMathPara xmlns:m="http://schemas.openxmlformats.org/officeDocument/2006/math">
+                    <m:oMathParaPr>
+                      <m:jc m:val="centerGroup"/>
+                    </m:oMathParaPr>
+                    <m:oMath xmlns:m="http://schemas.openxmlformats.org/officeDocument/2006/math">
+                      <m:r>
+                        <a:rPr lang="en-US" sz="1900" b="0" i="1" smtClean="0">
+                          <a:solidFill>
+                            <a:schemeClr val="tx1"/>
+                          </a:solidFill>
+                          <a:latin typeface="Cambria Math" panose="02040503050406030204" pitchFamily="18" charset="0"/>
+                        </a:rPr>
+                        <m:t>𝑆</m:t>
+                      </m:r>
+                      <m:r>
+                        <a:rPr lang="en-US" sz="1900" b="0" i="1" smtClean="0">
+                          <a:solidFill>
+                            <a:schemeClr val="tx1"/>
+                          </a:solidFill>
+                          <a:latin typeface="Cambria Math" panose="02040503050406030204" pitchFamily="18" charset="0"/>
+                        </a:rPr>
+                        <m:t>=32 , </m:t>
+                      </m:r>
+                      <m:r>
+                        <a:rPr lang="en-US" sz="1900" b="0" i="1" smtClean="0">
+                          <a:solidFill>
+                            <a:schemeClr val="tx1"/>
+                          </a:solidFill>
+                          <a:latin typeface="Cambria Math" panose="02040503050406030204" pitchFamily="18" charset="0"/>
+                        </a:rPr>
+                        <m:t>𝑏</m:t>
+                      </m:r>
+                      <m:r>
+                        <a:rPr lang="en-US" sz="1900" b="0" i="1" smtClean="0">
+                          <a:solidFill>
+                            <a:schemeClr val="tx1"/>
+                          </a:solidFill>
+                          <a:latin typeface="Cambria Math" panose="02040503050406030204" pitchFamily="18" charset="0"/>
+                        </a:rPr>
+                        <m:t>=[1,6]</m:t>
+                      </m:r>
+                    </m:oMath>
+                  </m:oMathPara>
+                </a14:m>
+                <a:endParaRPr lang="en-US" sz="1900" dirty="0">
+                  <a:solidFill>
+                    <a:schemeClr val="tx1"/>
+                  </a:solidFill>
+                </a:endParaRPr>
+              </a:p>
+              <a:p>
+                <a:pPr marL="0" indent="0" algn="ctr">
+                  <a:buNone/>
+                </a:pPr>
+                <a14:m>
+                  <m:oMathPara xmlns:m="http://schemas.openxmlformats.org/officeDocument/2006/math">
+                    <m:oMathParaPr>
+                      <m:jc m:val="centerGroup"/>
+                    </m:oMathParaPr>
+                    <m:oMath xmlns:m="http://schemas.openxmlformats.org/officeDocument/2006/math">
+                      <m:sSub>
+                        <m:sSubPr>
+                          <m:ctrlPr>
+                            <a:rPr lang="en-US" sz="1900" i="1">
+                              <a:solidFill>
+                                <a:schemeClr val="tx1"/>
+                              </a:solidFill>
+                              <a:latin typeface="Cambria Math" panose="02040503050406030204" pitchFamily="18" charset="0"/>
+                            </a:rPr>
+                          </m:ctrlPr>
+                        </m:sSubPr>
+                        <m:e>
+                          <m:r>
+                            <a:rPr lang="en-US" sz="1900" i="1">
+                              <a:solidFill>
+                                <a:schemeClr val="tx1"/>
+                              </a:solidFill>
+                              <a:latin typeface="Cambria Math" panose="02040503050406030204" pitchFamily="18" charset="0"/>
+                            </a:rPr>
+                            <m:t>𝜎</m:t>
+                          </m:r>
+                        </m:e>
+                        <m:sub>
+                          <m:r>
+                            <a:rPr lang="en-US" sz="1900" i="1">
+                              <a:solidFill>
+                                <a:schemeClr val="tx1"/>
+                              </a:solidFill>
+                              <a:latin typeface="Cambria Math" panose="02040503050406030204" pitchFamily="18" charset="0"/>
+                            </a:rPr>
+                            <m:t>𝑥</m:t>
+                          </m:r>
+                        </m:sub>
+                      </m:sSub>
+                      <m:r>
+                        <a:rPr lang="en-US" sz="1900" i="1">
+                          <a:solidFill>
+                            <a:schemeClr val="tx1"/>
+                          </a:solidFill>
+                          <a:latin typeface="Cambria Math" panose="02040503050406030204" pitchFamily="18" charset="0"/>
+                        </a:rPr>
+                        <m:t>=</m:t>
+                      </m:r>
+                      <m:sSub>
+                        <m:sSubPr>
+                          <m:ctrlPr>
+                            <a:rPr lang="en-US" sz="1900" i="1">
+                              <a:solidFill>
+                                <a:schemeClr val="tx1"/>
+                              </a:solidFill>
+                              <a:latin typeface="Cambria Math" panose="02040503050406030204" pitchFamily="18" charset="0"/>
+                            </a:rPr>
+                          </m:ctrlPr>
+                        </m:sSubPr>
+                        <m:e>
+                          <m:r>
+                            <a:rPr lang="en-US" sz="1900" i="1">
+                              <a:solidFill>
+                                <a:schemeClr val="tx1"/>
+                              </a:solidFill>
+                              <a:latin typeface="Cambria Math" panose="02040503050406030204" pitchFamily="18" charset="0"/>
+                            </a:rPr>
+                            <m:t>𝜎</m:t>
+                          </m:r>
+                        </m:e>
+                        <m:sub>
+                          <m:r>
+                            <a:rPr lang="en-US" sz="1900" i="1">
+                              <a:solidFill>
+                                <a:schemeClr val="tx1"/>
+                              </a:solidFill>
+                              <a:latin typeface="Cambria Math" panose="02040503050406030204" pitchFamily="18" charset="0"/>
+                            </a:rPr>
+                            <m:t>𝑦</m:t>
+                          </m:r>
+                        </m:sub>
+                      </m:sSub>
+                      <m:r>
+                        <a:rPr lang="en-US" sz="1900" i="1">
+                          <a:solidFill>
+                            <a:schemeClr val="tx1"/>
+                          </a:solidFill>
+                          <a:latin typeface="Cambria Math" panose="02040503050406030204" pitchFamily="18" charset="0"/>
+                        </a:rPr>
+                        <m:t>=0.15</m:t>
+                      </m:r>
+                    </m:oMath>
+                  </m:oMathPara>
+                </a14:m>
+                <a:endParaRPr lang="en-US" sz="1900" dirty="0">
+                  <a:solidFill>
+                    <a:schemeClr val="tx1"/>
+                  </a:solidFill>
+                </a:endParaRPr>
+              </a:p>
+              <a:p>
+                <a:pPr marL="0" indent="0" algn="ctr">
+                  <a:buNone/>
+                </a:pPr>
+                <a:endParaRPr lang="en-US" sz="1400" dirty="0">
+                  <a:solidFill>
+                    <a:schemeClr val="tx1"/>
+                  </a:solidFill>
+                </a:endParaRPr>
+              </a:p>
+            </p:txBody>
+          </p:sp>
+        </mc:Choice>
+        <mc:Fallback>
+          <p:sp>
+            <p:nvSpPr>
+              <p:cNvPr id="8" name="Content Placeholder 2">
+                <a:extLst>
+                  <a:ext uri="{FF2B5EF4-FFF2-40B4-BE49-F238E27FC236}">
+                    <a16:creationId xmlns:a16="http://schemas.microsoft.com/office/drawing/2014/main" id="{2FE14384-05F4-1385-4940-15656E9686AE}"/>
+                  </a:ext>
+                </a:extLst>
+              </p:cNvPr>
+              <p:cNvSpPr txBox="1">
+                <a:spLocks noRot="1" noChangeAspect="1" noMove="1" noResize="1" noEditPoints="1" noAdjustHandles="1" noChangeArrowheads="1" noChangeShapeType="1" noTextEdit="1"/>
+              </p:cNvSpPr>
+              <p:nvPr/>
+            </p:nvSpPr>
+            <p:spPr>
+              <a:xfrm>
+                <a:off x="147453" y="941744"/>
+                <a:ext cx="1657595" cy="658601"/>
+              </a:xfrm>
+              <a:prstGeom prst="rect">
+                <a:avLst/>
+              </a:prstGeom>
+              <a:blipFill>
+                <a:blip r:embed="rId6"/>
+                <a:stretch>
+                  <a:fillRect/>
+                </a:stretch>
+              </a:blipFill>
+              <a:ln>
+                <a:solidFill>
+                  <a:schemeClr val="tx1"/>
+                </a:solidFill>
+              </a:ln>
+            </p:spPr>
+            <p:txBody>
+              <a:bodyPr/>
+              <a:lstStyle/>
+              <a:p>
+                <a:r>
+                  <a:rPr lang="en-US">
+                    <a:noFill/>
+                  </a:rPr>
+                  <a:t> </a:t>
+                </a:r>
+              </a:p>
+            </p:txBody>
+          </p:sp>
+        </mc:Fallback>
+      </mc:AlternateContent>
+      <mc:AlternateContent xmlns:mc="http://schemas.openxmlformats.org/markup-compatibility/2006">
+        <mc:Choice xmlns:a14="http://schemas.microsoft.com/office/drawing/2010/main" Requires="a14">
+          <p:sp>
+            <p:nvSpPr>
+              <p:cNvPr id="11" name="Content Placeholder 2">
+                <a:extLst>
+                  <a:ext uri="{FF2B5EF4-FFF2-40B4-BE49-F238E27FC236}">
+                    <a16:creationId xmlns:a16="http://schemas.microsoft.com/office/drawing/2014/main" id="{7E2F723D-8E22-0D96-87A4-44306C3AFF88}"/>
+                  </a:ext>
+                </a:extLst>
+              </p:cNvPr>
+              <p:cNvSpPr txBox="1">
+                <a:spLocks/>
+              </p:cNvSpPr>
+              <p:nvPr/>
+            </p:nvSpPr>
+            <p:spPr>
+              <a:xfrm>
+                <a:off x="3813955" y="941744"/>
+                <a:ext cx="1754581" cy="658601"/>
+              </a:xfrm>
+              <a:prstGeom prst="rect">
+                <a:avLst/>
+              </a:prstGeom>
+              <a:ln>
+                <a:solidFill>
+                  <a:schemeClr val="tx1"/>
+                </a:solidFill>
+              </a:ln>
+            </p:spPr>
+            <p:txBody>
+              <a:bodyPr vert="horz" lIns="91440" tIns="45720" rIns="91440" bIns="45720" rtlCol="0">
+                <a:noAutofit/>
+              </a:bodyPr>
+              <a:lstStyle>
+                <a:lvl1pPr marL="228600" indent="-228600" algn="l" defTabSz="914400" rtl="0" eaLnBrk="1" latinLnBrk="0" hangingPunct="1">
+                  <a:lnSpc>
+                    <a:spcPct val="90000"/>
+                  </a:lnSpc>
+                  <a:spcBef>
+                    <a:spcPts val="1000"/>
+                  </a:spcBef>
+                  <a:buFont typeface="Arial" panose="020B0604020202020204" pitchFamily="34" charset="0"/>
+                  <a:buChar char="•"/>
+                  <a:defRPr sz="2800" kern="1200">
+                    <a:solidFill>
+                      <a:schemeClr val="accent6">
+                        <a:lumMod val="75000"/>
+                      </a:schemeClr>
+                    </a:solidFill>
+                    <a:latin typeface="Trebuchet MS" panose="020B0603020202020204" pitchFamily="34" charset="0"/>
+                    <a:ea typeface="+mn-ea"/>
+                    <a:cs typeface="+mn-cs"/>
+                  </a:defRPr>
+                </a:lvl1pPr>
+                <a:lvl2pPr marL="685800" indent="-228600" algn="l" defTabSz="914400" rtl="0" eaLnBrk="1" latinLnBrk="0" hangingPunct="1">
+                  <a:lnSpc>
+                    <a:spcPct val="90000"/>
+                  </a:lnSpc>
+                  <a:spcBef>
+                    <a:spcPts val="500"/>
+                  </a:spcBef>
+                  <a:buFont typeface="Arial" panose="020B0604020202020204" pitchFamily="34" charset="0"/>
+                  <a:buChar char="•"/>
+                  <a:defRPr sz="2400" kern="1200">
+                    <a:solidFill>
+                      <a:schemeClr val="accent6">
+                        <a:lumMod val="75000"/>
+                      </a:schemeClr>
+                    </a:solidFill>
+                    <a:latin typeface="Trebuchet MS" panose="020B0603020202020204" pitchFamily="34" charset="0"/>
+                    <a:ea typeface="+mn-ea"/>
+                    <a:cs typeface="+mn-cs"/>
+                  </a:defRPr>
+                </a:lvl2pPr>
+                <a:lvl3pPr marL="1143000" indent="-228600" algn="l" defTabSz="914400" rtl="0" eaLnBrk="1" latinLnBrk="0" hangingPunct="1">
+                  <a:lnSpc>
+                    <a:spcPct val="90000"/>
+                  </a:lnSpc>
+                  <a:spcBef>
+                    <a:spcPts val="500"/>
+                  </a:spcBef>
+                  <a:buFont typeface="Arial" panose="020B0604020202020204" pitchFamily="34" charset="0"/>
+                  <a:buChar char="•"/>
+                  <a:defRPr sz="2000" kern="1200">
+                    <a:solidFill>
+                      <a:schemeClr val="accent6">
+                        <a:lumMod val="75000"/>
+                      </a:schemeClr>
+                    </a:solidFill>
+                    <a:latin typeface="Trebuchet MS" panose="020B0603020202020204" pitchFamily="34" charset="0"/>
+                    <a:ea typeface="+mn-ea"/>
+                    <a:cs typeface="+mn-cs"/>
+                  </a:defRPr>
+                </a:lvl3pPr>
+                <a:lvl4pPr marL="1600200" indent="-228600" algn="l" defTabSz="914400" rtl="0" eaLnBrk="1" latinLnBrk="0" hangingPunct="1">
+                  <a:lnSpc>
+                    <a:spcPct val="90000"/>
+                  </a:lnSpc>
+                  <a:spcBef>
+                    <a:spcPts val="500"/>
+                  </a:spcBef>
+                  <a:buFont typeface="Arial" panose="020B0604020202020204" pitchFamily="34" charset="0"/>
+                  <a:buChar char="•"/>
+                  <a:defRPr sz="1800" kern="1200">
+                    <a:solidFill>
+                      <a:schemeClr val="accent6">
+                        <a:lumMod val="75000"/>
+                      </a:schemeClr>
+                    </a:solidFill>
+                    <a:latin typeface="Trebuchet MS" panose="020B0603020202020204" pitchFamily="34" charset="0"/>
+                    <a:ea typeface="+mn-ea"/>
+                    <a:cs typeface="+mn-cs"/>
+                  </a:defRPr>
+                </a:lvl4pPr>
+                <a:lvl5pPr marL="2057400" indent="-228600" algn="l" defTabSz="914400" rtl="0" eaLnBrk="1" latinLnBrk="0" hangingPunct="1">
+                  <a:lnSpc>
+                    <a:spcPct val="90000"/>
+                  </a:lnSpc>
+                  <a:spcBef>
+                    <a:spcPts val="500"/>
+                  </a:spcBef>
+                  <a:buFont typeface="Arial" panose="020B0604020202020204" pitchFamily="34" charset="0"/>
+                  <a:buChar char="•"/>
+                  <a:defRPr sz="1800" kern="1200">
+                    <a:solidFill>
+                      <a:schemeClr val="accent6">
+                        <a:lumMod val="75000"/>
+                      </a:schemeClr>
+                    </a:solidFill>
+                    <a:latin typeface="Trebuchet MS" panose="020B0603020202020204" pitchFamily="34" charset="0"/>
+                    <a:ea typeface="+mn-ea"/>
+                    <a:cs typeface="+mn-cs"/>
+                  </a:defRPr>
+                </a:lvl5pPr>
+                <a:lvl6pPr marL="2514600" indent="-228600" algn="l" defTabSz="914400" rtl="0" eaLnBrk="1" latinLnBrk="0" hangingPunct="1">
+                  <a:lnSpc>
+                    <a:spcPct val="90000"/>
+                  </a:lnSpc>
+                  <a:spcBef>
+                    <a:spcPts val="500"/>
+                  </a:spcBef>
+                  <a:buFont typeface="Arial" panose="020B0604020202020204" pitchFamily="34" charset="0"/>
+                  <a:buChar char="•"/>
+                  <a:defRPr sz="1800" kern="1200">
+                    <a:solidFill>
+                      <a:schemeClr val="tx1"/>
+                    </a:solidFill>
+                    <a:latin typeface="+mn-lt"/>
+                    <a:ea typeface="+mn-ea"/>
+                    <a:cs typeface="+mn-cs"/>
+                  </a:defRPr>
+                </a:lvl6pPr>
+                <a:lvl7pPr marL="2971800" indent="-228600" algn="l" defTabSz="914400" rtl="0" eaLnBrk="1" latinLnBrk="0" hangingPunct="1">
+                  <a:lnSpc>
+                    <a:spcPct val="90000"/>
+                  </a:lnSpc>
+                  <a:spcBef>
+                    <a:spcPts val="500"/>
+                  </a:spcBef>
+                  <a:buFont typeface="Arial" panose="020B0604020202020204" pitchFamily="34" charset="0"/>
+                  <a:buChar char="•"/>
+                  <a:defRPr sz="1800" kern="1200">
+                    <a:solidFill>
+                      <a:schemeClr val="tx1"/>
+                    </a:solidFill>
+                    <a:latin typeface="+mn-lt"/>
+                    <a:ea typeface="+mn-ea"/>
+                    <a:cs typeface="+mn-cs"/>
+                  </a:defRPr>
+                </a:lvl7pPr>
+                <a:lvl8pPr marL="3429000" indent="-228600" algn="l" defTabSz="914400" rtl="0" eaLnBrk="1" latinLnBrk="0" hangingPunct="1">
+                  <a:lnSpc>
+                    <a:spcPct val="90000"/>
+                  </a:lnSpc>
+                  <a:spcBef>
+                    <a:spcPts val="500"/>
+                  </a:spcBef>
+                  <a:buFont typeface="Arial" panose="020B0604020202020204" pitchFamily="34" charset="0"/>
+                  <a:buChar char="•"/>
+                  <a:defRPr sz="1800" kern="1200">
+                    <a:solidFill>
+                      <a:schemeClr val="tx1"/>
+                    </a:solidFill>
+                    <a:latin typeface="+mn-lt"/>
+                    <a:ea typeface="+mn-ea"/>
+                    <a:cs typeface="+mn-cs"/>
+                  </a:defRPr>
+                </a:lvl8pPr>
+                <a:lvl9pPr marL="3886200" indent="-228600" algn="l" defTabSz="914400" rtl="0" eaLnBrk="1" latinLnBrk="0" hangingPunct="1">
+                  <a:lnSpc>
+                    <a:spcPct val="90000"/>
+                  </a:lnSpc>
+                  <a:spcBef>
+                    <a:spcPts val="500"/>
+                  </a:spcBef>
+                  <a:buFont typeface="Arial" panose="020B0604020202020204" pitchFamily="34" charset="0"/>
+                  <a:buChar char="•"/>
+                  <a:defRPr sz="1800" kern="1200">
+                    <a:solidFill>
+                      <a:schemeClr val="tx1"/>
+                    </a:solidFill>
+                    <a:latin typeface="+mn-lt"/>
+                    <a:ea typeface="+mn-ea"/>
+                    <a:cs typeface="+mn-cs"/>
+                  </a:defRPr>
+                </a:lvl9pPr>
+              </a:lstStyle>
+              <a:p>
+                <a:pPr marL="0" indent="0" algn="ctr">
+                  <a:buNone/>
+                </a:pPr>
+                <a14:m>
+                  <m:oMathPara xmlns:m="http://schemas.openxmlformats.org/officeDocument/2006/math">
+                    <m:oMathParaPr>
+                      <m:jc m:val="centerGroup"/>
+                    </m:oMathParaPr>
+                    <m:oMath xmlns:m="http://schemas.openxmlformats.org/officeDocument/2006/math">
+                      <m:r>
+                        <a:rPr lang="en-US" sz="1600" b="0" i="1" smtClean="0">
+                          <a:solidFill>
+                            <a:schemeClr val="tx1"/>
+                          </a:solidFill>
+                          <a:latin typeface="Cambria Math" panose="02040503050406030204" pitchFamily="18" charset="0"/>
+                        </a:rPr>
+                        <m:t>𝜃</m:t>
+                      </m:r>
+                      <m:r>
+                        <a:rPr lang="en-US" sz="1600" b="0" i="1" smtClean="0">
+                          <a:solidFill>
+                            <a:schemeClr val="tx1"/>
+                          </a:solidFill>
+                          <a:latin typeface="Cambria Math" panose="02040503050406030204" pitchFamily="18" charset="0"/>
+                        </a:rPr>
+                        <m:t>=</m:t>
+                      </m:r>
+                      <m:d>
+                        <m:dPr>
+                          <m:ctrlPr>
+                            <a:rPr lang="en-US" sz="1600" b="0" i="1" smtClean="0">
+                              <a:solidFill>
+                                <a:schemeClr val="tx1"/>
+                              </a:solidFill>
+                              <a:latin typeface="Cambria Math" panose="02040503050406030204" pitchFamily="18" charset="0"/>
+                            </a:rPr>
+                          </m:ctrlPr>
+                        </m:dPr>
+                        <m:e>
+                          <m:r>
+                            <a:rPr lang="en-US" sz="1600" b="0" i="1" smtClean="0">
+                              <a:solidFill>
+                                <a:schemeClr val="tx1"/>
+                              </a:solidFill>
+                              <a:latin typeface="Cambria Math" panose="02040503050406030204" pitchFamily="18" charset="0"/>
+                            </a:rPr>
+                            <m:t>𝑏</m:t>
+                          </m:r>
+                          <m:r>
+                            <a:rPr lang="en-US" sz="1600" b="0" i="1" smtClean="0">
+                              <a:solidFill>
+                                <a:schemeClr val="tx1"/>
+                              </a:solidFill>
+                              <a:latin typeface="Cambria Math" panose="02040503050406030204" pitchFamily="18" charset="0"/>
+                            </a:rPr>
+                            <m:t> % 8</m:t>
+                          </m:r>
+                        </m:e>
+                      </m:d>
+                      <m:f>
+                        <m:fPr>
+                          <m:ctrlPr>
+                            <a:rPr lang="en-US" sz="1600" b="0" i="1" smtClean="0">
+                              <a:solidFill>
+                                <a:schemeClr val="tx1"/>
+                              </a:solidFill>
+                              <a:latin typeface="Cambria Math" panose="02040503050406030204" pitchFamily="18" charset="0"/>
+                            </a:rPr>
+                          </m:ctrlPr>
+                        </m:fPr>
+                        <m:num>
+                          <m:r>
+                            <a:rPr lang="en-US" sz="1600" b="0" i="1" smtClean="0">
+                              <a:solidFill>
+                                <a:schemeClr val="tx1"/>
+                              </a:solidFill>
+                              <a:latin typeface="Cambria Math" panose="02040503050406030204" pitchFamily="18" charset="0"/>
+                            </a:rPr>
+                            <m:t>𝑆</m:t>
+                          </m:r>
+                        </m:num>
+                        <m:den>
+                          <m:r>
+                            <a:rPr lang="en-US" sz="1600" b="0" i="1" smtClean="0">
+                              <a:solidFill>
+                                <a:schemeClr val="tx1"/>
+                              </a:solidFill>
+                              <a:latin typeface="Cambria Math" panose="02040503050406030204" pitchFamily="18" charset="0"/>
+                            </a:rPr>
+                            <m:t>16</m:t>
+                          </m:r>
+                        </m:den>
+                      </m:f>
+                    </m:oMath>
+                  </m:oMathPara>
+                </a14:m>
+                <a:endParaRPr lang="en-US" sz="1600" dirty="0">
+                  <a:solidFill>
+                    <a:schemeClr val="tx1"/>
+                  </a:solidFill>
+                </a:endParaRPr>
+              </a:p>
+            </p:txBody>
+          </p:sp>
+        </mc:Choice>
+        <mc:Fallback>
+          <p:sp>
+            <p:nvSpPr>
+              <p:cNvPr id="11" name="Content Placeholder 2">
+                <a:extLst>
+                  <a:ext uri="{FF2B5EF4-FFF2-40B4-BE49-F238E27FC236}">
+                    <a16:creationId xmlns:a16="http://schemas.microsoft.com/office/drawing/2014/main" id="{7E2F723D-8E22-0D96-87A4-44306C3AFF88}"/>
+                  </a:ext>
+                </a:extLst>
+              </p:cNvPr>
+              <p:cNvSpPr txBox="1">
+                <a:spLocks noRot="1" noChangeAspect="1" noMove="1" noResize="1" noEditPoints="1" noAdjustHandles="1" noChangeArrowheads="1" noChangeShapeType="1" noTextEdit="1"/>
+              </p:cNvSpPr>
+              <p:nvPr/>
+            </p:nvSpPr>
+            <p:spPr>
+              <a:xfrm>
+                <a:off x="3813955" y="941744"/>
+                <a:ext cx="1754581" cy="658601"/>
+              </a:xfrm>
+              <a:prstGeom prst="rect">
+                <a:avLst/>
+              </a:prstGeom>
+              <a:blipFill>
+                <a:blip r:embed="rId7"/>
+                <a:stretch>
+                  <a:fillRect/>
+                </a:stretch>
+              </a:blipFill>
+              <a:ln>
+                <a:solidFill>
+                  <a:schemeClr val="tx1"/>
+                </a:solidFill>
+              </a:ln>
+            </p:spPr>
+            <p:txBody>
+              <a:bodyPr/>
+              <a:lstStyle/>
+              <a:p>
+                <a:r>
+                  <a:rPr lang="en-US">
+                    <a:noFill/>
+                  </a:rPr>
+                  <a:t> </a:t>
+                </a:r>
+              </a:p>
+            </p:txBody>
+          </p:sp>
+        </mc:Fallback>
+      </mc:AlternateContent>
+      <mc:AlternateContent xmlns:mc="http://schemas.openxmlformats.org/markup-compatibility/2006">
+        <mc:Choice xmlns:a14="http://schemas.microsoft.com/office/drawing/2010/main" Requires="a14">
+          <p:sp>
+            <p:nvSpPr>
+              <p:cNvPr id="18" name="Content Placeholder 2">
+                <a:extLst>
+                  <a:ext uri="{FF2B5EF4-FFF2-40B4-BE49-F238E27FC236}">
+                    <a16:creationId xmlns:a16="http://schemas.microsoft.com/office/drawing/2014/main" id="{6D43044E-5706-A601-15BE-5948FB2E0876}"/>
+                  </a:ext>
+                </a:extLst>
+              </p:cNvPr>
+              <p:cNvSpPr txBox="1">
+                <a:spLocks/>
+              </p:cNvSpPr>
+              <p:nvPr/>
+            </p:nvSpPr>
+            <p:spPr>
+              <a:xfrm>
+                <a:off x="5719946" y="944568"/>
+                <a:ext cx="5466610" cy="658601"/>
+              </a:xfrm>
+              <a:prstGeom prst="rect">
+                <a:avLst/>
+              </a:prstGeom>
+              <a:ln>
+                <a:solidFill>
+                  <a:schemeClr val="tx1"/>
+                </a:solidFill>
+              </a:ln>
+            </p:spPr>
+            <p:txBody>
+              <a:bodyPr vert="horz" lIns="91440" tIns="45720" rIns="91440" bIns="45720" rtlCol="0">
+                <a:normAutofit fontScale="92500"/>
+              </a:bodyPr>
+              <a:lstStyle>
+                <a:lvl1pPr marL="228600" indent="-228600" algn="l" defTabSz="914400" rtl="0" eaLnBrk="1" latinLnBrk="0" hangingPunct="1">
+                  <a:lnSpc>
+                    <a:spcPct val="90000"/>
+                  </a:lnSpc>
+                  <a:spcBef>
+                    <a:spcPts val="1000"/>
+                  </a:spcBef>
+                  <a:buFont typeface="Arial" panose="020B0604020202020204" pitchFamily="34" charset="0"/>
+                  <a:buChar char="•"/>
+                  <a:defRPr sz="2800" kern="1200">
+                    <a:solidFill>
+                      <a:schemeClr val="accent6">
+                        <a:lumMod val="75000"/>
+                      </a:schemeClr>
+                    </a:solidFill>
+                    <a:latin typeface="Trebuchet MS" panose="020B0603020202020204" pitchFamily="34" charset="0"/>
+                    <a:ea typeface="+mn-ea"/>
+                    <a:cs typeface="+mn-cs"/>
+                  </a:defRPr>
+                </a:lvl1pPr>
+                <a:lvl2pPr marL="685800" indent="-228600" algn="l" defTabSz="914400" rtl="0" eaLnBrk="1" latinLnBrk="0" hangingPunct="1">
+                  <a:lnSpc>
+                    <a:spcPct val="90000"/>
+                  </a:lnSpc>
+                  <a:spcBef>
+                    <a:spcPts val="500"/>
+                  </a:spcBef>
+                  <a:buFont typeface="Arial" panose="020B0604020202020204" pitchFamily="34" charset="0"/>
+                  <a:buChar char="•"/>
+                  <a:defRPr sz="2400" kern="1200">
+                    <a:solidFill>
+                      <a:schemeClr val="accent6">
+                        <a:lumMod val="75000"/>
+                      </a:schemeClr>
+                    </a:solidFill>
+                    <a:latin typeface="Trebuchet MS" panose="020B0603020202020204" pitchFamily="34" charset="0"/>
+                    <a:ea typeface="+mn-ea"/>
+                    <a:cs typeface="+mn-cs"/>
+                  </a:defRPr>
+                </a:lvl2pPr>
+                <a:lvl3pPr marL="1143000" indent="-228600" algn="l" defTabSz="914400" rtl="0" eaLnBrk="1" latinLnBrk="0" hangingPunct="1">
+                  <a:lnSpc>
+                    <a:spcPct val="90000"/>
+                  </a:lnSpc>
+                  <a:spcBef>
+                    <a:spcPts val="500"/>
+                  </a:spcBef>
+                  <a:buFont typeface="Arial" panose="020B0604020202020204" pitchFamily="34" charset="0"/>
+                  <a:buChar char="•"/>
+                  <a:defRPr sz="2000" kern="1200">
+                    <a:solidFill>
+                      <a:schemeClr val="accent6">
+                        <a:lumMod val="75000"/>
+                      </a:schemeClr>
+                    </a:solidFill>
+                    <a:latin typeface="Trebuchet MS" panose="020B0603020202020204" pitchFamily="34" charset="0"/>
+                    <a:ea typeface="+mn-ea"/>
+                    <a:cs typeface="+mn-cs"/>
+                  </a:defRPr>
+                </a:lvl3pPr>
+                <a:lvl4pPr marL="1600200" indent="-228600" algn="l" defTabSz="914400" rtl="0" eaLnBrk="1" latinLnBrk="0" hangingPunct="1">
+                  <a:lnSpc>
+                    <a:spcPct val="90000"/>
+                  </a:lnSpc>
+                  <a:spcBef>
+                    <a:spcPts val="500"/>
+                  </a:spcBef>
+                  <a:buFont typeface="Arial" panose="020B0604020202020204" pitchFamily="34" charset="0"/>
+                  <a:buChar char="•"/>
+                  <a:defRPr sz="1800" kern="1200">
+                    <a:solidFill>
+                      <a:schemeClr val="accent6">
+                        <a:lumMod val="75000"/>
+                      </a:schemeClr>
+                    </a:solidFill>
+                    <a:latin typeface="Trebuchet MS" panose="020B0603020202020204" pitchFamily="34" charset="0"/>
+                    <a:ea typeface="+mn-ea"/>
+                    <a:cs typeface="+mn-cs"/>
+                  </a:defRPr>
+                </a:lvl4pPr>
+                <a:lvl5pPr marL="2057400" indent="-228600" algn="l" defTabSz="914400" rtl="0" eaLnBrk="1" latinLnBrk="0" hangingPunct="1">
+                  <a:lnSpc>
+                    <a:spcPct val="90000"/>
+                  </a:lnSpc>
+                  <a:spcBef>
+                    <a:spcPts val="500"/>
+                  </a:spcBef>
+                  <a:buFont typeface="Arial" panose="020B0604020202020204" pitchFamily="34" charset="0"/>
+                  <a:buChar char="•"/>
+                  <a:defRPr sz="1800" kern="1200">
+                    <a:solidFill>
+                      <a:schemeClr val="accent6">
+                        <a:lumMod val="75000"/>
+                      </a:schemeClr>
+                    </a:solidFill>
+                    <a:latin typeface="Trebuchet MS" panose="020B0603020202020204" pitchFamily="34" charset="0"/>
+                    <a:ea typeface="+mn-ea"/>
+                    <a:cs typeface="+mn-cs"/>
+                  </a:defRPr>
+                </a:lvl5pPr>
+                <a:lvl6pPr marL="2514600" indent="-228600" algn="l" defTabSz="914400" rtl="0" eaLnBrk="1" latinLnBrk="0" hangingPunct="1">
+                  <a:lnSpc>
+                    <a:spcPct val="90000"/>
+                  </a:lnSpc>
+                  <a:spcBef>
+                    <a:spcPts val="500"/>
+                  </a:spcBef>
+                  <a:buFont typeface="Arial" panose="020B0604020202020204" pitchFamily="34" charset="0"/>
+                  <a:buChar char="•"/>
+                  <a:defRPr sz="1800" kern="1200">
+                    <a:solidFill>
+                      <a:schemeClr val="tx1"/>
+                    </a:solidFill>
+                    <a:latin typeface="+mn-lt"/>
+                    <a:ea typeface="+mn-ea"/>
+                    <a:cs typeface="+mn-cs"/>
+                  </a:defRPr>
+                </a:lvl6pPr>
+                <a:lvl7pPr marL="2971800" indent="-228600" algn="l" defTabSz="914400" rtl="0" eaLnBrk="1" latinLnBrk="0" hangingPunct="1">
+                  <a:lnSpc>
+                    <a:spcPct val="90000"/>
+                  </a:lnSpc>
+                  <a:spcBef>
+                    <a:spcPts val="500"/>
+                  </a:spcBef>
+                  <a:buFont typeface="Arial" panose="020B0604020202020204" pitchFamily="34" charset="0"/>
+                  <a:buChar char="•"/>
+                  <a:defRPr sz="1800" kern="1200">
+                    <a:solidFill>
+                      <a:schemeClr val="tx1"/>
+                    </a:solidFill>
+                    <a:latin typeface="+mn-lt"/>
+                    <a:ea typeface="+mn-ea"/>
+                    <a:cs typeface="+mn-cs"/>
+                  </a:defRPr>
+                </a:lvl7pPr>
+                <a:lvl8pPr marL="3429000" indent="-228600" algn="l" defTabSz="914400" rtl="0" eaLnBrk="1" latinLnBrk="0" hangingPunct="1">
+                  <a:lnSpc>
+                    <a:spcPct val="90000"/>
+                  </a:lnSpc>
+                  <a:spcBef>
+                    <a:spcPts val="500"/>
+                  </a:spcBef>
+                  <a:buFont typeface="Arial" panose="020B0604020202020204" pitchFamily="34" charset="0"/>
+                  <a:buChar char="•"/>
+                  <a:defRPr sz="1800" kern="1200">
+                    <a:solidFill>
+                      <a:schemeClr val="tx1"/>
+                    </a:solidFill>
+                    <a:latin typeface="+mn-lt"/>
+                    <a:ea typeface="+mn-ea"/>
+                    <a:cs typeface="+mn-cs"/>
+                  </a:defRPr>
+                </a:lvl8pPr>
+                <a:lvl9pPr marL="3886200" indent="-228600" algn="l" defTabSz="914400" rtl="0" eaLnBrk="1" latinLnBrk="0" hangingPunct="1">
+                  <a:lnSpc>
+                    <a:spcPct val="90000"/>
+                  </a:lnSpc>
+                  <a:spcBef>
+                    <a:spcPts val="500"/>
+                  </a:spcBef>
+                  <a:buFont typeface="Arial" panose="020B0604020202020204" pitchFamily="34" charset="0"/>
+                  <a:buChar char="•"/>
+                  <a:defRPr sz="1800" kern="1200">
+                    <a:solidFill>
+                      <a:schemeClr val="tx1"/>
+                    </a:solidFill>
+                    <a:latin typeface="+mn-lt"/>
+                    <a:ea typeface="+mn-ea"/>
+                    <a:cs typeface="+mn-cs"/>
+                  </a:defRPr>
+                </a:lvl9pPr>
+              </a:lstStyle>
+              <a:p>
+                <a:pPr marL="0" indent="0" algn="ctr">
+                  <a:buNone/>
+                </a:pPr>
+                <a14:m>
+                  <m:oMath xmlns:m="http://schemas.openxmlformats.org/officeDocument/2006/math">
+                    <m:sSub>
+                      <m:sSubPr>
+                        <m:ctrlPr>
+                          <a:rPr lang="en-US" sz="2000" b="0" i="1" smtClean="0">
+                            <a:solidFill>
+                              <a:schemeClr val="tx1"/>
+                            </a:solidFill>
+                            <a:latin typeface="Cambria Math" panose="02040503050406030204" pitchFamily="18" charset="0"/>
+                          </a:rPr>
+                        </m:ctrlPr>
+                      </m:sSubPr>
+                      <m:e>
+                        <m:r>
+                          <a:rPr lang="en-US" sz="2000" b="0" i="1" smtClean="0">
+                            <a:solidFill>
+                              <a:schemeClr val="tx1"/>
+                            </a:solidFill>
+                            <a:latin typeface="Cambria Math" panose="02040503050406030204" pitchFamily="18" charset="0"/>
+                          </a:rPr>
+                          <m:t>𝜓</m:t>
+                        </m:r>
+                      </m:e>
+                      <m:sub>
+                        <m:r>
+                          <a:rPr lang="en-US" sz="2000" b="0" i="1" smtClean="0">
+                            <a:solidFill>
+                              <a:schemeClr val="tx1"/>
+                            </a:solidFill>
+                            <a:latin typeface="Cambria Math" panose="02040503050406030204" pitchFamily="18" charset="0"/>
+                          </a:rPr>
+                          <m:t>𝑏</m:t>
+                        </m:r>
+                      </m:sub>
+                    </m:sSub>
+                    <m:d>
+                      <m:dPr>
+                        <m:ctrlPr>
+                          <a:rPr lang="en-US" sz="2000" b="0" i="1" smtClean="0">
+                            <a:solidFill>
+                              <a:schemeClr val="tx1"/>
+                            </a:solidFill>
+                            <a:latin typeface="Cambria Math" panose="02040503050406030204" pitchFamily="18" charset="0"/>
+                          </a:rPr>
+                        </m:ctrlPr>
+                      </m:dPr>
+                      <m:e>
+                        <m:r>
+                          <a:rPr lang="en-US" sz="2000" b="0" i="1" smtClean="0">
+                            <a:solidFill>
+                              <a:schemeClr val="tx1"/>
+                            </a:solidFill>
+                            <a:latin typeface="Cambria Math" panose="02040503050406030204" pitchFamily="18" charset="0"/>
+                          </a:rPr>
+                          <m:t>𝑥</m:t>
+                        </m:r>
+                        <m:r>
+                          <a:rPr lang="en-US" sz="2000" b="0" i="1" smtClean="0">
+                            <a:solidFill>
+                              <a:schemeClr val="tx1"/>
+                            </a:solidFill>
+                            <a:latin typeface="Cambria Math" panose="02040503050406030204" pitchFamily="18" charset="0"/>
+                          </a:rPr>
+                          <m:t>,</m:t>
+                        </m:r>
+                        <m:r>
+                          <a:rPr lang="en-US" sz="2000" b="0" i="1" smtClean="0">
+                            <a:solidFill>
+                              <a:schemeClr val="tx1"/>
+                            </a:solidFill>
+                            <a:latin typeface="Cambria Math" panose="02040503050406030204" pitchFamily="18" charset="0"/>
+                          </a:rPr>
+                          <m:t>𝑦</m:t>
+                        </m:r>
+                      </m:e>
+                    </m:d>
+                    <m:r>
+                      <a:rPr lang="en-US" sz="2000" b="0" i="1" smtClean="0">
+                        <a:solidFill>
+                          <a:schemeClr val="tx1"/>
+                        </a:solidFill>
+                        <a:latin typeface="Cambria Math" panose="02040503050406030204" pitchFamily="18" charset="0"/>
+                      </a:rPr>
+                      <m:t>=</m:t>
+                    </m:r>
+                    <m:r>
+                      <m:rPr>
+                        <m:sty m:val="p"/>
+                      </m:rPr>
+                      <a:rPr lang="en-US" sz="2000" b="0" i="0" smtClean="0">
+                        <a:solidFill>
+                          <a:schemeClr val="tx1"/>
+                        </a:solidFill>
+                        <a:latin typeface="Cambria Math" panose="02040503050406030204" pitchFamily="18" charset="0"/>
+                      </a:rPr>
+                      <m:t>exp</m:t>
+                    </m:r>
+                    <m:r>
+                      <a:rPr lang="en-US" sz="2000" b="0" i="1" smtClean="0">
+                        <a:solidFill>
+                          <a:schemeClr val="tx1"/>
+                        </a:solidFill>
+                        <a:latin typeface="Cambria Math" panose="02040503050406030204" pitchFamily="18" charset="0"/>
+                      </a:rPr>
+                      <m:t>⁡(−</m:t>
+                    </m:r>
+                    <m:f>
+                      <m:fPr>
+                        <m:ctrlPr>
+                          <a:rPr lang="en-US" sz="2000" b="0" i="1" smtClean="0">
+                            <a:solidFill>
+                              <a:schemeClr val="tx1"/>
+                            </a:solidFill>
+                            <a:latin typeface="Cambria Math" panose="02040503050406030204" pitchFamily="18" charset="0"/>
+                          </a:rPr>
+                        </m:ctrlPr>
+                      </m:fPr>
+                      <m:num>
+                        <m:sSup>
+                          <m:sSupPr>
+                            <m:ctrlPr>
+                              <a:rPr lang="en-US" sz="2000" b="0" i="1" smtClean="0">
+                                <a:solidFill>
+                                  <a:schemeClr val="tx1"/>
+                                </a:solidFill>
+                                <a:latin typeface="Cambria Math" panose="02040503050406030204" pitchFamily="18" charset="0"/>
+                              </a:rPr>
+                            </m:ctrlPr>
+                          </m:sSupPr>
+                          <m:e>
+                            <m:d>
+                              <m:dPr>
+                                <m:ctrlPr>
+                                  <a:rPr lang="en-US" sz="2000" b="0" i="1" smtClean="0">
+                                    <a:solidFill>
+                                      <a:schemeClr val="tx1"/>
+                                    </a:solidFill>
+                                    <a:latin typeface="Cambria Math" panose="02040503050406030204" pitchFamily="18" charset="0"/>
+                                  </a:rPr>
+                                </m:ctrlPr>
+                              </m:dPr>
+                              <m:e>
+                                <m:r>
+                                  <a:rPr lang="en-US" sz="2000" b="0" i="1" smtClean="0">
+                                    <a:solidFill>
+                                      <a:schemeClr val="tx1"/>
+                                    </a:solidFill>
+                                    <a:latin typeface="Cambria Math" panose="02040503050406030204" pitchFamily="18" charset="0"/>
+                                  </a:rPr>
+                                  <m:t>𝑥𝑐𝑜𝑠</m:t>
+                                </m:r>
+                                <m:r>
+                                  <a:rPr lang="en-US" sz="2000" b="0" i="1" smtClean="0">
+                                    <a:solidFill>
+                                      <a:schemeClr val="tx1"/>
+                                    </a:solidFill>
+                                    <a:latin typeface="Cambria Math" panose="02040503050406030204" pitchFamily="18" charset="0"/>
+                                  </a:rPr>
+                                  <m:t>𝜃</m:t>
+                                </m:r>
+                                <m:r>
+                                  <a:rPr lang="en-US" sz="2000" b="0" i="1" smtClean="0">
+                                    <a:solidFill>
+                                      <a:schemeClr val="tx1"/>
+                                    </a:solidFill>
+                                    <a:latin typeface="Cambria Math" panose="02040503050406030204" pitchFamily="18" charset="0"/>
+                                  </a:rPr>
+                                  <m:t>+</m:t>
+                                </m:r>
+                                <m:r>
+                                  <a:rPr lang="en-US" sz="2000" b="0" i="1" smtClean="0">
+                                    <a:solidFill>
+                                      <a:schemeClr val="tx1"/>
+                                    </a:solidFill>
+                                    <a:latin typeface="Cambria Math" panose="02040503050406030204" pitchFamily="18" charset="0"/>
+                                  </a:rPr>
+                                  <m:t>𝑦𝑠𝑖𝑛</m:t>
+                                </m:r>
+                                <m:r>
+                                  <a:rPr lang="en-US" sz="2000" b="0" i="1" smtClean="0">
+                                    <a:solidFill>
+                                      <a:schemeClr val="tx1"/>
+                                    </a:solidFill>
+                                    <a:latin typeface="Cambria Math" panose="02040503050406030204" pitchFamily="18" charset="0"/>
+                                  </a:rPr>
+                                  <m:t>𝜃</m:t>
+                                </m:r>
+                              </m:e>
+                            </m:d>
+                          </m:e>
+                          <m:sup>
+                            <m:r>
+                              <a:rPr lang="en-US" sz="2000" b="0" i="1" smtClean="0">
+                                <a:solidFill>
+                                  <a:schemeClr val="tx1"/>
+                                </a:solidFill>
+                                <a:latin typeface="Cambria Math" panose="02040503050406030204" pitchFamily="18" charset="0"/>
+                              </a:rPr>
+                              <m:t>2</m:t>
+                            </m:r>
+                          </m:sup>
+                        </m:sSup>
+                      </m:num>
+                      <m:den>
+                        <m:r>
+                          <a:rPr lang="en-US" sz="2000" b="0" i="1" smtClean="0">
+                            <a:solidFill>
+                              <a:schemeClr val="tx1"/>
+                            </a:solidFill>
+                            <a:latin typeface="Cambria Math" panose="02040503050406030204" pitchFamily="18" charset="0"/>
+                          </a:rPr>
+                          <m:t>2</m:t>
+                        </m:r>
+                        <m:sSubSup>
+                          <m:sSubSupPr>
+                            <m:ctrlPr>
+                              <a:rPr lang="en-US" sz="2000" b="0" i="1" smtClean="0">
+                                <a:solidFill>
+                                  <a:schemeClr val="tx1"/>
+                                </a:solidFill>
+                                <a:latin typeface="Cambria Math" panose="02040503050406030204" pitchFamily="18" charset="0"/>
+                              </a:rPr>
+                            </m:ctrlPr>
+                          </m:sSubSupPr>
+                          <m:e>
+                            <m:r>
+                              <a:rPr lang="en-US" sz="2000" b="0" i="1" smtClean="0">
+                                <a:solidFill>
+                                  <a:schemeClr val="tx1"/>
+                                </a:solidFill>
+                                <a:latin typeface="Cambria Math" panose="02040503050406030204" pitchFamily="18" charset="0"/>
+                              </a:rPr>
+                              <m:t>𝜎</m:t>
+                            </m:r>
+                          </m:e>
+                          <m:sub>
+                            <m:r>
+                              <a:rPr lang="en-US" sz="2000" b="0" i="1" smtClean="0">
+                                <a:solidFill>
+                                  <a:schemeClr val="tx1"/>
+                                </a:solidFill>
+                                <a:latin typeface="Cambria Math" panose="02040503050406030204" pitchFamily="18" charset="0"/>
+                              </a:rPr>
+                              <m:t>𝑥</m:t>
+                            </m:r>
+                          </m:sub>
+                          <m:sup>
+                            <m:r>
+                              <a:rPr lang="en-US" sz="2000" b="0" i="1" smtClean="0">
+                                <a:solidFill>
+                                  <a:schemeClr val="tx1"/>
+                                </a:solidFill>
+                                <a:latin typeface="Cambria Math" panose="02040503050406030204" pitchFamily="18" charset="0"/>
+                              </a:rPr>
+                              <m:t>2</m:t>
+                            </m:r>
+                          </m:sup>
+                        </m:sSubSup>
+                      </m:den>
+                    </m:f>
+                    <m:r>
+                      <a:rPr lang="en-US" sz="2000" b="0" i="1" smtClean="0">
+                        <a:solidFill>
+                          <a:schemeClr val="tx1"/>
+                        </a:solidFill>
+                        <a:latin typeface="Cambria Math" panose="02040503050406030204" pitchFamily="18" charset="0"/>
+                      </a:rPr>
+                      <m:t>−</m:t>
+                    </m:r>
+                    <m:f>
+                      <m:fPr>
+                        <m:ctrlPr>
+                          <a:rPr lang="en-US" sz="2000" i="1">
+                            <a:solidFill>
+                              <a:schemeClr val="tx1"/>
+                            </a:solidFill>
+                            <a:latin typeface="Cambria Math" panose="02040503050406030204" pitchFamily="18" charset="0"/>
+                          </a:rPr>
+                        </m:ctrlPr>
+                      </m:fPr>
+                      <m:num>
+                        <m:sSup>
+                          <m:sSupPr>
+                            <m:ctrlPr>
+                              <a:rPr lang="en-US" sz="2000" b="0" i="1" smtClean="0">
+                                <a:solidFill>
+                                  <a:schemeClr val="tx1"/>
+                                </a:solidFill>
+                                <a:latin typeface="Cambria Math" panose="02040503050406030204" pitchFamily="18" charset="0"/>
+                              </a:rPr>
+                            </m:ctrlPr>
+                          </m:sSupPr>
+                          <m:e>
+                            <m:d>
+                              <m:dPr>
+                                <m:ctrlPr>
+                                  <a:rPr lang="en-US" sz="2000" b="0" i="1" smtClean="0">
+                                    <a:solidFill>
+                                      <a:schemeClr val="tx1"/>
+                                    </a:solidFill>
+                                    <a:latin typeface="Cambria Math" panose="02040503050406030204" pitchFamily="18" charset="0"/>
+                                  </a:rPr>
+                                </m:ctrlPr>
+                              </m:dPr>
+                              <m:e>
+                                <m:r>
+                                  <a:rPr lang="en-US" sz="2000" b="0" i="1" smtClean="0">
+                                    <a:solidFill>
+                                      <a:schemeClr val="tx1"/>
+                                    </a:solidFill>
+                                    <a:latin typeface="Cambria Math" panose="02040503050406030204" pitchFamily="18" charset="0"/>
+                                  </a:rPr>
+                                  <m:t>−</m:t>
+                                </m:r>
+                                <m:r>
+                                  <a:rPr lang="en-US" sz="2000" i="1">
+                                    <a:solidFill>
+                                      <a:schemeClr val="tx1"/>
+                                    </a:solidFill>
+                                    <a:latin typeface="Cambria Math" panose="02040503050406030204" pitchFamily="18" charset="0"/>
+                                  </a:rPr>
+                                  <m:t>𝑥</m:t>
+                                </m:r>
+                                <m:r>
+                                  <a:rPr lang="en-US" sz="2000" b="0" i="1" smtClean="0">
+                                    <a:solidFill>
+                                      <a:schemeClr val="tx1"/>
+                                    </a:solidFill>
+                                    <a:latin typeface="Cambria Math" panose="02040503050406030204" pitchFamily="18" charset="0"/>
+                                  </a:rPr>
+                                  <m:t>𝑠𝑖𝑛</m:t>
+                                </m:r>
+                                <m:r>
+                                  <a:rPr lang="en-US" sz="2000" i="1">
+                                    <a:solidFill>
+                                      <a:schemeClr val="tx1"/>
+                                    </a:solidFill>
+                                    <a:latin typeface="Cambria Math" panose="02040503050406030204" pitchFamily="18" charset="0"/>
+                                  </a:rPr>
+                                  <m:t>𝜃</m:t>
+                                </m:r>
+                                <m:r>
+                                  <a:rPr lang="en-US" sz="2000" i="1">
+                                    <a:solidFill>
+                                      <a:schemeClr val="tx1"/>
+                                    </a:solidFill>
+                                    <a:latin typeface="Cambria Math" panose="02040503050406030204" pitchFamily="18" charset="0"/>
+                                  </a:rPr>
+                                  <m:t>+</m:t>
+                                </m:r>
+                                <m:r>
+                                  <a:rPr lang="en-US" sz="2000" i="1">
+                                    <a:solidFill>
+                                      <a:schemeClr val="tx1"/>
+                                    </a:solidFill>
+                                    <a:latin typeface="Cambria Math" panose="02040503050406030204" pitchFamily="18" charset="0"/>
+                                  </a:rPr>
+                                  <m:t>𝑦𝑐𝑜𝑠</m:t>
+                                </m:r>
+                                <m:r>
+                                  <a:rPr lang="en-US" sz="2000" i="1">
+                                    <a:solidFill>
+                                      <a:schemeClr val="tx1"/>
+                                    </a:solidFill>
+                                    <a:latin typeface="Cambria Math" panose="02040503050406030204" pitchFamily="18" charset="0"/>
+                                  </a:rPr>
+                                  <m:t>𝜃</m:t>
+                                </m:r>
+                              </m:e>
+                            </m:d>
+                          </m:e>
+                          <m:sup>
+                            <m:r>
+                              <a:rPr lang="en-US" sz="2000" b="0" i="1" smtClean="0">
+                                <a:solidFill>
+                                  <a:schemeClr val="tx1"/>
+                                </a:solidFill>
+                                <a:latin typeface="Cambria Math" panose="02040503050406030204" pitchFamily="18" charset="0"/>
+                              </a:rPr>
+                              <m:t>2</m:t>
+                            </m:r>
+                          </m:sup>
+                        </m:sSup>
+                      </m:num>
+                      <m:den>
+                        <m:r>
+                          <a:rPr lang="en-US" sz="2000" i="1">
+                            <a:solidFill>
+                              <a:schemeClr val="tx1"/>
+                            </a:solidFill>
+                            <a:latin typeface="Cambria Math" panose="02040503050406030204" pitchFamily="18" charset="0"/>
+                          </a:rPr>
+                          <m:t>2</m:t>
+                        </m:r>
+                        <m:sSubSup>
+                          <m:sSubSupPr>
+                            <m:ctrlPr>
+                              <a:rPr lang="en-US" sz="2000" i="1">
+                                <a:solidFill>
+                                  <a:schemeClr val="tx1"/>
+                                </a:solidFill>
+                                <a:latin typeface="Cambria Math" panose="02040503050406030204" pitchFamily="18" charset="0"/>
+                              </a:rPr>
+                            </m:ctrlPr>
+                          </m:sSubSupPr>
+                          <m:e>
+                            <m:r>
+                              <a:rPr lang="en-US" sz="2000" i="1">
+                                <a:solidFill>
+                                  <a:schemeClr val="tx1"/>
+                                </a:solidFill>
+                                <a:latin typeface="Cambria Math" panose="02040503050406030204" pitchFamily="18" charset="0"/>
+                              </a:rPr>
+                              <m:t>𝜎</m:t>
+                            </m:r>
+                          </m:e>
+                          <m:sub>
+                            <m:r>
+                              <a:rPr lang="en-US" sz="2000" b="0" i="1" smtClean="0">
+                                <a:solidFill>
+                                  <a:schemeClr val="tx1"/>
+                                </a:solidFill>
+                                <a:latin typeface="Cambria Math" panose="02040503050406030204" pitchFamily="18" charset="0"/>
+                              </a:rPr>
+                              <m:t>𝑦</m:t>
+                            </m:r>
+                          </m:sub>
+                          <m:sup>
+                            <m:r>
+                              <a:rPr lang="en-US" sz="2000" i="1">
+                                <a:solidFill>
+                                  <a:schemeClr val="tx1"/>
+                                </a:solidFill>
+                                <a:latin typeface="Cambria Math" panose="02040503050406030204" pitchFamily="18" charset="0"/>
+                              </a:rPr>
+                              <m:t>2</m:t>
+                            </m:r>
+                          </m:sup>
+                        </m:sSubSup>
+                      </m:den>
+                    </m:f>
+                  </m:oMath>
+                </a14:m>
+                <a:r>
+                  <a:rPr lang="en-US" sz="2000" dirty="0">
+                    <a:solidFill>
+                      <a:schemeClr val="tx1"/>
+                    </a:solidFill>
+                  </a:rPr>
+                  <a:t>)</a:t>
+                </a:r>
+              </a:p>
+            </p:txBody>
+          </p:sp>
+        </mc:Choice>
+        <mc:Fallback>
+          <p:sp>
+            <p:nvSpPr>
+              <p:cNvPr id="18" name="Content Placeholder 2">
+                <a:extLst>
+                  <a:ext uri="{FF2B5EF4-FFF2-40B4-BE49-F238E27FC236}">
+                    <a16:creationId xmlns:a16="http://schemas.microsoft.com/office/drawing/2014/main" id="{6D43044E-5706-A601-15BE-5948FB2E0876}"/>
+                  </a:ext>
+                </a:extLst>
+              </p:cNvPr>
+              <p:cNvSpPr txBox="1">
+                <a:spLocks noRot="1" noChangeAspect="1" noMove="1" noResize="1" noEditPoints="1" noAdjustHandles="1" noChangeArrowheads="1" noChangeShapeType="1" noTextEdit="1"/>
+              </p:cNvSpPr>
+              <p:nvPr/>
+            </p:nvSpPr>
+            <p:spPr>
+              <a:xfrm>
+                <a:off x="5719946" y="944568"/>
+                <a:ext cx="5466610" cy="658601"/>
+              </a:xfrm>
+              <a:prstGeom prst="rect">
+                <a:avLst/>
+              </a:prstGeom>
+              <a:blipFill>
+                <a:blip r:embed="rId8"/>
+                <a:stretch>
+                  <a:fillRect/>
+                </a:stretch>
+              </a:blipFill>
+              <a:ln>
+                <a:solidFill>
+                  <a:schemeClr val="tx1"/>
+                </a:solidFill>
+              </a:ln>
+            </p:spPr>
+            <p:txBody>
+              <a:bodyPr/>
+              <a:lstStyle/>
+              <a:p>
+                <a:r>
+                  <a:rPr lang="en-US">
+                    <a:noFill/>
+                  </a:rPr>
+                  <a:t> </a:t>
+                </a:r>
+              </a:p>
+            </p:txBody>
+          </p:sp>
+        </mc:Fallback>
+      </mc:AlternateContent>
+    </p:spTree>
+    <p:extLst>
+      <p:ext uri="{BB962C8B-B14F-4D97-AF65-F5344CB8AC3E}">
+        <p14:creationId xmlns:p14="http://schemas.microsoft.com/office/powerpoint/2010/main" val="885219012"/>
+      </p:ext>
+    </p:extLst>
+  </p:cSld>
+  <p:clrMapOvr>
+    <a:masterClrMapping/>
+  </p:clrMapOvr>
+</p:sld>
+</file>
+
+<file path=ppt/slides/slide8.xml><?xml version="1.0" encoding="utf-8"?>
+<p:sld xmlns:a="http://schemas.openxmlformats.org/drawingml/2006/main" xmlns:r="http://schemas.openxmlformats.org/officeDocument/2006/relationships" xmlns:p="http://schemas.openxmlformats.org/presentationml/2006/main">
+  <p:cSld>
+    <p:spTree>
+      <p:nvGrpSpPr>
+        <p:cNvPr id="1" name="">
+          <a:extLst>
+            <a:ext uri="{FF2B5EF4-FFF2-40B4-BE49-F238E27FC236}">
+              <a16:creationId xmlns:a16="http://schemas.microsoft.com/office/drawing/2014/main" id="{4F7E4E3F-E292-713F-4F2F-670B097A6F81}"/>
+            </a:ext>
+          </a:extLst>
+        </p:cNvPr>
+        <p:cNvGrpSpPr/>
+        <p:nvPr/>
+      </p:nvGrpSpPr>
+      <p:grpSpPr>
+        <a:xfrm>
+          <a:off x="0" y="0"/>
+          <a:ext cx="0" cy="0"/>
+          <a:chOff x="0" y="0"/>
+          <a:chExt cx="0" cy="0"/>
+        </a:xfrm>
+      </p:grpSpPr>
+      <mc:AlternateContent xmlns:mc="http://schemas.openxmlformats.org/markup-compatibility/2006">
+        <mc:Choice xmlns:a14="http://schemas.microsoft.com/office/drawing/2010/main" Requires="a14">
+          <p:sp>
+            <p:nvSpPr>
+              <p:cNvPr id="19" name="Content Placeholder 2">
+                <a:extLst>
+                  <a:ext uri="{FF2B5EF4-FFF2-40B4-BE49-F238E27FC236}">
+                    <a16:creationId xmlns:a16="http://schemas.microsoft.com/office/drawing/2014/main" id="{CD2BDCA1-B65D-EED4-44E7-C018E35DA20E}"/>
+                  </a:ext>
+                </a:extLst>
+              </p:cNvPr>
+              <p:cNvSpPr txBox="1">
+                <a:spLocks/>
+              </p:cNvSpPr>
+              <p:nvPr/>
+            </p:nvSpPr>
+            <p:spPr>
+              <a:xfrm>
+                <a:off x="1956458" y="146602"/>
+                <a:ext cx="1706087" cy="658601"/>
+              </a:xfrm>
+              <a:prstGeom prst="rect">
+                <a:avLst/>
+              </a:prstGeom>
+              <a:ln>
+                <a:solidFill>
+                  <a:schemeClr val="tx1"/>
+                </a:solidFill>
+              </a:ln>
+            </p:spPr>
+            <p:txBody>
+              <a:bodyPr vert="horz" lIns="91440" tIns="45720" rIns="91440" bIns="45720" rtlCol="0">
+                <a:normAutofit fontScale="92500"/>
+              </a:bodyPr>
+              <a:lstStyle>
+                <a:lvl1pPr marL="228600" indent="-228600" algn="l" defTabSz="914400" rtl="0" eaLnBrk="1" latinLnBrk="0" hangingPunct="1">
+                  <a:lnSpc>
+                    <a:spcPct val="90000"/>
+                  </a:lnSpc>
+                  <a:spcBef>
+                    <a:spcPts val="1000"/>
+                  </a:spcBef>
+                  <a:buFont typeface="Arial" panose="020B0604020202020204" pitchFamily="34" charset="0"/>
+                  <a:buChar char="•"/>
+                  <a:defRPr sz="2800" kern="1200">
+                    <a:solidFill>
+                      <a:schemeClr val="accent6">
+                        <a:lumMod val="75000"/>
+                      </a:schemeClr>
+                    </a:solidFill>
+                    <a:latin typeface="Trebuchet MS" panose="020B0603020202020204" pitchFamily="34" charset="0"/>
+                    <a:ea typeface="+mn-ea"/>
+                    <a:cs typeface="+mn-cs"/>
+                  </a:defRPr>
+                </a:lvl1pPr>
+                <a:lvl2pPr marL="685800" indent="-228600" algn="l" defTabSz="914400" rtl="0" eaLnBrk="1" latinLnBrk="0" hangingPunct="1">
+                  <a:lnSpc>
+                    <a:spcPct val="90000"/>
+                  </a:lnSpc>
+                  <a:spcBef>
+                    <a:spcPts val="500"/>
+                  </a:spcBef>
+                  <a:buFont typeface="Arial" panose="020B0604020202020204" pitchFamily="34" charset="0"/>
+                  <a:buChar char="•"/>
+                  <a:defRPr sz="2400" kern="1200">
+                    <a:solidFill>
+                      <a:schemeClr val="accent6">
+                        <a:lumMod val="75000"/>
+                      </a:schemeClr>
+                    </a:solidFill>
+                    <a:latin typeface="Trebuchet MS" panose="020B0603020202020204" pitchFamily="34" charset="0"/>
+                    <a:ea typeface="+mn-ea"/>
+                    <a:cs typeface="+mn-cs"/>
+                  </a:defRPr>
+                </a:lvl2pPr>
+                <a:lvl3pPr marL="1143000" indent="-228600" algn="l" defTabSz="914400" rtl="0" eaLnBrk="1" latinLnBrk="0" hangingPunct="1">
+                  <a:lnSpc>
+                    <a:spcPct val="90000"/>
+                  </a:lnSpc>
+                  <a:spcBef>
+                    <a:spcPts val="500"/>
+                  </a:spcBef>
+                  <a:buFont typeface="Arial" panose="020B0604020202020204" pitchFamily="34" charset="0"/>
+                  <a:buChar char="•"/>
+                  <a:defRPr sz="2000" kern="1200">
+                    <a:solidFill>
+                      <a:schemeClr val="accent6">
+                        <a:lumMod val="75000"/>
+                      </a:schemeClr>
+                    </a:solidFill>
+                    <a:latin typeface="Trebuchet MS" panose="020B0603020202020204" pitchFamily="34" charset="0"/>
+                    <a:ea typeface="+mn-ea"/>
+                    <a:cs typeface="+mn-cs"/>
+                  </a:defRPr>
+                </a:lvl3pPr>
+                <a:lvl4pPr marL="1600200" indent="-228600" algn="l" defTabSz="914400" rtl="0" eaLnBrk="1" latinLnBrk="0" hangingPunct="1">
+                  <a:lnSpc>
+                    <a:spcPct val="90000"/>
+                  </a:lnSpc>
+                  <a:spcBef>
+                    <a:spcPts val="500"/>
+                  </a:spcBef>
+                  <a:buFont typeface="Arial" panose="020B0604020202020204" pitchFamily="34" charset="0"/>
+                  <a:buChar char="•"/>
+                  <a:defRPr sz="1800" kern="1200">
+                    <a:solidFill>
+                      <a:schemeClr val="accent6">
+                        <a:lumMod val="75000"/>
+                      </a:schemeClr>
+                    </a:solidFill>
+                    <a:latin typeface="Trebuchet MS" panose="020B0603020202020204" pitchFamily="34" charset="0"/>
+                    <a:ea typeface="+mn-ea"/>
+                    <a:cs typeface="+mn-cs"/>
+                  </a:defRPr>
+                </a:lvl4pPr>
+                <a:lvl5pPr marL="2057400" indent="-228600" algn="l" defTabSz="914400" rtl="0" eaLnBrk="1" latinLnBrk="0" hangingPunct="1">
+                  <a:lnSpc>
+                    <a:spcPct val="90000"/>
+                  </a:lnSpc>
+                  <a:spcBef>
+                    <a:spcPts val="500"/>
+                  </a:spcBef>
+                  <a:buFont typeface="Arial" panose="020B0604020202020204" pitchFamily="34" charset="0"/>
+                  <a:buChar char="•"/>
+                  <a:defRPr sz="1800" kern="1200">
+                    <a:solidFill>
+                      <a:schemeClr val="accent6">
+                        <a:lumMod val="75000"/>
+                      </a:schemeClr>
+                    </a:solidFill>
+                    <a:latin typeface="Trebuchet MS" panose="020B0603020202020204" pitchFamily="34" charset="0"/>
+                    <a:ea typeface="+mn-ea"/>
+                    <a:cs typeface="+mn-cs"/>
+                  </a:defRPr>
+                </a:lvl5pPr>
+                <a:lvl6pPr marL="2514600" indent="-228600" algn="l" defTabSz="914400" rtl="0" eaLnBrk="1" latinLnBrk="0" hangingPunct="1">
+                  <a:lnSpc>
+                    <a:spcPct val="90000"/>
+                  </a:lnSpc>
+                  <a:spcBef>
+                    <a:spcPts val="500"/>
+                  </a:spcBef>
+                  <a:buFont typeface="Arial" panose="020B0604020202020204" pitchFamily="34" charset="0"/>
+                  <a:buChar char="•"/>
+                  <a:defRPr sz="1800" kern="1200">
+                    <a:solidFill>
+                      <a:schemeClr val="tx1"/>
+                    </a:solidFill>
+                    <a:latin typeface="+mn-lt"/>
+                    <a:ea typeface="+mn-ea"/>
+                    <a:cs typeface="+mn-cs"/>
+                  </a:defRPr>
+                </a:lvl6pPr>
+                <a:lvl7pPr marL="2971800" indent="-228600" algn="l" defTabSz="914400" rtl="0" eaLnBrk="1" latinLnBrk="0" hangingPunct="1">
+                  <a:lnSpc>
+                    <a:spcPct val="90000"/>
+                  </a:lnSpc>
+                  <a:spcBef>
+                    <a:spcPts val="500"/>
+                  </a:spcBef>
+                  <a:buFont typeface="Arial" panose="020B0604020202020204" pitchFamily="34" charset="0"/>
+                  <a:buChar char="•"/>
+                  <a:defRPr sz="1800" kern="1200">
+                    <a:solidFill>
+                      <a:schemeClr val="tx1"/>
+                    </a:solidFill>
+                    <a:latin typeface="+mn-lt"/>
+                    <a:ea typeface="+mn-ea"/>
+                    <a:cs typeface="+mn-cs"/>
+                  </a:defRPr>
+                </a:lvl7pPr>
+                <a:lvl8pPr marL="3429000" indent="-228600" algn="l" defTabSz="914400" rtl="0" eaLnBrk="1" latinLnBrk="0" hangingPunct="1">
+                  <a:lnSpc>
+                    <a:spcPct val="90000"/>
+                  </a:lnSpc>
+                  <a:spcBef>
+                    <a:spcPts val="500"/>
+                  </a:spcBef>
+                  <a:buFont typeface="Arial" panose="020B0604020202020204" pitchFamily="34" charset="0"/>
+                  <a:buChar char="•"/>
+                  <a:defRPr sz="1800" kern="1200">
+                    <a:solidFill>
+                      <a:schemeClr val="tx1"/>
+                    </a:solidFill>
+                    <a:latin typeface="+mn-lt"/>
+                    <a:ea typeface="+mn-ea"/>
+                    <a:cs typeface="+mn-cs"/>
+                  </a:defRPr>
+                </a:lvl8pPr>
+                <a:lvl9pPr marL="3886200" indent="-228600" algn="l" defTabSz="914400" rtl="0" eaLnBrk="1" latinLnBrk="0" hangingPunct="1">
+                  <a:lnSpc>
+                    <a:spcPct val="90000"/>
+                  </a:lnSpc>
+                  <a:spcBef>
+                    <a:spcPts val="500"/>
+                  </a:spcBef>
+                  <a:buFont typeface="Arial" panose="020B0604020202020204" pitchFamily="34" charset="0"/>
+                  <a:buChar char="•"/>
+                  <a:defRPr sz="1800" kern="1200">
+                    <a:solidFill>
+                      <a:schemeClr val="tx1"/>
+                    </a:solidFill>
+                    <a:latin typeface="+mn-lt"/>
+                    <a:ea typeface="+mn-ea"/>
+                    <a:cs typeface="+mn-cs"/>
+                  </a:defRPr>
+                </a:lvl9pPr>
+              </a:lstStyle>
+              <a:p>
+                <a:pPr marL="0" indent="0" algn="ctr">
+                  <a:buNone/>
+                </a:pPr>
+                <a14:m>
+                  <m:oMathPara xmlns:m="http://schemas.openxmlformats.org/officeDocument/2006/math">
+                    <m:oMathParaPr>
+                      <m:jc m:val="centerGroup"/>
+                    </m:oMathParaPr>
+                    <m:oMath xmlns:m="http://schemas.openxmlformats.org/officeDocument/2006/math">
+                      <m:sSub>
+                        <m:sSubPr>
+                          <m:ctrlPr>
+                            <a:rPr lang="en-US" sz="1600" b="0" i="1" smtClean="0">
+                              <a:solidFill>
+                                <a:schemeClr val="tx1"/>
+                              </a:solidFill>
+                              <a:latin typeface="Cambria Math" panose="02040503050406030204" pitchFamily="18" charset="0"/>
+                            </a:rPr>
+                          </m:ctrlPr>
+                        </m:sSubPr>
+                        <m:e>
+                          <m:r>
+                            <a:rPr lang="en-US" sz="1600" b="0" i="1" smtClean="0">
+                              <a:solidFill>
+                                <a:schemeClr val="tx1"/>
+                              </a:solidFill>
+                              <a:latin typeface="Cambria Math" panose="02040503050406030204" pitchFamily="18" charset="0"/>
+                            </a:rPr>
+                            <m:t>𝑓</m:t>
+                          </m:r>
+                        </m:e>
+                        <m:sub>
+                          <m:r>
+                            <a:rPr lang="en-US" sz="1600" b="0" i="1" smtClean="0">
+                              <a:solidFill>
+                                <a:schemeClr val="tx1"/>
+                              </a:solidFill>
+                              <a:latin typeface="Cambria Math" panose="02040503050406030204" pitchFamily="18" charset="0"/>
+                            </a:rPr>
+                            <m:t>𝑥</m:t>
+                          </m:r>
+                        </m:sub>
+                      </m:sSub>
+                      <m:r>
+                        <a:rPr lang="en-US" sz="1600" b="0" i="1" smtClean="0">
+                          <a:solidFill>
+                            <a:schemeClr val="tx1"/>
+                          </a:solidFill>
+                          <a:latin typeface="Cambria Math" panose="02040503050406030204" pitchFamily="18" charset="0"/>
+                        </a:rPr>
+                        <m:t>=</m:t>
+                      </m:r>
+                      <m:r>
+                        <a:rPr lang="en-US" sz="1600" b="0" i="1" smtClean="0">
+                          <a:solidFill>
+                            <a:schemeClr val="tx1"/>
+                          </a:solidFill>
+                          <a:latin typeface="Cambria Math" panose="02040503050406030204" pitchFamily="18" charset="0"/>
+                        </a:rPr>
+                        <m:t>(</m:t>
+                      </m:r>
+                      <m:r>
+                        <a:rPr lang="en-US" sz="1600" b="0" i="1" smtClean="0">
+                          <a:solidFill>
+                            <a:schemeClr val="tx1"/>
+                          </a:solidFill>
+                          <a:latin typeface="Cambria Math" panose="02040503050406030204" pitchFamily="18" charset="0"/>
+                        </a:rPr>
+                        <m:t>1</m:t>
+                      </m:r>
+                      <m:r>
+                        <a:rPr lang="en-US" sz="1600" b="0" i="1" smtClean="0">
+                          <a:solidFill>
+                            <a:schemeClr val="tx1"/>
+                          </a:solidFill>
+                          <a:latin typeface="Cambria Math" panose="02040503050406030204" pitchFamily="18" charset="0"/>
+                        </a:rPr>
+                        <m:t>.01</m:t>
+                      </m:r>
+                      <m:r>
+                        <a:rPr lang="en-US" sz="1600" b="0" i="1" smtClean="0">
+                          <a:solidFill>
+                            <a:schemeClr val="tx1"/>
+                          </a:solidFill>
+                          <a:latin typeface="Cambria Math" panose="02040503050406030204" pitchFamily="18" charset="0"/>
+                        </a:rPr>
+                        <m:t>+</m:t>
+                      </m:r>
+                      <m:sSub>
+                        <m:sSubPr>
+                          <m:ctrlPr>
+                            <a:rPr lang="en-US" sz="1600" b="0" i="1" smtClean="0">
+                              <a:solidFill>
+                                <a:schemeClr val="tx1"/>
+                              </a:solidFill>
+                              <a:latin typeface="Cambria Math" panose="02040503050406030204" pitchFamily="18" charset="0"/>
+                            </a:rPr>
+                          </m:ctrlPr>
+                        </m:sSubPr>
+                        <m:e>
+                          <m:r>
+                            <a:rPr lang="en-US" sz="1600" b="0" i="1" smtClean="0">
+                              <a:solidFill>
+                                <a:schemeClr val="tx1"/>
+                              </a:solidFill>
+                              <a:latin typeface="Cambria Math" panose="02040503050406030204" pitchFamily="18" charset="0"/>
+                            </a:rPr>
+                            <m:t>𝑘</m:t>
+                          </m:r>
+                        </m:e>
+                        <m:sub>
+                          <m:r>
+                            <a:rPr lang="en-US" sz="1600" b="0" i="1" smtClean="0">
+                              <a:solidFill>
+                                <a:schemeClr val="tx1"/>
+                              </a:solidFill>
+                              <a:latin typeface="Cambria Math" panose="02040503050406030204" pitchFamily="18" charset="0"/>
+                            </a:rPr>
+                            <m:t>𝑥</m:t>
+                          </m:r>
+                        </m:sub>
+                      </m:sSub>
+                      <m:r>
+                        <a:rPr lang="en-US" sz="1600" b="0" i="1" smtClean="0">
+                          <a:solidFill>
+                            <a:schemeClr val="tx1"/>
+                          </a:solidFill>
+                          <a:latin typeface="Cambria Math" panose="02040503050406030204" pitchFamily="18" charset="0"/>
+                        </a:rPr>
+                        <m:t>)</m:t>
+                      </m:r>
+                      <m:f>
+                        <m:fPr>
+                          <m:ctrlPr>
+                            <a:rPr lang="en-US" sz="1600" b="0" i="1" smtClean="0">
+                              <a:solidFill>
+                                <a:schemeClr val="tx1"/>
+                              </a:solidFill>
+                              <a:latin typeface="Cambria Math" panose="02040503050406030204" pitchFamily="18" charset="0"/>
+                            </a:rPr>
+                          </m:ctrlPr>
+                        </m:fPr>
+                        <m:num>
+                          <m:r>
+                            <a:rPr lang="en-US" sz="1600" b="0" i="1" smtClean="0">
+                              <a:solidFill>
+                                <a:schemeClr val="tx1"/>
+                              </a:solidFill>
+                              <a:latin typeface="Cambria Math" panose="02040503050406030204" pitchFamily="18" charset="0"/>
+                            </a:rPr>
+                            <m:t>𝑆</m:t>
+                          </m:r>
+                        </m:num>
+                        <m:den>
+                          <m:r>
+                            <a:rPr lang="en-US" sz="1600" b="0" i="1" smtClean="0">
+                              <a:solidFill>
+                                <a:schemeClr val="tx1"/>
+                              </a:solidFill>
+                              <a:latin typeface="Cambria Math" panose="02040503050406030204" pitchFamily="18" charset="0"/>
+                            </a:rPr>
+                            <m:t>2</m:t>
+                          </m:r>
+                        </m:den>
+                      </m:f>
+                    </m:oMath>
+                  </m:oMathPara>
+                </a14:m>
+                <a:endParaRPr lang="en-US" sz="2400" dirty="0">
+                  <a:solidFill>
+                    <a:schemeClr val="tx1"/>
+                  </a:solidFill>
+                </a:endParaRPr>
+              </a:p>
+            </p:txBody>
+          </p:sp>
+        </mc:Choice>
+        <mc:Fallback>
+          <p:sp>
+            <p:nvSpPr>
+              <p:cNvPr id="19" name="Content Placeholder 2">
+                <a:extLst>
+                  <a:ext uri="{FF2B5EF4-FFF2-40B4-BE49-F238E27FC236}">
+                    <a16:creationId xmlns:a16="http://schemas.microsoft.com/office/drawing/2014/main" id="{CD2BDCA1-B65D-EED4-44E7-C018E35DA20E}"/>
+                  </a:ext>
+                </a:extLst>
+              </p:cNvPr>
+              <p:cNvSpPr txBox="1">
+                <a:spLocks noRot="1" noChangeAspect="1" noMove="1" noResize="1" noEditPoints="1" noAdjustHandles="1" noChangeArrowheads="1" noChangeShapeType="1" noTextEdit="1"/>
+              </p:cNvSpPr>
+              <p:nvPr/>
+            </p:nvSpPr>
+            <p:spPr>
+              <a:xfrm>
+                <a:off x="1956458" y="146602"/>
+                <a:ext cx="1706087" cy="658601"/>
+              </a:xfrm>
+              <a:prstGeom prst="rect">
+                <a:avLst/>
+              </a:prstGeom>
+              <a:blipFill>
+                <a:blip r:embed="rId3"/>
+                <a:stretch>
+                  <a:fillRect l="-355"/>
+                </a:stretch>
+              </a:blipFill>
+              <a:ln>
+                <a:solidFill>
+                  <a:schemeClr val="tx1"/>
+                </a:solidFill>
+              </a:ln>
+            </p:spPr>
+            <p:txBody>
+              <a:bodyPr/>
+              <a:lstStyle/>
+              <a:p>
+                <a:r>
+                  <a:rPr lang="en-US">
+                    <a:noFill/>
+                  </a:rPr>
+                  <a:t> </a:t>
+                </a:r>
+              </a:p>
+            </p:txBody>
+          </p:sp>
+        </mc:Fallback>
+      </mc:AlternateContent>
       <p:sp>
         <p:nvSpPr>
-          <p:cNvPr id="32" name="TextBox 31">
+          <p:cNvPr id="3" name="Title 1">
             <a:extLst>
               <a:ext uri="{FF2B5EF4-FFF2-40B4-BE49-F238E27FC236}">
-                <a16:creationId xmlns:a16="http://schemas.microsoft.com/office/drawing/2014/main" id="{3881EAB4-BA8E-BC17-350D-68E50E86EA5D}"/>
+                <a16:creationId xmlns:a16="http://schemas.microsoft.com/office/drawing/2014/main" id="{4F1DB084-B3CC-0259-A794-3AE942F9C2FA}"/>
+              </a:ext>
+            </a:extLst>
+          </p:cNvPr>
+          <p:cNvSpPr txBox="1">
+            <a:spLocks/>
+          </p:cNvSpPr>
+          <p:nvPr/>
+        </p:nvSpPr>
+        <p:spPr>
+          <a:xfrm>
+            <a:off x="5661560" y="90397"/>
+            <a:ext cx="5692239" cy="771015"/>
+          </a:xfrm>
+          <a:prstGeom prst="rect">
+            <a:avLst/>
+          </a:prstGeom>
+        </p:spPr>
+        <p:txBody>
+          <a:bodyPr vert="horz" lIns="91440" tIns="45720" rIns="91440" bIns="45720" rtlCol="0" anchor="ctr">
+            <a:normAutofit fontScale="85000" lnSpcReduction="10000"/>
+          </a:bodyPr>
+          <a:lstStyle>
+            <a:lvl1pPr algn="l" defTabSz="914400" rtl="0" eaLnBrk="1" latinLnBrk="0" hangingPunct="1">
+              <a:lnSpc>
+                <a:spcPct val="90000"/>
+              </a:lnSpc>
+              <a:spcBef>
+                <a:spcPct val="0"/>
+              </a:spcBef>
+              <a:buNone/>
+              <a:defRPr sz="4400" b="1" kern="1200">
+                <a:solidFill>
+                  <a:schemeClr val="accent6">
+                    <a:lumMod val="75000"/>
+                  </a:schemeClr>
+                </a:solidFill>
+                <a:latin typeface="Garamond" panose="02020404030301010803" pitchFamily="18" charset="0"/>
+                <a:ea typeface="+mj-ea"/>
+                <a:cs typeface="+mj-cs"/>
+              </a:defRPr>
+            </a:lvl1pPr>
+          </a:lstStyle>
+          <a:p>
+            <a:pPr algn="ctr"/>
+            <a:r>
+              <a:rPr lang="en-US" sz="4000" dirty="0">
+                <a:latin typeface="Segoe UI Light" panose="020B0502040204020203" pitchFamily="34" charset="0"/>
+                <a:ea typeface="Calibri" panose="020F0502020204030204" pitchFamily="34" charset="0"/>
+                <a:cs typeface="Segoe UI Light" panose="020B0502040204020203" pitchFamily="34" charset="0"/>
+              </a:rPr>
+              <a:t>2D (Band) Wavelet Encoding</a:t>
+            </a:r>
+          </a:p>
+        </p:txBody>
+      </p:sp>
+      <p:pic>
+        <p:nvPicPr>
+          <p:cNvPr id="4" name="Picture 3">
+            <a:extLst>
+              <a:ext uri="{FF2B5EF4-FFF2-40B4-BE49-F238E27FC236}">
+                <a16:creationId xmlns:a16="http://schemas.microsoft.com/office/drawing/2014/main" id="{C1689F9E-9E27-1FA9-9DAA-4E47936B8118}"/>
+              </a:ext>
+            </a:extLst>
+          </p:cNvPr>
+          <p:cNvPicPr>
+            <a:picLocks noChangeAspect="1"/>
+          </p:cNvPicPr>
+          <p:nvPr/>
+        </p:nvPicPr>
+        <p:blipFill>
+          <a:blip r:embed="rId4"/>
+          <a:srcRect/>
+          <a:stretch/>
+        </p:blipFill>
+        <p:spPr>
+          <a:xfrm>
+            <a:off x="0" y="1869005"/>
+            <a:ext cx="12192000" cy="2069399"/>
+          </a:xfrm>
+          <a:prstGeom prst="rect">
+            <a:avLst/>
+          </a:prstGeom>
+        </p:spPr>
+      </p:pic>
+      <p:pic>
+        <p:nvPicPr>
+          <p:cNvPr id="7" name="Picture 6">
+            <a:extLst>
+              <a:ext uri="{FF2B5EF4-FFF2-40B4-BE49-F238E27FC236}">
+                <a16:creationId xmlns:a16="http://schemas.microsoft.com/office/drawing/2014/main" id="{94663D4F-A33B-33C5-64B4-6EB35B0BD65F}"/>
+              </a:ext>
+            </a:extLst>
+          </p:cNvPr>
+          <p:cNvPicPr>
+            <a:picLocks noChangeAspect="1"/>
+          </p:cNvPicPr>
+          <p:nvPr/>
+        </p:nvPicPr>
+        <p:blipFill>
+          <a:blip r:embed="rId5"/>
+          <a:srcRect/>
+          <a:stretch/>
+        </p:blipFill>
+        <p:spPr>
+          <a:xfrm>
+            <a:off x="0" y="3970294"/>
+            <a:ext cx="12192000" cy="2186562"/>
+          </a:xfrm>
+          <a:prstGeom prst="rect">
+            <a:avLst/>
+          </a:prstGeom>
+        </p:spPr>
+      </p:pic>
+      <mc:AlternateContent xmlns:mc="http://schemas.openxmlformats.org/markup-compatibility/2006">
+        <mc:Choice xmlns:a14="http://schemas.microsoft.com/office/drawing/2010/main" Requires="a14">
+          <p:sp>
+            <p:nvSpPr>
+              <p:cNvPr id="8" name="Content Placeholder 2">
+                <a:extLst>
+                  <a:ext uri="{FF2B5EF4-FFF2-40B4-BE49-F238E27FC236}">
+                    <a16:creationId xmlns:a16="http://schemas.microsoft.com/office/drawing/2014/main" id="{7F8B1729-AEFF-C0DD-EC24-9756A0544B66}"/>
+                  </a:ext>
+                </a:extLst>
+              </p:cNvPr>
+              <p:cNvSpPr txBox="1">
+                <a:spLocks/>
+              </p:cNvSpPr>
+              <p:nvPr/>
+            </p:nvSpPr>
+            <p:spPr>
+              <a:xfrm>
+                <a:off x="147453" y="146603"/>
+                <a:ext cx="1686787" cy="658601"/>
+              </a:xfrm>
+              <a:prstGeom prst="rect">
+                <a:avLst/>
+              </a:prstGeom>
+              <a:ln>
+                <a:solidFill>
+                  <a:schemeClr val="tx1"/>
+                </a:solidFill>
+              </a:ln>
+            </p:spPr>
+            <p:txBody>
+              <a:bodyPr vert="horz" lIns="91440" tIns="45720" rIns="91440" bIns="45720" rtlCol="0">
+                <a:normAutofit/>
+              </a:bodyPr>
+              <a:lstStyle>
+                <a:lvl1pPr marL="228600" indent="-228600" algn="l" defTabSz="914400" rtl="0" eaLnBrk="1" latinLnBrk="0" hangingPunct="1">
+                  <a:lnSpc>
+                    <a:spcPct val="90000"/>
+                  </a:lnSpc>
+                  <a:spcBef>
+                    <a:spcPts val="1000"/>
+                  </a:spcBef>
+                  <a:buFont typeface="Arial" panose="020B0604020202020204" pitchFamily="34" charset="0"/>
+                  <a:buChar char="•"/>
+                  <a:defRPr sz="2800" kern="1200">
+                    <a:solidFill>
+                      <a:schemeClr val="accent6">
+                        <a:lumMod val="75000"/>
+                      </a:schemeClr>
+                    </a:solidFill>
+                    <a:latin typeface="Trebuchet MS" panose="020B0603020202020204" pitchFamily="34" charset="0"/>
+                    <a:ea typeface="+mn-ea"/>
+                    <a:cs typeface="+mn-cs"/>
+                  </a:defRPr>
+                </a:lvl1pPr>
+                <a:lvl2pPr marL="685800" indent="-228600" algn="l" defTabSz="914400" rtl="0" eaLnBrk="1" latinLnBrk="0" hangingPunct="1">
+                  <a:lnSpc>
+                    <a:spcPct val="90000"/>
+                  </a:lnSpc>
+                  <a:spcBef>
+                    <a:spcPts val="500"/>
+                  </a:spcBef>
+                  <a:buFont typeface="Arial" panose="020B0604020202020204" pitchFamily="34" charset="0"/>
+                  <a:buChar char="•"/>
+                  <a:defRPr sz="2400" kern="1200">
+                    <a:solidFill>
+                      <a:schemeClr val="accent6">
+                        <a:lumMod val="75000"/>
+                      </a:schemeClr>
+                    </a:solidFill>
+                    <a:latin typeface="Trebuchet MS" panose="020B0603020202020204" pitchFamily="34" charset="0"/>
+                    <a:ea typeface="+mn-ea"/>
+                    <a:cs typeface="+mn-cs"/>
+                  </a:defRPr>
+                </a:lvl2pPr>
+                <a:lvl3pPr marL="1143000" indent="-228600" algn="l" defTabSz="914400" rtl="0" eaLnBrk="1" latinLnBrk="0" hangingPunct="1">
+                  <a:lnSpc>
+                    <a:spcPct val="90000"/>
+                  </a:lnSpc>
+                  <a:spcBef>
+                    <a:spcPts val="500"/>
+                  </a:spcBef>
+                  <a:buFont typeface="Arial" panose="020B0604020202020204" pitchFamily="34" charset="0"/>
+                  <a:buChar char="•"/>
+                  <a:defRPr sz="2000" kern="1200">
+                    <a:solidFill>
+                      <a:schemeClr val="accent6">
+                        <a:lumMod val="75000"/>
+                      </a:schemeClr>
+                    </a:solidFill>
+                    <a:latin typeface="Trebuchet MS" panose="020B0603020202020204" pitchFamily="34" charset="0"/>
+                    <a:ea typeface="+mn-ea"/>
+                    <a:cs typeface="+mn-cs"/>
+                  </a:defRPr>
+                </a:lvl3pPr>
+                <a:lvl4pPr marL="1600200" indent="-228600" algn="l" defTabSz="914400" rtl="0" eaLnBrk="1" latinLnBrk="0" hangingPunct="1">
+                  <a:lnSpc>
+                    <a:spcPct val="90000"/>
+                  </a:lnSpc>
+                  <a:spcBef>
+                    <a:spcPts val="500"/>
+                  </a:spcBef>
+                  <a:buFont typeface="Arial" panose="020B0604020202020204" pitchFamily="34" charset="0"/>
+                  <a:buChar char="•"/>
+                  <a:defRPr sz="1800" kern="1200">
+                    <a:solidFill>
+                      <a:schemeClr val="accent6">
+                        <a:lumMod val="75000"/>
+                      </a:schemeClr>
+                    </a:solidFill>
+                    <a:latin typeface="Trebuchet MS" panose="020B0603020202020204" pitchFamily="34" charset="0"/>
+                    <a:ea typeface="+mn-ea"/>
+                    <a:cs typeface="+mn-cs"/>
+                  </a:defRPr>
+                </a:lvl4pPr>
+                <a:lvl5pPr marL="2057400" indent="-228600" algn="l" defTabSz="914400" rtl="0" eaLnBrk="1" latinLnBrk="0" hangingPunct="1">
+                  <a:lnSpc>
+                    <a:spcPct val="90000"/>
+                  </a:lnSpc>
+                  <a:spcBef>
+                    <a:spcPts val="500"/>
+                  </a:spcBef>
+                  <a:buFont typeface="Arial" panose="020B0604020202020204" pitchFamily="34" charset="0"/>
+                  <a:buChar char="•"/>
+                  <a:defRPr sz="1800" kern="1200">
+                    <a:solidFill>
+                      <a:schemeClr val="accent6">
+                        <a:lumMod val="75000"/>
+                      </a:schemeClr>
+                    </a:solidFill>
+                    <a:latin typeface="Trebuchet MS" panose="020B0603020202020204" pitchFamily="34" charset="0"/>
+                    <a:ea typeface="+mn-ea"/>
+                    <a:cs typeface="+mn-cs"/>
+                  </a:defRPr>
+                </a:lvl5pPr>
+                <a:lvl6pPr marL="2514600" indent="-228600" algn="l" defTabSz="914400" rtl="0" eaLnBrk="1" latinLnBrk="0" hangingPunct="1">
+                  <a:lnSpc>
+                    <a:spcPct val="90000"/>
+                  </a:lnSpc>
+                  <a:spcBef>
+                    <a:spcPts val="500"/>
+                  </a:spcBef>
+                  <a:buFont typeface="Arial" panose="020B0604020202020204" pitchFamily="34" charset="0"/>
+                  <a:buChar char="•"/>
+                  <a:defRPr sz="1800" kern="1200">
+                    <a:solidFill>
+                      <a:schemeClr val="tx1"/>
+                    </a:solidFill>
+                    <a:latin typeface="+mn-lt"/>
+                    <a:ea typeface="+mn-ea"/>
+                    <a:cs typeface="+mn-cs"/>
+                  </a:defRPr>
+                </a:lvl6pPr>
+                <a:lvl7pPr marL="2971800" indent="-228600" algn="l" defTabSz="914400" rtl="0" eaLnBrk="1" latinLnBrk="0" hangingPunct="1">
+                  <a:lnSpc>
+                    <a:spcPct val="90000"/>
+                  </a:lnSpc>
+                  <a:spcBef>
+                    <a:spcPts val="500"/>
+                  </a:spcBef>
+                  <a:buFont typeface="Arial" panose="020B0604020202020204" pitchFamily="34" charset="0"/>
+                  <a:buChar char="•"/>
+                  <a:defRPr sz="1800" kern="1200">
+                    <a:solidFill>
+                      <a:schemeClr val="tx1"/>
+                    </a:solidFill>
+                    <a:latin typeface="+mn-lt"/>
+                    <a:ea typeface="+mn-ea"/>
+                    <a:cs typeface="+mn-cs"/>
+                  </a:defRPr>
+                </a:lvl7pPr>
+                <a:lvl8pPr marL="3429000" indent="-228600" algn="l" defTabSz="914400" rtl="0" eaLnBrk="1" latinLnBrk="0" hangingPunct="1">
+                  <a:lnSpc>
+                    <a:spcPct val="90000"/>
+                  </a:lnSpc>
+                  <a:spcBef>
+                    <a:spcPts val="500"/>
+                  </a:spcBef>
+                  <a:buFont typeface="Arial" panose="020B0604020202020204" pitchFamily="34" charset="0"/>
+                  <a:buChar char="•"/>
+                  <a:defRPr sz="1800" kern="1200">
+                    <a:solidFill>
+                      <a:schemeClr val="tx1"/>
+                    </a:solidFill>
+                    <a:latin typeface="+mn-lt"/>
+                    <a:ea typeface="+mn-ea"/>
+                    <a:cs typeface="+mn-cs"/>
+                  </a:defRPr>
+                </a:lvl8pPr>
+                <a:lvl9pPr marL="3886200" indent="-228600" algn="l" defTabSz="914400" rtl="0" eaLnBrk="1" latinLnBrk="0" hangingPunct="1">
+                  <a:lnSpc>
+                    <a:spcPct val="90000"/>
+                  </a:lnSpc>
+                  <a:spcBef>
+                    <a:spcPts val="500"/>
+                  </a:spcBef>
+                  <a:buFont typeface="Arial" panose="020B0604020202020204" pitchFamily="34" charset="0"/>
+                  <a:buChar char="•"/>
+                  <a:defRPr sz="1800" kern="1200">
+                    <a:solidFill>
+                      <a:schemeClr val="tx1"/>
+                    </a:solidFill>
+                    <a:latin typeface="+mn-lt"/>
+                    <a:ea typeface="+mn-ea"/>
+                    <a:cs typeface="+mn-cs"/>
+                  </a:defRPr>
+                </a:lvl9pPr>
+              </a:lstStyle>
+              <a:p>
+                <a:pPr marL="0" indent="0" algn="ctr">
+                  <a:buNone/>
+                </a:pPr>
+                <a14:m>
+                  <m:oMathPara xmlns:m="http://schemas.openxmlformats.org/officeDocument/2006/math">
+                    <m:oMathParaPr>
+                      <m:jc m:val="centerGroup"/>
+                    </m:oMathParaPr>
+                    <m:oMath xmlns:m="http://schemas.openxmlformats.org/officeDocument/2006/math">
+                      <m:r>
+                        <a:rPr lang="en-US" sz="1400" b="0" i="1" smtClean="0">
+                          <a:solidFill>
+                            <a:schemeClr val="tx1"/>
+                          </a:solidFill>
+                          <a:latin typeface="Cambria Math" panose="02040503050406030204" pitchFamily="18" charset="0"/>
+                        </a:rPr>
+                        <m:t>𝑆</m:t>
+                      </m:r>
+                      <m:r>
+                        <a:rPr lang="en-US" sz="1400" b="0" i="1" smtClean="0">
+                          <a:solidFill>
+                            <a:schemeClr val="tx1"/>
+                          </a:solidFill>
+                          <a:latin typeface="Cambria Math" panose="02040503050406030204" pitchFamily="18" charset="0"/>
+                        </a:rPr>
+                        <m:t>=32 </m:t>
+                      </m:r>
+                    </m:oMath>
+                  </m:oMathPara>
+                </a14:m>
+                <a:endParaRPr lang="en-US" sz="1400" b="0" i="1" dirty="0">
+                  <a:solidFill>
+                    <a:schemeClr val="tx1"/>
+                  </a:solidFill>
+                  <a:latin typeface="Cambria Math" panose="02040503050406030204" pitchFamily="18" charset="0"/>
+                </a:endParaRPr>
+              </a:p>
+              <a:p>
+                <a:pPr marL="0" indent="0" algn="ctr">
+                  <a:buNone/>
+                </a:pPr>
+                <a14:m>
+                  <m:oMathPara xmlns:m="http://schemas.openxmlformats.org/officeDocument/2006/math">
+                    <m:oMathParaPr>
+                      <m:jc m:val="centerGroup"/>
+                    </m:oMathParaPr>
+                    <m:oMath xmlns:m="http://schemas.openxmlformats.org/officeDocument/2006/math">
+                      <m:sSub>
+                        <m:sSubPr>
+                          <m:ctrlPr>
+                            <a:rPr lang="en-US" sz="1400" i="1">
+                              <a:solidFill>
+                                <a:schemeClr val="tx1"/>
+                              </a:solidFill>
+                              <a:latin typeface="Cambria Math" panose="02040503050406030204" pitchFamily="18" charset="0"/>
+                            </a:rPr>
+                          </m:ctrlPr>
+                        </m:sSubPr>
+                        <m:e>
+                          <m:r>
+                            <a:rPr lang="en-US" sz="1400" i="1">
+                              <a:solidFill>
+                                <a:schemeClr val="tx1"/>
+                              </a:solidFill>
+                              <a:latin typeface="Cambria Math" panose="02040503050406030204" pitchFamily="18" charset="0"/>
+                            </a:rPr>
+                            <m:t>𝜎</m:t>
+                          </m:r>
+                        </m:e>
+                        <m:sub>
+                          <m:r>
+                            <a:rPr lang="en-US" sz="1400" i="1">
+                              <a:solidFill>
+                                <a:schemeClr val="tx1"/>
+                              </a:solidFill>
+                              <a:latin typeface="Cambria Math" panose="02040503050406030204" pitchFamily="18" charset="0"/>
+                            </a:rPr>
+                            <m:t>𝑥</m:t>
+                          </m:r>
+                        </m:sub>
+                      </m:sSub>
+                      <m:r>
+                        <a:rPr lang="en-US" sz="1400" i="1">
+                          <a:solidFill>
+                            <a:schemeClr val="tx1"/>
+                          </a:solidFill>
+                          <a:latin typeface="Cambria Math" panose="02040503050406030204" pitchFamily="18" charset="0"/>
+                        </a:rPr>
+                        <m:t>=</m:t>
+                      </m:r>
+                      <m:sSub>
+                        <m:sSubPr>
+                          <m:ctrlPr>
+                            <a:rPr lang="en-US" sz="1400" i="1">
+                              <a:solidFill>
+                                <a:schemeClr val="tx1"/>
+                              </a:solidFill>
+                              <a:latin typeface="Cambria Math" panose="02040503050406030204" pitchFamily="18" charset="0"/>
+                            </a:rPr>
+                          </m:ctrlPr>
+                        </m:sSubPr>
+                        <m:e>
+                          <m:r>
+                            <a:rPr lang="en-US" sz="1400" i="1">
+                              <a:solidFill>
+                                <a:schemeClr val="tx1"/>
+                              </a:solidFill>
+                              <a:latin typeface="Cambria Math" panose="02040503050406030204" pitchFamily="18" charset="0"/>
+                            </a:rPr>
+                            <m:t>𝜎</m:t>
+                          </m:r>
+                        </m:e>
+                        <m:sub>
+                          <m:r>
+                            <a:rPr lang="en-US" sz="1400" i="1">
+                              <a:solidFill>
+                                <a:schemeClr val="tx1"/>
+                              </a:solidFill>
+                              <a:latin typeface="Cambria Math" panose="02040503050406030204" pitchFamily="18" charset="0"/>
+                            </a:rPr>
+                            <m:t>𝑦</m:t>
+                          </m:r>
+                        </m:sub>
+                      </m:sSub>
+                      <m:r>
+                        <a:rPr lang="en-US" sz="1400" i="1">
+                          <a:solidFill>
+                            <a:schemeClr val="tx1"/>
+                          </a:solidFill>
+                          <a:latin typeface="Cambria Math" panose="02040503050406030204" pitchFamily="18" charset="0"/>
+                        </a:rPr>
+                        <m:t>=0.</m:t>
+                      </m:r>
+                      <m:r>
+                        <a:rPr lang="en-US" sz="1400" b="0" i="1" smtClean="0">
+                          <a:solidFill>
+                            <a:schemeClr val="tx1"/>
+                          </a:solidFill>
+                          <a:latin typeface="Cambria Math" panose="02040503050406030204" pitchFamily="18" charset="0"/>
+                        </a:rPr>
+                        <m:t>2</m:t>
+                      </m:r>
+                    </m:oMath>
+                  </m:oMathPara>
+                </a14:m>
+                <a:endParaRPr lang="en-US" sz="1400" dirty="0">
+                  <a:solidFill>
+                    <a:schemeClr val="tx1"/>
+                  </a:solidFill>
+                </a:endParaRPr>
+              </a:p>
+              <a:p>
+                <a:pPr marL="0" indent="0" algn="ctr">
+                  <a:buNone/>
+                </a:pPr>
+                <a:endParaRPr lang="en-US" sz="1400" dirty="0">
+                  <a:solidFill>
+                    <a:schemeClr val="tx1"/>
+                  </a:solidFill>
+                </a:endParaRPr>
+              </a:p>
+            </p:txBody>
+          </p:sp>
+        </mc:Choice>
+        <mc:Fallback>
+          <p:sp>
+            <p:nvSpPr>
+              <p:cNvPr id="8" name="Content Placeholder 2">
+                <a:extLst>
+                  <a:ext uri="{FF2B5EF4-FFF2-40B4-BE49-F238E27FC236}">
+                    <a16:creationId xmlns:a16="http://schemas.microsoft.com/office/drawing/2014/main" id="{7F8B1729-AEFF-C0DD-EC24-9756A0544B66}"/>
+                  </a:ext>
+                </a:extLst>
+              </p:cNvPr>
+              <p:cNvSpPr txBox="1">
+                <a:spLocks noRot="1" noChangeAspect="1" noMove="1" noResize="1" noEditPoints="1" noAdjustHandles="1" noChangeArrowheads="1" noChangeShapeType="1" noTextEdit="1"/>
+              </p:cNvSpPr>
+              <p:nvPr/>
+            </p:nvSpPr>
+            <p:spPr>
+              <a:xfrm>
+                <a:off x="147453" y="146603"/>
+                <a:ext cx="1686787" cy="658601"/>
+              </a:xfrm>
+              <a:prstGeom prst="rect">
+                <a:avLst/>
+              </a:prstGeom>
+              <a:blipFill>
+                <a:blip r:embed="rId6"/>
+                <a:stretch>
+                  <a:fillRect/>
+                </a:stretch>
+              </a:blipFill>
+              <a:ln>
+                <a:solidFill>
+                  <a:schemeClr val="tx1"/>
+                </a:solidFill>
+              </a:ln>
+            </p:spPr>
+            <p:txBody>
+              <a:bodyPr/>
+              <a:lstStyle/>
+              <a:p>
+                <a:r>
+                  <a:rPr lang="en-US">
+                    <a:noFill/>
+                  </a:rPr>
+                  <a:t> </a:t>
+                </a:r>
+              </a:p>
+            </p:txBody>
+          </p:sp>
+        </mc:Fallback>
+      </mc:AlternateContent>
+      <mc:AlternateContent xmlns:mc="http://schemas.openxmlformats.org/markup-compatibility/2006">
+        <mc:Choice xmlns:a14="http://schemas.microsoft.com/office/drawing/2010/main" Requires="a14">
+          <p:sp>
+            <p:nvSpPr>
+              <p:cNvPr id="11" name="Content Placeholder 2">
+                <a:extLst>
+                  <a:ext uri="{FF2B5EF4-FFF2-40B4-BE49-F238E27FC236}">
+                    <a16:creationId xmlns:a16="http://schemas.microsoft.com/office/drawing/2014/main" id="{726D6B42-5BC5-C227-F944-0578517B5447}"/>
+                  </a:ext>
+                </a:extLst>
+              </p:cNvPr>
+              <p:cNvSpPr txBox="1">
+                <a:spLocks/>
+              </p:cNvSpPr>
+              <p:nvPr/>
+            </p:nvSpPr>
+            <p:spPr>
+              <a:xfrm>
+                <a:off x="147454" y="1061541"/>
+                <a:ext cx="1491342" cy="658601"/>
+              </a:xfrm>
+              <a:prstGeom prst="rect">
+                <a:avLst/>
+              </a:prstGeom>
+              <a:ln>
+                <a:solidFill>
+                  <a:schemeClr val="tx1"/>
+                </a:solidFill>
+              </a:ln>
+            </p:spPr>
+            <p:txBody>
+              <a:bodyPr vert="horz" lIns="91440" tIns="45720" rIns="91440" bIns="45720" rtlCol="0">
+                <a:noAutofit/>
+              </a:bodyPr>
+              <a:lstStyle>
+                <a:lvl1pPr marL="228600" indent="-228600" algn="l" defTabSz="914400" rtl="0" eaLnBrk="1" latinLnBrk="0" hangingPunct="1">
+                  <a:lnSpc>
+                    <a:spcPct val="90000"/>
+                  </a:lnSpc>
+                  <a:spcBef>
+                    <a:spcPts val="1000"/>
+                  </a:spcBef>
+                  <a:buFont typeface="Arial" panose="020B0604020202020204" pitchFamily="34" charset="0"/>
+                  <a:buChar char="•"/>
+                  <a:defRPr sz="2800" kern="1200">
+                    <a:solidFill>
+                      <a:schemeClr val="accent6">
+                        <a:lumMod val="75000"/>
+                      </a:schemeClr>
+                    </a:solidFill>
+                    <a:latin typeface="Trebuchet MS" panose="020B0603020202020204" pitchFamily="34" charset="0"/>
+                    <a:ea typeface="+mn-ea"/>
+                    <a:cs typeface="+mn-cs"/>
+                  </a:defRPr>
+                </a:lvl1pPr>
+                <a:lvl2pPr marL="685800" indent="-228600" algn="l" defTabSz="914400" rtl="0" eaLnBrk="1" latinLnBrk="0" hangingPunct="1">
+                  <a:lnSpc>
+                    <a:spcPct val="90000"/>
+                  </a:lnSpc>
+                  <a:spcBef>
+                    <a:spcPts val="500"/>
+                  </a:spcBef>
+                  <a:buFont typeface="Arial" panose="020B0604020202020204" pitchFamily="34" charset="0"/>
+                  <a:buChar char="•"/>
+                  <a:defRPr sz="2400" kern="1200">
+                    <a:solidFill>
+                      <a:schemeClr val="accent6">
+                        <a:lumMod val="75000"/>
+                      </a:schemeClr>
+                    </a:solidFill>
+                    <a:latin typeface="Trebuchet MS" panose="020B0603020202020204" pitchFamily="34" charset="0"/>
+                    <a:ea typeface="+mn-ea"/>
+                    <a:cs typeface="+mn-cs"/>
+                  </a:defRPr>
+                </a:lvl2pPr>
+                <a:lvl3pPr marL="1143000" indent="-228600" algn="l" defTabSz="914400" rtl="0" eaLnBrk="1" latinLnBrk="0" hangingPunct="1">
+                  <a:lnSpc>
+                    <a:spcPct val="90000"/>
+                  </a:lnSpc>
+                  <a:spcBef>
+                    <a:spcPts val="500"/>
+                  </a:spcBef>
+                  <a:buFont typeface="Arial" panose="020B0604020202020204" pitchFamily="34" charset="0"/>
+                  <a:buChar char="•"/>
+                  <a:defRPr sz="2000" kern="1200">
+                    <a:solidFill>
+                      <a:schemeClr val="accent6">
+                        <a:lumMod val="75000"/>
+                      </a:schemeClr>
+                    </a:solidFill>
+                    <a:latin typeface="Trebuchet MS" panose="020B0603020202020204" pitchFamily="34" charset="0"/>
+                    <a:ea typeface="+mn-ea"/>
+                    <a:cs typeface="+mn-cs"/>
+                  </a:defRPr>
+                </a:lvl3pPr>
+                <a:lvl4pPr marL="1600200" indent="-228600" algn="l" defTabSz="914400" rtl="0" eaLnBrk="1" latinLnBrk="0" hangingPunct="1">
+                  <a:lnSpc>
+                    <a:spcPct val="90000"/>
+                  </a:lnSpc>
+                  <a:spcBef>
+                    <a:spcPts val="500"/>
+                  </a:spcBef>
+                  <a:buFont typeface="Arial" panose="020B0604020202020204" pitchFamily="34" charset="0"/>
+                  <a:buChar char="•"/>
+                  <a:defRPr sz="1800" kern="1200">
+                    <a:solidFill>
+                      <a:schemeClr val="accent6">
+                        <a:lumMod val="75000"/>
+                      </a:schemeClr>
+                    </a:solidFill>
+                    <a:latin typeface="Trebuchet MS" panose="020B0603020202020204" pitchFamily="34" charset="0"/>
+                    <a:ea typeface="+mn-ea"/>
+                    <a:cs typeface="+mn-cs"/>
+                  </a:defRPr>
+                </a:lvl4pPr>
+                <a:lvl5pPr marL="2057400" indent="-228600" algn="l" defTabSz="914400" rtl="0" eaLnBrk="1" latinLnBrk="0" hangingPunct="1">
+                  <a:lnSpc>
+                    <a:spcPct val="90000"/>
+                  </a:lnSpc>
+                  <a:spcBef>
+                    <a:spcPts val="500"/>
+                  </a:spcBef>
+                  <a:buFont typeface="Arial" panose="020B0604020202020204" pitchFamily="34" charset="0"/>
+                  <a:buChar char="•"/>
+                  <a:defRPr sz="1800" kern="1200">
+                    <a:solidFill>
+                      <a:schemeClr val="accent6">
+                        <a:lumMod val="75000"/>
+                      </a:schemeClr>
+                    </a:solidFill>
+                    <a:latin typeface="Trebuchet MS" panose="020B0603020202020204" pitchFamily="34" charset="0"/>
+                    <a:ea typeface="+mn-ea"/>
+                    <a:cs typeface="+mn-cs"/>
+                  </a:defRPr>
+                </a:lvl5pPr>
+                <a:lvl6pPr marL="2514600" indent="-228600" algn="l" defTabSz="914400" rtl="0" eaLnBrk="1" latinLnBrk="0" hangingPunct="1">
+                  <a:lnSpc>
+                    <a:spcPct val="90000"/>
+                  </a:lnSpc>
+                  <a:spcBef>
+                    <a:spcPts val="500"/>
+                  </a:spcBef>
+                  <a:buFont typeface="Arial" panose="020B0604020202020204" pitchFamily="34" charset="0"/>
+                  <a:buChar char="•"/>
+                  <a:defRPr sz="1800" kern="1200">
+                    <a:solidFill>
+                      <a:schemeClr val="tx1"/>
+                    </a:solidFill>
+                    <a:latin typeface="+mn-lt"/>
+                    <a:ea typeface="+mn-ea"/>
+                    <a:cs typeface="+mn-cs"/>
+                  </a:defRPr>
+                </a:lvl6pPr>
+                <a:lvl7pPr marL="2971800" indent="-228600" algn="l" defTabSz="914400" rtl="0" eaLnBrk="1" latinLnBrk="0" hangingPunct="1">
+                  <a:lnSpc>
+                    <a:spcPct val="90000"/>
+                  </a:lnSpc>
+                  <a:spcBef>
+                    <a:spcPts val="500"/>
+                  </a:spcBef>
+                  <a:buFont typeface="Arial" panose="020B0604020202020204" pitchFamily="34" charset="0"/>
+                  <a:buChar char="•"/>
+                  <a:defRPr sz="1800" kern="1200">
+                    <a:solidFill>
+                      <a:schemeClr val="tx1"/>
+                    </a:solidFill>
+                    <a:latin typeface="+mn-lt"/>
+                    <a:ea typeface="+mn-ea"/>
+                    <a:cs typeface="+mn-cs"/>
+                  </a:defRPr>
+                </a:lvl7pPr>
+                <a:lvl8pPr marL="3429000" indent="-228600" algn="l" defTabSz="914400" rtl="0" eaLnBrk="1" latinLnBrk="0" hangingPunct="1">
+                  <a:lnSpc>
+                    <a:spcPct val="90000"/>
+                  </a:lnSpc>
+                  <a:spcBef>
+                    <a:spcPts val="500"/>
+                  </a:spcBef>
+                  <a:buFont typeface="Arial" panose="020B0604020202020204" pitchFamily="34" charset="0"/>
+                  <a:buChar char="•"/>
+                  <a:defRPr sz="1800" kern="1200">
+                    <a:solidFill>
+                      <a:schemeClr val="tx1"/>
+                    </a:solidFill>
+                    <a:latin typeface="+mn-lt"/>
+                    <a:ea typeface="+mn-ea"/>
+                    <a:cs typeface="+mn-cs"/>
+                  </a:defRPr>
+                </a:lvl8pPr>
+                <a:lvl9pPr marL="3886200" indent="-228600" algn="l" defTabSz="914400" rtl="0" eaLnBrk="1" latinLnBrk="0" hangingPunct="1">
+                  <a:lnSpc>
+                    <a:spcPct val="90000"/>
+                  </a:lnSpc>
+                  <a:spcBef>
+                    <a:spcPts val="500"/>
+                  </a:spcBef>
+                  <a:buFont typeface="Arial" panose="020B0604020202020204" pitchFamily="34" charset="0"/>
+                  <a:buChar char="•"/>
+                  <a:defRPr sz="1800" kern="1200">
+                    <a:solidFill>
+                      <a:schemeClr val="tx1"/>
+                    </a:solidFill>
+                    <a:latin typeface="+mn-lt"/>
+                    <a:ea typeface="+mn-ea"/>
+                    <a:cs typeface="+mn-cs"/>
+                  </a:defRPr>
+                </a:lvl9pPr>
+              </a:lstStyle>
+              <a:p>
+                <a:pPr marL="0" indent="0" algn="ctr">
+                  <a:buNone/>
+                </a:pPr>
+                <a14:m>
+                  <m:oMathPara xmlns:m="http://schemas.openxmlformats.org/officeDocument/2006/math">
+                    <m:oMathParaPr>
+                      <m:jc m:val="centerGroup"/>
+                    </m:oMathParaPr>
+                    <m:oMath xmlns:m="http://schemas.openxmlformats.org/officeDocument/2006/math">
+                      <m:sSub>
+                        <m:sSubPr>
+                          <m:ctrlPr>
+                            <a:rPr lang="en-US" sz="1400" b="0" i="1" smtClean="0">
+                              <a:solidFill>
+                                <a:schemeClr val="tx1"/>
+                              </a:solidFill>
+                              <a:latin typeface="Cambria Math" panose="02040503050406030204" pitchFamily="18" charset="0"/>
+                            </a:rPr>
+                          </m:ctrlPr>
+                        </m:sSubPr>
+                        <m:e>
+                          <m:r>
+                            <a:rPr lang="en-US" sz="1400" b="0" i="1" smtClean="0">
+                              <a:solidFill>
+                                <a:schemeClr val="tx1"/>
+                              </a:solidFill>
+                              <a:latin typeface="Cambria Math" panose="02040503050406030204" pitchFamily="18" charset="0"/>
+                            </a:rPr>
+                            <m:t>𝜃</m:t>
+                          </m:r>
+                        </m:e>
+                        <m:sub>
+                          <m:r>
+                            <a:rPr lang="en-US" sz="1400" b="0" i="1" smtClean="0">
+                              <a:solidFill>
+                                <a:schemeClr val="tx1"/>
+                              </a:solidFill>
+                              <a:latin typeface="Cambria Math" panose="02040503050406030204" pitchFamily="18" charset="0"/>
+                            </a:rPr>
+                            <m:t>𝑥</m:t>
+                          </m:r>
+                        </m:sub>
+                      </m:sSub>
+                      <m:r>
+                        <a:rPr lang="en-US" sz="1400" b="0" i="1" smtClean="0">
+                          <a:solidFill>
+                            <a:schemeClr val="tx1"/>
+                          </a:solidFill>
+                          <a:latin typeface="Cambria Math" panose="02040503050406030204" pitchFamily="18" charset="0"/>
+                        </a:rPr>
+                        <m:t>=</m:t>
+                      </m:r>
+                      <m:d>
+                        <m:dPr>
+                          <m:ctrlPr>
+                            <a:rPr lang="en-US" sz="1400" b="0" i="1" smtClean="0">
+                              <a:solidFill>
+                                <a:schemeClr val="tx1"/>
+                              </a:solidFill>
+                              <a:latin typeface="Cambria Math" panose="02040503050406030204" pitchFamily="18" charset="0"/>
+                            </a:rPr>
+                          </m:ctrlPr>
+                        </m:dPr>
+                        <m:e>
+                          <m:sSub>
+                            <m:sSubPr>
+                              <m:ctrlPr>
+                                <a:rPr lang="en-US" sz="1400" b="0" i="1" smtClean="0">
+                                  <a:solidFill>
+                                    <a:schemeClr val="tx1"/>
+                                  </a:solidFill>
+                                  <a:latin typeface="Cambria Math" panose="02040503050406030204" pitchFamily="18" charset="0"/>
+                                </a:rPr>
+                              </m:ctrlPr>
+                            </m:sSubPr>
+                            <m:e>
+                              <m:r>
+                                <a:rPr lang="en-US" sz="1400" b="0" i="1" smtClean="0">
+                                  <a:solidFill>
+                                    <a:schemeClr val="tx1"/>
+                                  </a:solidFill>
+                                  <a:latin typeface="Cambria Math" panose="02040503050406030204" pitchFamily="18" charset="0"/>
+                                </a:rPr>
+                                <m:t>𝑘</m:t>
+                              </m:r>
+                            </m:e>
+                            <m:sub>
+                              <m:r>
+                                <a:rPr lang="en-US" sz="1400" b="0" i="1" smtClean="0">
+                                  <a:solidFill>
+                                    <a:schemeClr val="tx1"/>
+                                  </a:solidFill>
+                                  <a:latin typeface="Cambria Math" panose="02040503050406030204" pitchFamily="18" charset="0"/>
+                                </a:rPr>
+                                <m:t>𝑥</m:t>
+                              </m:r>
+                            </m:sub>
+                          </m:sSub>
+                          <m:r>
+                            <a:rPr lang="en-US" sz="1400" b="0" i="1" smtClean="0">
+                              <a:solidFill>
+                                <a:schemeClr val="tx1"/>
+                              </a:solidFill>
+                              <a:latin typeface="Cambria Math" panose="02040503050406030204" pitchFamily="18" charset="0"/>
+                            </a:rPr>
+                            <m:t> </m:t>
+                          </m:r>
+                          <m:r>
+                            <a:rPr lang="en-US" sz="1400" b="0" i="1" smtClean="0">
+                              <a:solidFill>
+                                <a:schemeClr val="tx1"/>
+                              </a:solidFill>
+                              <a:latin typeface="Cambria Math" panose="02040503050406030204" pitchFamily="18" charset="0"/>
+                            </a:rPr>
+                            <m:t>% 5</m:t>
+                          </m:r>
+                        </m:e>
+                      </m:d>
+                      <m:f>
+                        <m:fPr>
+                          <m:ctrlPr>
+                            <a:rPr lang="en-US" sz="1400" b="0" i="1" smtClean="0">
+                              <a:solidFill>
+                                <a:schemeClr val="tx1"/>
+                              </a:solidFill>
+                              <a:latin typeface="Cambria Math" panose="02040503050406030204" pitchFamily="18" charset="0"/>
+                            </a:rPr>
+                          </m:ctrlPr>
+                        </m:fPr>
+                        <m:num>
+                          <m:r>
+                            <a:rPr lang="en-US" sz="1400" b="0" i="1" smtClean="0">
+                              <a:solidFill>
+                                <a:schemeClr val="tx1"/>
+                              </a:solidFill>
+                              <a:latin typeface="Cambria Math" panose="02040503050406030204" pitchFamily="18" charset="0"/>
+                            </a:rPr>
+                            <m:t>𝜋</m:t>
+                          </m:r>
+                        </m:num>
+                        <m:den>
+                          <m:r>
+                            <a:rPr lang="en-US" sz="1400" b="0" i="1" smtClean="0">
+                              <a:solidFill>
+                                <a:schemeClr val="tx1"/>
+                              </a:solidFill>
+                              <a:latin typeface="Cambria Math" panose="02040503050406030204" pitchFamily="18" charset="0"/>
+                            </a:rPr>
+                            <m:t>5</m:t>
+                          </m:r>
+                        </m:den>
+                      </m:f>
+                    </m:oMath>
+                  </m:oMathPara>
+                </a14:m>
+                <a:endParaRPr lang="en-US" sz="1400" dirty="0">
+                  <a:solidFill>
+                    <a:schemeClr val="tx1"/>
+                  </a:solidFill>
+                </a:endParaRPr>
+              </a:p>
+            </p:txBody>
+          </p:sp>
+        </mc:Choice>
+        <mc:Fallback>
+          <p:sp>
+            <p:nvSpPr>
+              <p:cNvPr id="11" name="Content Placeholder 2">
+                <a:extLst>
+                  <a:ext uri="{FF2B5EF4-FFF2-40B4-BE49-F238E27FC236}">
+                    <a16:creationId xmlns:a16="http://schemas.microsoft.com/office/drawing/2014/main" id="{726D6B42-5BC5-C227-F944-0578517B5447}"/>
+                  </a:ext>
+                </a:extLst>
+              </p:cNvPr>
+              <p:cNvSpPr txBox="1">
+                <a:spLocks noRot="1" noChangeAspect="1" noMove="1" noResize="1" noEditPoints="1" noAdjustHandles="1" noChangeArrowheads="1" noChangeShapeType="1" noTextEdit="1"/>
+              </p:cNvSpPr>
+              <p:nvPr/>
+            </p:nvSpPr>
+            <p:spPr>
+              <a:xfrm>
+                <a:off x="147454" y="1061541"/>
+                <a:ext cx="1491342" cy="658601"/>
+              </a:xfrm>
+              <a:prstGeom prst="rect">
+                <a:avLst/>
+              </a:prstGeom>
+              <a:blipFill>
+                <a:blip r:embed="rId7"/>
+                <a:stretch>
+                  <a:fillRect/>
+                </a:stretch>
+              </a:blipFill>
+              <a:ln>
+                <a:solidFill>
+                  <a:schemeClr val="tx1"/>
+                </a:solidFill>
+              </a:ln>
+            </p:spPr>
+            <p:txBody>
+              <a:bodyPr/>
+              <a:lstStyle/>
+              <a:p>
+                <a:r>
+                  <a:rPr lang="en-US">
+                    <a:noFill/>
+                  </a:rPr>
+                  <a:t> </a:t>
+                </a:r>
+              </a:p>
+            </p:txBody>
+          </p:sp>
+        </mc:Fallback>
+      </mc:AlternateContent>
+      <mc:AlternateContent xmlns:mc="http://schemas.openxmlformats.org/markup-compatibility/2006">
+        <mc:Choice xmlns:a14="http://schemas.microsoft.com/office/drawing/2010/main" Requires="a14">
+          <p:sp>
+            <p:nvSpPr>
+              <p:cNvPr id="18" name="Content Placeholder 2">
+                <a:extLst>
+                  <a:ext uri="{FF2B5EF4-FFF2-40B4-BE49-F238E27FC236}">
+                    <a16:creationId xmlns:a16="http://schemas.microsoft.com/office/drawing/2014/main" id="{4C13C824-3300-A9EC-FEA4-70F6442EBD1E}"/>
+                  </a:ext>
+                </a:extLst>
+              </p:cNvPr>
+              <p:cNvSpPr txBox="1">
+                <a:spLocks/>
+              </p:cNvSpPr>
+              <p:nvPr/>
+            </p:nvSpPr>
+            <p:spPr>
+              <a:xfrm>
+                <a:off x="5691622" y="1063110"/>
+                <a:ext cx="5494934" cy="658601"/>
+              </a:xfrm>
+              <a:prstGeom prst="rect">
+                <a:avLst/>
+              </a:prstGeom>
+              <a:ln>
+                <a:solidFill>
+                  <a:schemeClr val="tx1"/>
+                </a:solidFill>
+              </a:ln>
+            </p:spPr>
+            <p:txBody>
+              <a:bodyPr vert="horz" lIns="91440" tIns="45720" rIns="91440" bIns="45720" rtlCol="0">
+                <a:normAutofit fontScale="85000" lnSpcReduction="10000"/>
+              </a:bodyPr>
+              <a:lstStyle>
+                <a:lvl1pPr marL="228600" indent="-228600" algn="l" defTabSz="914400" rtl="0" eaLnBrk="1" latinLnBrk="0" hangingPunct="1">
+                  <a:lnSpc>
+                    <a:spcPct val="90000"/>
+                  </a:lnSpc>
+                  <a:spcBef>
+                    <a:spcPts val="1000"/>
+                  </a:spcBef>
+                  <a:buFont typeface="Arial" panose="020B0604020202020204" pitchFamily="34" charset="0"/>
+                  <a:buChar char="•"/>
+                  <a:defRPr sz="2800" kern="1200">
+                    <a:solidFill>
+                      <a:schemeClr val="accent6">
+                        <a:lumMod val="75000"/>
+                      </a:schemeClr>
+                    </a:solidFill>
+                    <a:latin typeface="Trebuchet MS" panose="020B0603020202020204" pitchFamily="34" charset="0"/>
+                    <a:ea typeface="+mn-ea"/>
+                    <a:cs typeface="+mn-cs"/>
+                  </a:defRPr>
+                </a:lvl1pPr>
+                <a:lvl2pPr marL="685800" indent="-228600" algn="l" defTabSz="914400" rtl="0" eaLnBrk="1" latinLnBrk="0" hangingPunct="1">
+                  <a:lnSpc>
+                    <a:spcPct val="90000"/>
+                  </a:lnSpc>
+                  <a:spcBef>
+                    <a:spcPts val="500"/>
+                  </a:spcBef>
+                  <a:buFont typeface="Arial" panose="020B0604020202020204" pitchFamily="34" charset="0"/>
+                  <a:buChar char="•"/>
+                  <a:defRPr sz="2400" kern="1200">
+                    <a:solidFill>
+                      <a:schemeClr val="accent6">
+                        <a:lumMod val="75000"/>
+                      </a:schemeClr>
+                    </a:solidFill>
+                    <a:latin typeface="Trebuchet MS" panose="020B0603020202020204" pitchFamily="34" charset="0"/>
+                    <a:ea typeface="+mn-ea"/>
+                    <a:cs typeface="+mn-cs"/>
+                  </a:defRPr>
+                </a:lvl2pPr>
+                <a:lvl3pPr marL="1143000" indent="-228600" algn="l" defTabSz="914400" rtl="0" eaLnBrk="1" latinLnBrk="0" hangingPunct="1">
+                  <a:lnSpc>
+                    <a:spcPct val="90000"/>
+                  </a:lnSpc>
+                  <a:spcBef>
+                    <a:spcPts val="500"/>
+                  </a:spcBef>
+                  <a:buFont typeface="Arial" panose="020B0604020202020204" pitchFamily="34" charset="0"/>
+                  <a:buChar char="•"/>
+                  <a:defRPr sz="2000" kern="1200">
+                    <a:solidFill>
+                      <a:schemeClr val="accent6">
+                        <a:lumMod val="75000"/>
+                      </a:schemeClr>
+                    </a:solidFill>
+                    <a:latin typeface="Trebuchet MS" panose="020B0603020202020204" pitchFamily="34" charset="0"/>
+                    <a:ea typeface="+mn-ea"/>
+                    <a:cs typeface="+mn-cs"/>
+                  </a:defRPr>
+                </a:lvl3pPr>
+                <a:lvl4pPr marL="1600200" indent="-228600" algn="l" defTabSz="914400" rtl="0" eaLnBrk="1" latinLnBrk="0" hangingPunct="1">
+                  <a:lnSpc>
+                    <a:spcPct val="90000"/>
+                  </a:lnSpc>
+                  <a:spcBef>
+                    <a:spcPts val="500"/>
+                  </a:spcBef>
+                  <a:buFont typeface="Arial" panose="020B0604020202020204" pitchFamily="34" charset="0"/>
+                  <a:buChar char="•"/>
+                  <a:defRPr sz="1800" kern="1200">
+                    <a:solidFill>
+                      <a:schemeClr val="accent6">
+                        <a:lumMod val="75000"/>
+                      </a:schemeClr>
+                    </a:solidFill>
+                    <a:latin typeface="Trebuchet MS" panose="020B0603020202020204" pitchFamily="34" charset="0"/>
+                    <a:ea typeface="+mn-ea"/>
+                    <a:cs typeface="+mn-cs"/>
+                  </a:defRPr>
+                </a:lvl4pPr>
+                <a:lvl5pPr marL="2057400" indent="-228600" algn="l" defTabSz="914400" rtl="0" eaLnBrk="1" latinLnBrk="0" hangingPunct="1">
+                  <a:lnSpc>
+                    <a:spcPct val="90000"/>
+                  </a:lnSpc>
+                  <a:spcBef>
+                    <a:spcPts val="500"/>
+                  </a:spcBef>
+                  <a:buFont typeface="Arial" panose="020B0604020202020204" pitchFamily="34" charset="0"/>
+                  <a:buChar char="•"/>
+                  <a:defRPr sz="1800" kern="1200">
+                    <a:solidFill>
+                      <a:schemeClr val="accent6">
+                        <a:lumMod val="75000"/>
+                      </a:schemeClr>
+                    </a:solidFill>
+                    <a:latin typeface="Trebuchet MS" panose="020B0603020202020204" pitchFamily="34" charset="0"/>
+                    <a:ea typeface="+mn-ea"/>
+                    <a:cs typeface="+mn-cs"/>
+                  </a:defRPr>
+                </a:lvl5pPr>
+                <a:lvl6pPr marL="2514600" indent="-228600" algn="l" defTabSz="914400" rtl="0" eaLnBrk="1" latinLnBrk="0" hangingPunct="1">
+                  <a:lnSpc>
+                    <a:spcPct val="90000"/>
+                  </a:lnSpc>
+                  <a:spcBef>
+                    <a:spcPts val="500"/>
+                  </a:spcBef>
+                  <a:buFont typeface="Arial" panose="020B0604020202020204" pitchFamily="34" charset="0"/>
+                  <a:buChar char="•"/>
+                  <a:defRPr sz="1800" kern="1200">
+                    <a:solidFill>
+                      <a:schemeClr val="tx1"/>
+                    </a:solidFill>
+                    <a:latin typeface="+mn-lt"/>
+                    <a:ea typeface="+mn-ea"/>
+                    <a:cs typeface="+mn-cs"/>
+                  </a:defRPr>
+                </a:lvl6pPr>
+                <a:lvl7pPr marL="2971800" indent="-228600" algn="l" defTabSz="914400" rtl="0" eaLnBrk="1" latinLnBrk="0" hangingPunct="1">
+                  <a:lnSpc>
+                    <a:spcPct val="90000"/>
+                  </a:lnSpc>
+                  <a:spcBef>
+                    <a:spcPts val="500"/>
+                  </a:spcBef>
+                  <a:buFont typeface="Arial" panose="020B0604020202020204" pitchFamily="34" charset="0"/>
+                  <a:buChar char="•"/>
+                  <a:defRPr sz="1800" kern="1200">
+                    <a:solidFill>
+                      <a:schemeClr val="tx1"/>
+                    </a:solidFill>
+                    <a:latin typeface="+mn-lt"/>
+                    <a:ea typeface="+mn-ea"/>
+                    <a:cs typeface="+mn-cs"/>
+                  </a:defRPr>
+                </a:lvl7pPr>
+                <a:lvl8pPr marL="3429000" indent="-228600" algn="l" defTabSz="914400" rtl="0" eaLnBrk="1" latinLnBrk="0" hangingPunct="1">
+                  <a:lnSpc>
+                    <a:spcPct val="90000"/>
+                  </a:lnSpc>
+                  <a:spcBef>
+                    <a:spcPts val="500"/>
+                  </a:spcBef>
+                  <a:buFont typeface="Arial" panose="020B0604020202020204" pitchFamily="34" charset="0"/>
+                  <a:buChar char="•"/>
+                  <a:defRPr sz="1800" kern="1200">
+                    <a:solidFill>
+                      <a:schemeClr val="tx1"/>
+                    </a:solidFill>
+                    <a:latin typeface="+mn-lt"/>
+                    <a:ea typeface="+mn-ea"/>
+                    <a:cs typeface="+mn-cs"/>
+                  </a:defRPr>
+                </a:lvl8pPr>
+                <a:lvl9pPr marL="3886200" indent="-228600" algn="l" defTabSz="914400" rtl="0" eaLnBrk="1" latinLnBrk="0" hangingPunct="1">
+                  <a:lnSpc>
+                    <a:spcPct val="90000"/>
+                  </a:lnSpc>
+                  <a:spcBef>
+                    <a:spcPts val="500"/>
+                  </a:spcBef>
+                  <a:buFont typeface="Arial" panose="020B0604020202020204" pitchFamily="34" charset="0"/>
+                  <a:buChar char="•"/>
+                  <a:defRPr sz="1800" kern="1200">
+                    <a:solidFill>
+                      <a:schemeClr val="tx1"/>
+                    </a:solidFill>
+                    <a:latin typeface="+mn-lt"/>
+                    <a:ea typeface="+mn-ea"/>
+                    <a:cs typeface="+mn-cs"/>
+                  </a:defRPr>
+                </a:lvl9pPr>
+              </a:lstStyle>
+              <a:p>
+                <a:pPr marL="0" indent="0" algn="ctr">
+                  <a:buNone/>
+                </a:pPr>
+                <a14:m>
+                  <m:oMathPara xmlns:m="http://schemas.openxmlformats.org/officeDocument/2006/math">
+                    <m:oMathParaPr>
+                      <m:jc m:val="centerGroup"/>
+                    </m:oMathParaPr>
+                    <m:oMath xmlns:m="http://schemas.openxmlformats.org/officeDocument/2006/math">
+                      <m:sSub>
+                        <m:sSubPr>
+                          <m:ctrlPr>
+                            <a:rPr lang="en-US" sz="2000" b="0" i="1" smtClean="0">
+                              <a:solidFill>
+                                <a:schemeClr val="tx1"/>
+                              </a:solidFill>
+                              <a:latin typeface="Cambria Math" panose="02040503050406030204" pitchFamily="18" charset="0"/>
+                            </a:rPr>
+                          </m:ctrlPr>
+                        </m:sSubPr>
+                        <m:e>
+                          <m:r>
+                            <a:rPr lang="en-US" sz="2000" b="0" i="1" smtClean="0">
+                              <a:solidFill>
+                                <a:schemeClr val="tx1"/>
+                              </a:solidFill>
+                              <a:latin typeface="Cambria Math" panose="02040503050406030204" pitchFamily="18" charset="0"/>
+                            </a:rPr>
+                            <m:t>𝜓</m:t>
+                          </m:r>
+                        </m:e>
+                        <m:sub>
+                          <m:sSub>
+                            <m:sSubPr>
+                              <m:ctrlPr>
+                                <a:rPr lang="en-US" sz="2000" b="0" i="1" smtClean="0">
+                                  <a:solidFill>
+                                    <a:schemeClr val="tx1"/>
+                                  </a:solidFill>
+                                  <a:latin typeface="Cambria Math" panose="02040503050406030204" pitchFamily="18" charset="0"/>
+                                </a:rPr>
+                              </m:ctrlPr>
+                            </m:sSubPr>
+                            <m:e>
+                              <m:r>
+                                <a:rPr lang="en-US" sz="2000" b="0" i="1" smtClean="0">
+                                  <a:solidFill>
+                                    <a:schemeClr val="tx1"/>
+                                  </a:solidFill>
+                                  <a:latin typeface="Cambria Math" panose="02040503050406030204" pitchFamily="18" charset="0"/>
+                                </a:rPr>
+                                <m:t>𝑘</m:t>
+                              </m:r>
+                            </m:e>
+                            <m:sub>
+                              <m:r>
+                                <a:rPr lang="en-US" sz="2000" b="0" i="1" smtClean="0">
+                                  <a:solidFill>
+                                    <a:schemeClr val="tx1"/>
+                                  </a:solidFill>
+                                  <a:latin typeface="Cambria Math" panose="02040503050406030204" pitchFamily="18" charset="0"/>
+                                </a:rPr>
+                                <m:t>𝑥</m:t>
+                              </m:r>
+                            </m:sub>
+                          </m:sSub>
+                          <m:r>
+                            <a:rPr lang="en-US" sz="2000" b="0" i="1" smtClean="0">
+                              <a:solidFill>
+                                <a:schemeClr val="tx1"/>
+                              </a:solidFill>
+                              <a:latin typeface="Cambria Math" panose="02040503050406030204" pitchFamily="18" charset="0"/>
+                            </a:rPr>
+                            <m:t>,</m:t>
+                          </m:r>
+                          <m:sSub>
+                            <m:sSubPr>
+                              <m:ctrlPr>
+                                <a:rPr lang="en-US" sz="2000" b="0" i="1" smtClean="0">
+                                  <a:solidFill>
+                                    <a:schemeClr val="tx1"/>
+                                  </a:solidFill>
+                                  <a:latin typeface="Cambria Math" panose="02040503050406030204" pitchFamily="18" charset="0"/>
+                                </a:rPr>
+                              </m:ctrlPr>
+                            </m:sSubPr>
+                            <m:e>
+                              <m:r>
+                                <a:rPr lang="en-US" sz="2000" b="0" i="1" smtClean="0">
+                                  <a:solidFill>
+                                    <a:schemeClr val="tx1"/>
+                                  </a:solidFill>
+                                  <a:latin typeface="Cambria Math" panose="02040503050406030204" pitchFamily="18" charset="0"/>
+                                </a:rPr>
+                                <m:t>𝑘</m:t>
+                              </m:r>
+                            </m:e>
+                            <m:sub>
+                              <m:r>
+                                <a:rPr lang="en-US" sz="2000" b="0" i="1" smtClean="0">
+                                  <a:solidFill>
+                                    <a:schemeClr val="tx1"/>
+                                  </a:solidFill>
+                                  <a:latin typeface="Cambria Math" panose="02040503050406030204" pitchFamily="18" charset="0"/>
+                                </a:rPr>
+                                <m:t>𝑦</m:t>
+                              </m:r>
+                            </m:sub>
+                          </m:sSub>
+                        </m:sub>
+                      </m:sSub>
+                      <m:d>
+                        <m:dPr>
+                          <m:ctrlPr>
+                            <a:rPr lang="en-US" sz="2000" b="0" i="1" smtClean="0">
+                              <a:solidFill>
+                                <a:schemeClr val="tx1"/>
+                              </a:solidFill>
+                              <a:latin typeface="Cambria Math" panose="02040503050406030204" pitchFamily="18" charset="0"/>
+                            </a:rPr>
+                          </m:ctrlPr>
+                        </m:dPr>
+                        <m:e>
+                          <m:r>
+                            <a:rPr lang="en-US" sz="2000" b="0" i="1" smtClean="0">
+                              <a:solidFill>
+                                <a:schemeClr val="tx1"/>
+                              </a:solidFill>
+                              <a:latin typeface="Cambria Math" panose="02040503050406030204" pitchFamily="18" charset="0"/>
+                            </a:rPr>
+                            <m:t>𝑥</m:t>
+                          </m:r>
+                          <m:r>
+                            <a:rPr lang="en-US" sz="2000" b="0" i="1" smtClean="0">
+                              <a:solidFill>
+                                <a:schemeClr val="tx1"/>
+                              </a:solidFill>
+                              <a:latin typeface="Cambria Math" panose="02040503050406030204" pitchFamily="18" charset="0"/>
+                            </a:rPr>
+                            <m:t>,</m:t>
+                          </m:r>
+                          <m:r>
+                            <a:rPr lang="en-US" sz="2000" b="0" i="1" smtClean="0">
+                              <a:solidFill>
+                                <a:schemeClr val="tx1"/>
+                              </a:solidFill>
+                              <a:latin typeface="Cambria Math" panose="02040503050406030204" pitchFamily="18" charset="0"/>
+                            </a:rPr>
+                            <m:t>𝑦</m:t>
+                          </m:r>
+                        </m:e>
+                      </m:d>
+                      <m:r>
+                        <a:rPr lang="en-US" sz="2000" b="0" i="1" smtClean="0">
+                          <a:solidFill>
+                            <a:schemeClr val="tx1"/>
+                          </a:solidFill>
+                          <a:latin typeface="Cambria Math" panose="02040503050406030204" pitchFamily="18" charset="0"/>
+                        </a:rPr>
+                        <m:t>=</m:t>
+                      </m:r>
+                      <m:func>
+                        <m:funcPr>
+                          <m:ctrlPr>
+                            <a:rPr lang="en-US" sz="2000" b="0" i="1" smtClean="0">
+                              <a:solidFill>
+                                <a:schemeClr val="tx1"/>
+                              </a:solidFill>
+                              <a:latin typeface="Cambria Math" panose="02040503050406030204" pitchFamily="18" charset="0"/>
+                            </a:rPr>
+                          </m:ctrlPr>
+                        </m:funcPr>
+                        <m:fName>
+                          <m:r>
+                            <m:rPr>
+                              <m:sty m:val="p"/>
+                            </m:rPr>
+                            <a:rPr lang="en-US" sz="2000" b="0" i="0" smtClean="0">
+                              <a:solidFill>
+                                <a:schemeClr val="tx1"/>
+                              </a:solidFill>
+                              <a:latin typeface="Cambria Math" panose="02040503050406030204" pitchFamily="18" charset="0"/>
+                            </a:rPr>
+                            <m:t>exp</m:t>
+                          </m:r>
+                        </m:fName>
+                        <m:e>
+                          <m:d>
+                            <m:dPr>
+                              <m:ctrlPr>
+                                <a:rPr lang="en-US" sz="2000" b="0" i="1" smtClean="0">
+                                  <a:solidFill>
+                                    <a:schemeClr val="tx1"/>
+                                  </a:solidFill>
+                                  <a:latin typeface="Cambria Math" panose="02040503050406030204" pitchFamily="18" charset="0"/>
+                                </a:rPr>
+                              </m:ctrlPr>
+                            </m:dPr>
+                            <m:e>
+                              <m:r>
+                                <a:rPr lang="en-US" sz="2000" b="0" i="1" smtClean="0">
+                                  <a:solidFill>
+                                    <a:schemeClr val="tx1"/>
+                                  </a:solidFill>
+                                  <a:latin typeface="Cambria Math" panose="02040503050406030204" pitchFamily="18" charset="0"/>
+                                </a:rPr>
+                                <m:t>−</m:t>
+                              </m:r>
+                              <m:f>
+                                <m:fPr>
+                                  <m:ctrlPr>
+                                    <a:rPr lang="en-US" sz="2000" b="0" i="1" smtClean="0">
+                                      <a:solidFill>
+                                        <a:schemeClr val="tx1"/>
+                                      </a:solidFill>
+                                      <a:latin typeface="Cambria Math" panose="02040503050406030204" pitchFamily="18" charset="0"/>
+                                    </a:rPr>
+                                  </m:ctrlPr>
+                                </m:fPr>
+                                <m:num>
+                                  <m:sSubSup>
+                                    <m:sSubSupPr>
+                                      <m:ctrlPr>
+                                        <a:rPr lang="en-US" sz="2000" b="0" i="1" smtClean="0">
+                                          <a:solidFill>
+                                            <a:schemeClr val="tx1"/>
+                                          </a:solidFill>
+                                          <a:latin typeface="Cambria Math" panose="02040503050406030204" pitchFamily="18" charset="0"/>
+                                        </a:rPr>
+                                      </m:ctrlPr>
+                                    </m:sSubSupPr>
+                                    <m:e>
+                                      <m:r>
+                                        <a:rPr lang="en-US" sz="2000" b="0" i="1" smtClean="0">
+                                          <a:solidFill>
+                                            <a:schemeClr val="tx1"/>
+                                          </a:solidFill>
+                                          <a:latin typeface="Cambria Math" panose="02040503050406030204" pitchFamily="18" charset="0"/>
+                                        </a:rPr>
+                                        <m:t>𝑥</m:t>
+                                      </m:r>
+                                    </m:e>
+                                    <m:sub>
+                                      <m:r>
+                                        <a:rPr lang="en-US" sz="2000" b="0" i="1" smtClean="0">
+                                          <a:solidFill>
+                                            <a:schemeClr val="tx1"/>
+                                          </a:solidFill>
+                                          <a:latin typeface="Cambria Math" panose="02040503050406030204" pitchFamily="18" charset="0"/>
+                                        </a:rPr>
+                                        <m:t>𝜃</m:t>
+                                      </m:r>
+                                    </m:sub>
+                                    <m:sup>
+                                      <m:r>
+                                        <a:rPr lang="en-US" sz="2000" b="0" i="1" smtClean="0">
+                                          <a:solidFill>
+                                            <a:schemeClr val="tx1"/>
+                                          </a:solidFill>
+                                          <a:latin typeface="Cambria Math" panose="02040503050406030204" pitchFamily="18" charset="0"/>
+                                        </a:rPr>
+                                        <m:t>2</m:t>
+                                      </m:r>
+                                    </m:sup>
+                                  </m:sSubSup>
+                                </m:num>
+                                <m:den>
+                                  <m:r>
+                                    <a:rPr lang="en-US" sz="2000" b="0" i="1" smtClean="0">
+                                      <a:solidFill>
+                                        <a:schemeClr val="tx1"/>
+                                      </a:solidFill>
+                                      <a:latin typeface="Cambria Math" panose="02040503050406030204" pitchFamily="18" charset="0"/>
+                                    </a:rPr>
+                                    <m:t>2</m:t>
+                                  </m:r>
+                                  <m:sSubSup>
+                                    <m:sSubSupPr>
+                                      <m:ctrlPr>
+                                        <a:rPr lang="en-US" sz="2000" b="0" i="1" smtClean="0">
+                                          <a:solidFill>
+                                            <a:schemeClr val="tx1"/>
+                                          </a:solidFill>
+                                          <a:latin typeface="Cambria Math" panose="02040503050406030204" pitchFamily="18" charset="0"/>
+                                        </a:rPr>
+                                      </m:ctrlPr>
+                                    </m:sSubSupPr>
+                                    <m:e>
+                                      <m:r>
+                                        <a:rPr lang="en-US" sz="2000" b="0" i="1" smtClean="0">
+                                          <a:solidFill>
+                                            <a:schemeClr val="tx1"/>
+                                          </a:solidFill>
+                                          <a:latin typeface="Cambria Math" panose="02040503050406030204" pitchFamily="18" charset="0"/>
+                                        </a:rPr>
+                                        <m:t>𝜎</m:t>
+                                      </m:r>
+                                    </m:e>
+                                    <m:sub>
+                                      <m:r>
+                                        <a:rPr lang="en-US" sz="2000" b="0" i="1" smtClean="0">
+                                          <a:solidFill>
+                                            <a:schemeClr val="tx1"/>
+                                          </a:solidFill>
+                                          <a:latin typeface="Cambria Math" panose="02040503050406030204" pitchFamily="18" charset="0"/>
+                                        </a:rPr>
+                                        <m:t>𝑥</m:t>
+                                      </m:r>
+                                    </m:sub>
+                                    <m:sup>
+                                      <m:r>
+                                        <a:rPr lang="en-US" sz="2000" b="0" i="1" smtClean="0">
+                                          <a:solidFill>
+                                            <a:schemeClr val="tx1"/>
+                                          </a:solidFill>
+                                          <a:latin typeface="Cambria Math" panose="02040503050406030204" pitchFamily="18" charset="0"/>
+                                        </a:rPr>
+                                        <m:t>2</m:t>
+                                      </m:r>
+                                    </m:sup>
+                                  </m:sSubSup>
+                                </m:den>
+                              </m:f>
+                              <m:r>
+                                <a:rPr lang="en-US" sz="2000" b="0" i="1" smtClean="0">
+                                  <a:solidFill>
+                                    <a:schemeClr val="tx1"/>
+                                  </a:solidFill>
+                                  <a:latin typeface="Cambria Math" panose="02040503050406030204" pitchFamily="18" charset="0"/>
+                                </a:rPr>
+                                <m:t>−</m:t>
+                              </m:r>
+                              <m:f>
+                                <m:fPr>
+                                  <m:ctrlPr>
+                                    <a:rPr lang="en-US" sz="2000" i="1">
+                                      <a:solidFill>
+                                        <a:schemeClr val="tx1"/>
+                                      </a:solidFill>
+                                      <a:latin typeface="Cambria Math" panose="02040503050406030204" pitchFamily="18" charset="0"/>
+                                    </a:rPr>
+                                  </m:ctrlPr>
+                                </m:fPr>
+                                <m:num>
+                                  <m:sSubSup>
+                                    <m:sSubSupPr>
+                                      <m:ctrlPr>
+                                        <a:rPr lang="en-US" sz="2000" b="0" i="1" smtClean="0">
+                                          <a:solidFill>
+                                            <a:schemeClr val="tx1"/>
+                                          </a:solidFill>
+                                          <a:latin typeface="Cambria Math" panose="02040503050406030204" pitchFamily="18" charset="0"/>
+                                        </a:rPr>
+                                      </m:ctrlPr>
+                                    </m:sSubSupPr>
+                                    <m:e>
+                                      <m:r>
+                                        <a:rPr lang="en-US" sz="2000" b="0" i="1" smtClean="0">
+                                          <a:solidFill>
+                                            <a:schemeClr val="tx1"/>
+                                          </a:solidFill>
+                                          <a:latin typeface="Cambria Math" panose="02040503050406030204" pitchFamily="18" charset="0"/>
+                                        </a:rPr>
+                                        <m:t>𝑦</m:t>
+                                      </m:r>
+                                    </m:e>
+                                    <m:sub>
+                                      <m:r>
+                                        <a:rPr lang="en-US" sz="2000" b="0" i="1" smtClean="0">
+                                          <a:solidFill>
+                                            <a:schemeClr val="tx1"/>
+                                          </a:solidFill>
+                                          <a:latin typeface="Cambria Math" panose="02040503050406030204" pitchFamily="18" charset="0"/>
+                                        </a:rPr>
+                                        <m:t>𝜃</m:t>
+                                      </m:r>
+                                    </m:sub>
+                                    <m:sup>
+                                      <m:r>
+                                        <a:rPr lang="en-US" sz="2000" b="0" i="1" smtClean="0">
+                                          <a:solidFill>
+                                            <a:schemeClr val="tx1"/>
+                                          </a:solidFill>
+                                          <a:latin typeface="Cambria Math" panose="02040503050406030204" pitchFamily="18" charset="0"/>
+                                        </a:rPr>
+                                        <m:t>2</m:t>
+                                      </m:r>
+                                    </m:sup>
+                                  </m:sSubSup>
+                                </m:num>
+                                <m:den>
+                                  <m:r>
+                                    <a:rPr lang="en-US" sz="2000" i="1">
+                                      <a:solidFill>
+                                        <a:schemeClr val="tx1"/>
+                                      </a:solidFill>
+                                      <a:latin typeface="Cambria Math" panose="02040503050406030204" pitchFamily="18" charset="0"/>
+                                    </a:rPr>
+                                    <m:t>2</m:t>
+                                  </m:r>
+                                  <m:sSubSup>
+                                    <m:sSubSupPr>
+                                      <m:ctrlPr>
+                                        <a:rPr lang="en-US" sz="2000" i="1">
+                                          <a:solidFill>
+                                            <a:schemeClr val="tx1"/>
+                                          </a:solidFill>
+                                          <a:latin typeface="Cambria Math" panose="02040503050406030204" pitchFamily="18" charset="0"/>
+                                        </a:rPr>
+                                      </m:ctrlPr>
+                                    </m:sSubSupPr>
+                                    <m:e>
+                                      <m:r>
+                                        <a:rPr lang="en-US" sz="2000" i="1">
+                                          <a:solidFill>
+                                            <a:schemeClr val="tx1"/>
+                                          </a:solidFill>
+                                          <a:latin typeface="Cambria Math" panose="02040503050406030204" pitchFamily="18" charset="0"/>
+                                        </a:rPr>
+                                        <m:t>𝜎</m:t>
+                                      </m:r>
+                                    </m:e>
+                                    <m:sub>
+                                      <m:r>
+                                        <a:rPr lang="en-US" sz="2000" b="0" i="1" smtClean="0">
+                                          <a:solidFill>
+                                            <a:schemeClr val="tx1"/>
+                                          </a:solidFill>
+                                          <a:latin typeface="Cambria Math" panose="02040503050406030204" pitchFamily="18" charset="0"/>
+                                        </a:rPr>
+                                        <m:t>𝑦</m:t>
+                                      </m:r>
+                                    </m:sub>
+                                    <m:sup>
+                                      <m:r>
+                                        <a:rPr lang="en-US" sz="2000" i="1">
+                                          <a:solidFill>
+                                            <a:schemeClr val="tx1"/>
+                                          </a:solidFill>
+                                          <a:latin typeface="Cambria Math" panose="02040503050406030204" pitchFamily="18" charset="0"/>
+                                        </a:rPr>
+                                        <m:t>2</m:t>
+                                      </m:r>
+                                    </m:sup>
+                                  </m:sSubSup>
+                                </m:den>
+                              </m:f>
+                            </m:e>
+                          </m:d>
+                        </m:e>
+                      </m:func>
+                      <m:r>
+                        <a:rPr lang="en-US" sz="2000" b="0" i="1" smtClean="0">
+                          <a:solidFill>
+                            <a:schemeClr val="tx1"/>
+                          </a:solidFill>
+                          <a:latin typeface="Cambria Math" panose="02040503050406030204" pitchFamily="18" charset="0"/>
+                        </a:rPr>
+                        <m:t>⋅</m:t>
+                      </m:r>
+                      <m:func>
+                        <m:funcPr>
+                          <m:ctrlPr>
+                            <a:rPr lang="en-US" sz="2000" b="0" i="1" smtClean="0">
+                              <a:solidFill>
+                                <a:schemeClr val="tx1"/>
+                              </a:solidFill>
+                              <a:latin typeface="Cambria Math" panose="02040503050406030204" pitchFamily="18" charset="0"/>
+                            </a:rPr>
+                          </m:ctrlPr>
+                        </m:funcPr>
+                        <m:fName>
+                          <m:r>
+                            <m:rPr>
+                              <m:sty m:val="p"/>
+                            </m:rPr>
+                            <a:rPr lang="en-US" sz="2000" b="0" i="0" smtClean="0">
+                              <a:solidFill>
+                                <a:schemeClr val="tx1"/>
+                              </a:solidFill>
+                              <a:latin typeface="Cambria Math" panose="02040503050406030204" pitchFamily="18" charset="0"/>
+                            </a:rPr>
+                            <m:t>sin</m:t>
+                          </m:r>
+                        </m:fName>
+                        <m:e>
+                          <m:d>
+                            <m:dPr>
+                              <m:ctrlPr>
+                                <a:rPr lang="en-US" sz="2000" b="0" i="1" smtClean="0">
+                                  <a:solidFill>
+                                    <a:schemeClr val="tx1"/>
+                                  </a:solidFill>
+                                  <a:latin typeface="Cambria Math" panose="02040503050406030204" pitchFamily="18" charset="0"/>
+                                </a:rPr>
+                              </m:ctrlPr>
+                            </m:dPr>
+                            <m:e>
+                              <m:sSub>
+                                <m:sSubPr>
+                                  <m:ctrlPr>
+                                    <a:rPr lang="en-US" sz="2000" b="0" i="1" smtClean="0">
+                                      <a:solidFill>
+                                        <a:schemeClr val="tx1"/>
+                                      </a:solidFill>
+                                      <a:latin typeface="Cambria Math" panose="02040503050406030204" pitchFamily="18" charset="0"/>
+                                    </a:rPr>
+                                  </m:ctrlPr>
+                                </m:sSubPr>
+                                <m:e>
+                                  <m:r>
+                                    <a:rPr lang="en-US" sz="2000" b="0" i="1" smtClean="0">
+                                      <a:solidFill>
+                                        <a:schemeClr val="tx1"/>
+                                      </a:solidFill>
+                                      <a:latin typeface="Cambria Math" panose="02040503050406030204" pitchFamily="18" charset="0"/>
+                                    </a:rPr>
+                                    <m:t>𝑓</m:t>
+                                  </m:r>
+                                </m:e>
+                                <m:sub>
+                                  <m:r>
+                                    <a:rPr lang="en-US" sz="2000" b="0" i="1" smtClean="0">
+                                      <a:solidFill>
+                                        <a:schemeClr val="tx1"/>
+                                      </a:solidFill>
+                                      <a:latin typeface="Cambria Math" panose="02040503050406030204" pitchFamily="18" charset="0"/>
+                                    </a:rPr>
+                                    <m:t>𝑥</m:t>
+                                  </m:r>
+                                </m:sub>
+                              </m:sSub>
+                              <m:sSub>
+                                <m:sSubPr>
+                                  <m:ctrlPr>
+                                    <a:rPr lang="en-US" sz="2000" b="0" i="1" smtClean="0">
+                                      <a:solidFill>
+                                        <a:schemeClr val="tx1"/>
+                                      </a:solidFill>
+                                      <a:latin typeface="Cambria Math" panose="02040503050406030204" pitchFamily="18" charset="0"/>
+                                    </a:rPr>
+                                  </m:ctrlPr>
+                                </m:sSubPr>
+                                <m:e>
+                                  <m:r>
+                                    <a:rPr lang="en-US" sz="2000" b="0" i="1" smtClean="0">
+                                      <a:solidFill>
+                                        <a:schemeClr val="tx1"/>
+                                      </a:solidFill>
+                                      <a:latin typeface="Cambria Math" panose="02040503050406030204" pitchFamily="18" charset="0"/>
+                                    </a:rPr>
+                                    <m:t>𝑥</m:t>
+                                  </m:r>
+                                </m:e>
+                                <m:sub>
+                                  <m:r>
+                                    <a:rPr lang="en-US" sz="2000" b="0" i="1" smtClean="0">
+                                      <a:solidFill>
+                                        <a:schemeClr val="tx1"/>
+                                      </a:solidFill>
+                                      <a:latin typeface="Cambria Math" panose="02040503050406030204" pitchFamily="18" charset="0"/>
+                                    </a:rPr>
+                                    <m:t>𝜃</m:t>
+                                  </m:r>
+                                </m:sub>
+                              </m:sSub>
+                            </m:e>
+                          </m:d>
+                        </m:e>
+                      </m:func>
+                      <m:r>
+                        <m:rPr>
+                          <m:sty m:val="p"/>
+                        </m:rPr>
+                        <a:rPr lang="en-US" sz="2000" b="0" i="0" smtClean="0">
+                          <a:solidFill>
+                            <a:schemeClr val="tx1"/>
+                          </a:solidFill>
+                          <a:latin typeface="Cambria Math" panose="02040503050406030204" pitchFamily="18" charset="0"/>
+                        </a:rPr>
+                        <m:t>sin</m:t>
+                      </m:r>
+                      <m:r>
+                        <a:rPr lang="en-US" sz="2000" b="0" i="1" smtClean="0">
+                          <a:solidFill>
+                            <a:schemeClr val="tx1"/>
+                          </a:solidFill>
+                          <a:latin typeface="Cambria Math" panose="02040503050406030204" pitchFamily="18" charset="0"/>
+                        </a:rPr>
+                        <m:t>⁡(</m:t>
+                      </m:r>
+                      <m:sSub>
+                        <m:sSubPr>
+                          <m:ctrlPr>
+                            <a:rPr lang="en-US" sz="2000" b="0" i="1" smtClean="0">
+                              <a:solidFill>
+                                <a:schemeClr val="tx1"/>
+                              </a:solidFill>
+                              <a:latin typeface="Cambria Math" panose="02040503050406030204" pitchFamily="18" charset="0"/>
+                            </a:rPr>
+                          </m:ctrlPr>
+                        </m:sSubPr>
+                        <m:e>
+                          <m:r>
+                            <a:rPr lang="en-US" sz="2000" b="0" i="1" smtClean="0">
+                              <a:solidFill>
+                                <a:schemeClr val="tx1"/>
+                              </a:solidFill>
+                              <a:latin typeface="Cambria Math" panose="02040503050406030204" pitchFamily="18" charset="0"/>
+                            </a:rPr>
+                            <m:t>𝑓</m:t>
+                          </m:r>
+                        </m:e>
+                        <m:sub>
+                          <m:r>
+                            <a:rPr lang="en-US" sz="2000" b="0" i="1" smtClean="0">
+                              <a:solidFill>
+                                <a:schemeClr val="tx1"/>
+                              </a:solidFill>
+                              <a:latin typeface="Cambria Math" panose="02040503050406030204" pitchFamily="18" charset="0"/>
+                            </a:rPr>
+                            <m:t>𝑦</m:t>
+                          </m:r>
+                        </m:sub>
+                      </m:sSub>
+                      <m:sSub>
+                        <m:sSubPr>
+                          <m:ctrlPr>
+                            <a:rPr lang="en-US" sz="2000" b="0" i="1" smtClean="0">
+                              <a:solidFill>
+                                <a:schemeClr val="tx1"/>
+                              </a:solidFill>
+                              <a:latin typeface="Cambria Math" panose="02040503050406030204" pitchFamily="18" charset="0"/>
+                            </a:rPr>
+                          </m:ctrlPr>
+                        </m:sSubPr>
+                        <m:e>
+                          <m:r>
+                            <a:rPr lang="en-US" sz="2000" b="0" i="1" smtClean="0">
+                              <a:solidFill>
+                                <a:schemeClr val="tx1"/>
+                              </a:solidFill>
+                              <a:latin typeface="Cambria Math" panose="02040503050406030204" pitchFamily="18" charset="0"/>
+                            </a:rPr>
+                            <m:t>𝑦</m:t>
+                          </m:r>
+                        </m:e>
+                        <m:sub>
+                          <m:r>
+                            <a:rPr lang="en-US" sz="2000" b="0" i="1" smtClean="0">
+                              <a:solidFill>
+                                <a:schemeClr val="tx1"/>
+                              </a:solidFill>
+                              <a:latin typeface="Cambria Math" panose="02040503050406030204" pitchFamily="18" charset="0"/>
+                            </a:rPr>
+                            <m:t>𝜃</m:t>
+                          </m:r>
+                        </m:sub>
+                      </m:sSub>
+                      <m:r>
+                        <a:rPr lang="en-US" sz="2000" b="0" i="1" smtClean="0">
+                          <a:solidFill>
+                            <a:schemeClr val="tx1"/>
+                          </a:solidFill>
+                          <a:latin typeface="Cambria Math" panose="02040503050406030204" pitchFamily="18" charset="0"/>
+                        </a:rPr>
+                        <m:t>)</m:t>
+                      </m:r>
+                    </m:oMath>
+                  </m:oMathPara>
+                </a14:m>
+                <a:endParaRPr lang="en-US" sz="2000" dirty="0">
+                  <a:solidFill>
+                    <a:schemeClr val="tx1"/>
+                  </a:solidFill>
+                </a:endParaRPr>
+              </a:p>
+            </p:txBody>
+          </p:sp>
+        </mc:Choice>
+        <mc:Fallback>
+          <p:sp>
+            <p:nvSpPr>
+              <p:cNvPr id="18" name="Content Placeholder 2">
+                <a:extLst>
+                  <a:ext uri="{FF2B5EF4-FFF2-40B4-BE49-F238E27FC236}">
+                    <a16:creationId xmlns:a16="http://schemas.microsoft.com/office/drawing/2014/main" id="{4C13C824-3300-A9EC-FEA4-70F6442EBD1E}"/>
+                  </a:ext>
+                </a:extLst>
+              </p:cNvPr>
+              <p:cNvSpPr txBox="1">
+                <a:spLocks noRot="1" noChangeAspect="1" noMove="1" noResize="1" noEditPoints="1" noAdjustHandles="1" noChangeArrowheads="1" noChangeShapeType="1" noTextEdit="1"/>
+              </p:cNvSpPr>
+              <p:nvPr/>
+            </p:nvSpPr>
+            <p:spPr>
+              <a:xfrm>
+                <a:off x="5691622" y="1063110"/>
+                <a:ext cx="5494934" cy="658601"/>
+              </a:xfrm>
+              <a:prstGeom prst="rect">
+                <a:avLst/>
+              </a:prstGeom>
+              <a:blipFill>
+                <a:blip r:embed="rId8"/>
+                <a:stretch>
+                  <a:fillRect/>
+                </a:stretch>
+              </a:blipFill>
+              <a:ln>
+                <a:solidFill>
+                  <a:schemeClr val="tx1"/>
+                </a:solidFill>
+              </a:ln>
+            </p:spPr>
+            <p:txBody>
+              <a:bodyPr/>
+              <a:lstStyle/>
+              <a:p>
+                <a:r>
+                  <a:rPr lang="en-US">
+                    <a:noFill/>
+                  </a:rPr>
+                  <a:t> </a:t>
+                </a:r>
+              </a:p>
+            </p:txBody>
+          </p:sp>
+        </mc:Fallback>
+      </mc:AlternateContent>
+      <mc:AlternateContent xmlns:mc="http://schemas.openxmlformats.org/markup-compatibility/2006">
+        <mc:Choice xmlns:a14="http://schemas.microsoft.com/office/drawing/2010/main" Requires="a14">
+          <p:sp>
+            <p:nvSpPr>
+              <p:cNvPr id="2" name="Content Placeholder 2">
+                <a:extLst>
+                  <a:ext uri="{FF2B5EF4-FFF2-40B4-BE49-F238E27FC236}">
+                    <a16:creationId xmlns:a16="http://schemas.microsoft.com/office/drawing/2014/main" id="{7B686256-3F92-4B7F-4852-D84E4203ED44}"/>
+                  </a:ext>
+                </a:extLst>
+              </p:cNvPr>
+              <p:cNvSpPr txBox="1">
+                <a:spLocks/>
+              </p:cNvSpPr>
+              <p:nvPr/>
+            </p:nvSpPr>
+            <p:spPr>
+              <a:xfrm>
+                <a:off x="3809009" y="146602"/>
+                <a:ext cx="1706087" cy="658601"/>
+              </a:xfrm>
+              <a:prstGeom prst="rect">
+                <a:avLst/>
+              </a:prstGeom>
+              <a:ln>
+                <a:solidFill>
+                  <a:schemeClr val="tx1"/>
+                </a:solidFill>
+              </a:ln>
+            </p:spPr>
+            <p:txBody>
+              <a:bodyPr vert="horz" lIns="91440" tIns="45720" rIns="91440" bIns="45720" rtlCol="0">
+                <a:noAutofit/>
+              </a:bodyPr>
+              <a:lstStyle>
+                <a:lvl1pPr marL="228600" indent="-228600" algn="l" defTabSz="914400" rtl="0" eaLnBrk="1" latinLnBrk="0" hangingPunct="1">
+                  <a:lnSpc>
+                    <a:spcPct val="90000"/>
+                  </a:lnSpc>
+                  <a:spcBef>
+                    <a:spcPts val="1000"/>
+                  </a:spcBef>
+                  <a:buFont typeface="Arial" panose="020B0604020202020204" pitchFamily="34" charset="0"/>
+                  <a:buChar char="•"/>
+                  <a:defRPr sz="2800" kern="1200">
+                    <a:solidFill>
+                      <a:schemeClr val="accent6">
+                        <a:lumMod val="75000"/>
+                      </a:schemeClr>
+                    </a:solidFill>
+                    <a:latin typeface="Trebuchet MS" panose="020B0603020202020204" pitchFamily="34" charset="0"/>
+                    <a:ea typeface="+mn-ea"/>
+                    <a:cs typeface="+mn-cs"/>
+                  </a:defRPr>
+                </a:lvl1pPr>
+                <a:lvl2pPr marL="685800" indent="-228600" algn="l" defTabSz="914400" rtl="0" eaLnBrk="1" latinLnBrk="0" hangingPunct="1">
+                  <a:lnSpc>
+                    <a:spcPct val="90000"/>
+                  </a:lnSpc>
+                  <a:spcBef>
+                    <a:spcPts val="500"/>
+                  </a:spcBef>
+                  <a:buFont typeface="Arial" panose="020B0604020202020204" pitchFamily="34" charset="0"/>
+                  <a:buChar char="•"/>
+                  <a:defRPr sz="2400" kern="1200">
+                    <a:solidFill>
+                      <a:schemeClr val="accent6">
+                        <a:lumMod val="75000"/>
+                      </a:schemeClr>
+                    </a:solidFill>
+                    <a:latin typeface="Trebuchet MS" panose="020B0603020202020204" pitchFamily="34" charset="0"/>
+                    <a:ea typeface="+mn-ea"/>
+                    <a:cs typeface="+mn-cs"/>
+                  </a:defRPr>
+                </a:lvl2pPr>
+                <a:lvl3pPr marL="1143000" indent="-228600" algn="l" defTabSz="914400" rtl="0" eaLnBrk="1" latinLnBrk="0" hangingPunct="1">
+                  <a:lnSpc>
+                    <a:spcPct val="90000"/>
+                  </a:lnSpc>
+                  <a:spcBef>
+                    <a:spcPts val="500"/>
+                  </a:spcBef>
+                  <a:buFont typeface="Arial" panose="020B0604020202020204" pitchFamily="34" charset="0"/>
+                  <a:buChar char="•"/>
+                  <a:defRPr sz="2000" kern="1200">
+                    <a:solidFill>
+                      <a:schemeClr val="accent6">
+                        <a:lumMod val="75000"/>
+                      </a:schemeClr>
+                    </a:solidFill>
+                    <a:latin typeface="Trebuchet MS" panose="020B0603020202020204" pitchFamily="34" charset="0"/>
+                    <a:ea typeface="+mn-ea"/>
+                    <a:cs typeface="+mn-cs"/>
+                  </a:defRPr>
+                </a:lvl3pPr>
+                <a:lvl4pPr marL="1600200" indent="-228600" algn="l" defTabSz="914400" rtl="0" eaLnBrk="1" latinLnBrk="0" hangingPunct="1">
+                  <a:lnSpc>
+                    <a:spcPct val="90000"/>
+                  </a:lnSpc>
+                  <a:spcBef>
+                    <a:spcPts val="500"/>
+                  </a:spcBef>
+                  <a:buFont typeface="Arial" panose="020B0604020202020204" pitchFamily="34" charset="0"/>
+                  <a:buChar char="•"/>
+                  <a:defRPr sz="1800" kern="1200">
+                    <a:solidFill>
+                      <a:schemeClr val="accent6">
+                        <a:lumMod val="75000"/>
+                      </a:schemeClr>
+                    </a:solidFill>
+                    <a:latin typeface="Trebuchet MS" panose="020B0603020202020204" pitchFamily="34" charset="0"/>
+                    <a:ea typeface="+mn-ea"/>
+                    <a:cs typeface="+mn-cs"/>
+                  </a:defRPr>
+                </a:lvl4pPr>
+                <a:lvl5pPr marL="2057400" indent="-228600" algn="l" defTabSz="914400" rtl="0" eaLnBrk="1" latinLnBrk="0" hangingPunct="1">
+                  <a:lnSpc>
+                    <a:spcPct val="90000"/>
+                  </a:lnSpc>
+                  <a:spcBef>
+                    <a:spcPts val="500"/>
+                  </a:spcBef>
+                  <a:buFont typeface="Arial" panose="020B0604020202020204" pitchFamily="34" charset="0"/>
+                  <a:buChar char="•"/>
+                  <a:defRPr sz="1800" kern="1200">
+                    <a:solidFill>
+                      <a:schemeClr val="accent6">
+                        <a:lumMod val="75000"/>
+                      </a:schemeClr>
+                    </a:solidFill>
+                    <a:latin typeface="Trebuchet MS" panose="020B0603020202020204" pitchFamily="34" charset="0"/>
+                    <a:ea typeface="+mn-ea"/>
+                    <a:cs typeface="+mn-cs"/>
+                  </a:defRPr>
+                </a:lvl5pPr>
+                <a:lvl6pPr marL="2514600" indent="-228600" algn="l" defTabSz="914400" rtl="0" eaLnBrk="1" latinLnBrk="0" hangingPunct="1">
+                  <a:lnSpc>
+                    <a:spcPct val="90000"/>
+                  </a:lnSpc>
+                  <a:spcBef>
+                    <a:spcPts val="500"/>
+                  </a:spcBef>
+                  <a:buFont typeface="Arial" panose="020B0604020202020204" pitchFamily="34" charset="0"/>
+                  <a:buChar char="•"/>
+                  <a:defRPr sz="1800" kern="1200">
+                    <a:solidFill>
+                      <a:schemeClr val="tx1"/>
+                    </a:solidFill>
+                    <a:latin typeface="+mn-lt"/>
+                    <a:ea typeface="+mn-ea"/>
+                    <a:cs typeface="+mn-cs"/>
+                  </a:defRPr>
+                </a:lvl6pPr>
+                <a:lvl7pPr marL="2971800" indent="-228600" algn="l" defTabSz="914400" rtl="0" eaLnBrk="1" latinLnBrk="0" hangingPunct="1">
+                  <a:lnSpc>
+                    <a:spcPct val="90000"/>
+                  </a:lnSpc>
+                  <a:spcBef>
+                    <a:spcPts val="500"/>
+                  </a:spcBef>
+                  <a:buFont typeface="Arial" panose="020B0604020202020204" pitchFamily="34" charset="0"/>
+                  <a:buChar char="•"/>
+                  <a:defRPr sz="1800" kern="1200">
+                    <a:solidFill>
+                      <a:schemeClr val="tx1"/>
+                    </a:solidFill>
+                    <a:latin typeface="+mn-lt"/>
+                    <a:ea typeface="+mn-ea"/>
+                    <a:cs typeface="+mn-cs"/>
+                  </a:defRPr>
+                </a:lvl7pPr>
+                <a:lvl8pPr marL="3429000" indent="-228600" algn="l" defTabSz="914400" rtl="0" eaLnBrk="1" latinLnBrk="0" hangingPunct="1">
+                  <a:lnSpc>
+                    <a:spcPct val="90000"/>
+                  </a:lnSpc>
+                  <a:spcBef>
+                    <a:spcPts val="500"/>
+                  </a:spcBef>
+                  <a:buFont typeface="Arial" panose="020B0604020202020204" pitchFamily="34" charset="0"/>
+                  <a:buChar char="•"/>
+                  <a:defRPr sz="1800" kern="1200">
+                    <a:solidFill>
+                      <a:schemeClr val="tx1"/>
+                    </a:solidFill>
+                    <a:latin typeface="+mn-lt"/>
+                    <a:ea typeface="+mn-ea"/>
+                    <a:cs typeface="+mn-cs"/>
+                  </a:defRPr>
+                </a:lvl8pPr>
+                <a:lvl9pPr marL="3886200" indent="-228600" algn="l" defTabSz="914400" rtl="0" eaLnBrk="1" latinLnBrk="0" hangingPunct="1">
+                  <a:lnSpc>
+                    <a:spcPct val="90000"/>
+                  </a:lnSpc>
+                  <a:spcBef>
+                    <a:spcPts val="500"/>
+                  </a:spcBef>
+                  <a:buFont typeface="Arial" panose="020B0604020202020204" pitchFamily="34" charset="0"/>
+                  <a:buChar char="•"/>
+                  <a:defRPr sz="1800" kern="1200">
+                    <a:solidFill>
+                      <a:schemeClr val="tx1"/>
+                    </a:solidFill>
+                    <a:latin typeface="+mn-lt"/>
+                    <a:ea typeface="+mn-ea"/>
+                    <a:cs typeface="+mn-cs"/>
+                  </a:defRPr>
+                </a:lvl9pPr>
+              </a:lstStyle>
+              <a:p>
+                <a:pPr marL="0" indent="0" algn="ctr">
+                  <a:buNone/>
+                </a:pPr>
+                <a14:m>
+                  <m:oMathPara xmlns:m="http://schemas.openxmlformats.org/officeDocument/2006/math">
+                    <m:oMathParaPr>
+                      <m:jc m:val="centerGroup"/>
+                    </m:oMathParaPr>
+                    <m:oMath xmlns:m="http://schemas.openxmlformats.org/officeDocument/2006/math">
+                      <m:sSub>
+                        <m:sSubPr>
+                          <m:ctrlPr>
+                            <a:rPr lang="en-US" sz="1500" b="0" i="1" smtClean="0">
+                              <a:solidFill>
+                                <a:schemeClr val="tx1"/>
+                              </a:solidFill>
+                              <a:latin typeface="Cambria Math" panose="02040503050406030204" pitchFamily="18" charset="0"/>
+                            </a:rPr>
+                          </m:ctrlPr>
+                        </m:sSubPr>
+                        <m:e>
+                          <m:r>
+                            <a:rPr lang="en-US" sz="1500" b="0" i="1" smtClean="0">
+                              <a:solidFill>
+                                <a:schemeClr val="tx1"/>
+                              </a:solidFill>
+                              <a:latin typeface="Cambria Math" panose="02040503050406030204" pitchFamily="18" charset="0"/>
+                            </a:rPr>
+                            <m:t>𝑓</m:t>
+                          </m:r>
+                        </m:e>
+                        <m:sub>
+                          <m:r>
+                            <a:rPr lang="en-US" sz="1500" b="0" i="1" smtClean="0">
+                              <a:solidFill>
+                                <a:schemeClr val="tx1"/>
+                              </a:solidFill>
+                              <a:latin typeface="Cambria Math" panose="02040503050406030204" pitchFamily="18" charset="0"/>
+                            </a:rPr>
+                            <m:t>𝑦</m:t>
+                          </m:r>
+                        </m:sub>
+                      </m:sSub>
+                      <m:r>
+                        <a:rPr lang="en-US" sz="1500" b="0" i="1" smtClean="0">
+                          <a:solidFill>
+                            <a:schemeClr val="tx1"/>
+                          </a:solidFill>
+                          <a:latin typeface="Cambria Math" panose="02040503050406030204" pitchFamily="18" charset="0"/>
+                        </a:rPr>
+                        <m:t>=</m:t>
+                      </m:r>
+                      <m:r>
+                        <a:rPr lang="en-US" sz="1500" b="0" i="1" smtClean="0">
+                          <a:solidFill>
+                            <a:schemeClr val="tx1"/>
+                          </a:solidFill>
+                          <a:latin typeface="Cambria Math" panose="02040503050406030204" pitchFamily="18" charset="0"/>
+                        </a:rPr>
+                        <m:t>(</m:t>
+                      </m:r>
+                      <m:r>
+                        <a:rPr lang="en-US" sz="1500" b="0" i="1" smtClean="0">
+                          <a:solidFill>
+                            <a:schemeClr val="tx1"/>
+                          </a:solidFill>
+                          <a:latin typeface="Cambria Math" panose="02040503050406030204" pitchFamily="18" charset="0"/>
+                        </a:rPr>
+                        <m:t>1</m:t>
+                      </m:r>
+                      <m:r>
+                        <a:rPr lang="en-US" sz="1500" b="0" i="1" smtClean="0">
+                          <a:solidFill>
+                            <a:schemeClr val="tx1"/>
+                          </a:solidFill>
+                          <a:latin typeface="Cambria Math" panose="02040503050406030204" pitchFamily="18" charset="0"/>
+                        </a:rPr>
+                        <m:t>.01</m:t>
+                      </m:r>
+                      <m:r>
+                        <a:rPr lang="en-US" sz="1500" b="0" i="1" smtClean="0">
+                          <a:solidFill>
+                            <a:schemeClr val="tx1"/>
+                          </a:solidFill>
+                          <a:latin typeface="Cambria Math" panose="02040503050406030204" pitchFamily="18" charset="0"/>
+                        </a:rPr>
+                        <m:t>+</m:t>
+                      </m:r>
+                      <m:sSub>
+                        <m:sSubPr>
+                          <m:ctrlPr>
+                            <a:rPr lang="en-US" sz="1500" b="0" i="1" smtClean="0">
+                              <a:solidFill>
+                                <a:schemeClr val="tx1"/>
+                              </a:solidFill>
+                              <a:latin typeface="Cambria Math" panose="02040503050406030204" pitchFamily="18" charset="0"/>
+                            </a:rPr>
+                          </m:ctrlPr>
+                        </m:sSubPr>
+                        <m:e>
+                          <m:r>
+                            <a:rPr lang="en-US" sz="1500" b="0" i="1" smtClean="0">
+                              <a:solidFill>
+                                <a:schemeClr val="tx1"/>
+                              </a:solidFill>
+                              <a:latin typeface="Cambria Math" panose="02040503050406030204" pitchFamily="18" charset="0"/>
+                            </a:rPr>
+                            <m:t>𝑘</m:t>
+                          </m:r>
+                        </m:e>
+                        <m:sub>
+                          <m:r>
+                            <a:rPr lang="en-US" sz="1500" b="0" i="1" smtClean="0">
+                              <a:solidFill>
+                                <a:schemeClr val="tx1"/>
+                              </a:solidFill>
+                              <a:latin typeface="Cambria Math" panose="02040503050406030204" pitchFamily="18" charset="0"/>
+                            </a:rPr>
+                            <m:t>𝑦</m:t>
+                          </m:r>
+                        </m:sub>
+                      </m:sSub>
+                      <m:r>
+                        <a:rPr lang="en-US" sz="1500" b="0" i="1" smtClean="0">
+                          <a:solidFill>
+                            <a:schemeClr val="tx1"/>
+                          </a:solidFill>
+                          <a:latin typeface="Cambria Math" panose="02040503050406030204" pitchFamily="18" charset="0"/>
+                        </a:rPr>
+                        <m:t>)</m:t>
+                      </m:r>
+                      <m:f>
+                        <m:fPr>
+                          <m:ctrlPr>
+                            <a:rPr lang="en-US" sz="1500" b="0" i="1" smtClean="0">
+                              <a:solidFill>
+                                <a:schemeClr val="tx1"/>
+                              </a:solidFill>
+                              <a:latin typeface="Cambria Math" panose="02040503050406030204" pitchFamily="18" charset="0"/>
+                            </a:rPr>
+                          </m:ctrlPr>
+                        </m:fPr>
+                        <m:num>
+                          <m:r>
+                            <a:rPr lang="en-US" sz="1500" b="0" i="1" smtClean="0">
+                              <a:solidFill>
+                                <a:schemeClr val="tx1"/>
+                              </a:solidFill>
+                              <a:latin typeface="Cambria Math" panose="02040503050406030204" pitchFamily="18" charset="0"/>
+                            </a:rPr>
+                            <m:t>𝑆</m:t>
+                          </m:r>
+                        </m:num>
+                        <m:den>
+                          <m:r>
+                            <a:rPr lang="en-US" sz="1500" b="0" i="1" smtClean="0">
+                              <a:solidFill>
+                                <a:schemeClr val="tx1"/>
+                              </a:solidFill>
+                              <a:latin typeface="Cambria Math" panose="02040503050406030204" pitchFamily="18" charset="0"/>
+                            </a:rPr>
+                            <m:t>2</m:t>
+                          </m:r>
+                        </m:den>
+                      </m:f>
+                    </m:oMath>
+                  </m:oMathPara>
+                </a14:m>
+                <a:endParaRPr lang="en-US" sz="1500" dirty="0">
+                  <a:solidFill>
+                    <a:schemeClr val="tx1"/>
+                  </a:solidFill>
+                </a:endParaRPr>
+              </a:p>
+            </p:txBody>
+          </p:sp>
+        </mc:Choice>
+        <mc:Fallback>
+          <p:sp>
+            <p:nvSpPr>
+              <p:cNvPr id="2" name="Content Placeholder 2">
+                <a:extLst>
+                  <a:ext uri="{FF2B5EF4-FFF2-40B4-BE49-F238E27FC236}">
+                    <a16:creationId xmlns:a16="http://schemas.microsoft.com/office/drawing/2014/main" id="{7B686256-3F92-4B7F-4852-D84E4203ED44}"/>
+                  </a:ext>
+                </a:extLst>
+              </p:cNvPr>
+              <p:cNvSpPr txBox="1">
+                <a:spLocks noRot="1" noChangeAspect="1" noMove="1" noResize="1" noEditPoints="1" noAdjustHandles="1" noChangeArrowheads="1" noChangeShapeType="1" noTextEdit="1"/>
+              </p:cNvSpPr>
+              <p:nvPr/>
+            </p:nvSpPr>
+            <p:spPr>
+              <a:xfrm>
+                <a:off x="3809009" y="146602"/>
+                <a:ext cx="1706087" cy="658601"/>
+              </a:xfrm>
+              <a:prstGeom prst="rect">
+                <a:avLst/>
+              </a:prstGeom>
+              <a:blipFill>
+                <a:blip r:embed="rId9"/>
+                <a:stretch>
+                  <a:fillRect l="-709"/>
+                </a:stretch>
+              </a:blipFill>
+              <a:ln>
+                <a:solidFill>
+                  <a:schemeClr val="tx1"/>
+                </a:solidFill>
+              </a:ln>
+            </p:spPr>
+            <p:txBody>
+              <a:bodyPr/>
+              <a:lstStyle/>
+              <a:p>
+                <a:r>
+                  <a:rPr lang="en-US">
+                    <a:noFill/>
+                  </a:rPr>
+                  <a:t> </a:t>
+                </a:r>
+              </a:p>
+            </p:txBody>
+          </p:sp>
+        </mc:Fallback>
+      </mc:AlternateContent>
+      <mc:AlternateContent xmlns:mc="http://schemas.openxmlformats.org/markup-compatibility/2006">
+        <mc:Choice xmlns:a14="http://schemas.microsoft.com/office/drawing/2010/main" Requires="a14">
+          <p:sp>
+            <p:nvSpPr>
+              <p:cNvPr id="5" name="Content Placeholder 2">
+                <a:extLst>
+                  <a:ext uri="{FF2B5EF4-FFF2-40B4-BE49-F238E27FC236}">
+                    <a16:creationId xmlns:a16="http://schemas.microsoft.com/office/drawing/2014/main" id="{66BF6948-964F-C244-FD5A-017377EB799D}"/>
+                  </a:ext>
+                </a:extLst>
+              </p:cNvPr>
+              <p:cNvSpPr txBox="1">
+                <a:spLocks/>
+              </p:cNvSpPr>
+              <p:nvPr/>
+            </p:nvSpPr>
+            <p:spPr>
+              <a:xfrm>
+                <a:off x="1815322" y="1061540"/>
+                <a:ext cx="1491342" cy="658601"/>
+              </a:xfrm>
+              <a:prstGeom prst="rect">
+                <a:avLst/>
+              </a:prstGeom>
+              <a:ln>
+                <a:solidFill>
+                  <a:schemeClr val="tx1"/>
+                </a:solidFill>
+              </a:ln>
+            </p:spPr>
+            <p:txBody>
+              <a:bodyPr vert="horz" lIns="91440" tIns="45720" rIns="91440" bIns="45720" rtlCol="0">
+                <a:noAutofit/>
+              </a:bodyPr>
+              <a:lstStyle>
+                <a:lvl1pPr marL="228600" indent="-228600" algn="l" defTabSz="914400" rtl="0" eaLnBrk="1" latinLnBrk="0" hangingPunct="1">
+                  <a:lnSpc>
+                    <a:spcPct val="90000"/>
+                  </a:lnSpc>
+                  <a:spcBef>
+                    <a:spcPts val="1000"/>
+                  </a:spcBef>
+                  <a:buFont typeface="Arial" panose="020B0604020202020204" pitchFamily="34" charset="0"/>
+                  <a:buChar char="•"/>
+                  <a:defRPr sz="2800" kern="1200">
+                    <a:solidFill>
+                      <a:schemeClr val="accent6">
+                        <a:lumMod val="75000"/>
+                      </a:schemeClr>
+                    </a:solidFill>
+                    <a:latin typeface="Trebuchet MS" panose="020B0603020202020204" pitchFamily="34" charset="0"/>
+                    <a:ea typeface="+mn-ea"/>
+                    <a:cs typeface="+mn-cs"/>
+                  </a:defRPr>
+                </a:lvl1pPr>
+                <a:lvl2pPr marL="685800" indent="-228600" algn="l" defTabSz="914400" rtl="0" eaLnBrk="1" latinLnBrk="0" hangingPunct="1">
+                  <a:lnSpc>
+                    <a:spcPct val="90000"/>
+                  </a:lnSpc>
+                  <a:spcBef>
+                    <a:spcPts val="500"/>
+                  </a:spcBef>
+                  <a:buFont typeface="Arial" panose="020B0604020202020204" pitchFamily="34" charset="0"/>
+                  <a:buChar char="•"/>
+                  <a:defRPr sz="2400" kern="1200">
+                    <a:solidFill>
+                      <a:schemeClr val="accent6">
+                        <a:lumMod val="75000"/>
+                      </a:schemeClr>
+                    </a:solidFill>
+                    <a:latin typeface="Trebuchet MS" panose="020B0603020202020204" pitchFamily="34" charset="0"/>
+                    <a:ea typeface="+mn-ea"/>
+                    <a:cs typeface="+mn-cs"/>
+                  </a:defRPr>
+                </a:lvl2pPr>
+                <a:lvl3pPr marL="1143000" indent="-228600" algn="l" defTabSz="914400" rtl="0" eaLnBrk="1" latinLnBrk="0" hangingPunct="1">
+                  <a:lnSpc>
+                    <a:spcPct val="90000"/>
+                  </a:lnSpc>
+                  <a:spcBef>
+                    <a:spcPts val="500"/>
+                  </a:spcBef>
+                  <a:buFont typeface="Arial" panose="020B0604020202020204" pitchFamily="34" charset="0"/>
+                  <a:buChar char="•"/>
+                  <a:defRPr sz="2000" kern="1200">
+                    <a:solidFill>
+                      <a:schemeClr val="accent6">
+                        <a:lumMod val="75000"/>
+                      </a:schemeClr>
+                    </a:solidFill>
+                    <a:latin typeface="Trebuchet MS" panose="020B0603020202020204" pitchFamily="34" charset="0"/>
+                    <a:ea typeface="+mn-ea"/>
+                    <a:cs typeface="+mn-cs"/>
+                  </a:defRPr>
+                </a:lvl3pPr>
+                <a:lvl4pPr marL="1600200" indent="-228600" algn="l" defTabSz="914400" rtl="0" eaLnBrk="1" latinLnBrk="0" hangingPunct="1">
+                  <a:lnSpc>
+                    <a:spcPct val="90000"/>
+                  </a:lnSpc>
+                  <a:spcBef>
+                    <a:spcPts val="500"/>
+                  </a:spcBef>
+                  <a:buFont typeface="Arial" panose="020B0604020202020204" pitchFamily="34" charset="0"/>
+                  <a:buChar char="•"/>
+                  <a:defRPr sz="1800" kern="1200">
+                    <a:solidFill>
+                      <a:schemeClr val="accent6">
+                        <a:lumMod val="75000"/>
+                      </a:schemeClr>
+                    </a:solidFill>
+                    <a:latin typeface="Trebuchet MS" panose="020B0603020202020204" pitchFamily="34" charset="0"/>
+                    <a:ea typeface="+mn-ea"/>
+                    <a:cs typeface="+mn-cs"/>
+                  </a:defRPr>
+                </a:lvl4pPr>
+                <a:lvl5pPr marL="2057400" indent="-228600" algn="l" defTabSz="914400" rtl="0" eaLnBrk="1" latinLnBrk="0" hangingPunct="1">
+                  <a:lnSpc>
+                    <a:spcPct val="90000"/>
+                  </a:lnSpc>
+                  <a:spcBef>
+                    <a:spcPts val="500"/>
+                  </a:spcBef>
+                  <a:buFont typeface="Arial" panose="020B0604020202020204" pitchFamily="34" charset="0"/>
+                  <a:buChar char="•"/>
+                  <a:defRPr sz="1800" kern="1200">
+                    <a:solidFill>
+                      <a:schemeClr val="accent6">
+                        <a:lumMod val="75000"/>
+                      </a:schemeClr>
+                    </a:solidFill>
+                    <a:latin typeface="Trebuchet MS" panose="020B0603020202020204" pitchFamily="34" charset="0"/>
+                    <a:ea typeface="+mn-ea"/>
+                    <a:cs typeface="+mn-cs"/>
+                  </a:defRPr>
+                </a:lvl5pPr>
+                <a:lvl6pPr marL="2514600" indent="-228600" algn="l" defTabSz="914400" rtl="0" eaLnBrk="1" latinLnBrk="0" hangingPunct="1">
+                  <a:lnSpc>
+                    <a:spcPct val="90000"/>
+                  </a:lnSpc>
+                  <a:spcBef>
+                    <a:spcPts val="500"/>
+                  </a:spcBef>
+                  <a:buFont typeface="Arial" panose="020B0604020202020204" pitchFamily="34" charset="0"/>
+                  <a:buChar char="•"/>
+                  <a:defRPr sz="1800" kern="1200">
+                    <a:solidFill>
+                      <a:schemeClr val="tx1"/>
+                    </a:solidFill>
+                    <a:latin typeface="+mn-lt"/>
+                    <a:ea typeface="+mn-ea"/>
+                    <a:cs typeface="+mn-cs"/>
+                  </a:defRPr>
+                </a:lvl6pPr>
+                <a:lvl7pPr marL="2971800" indent="-228600" algn="l" defTabSz="914400" rtl="0" eaLnBrk="1" latinLnBrk="0" hangingPunct="1">
+                  <a:lnSpc>
+                    <a:spcPct val="90000"/>
+                  </a:lnSpc>
+                  <a:spcBef>
+                    <a:spcPts val="500"/>
+                  </a:spcBef>
+                  <a:buFont typeface="Arial" panose="020B0604020202020204" pitchFamily="34" charset="0"/>
+                  <a:buChar char="•"/>
+                  <a:defRPr sz="1800" kern="1200">
+                    <a:solidFill>
+                      <a:schemeClr val="tx1"/>
+                    </a:solidFill>
+                    <a:latin typeface="+mn-lt"/>
+                    <a:ea typeface="+mn-ea"/>
+                    <a:cs typeface="+mn-cs"/>
+                  </a:defRPr>
+                </a:lvl7pPr>
+                <a:lvl8pPr marL="3429000" indent="-228600" algn="l" defTabSz="914400" rtl="0" eaLnBrk="1" latinLnBrk="0" hangingPunct="1">
+                  <a:lnSpc>
+                    <a:spcPct val="90000"/>
+                  </a:lnSpc>
+                  <a:spcBef>
+                    <a:spcPts val="500"/>
+                  </a:spcBef>
+                  <a:buFont typeface="Arial" panose="020B0604020202020204" pitchFamily="34" charset="0"/>
+                  <a:buChar char="•"/>
+                  <a:defRPr sz="1800" kern="1200">
+                    <a:solidFill>
+                      <a:schemeClr val="tx1"/>
+                    </a:solidFill>
+                    <a:latin typeface="+mn-lt"/>
+                    <a:ea typeface="+mn-ea"/>
+                    <a:cs typeface="+mn-cs"/>
+                  </a:defRPr>
+                </a:lvl8pPr>
+                <a:lvl9pPr marL="3886200" indent="-228600" algn="l" defTabSz="914400" rtl="0" eaLnBrk="1" latinLnBrk="0" hangingPunct="1">
+                  <a:lnSpc>
+                    <a:spcPct val="90000"/>
+                  </a:lnSpc>
+                  <a:spcBef>
+                    <a:spcPts val="500"/>
+                  </a:spcBef>
+                  <a:buFont typeface="Arial" panose="020B0604020202020204" pitchFamily="34" charset="0"/>
+                  <a:buChar char="•"/>
+                  <a:defRPr sz="1800" kern="1200">
+                    <a:solidFill>
+                      <a:schemeClr val="tx1"/>
+                    </a:solidFill>
+                    <a:latin typeface="+mn-lt"/>
+                    <a:ea typeface="+mn-ea"/>
+                    <a:cs typeface="+mn-cs"/>
+                  </a:defRPr>
+                </a:lvl9pPr>
+              </a:lstStyle>
+              <a:p>
+                <a:pPr marL="0" indent="0" algn="ctr">
+                  <a:buNone/>
+                </a:pPr>
+                <a14:m>
+                  <m:oMathPara xmlns:m="http://schemas.openxmlformats.org/officeDocument/2006/math">
+                    <m:oMathParaPr>
+                      <m:jc m:val="centerGroup"/>
+                    </m:oMathParaPr>
+                    <m:oMath xmlns:m="http://schemas.openxmlformats.org/officeDocument/2006/math">
+                      <m:sSub>
+                        <m:sSubPr>
+                          <m:ctrlPr>
+                            <a:rPr lang="en-US" sz="1400" b="0" i="1" smtClean="0">
+                              <a:solidFill>
+                                <a:schemeClr val="tx1"/>
+                              </a:solidFill>
+                              <a:latin typeface="Cambria Math" panose="02040503050406030204" pitchFamily="18" charset="0"/>
+                            </a:rPr>
+                          </m:ctrlPr>
+                        </m:sSubPr>
+                        <m:e>
+                          <m:r>
+                            <a:rPr lang="en-US" sz="1400" b="0" i="1" smtClean="0">
+                              <a:solidFill>
+                                <a:schemeClr val="tx1"/>
+                              </a:solidFill>
+                              <a:latin typeface="Cambria Math" panose="02040503050406030204" pitchFamily="18" charset="0"/>
+                            </a:rPr>
+                            <m:t>𝜃</m:t>
+                          </m:r>
+                        </m:e>
+                        <m:sub>
+                          <m:r>
+                            <a:rPr lang="en-US" sz="1400" b="0" i="1" smtClean="0">
+                              <a:solidFill>
+                                <a:schemeClr val="tx1"/>
+                              </a:solidFill>
+                              <a:latin typeface="Cambria Math" panose="02040503050406030204" pitchFamily="18" charset="0"/>
+                            </a:rPr>
+                            <m:t>𝑦</m:t>
+                          </m:r>
+                        </m:sub>
+                      </m:sSub>
+                      <m:r>
+                        <a:rPr lang="en-US" sz="1400" b="0" i="1" smtClean="0">
+                          <a:solidFill>
+                            <a:schemeClr val="tx1"/>
+                          </a:solidFill>
+                          <a:latin typeface="Cambria Math" panose="02040503050406030204" pitchFamily="18" charset="0"/>
+                        </a:rPr>
+                        <m:t>=</m:t>
+                      </m:r>
+                      <m:d>
+                        <m:dPr>
+                          <m:ctrlPr>
+                            <a:rPr lang="en-US" sz="1400" b="0" i="1" smtClean="0">
+                              <a:solidFill>
+                                <a:schemeClr val="tx1"/>
+                              </a:solidFill>
+                              <a:latin typeface="Cambria Math" panose="02040503050406030204" pitchFamily="18" charset="0"/>
+                            </a:rPr>
+                          </m:ctrlPr>
+                        </m:dPr>
+                        <m:e>
+                          <m:sSub>
+                            <m:sSubPr>
+                              <m:ctrlPr>
+                                <a:rPr lang="en-US" sz="1400" b="0" i="1" smtClean="0">
+                                  <a:solidFill>
+                                    <a:schemeClr val="tx1"/>
+                                  </a:solidFill>
+                                  <a:latin typeface="Cambria Math" panose="02040503050406030204" pitchFamily="18" charset="0"/>
+                                </a:rPr>
+                              </m:ctrlPr>
+                            </m:sSubPr>
+                            <m:e>
+                              <m:r>
+                                <a:rPr lang="en-US" sz="1400" b="0" i="1" smtClean="0">
+                                  <a:solidFill>
+                                    <a:schemeClr val="tx1"/>
+                                  </a:solidFill>
+                                  <a:latin typeface="Cambria Math" panose="02040503050406030204" pitchFamily="18" charset="0"/>
+                                </a:rPr>
+                                <m:t>𝑘</m:t>
+                              </m:r>
+                            </m:e>
+                            <m:sub>
+                              <m:r>
+                                <a:rPr lang="en-US" sz="1400" b="0" i="1" smtClean="0">
+                                  <a:solidFill>
+                                    <a:schemeClr val="tx1"/>
+                                  </a:solidFill>
+                                  <a:latin typeface="Cambria Math" panose="02040503050406030204" pitchFamily="18" charset="0"/>
+                                </a:rPr>
+                                <m:t>𝑦</m:t>
+                              </m:r>
+                            </m:sub>
+                          </m:sSub>
+                          <m:r>
+                            <a:rPr lang="en-US" sz="1400" b="0" i="1" smtClean="0">
+                              <a:solidFill>
+                                <a:schemeClr val="tx1"/>
+                              </a:solidFill>
+                              <a:latin typeface="Cambria Math" panose="02040503050406030204" pitchFamily="18" charset="0"/>
+                            </a:rPr>
+                            <m:t> </m:t>
+                          </m:r>
+                          <m:r>
+                            <a:rPr lang="en-US" sz="1400" b="0" i="1" smtClean="0">
+                              <a:solidFill>
+                                <a:schemeClr val="tx1"/>
+                              </a:solidFill>
+                              <a:latin typeface="Cambria Math" panose="02040503050406030204" pitchFamily="18" charset="0"/>
+                            </a:rPr>
+                            <m:t>% 7</m:t>
+                          </m:r>
+                        </m:e>
+                      </m:d>
+                      <m:f>
+                        <m:fPr>
+                          <m:ctrlPr>
+                            <a:rPr lang="en-US" sz="1400" b="0" i="1" smtClean="0">
+                              <a:solidFill>
+                                <a:schemeClr val="tx1"/>
+                              </a:solidFill>
+                              <a:latin typeface="Cambria Math" panose="02040503050406030204" pitchFamily="18" charset="0"/>
+                            </a:rPr>
+                          </m:ctrlPr>
+                        </m:fPr>
+                        <m:num>
+                          <m:r>
+                            <a:rPr lang="en-US" sz="1400" b="0" i="1" smtClean="0">
+                              <a:solidFill>
+                                <a:schemeClr val="tx1"/>
+                              </a:solidFill>
+                              <a:latin typeface="Cambria Math" panose="02040503050406030204" pitchFamily="18" charset="0"/>
+                            </a:rPr>
+                            <m:t>𝜋</m:t>
+                          </m:r>
+                        </m:num>
+                        <m:den>
+                          <m:r>
+                            <a:rPr lang="en-US" sz="1400" b="0" i="1" smtClean="0">
+                              <a:solidFill>
+                                <a:schemeClr val="tx1"/>
+                              </a:solidFill>
+                              <a:latin typeface="Cambria Math" panose="02040503050406030204" pitchFamily="18" charset="0"/>
+                            </a:rPr>
+                            <m:t>7</m:t>
+                          </m:r>
+                        </m:den>
+                      </m:f>
+                    </m:oMath>
+                  </m:oMathPara>
+                </a14:m>
+                <a:endParaRPr lang="en-US" sz="1400" dirty="0">
+                  <a:solidFill>
+                    <a:schemeClr val="tx1"/>
+                  </a:solidFill>
+                </a:endParaRPr>
+              </a:p>
+            </p:txBody>
+          </p:sp>
+        </mc:Choice>
+        <mc:Fallback>
+          <p:sp>
+            <p:nvSpPr>
+              <p:cNvPr id="5" name="Content Placeholder 2">
+                <a:extLst>
+                  <a:ext uri="{FF2B5EF4-FFF2-40B4-BE49-F238E27FC236}">
+                    <a16:creationId xmlns:a16="http://schemas.microsoft.com/office/drawing/2014/main" id="{66BF6948-964F-C244-FD5A-017377EB799D}"/>
+                  </a:ext>
+                </a:extLst>
+              </p:cNvPr>
+              <p:cNvSpPr txBox="1">
+                <a:spLocks noRot="1" noChangeAspect="1" noMove="1" noResize="1" noEditPoints="1" noAdjustHandles="1" noChangeArrowheads="1" noChangeShapeType="1" noTextEdit="1"/>
+              </p:cNvSpPr>
+              <p:nvPr/>
+            </p:nvSpPr>
+            <p:spPr>
+              <a:xfrm>
+                <a:off x="1815322" y="1061540"/>
+                <a:ext cx="1491342" cy="658601"/>
+              </a:xfrm>
+              <a:prstGeom prst="rect">
+                <a:avLst/>
+              </a:prstGeom>
+              <a:blipFill>
+                <a:blip r:embed="rId10"/>
+                <a:stretch>
+                  <a:fillRect/>
+                </a:stretch>
+              </a:blipFill>
+              <a:ln>
+                <a:solidFill>
+                  <a:schemeClr val="tx1"/>
+                </a:solidFill>
+              </a:ln>
+            </p:spPr>
+            <p:txBody>
+              <a:bodyPr/>
+              <a:lstStyle/>
+              <a:p>
+                <a:r>
+                  <a:rPr lang="en-US">
+                    <a:noFill/>
+                  </a:rPr>
+                  <a:t> </a:t>
+                </a:r>
+              </a:p>
+            </p:txBody>
+          </p:sp>
+        </mc:Fallback>
+      </mc:AlternateContent>
+      <mc:AlternateContent xmlns:mc="http://schemas.openxmlformats.org/markup-compatibility/2006">
+        <mc:Choice xmlns:a14="http://schemas.microsoft.com/office/drawing/2010/main" Requires="a14">
+          <p:sp>
+            <p:nvSpPr>
+              <p:cNvPr id="10" name="Content Placeholder 2">
+                <a:extLst>
+                  <a:ext uri="{FF2B5EF4-FFF2-40B4-BE49-F238E27FC236}">
+                    <a16:creationId xmlns:a16="http://schemas.microsoft.com/office/drawing/2014/main" id="{42D7E356-4E4A-988E-4C36-7DAC142E6950}"/>
+                  </a:ext>
+                </a:extLst>
+              </p:cNvPr>
+              <p:cNvSpPr txBox="1">
+                <a:spLocks/>
+              </p:cNvSpPr>
+              <p:nvPr/>
+            </p:nvSpPr>
+            <p:spPr>
+              <a:xfrm>
+                <a:off x="3483190" y="1061540"/>
+                <a:ext cx="2031906" cy="658601"/>
+              </a:xfrm>
+              <a:prstGeom prst="rect">
+                <a:avLst/>
+              </a:prstGeom>
+              <a:ln>
+                <a:solidFill>
+                  <a:schemeClr val="tx1"/>
+                </a:solidFill>
+              </a:ln>
+            </p:spPr>
+            <p:txBody>
+              <a:bodyPr vert="horz" lIns="91440" tIns="45720" rIns="91440" bIns="45720" rtlCol="0">
+                <a:noAutofit/>
+              </a:bodyPr>
+              <a:lstStyle>
+                <a:lvl1pPr marL="228600" indent="-228600" algn="l" defTabSz="914400" rtl="0" eaLnBrk="1" latinLnBrk="0" hangingPunct="1">
+                  <a:lnSpc>
+                    <a:spcPct val="90000"/>
+                  </a:lnSpc>
+                  <a:spcBef>
+                    <a:spcPts val="1000"/>
+                  </a:spcBef>
+                  <a:buFont typeface="Arial" panose="020B0604020202020204" pitchFamily="34" charset="0"/>
+                  <a:buChar char="•"/>
+                  <a:defRPr sz="2800" kern="1200">
+                    <a:solidFill>
+                      <a:schemeClr val="accent6">
+                        <a:lumMod val="75000"/>
+                      </a:schemeClr>
+                    </a:solidFill>
+                    <a:latin typeface="Trebuchet MS" panose="020B0603020202020204" pitchFamily="34" charset="0"/>
+                    <a:ea typeface="+mn-ea"/>
+                    <a:cs typeface="+mn-cs"/>
+                  </a:defRPr>
+                </a:lvl1pPr>
+                <a:lvl2pPr marL="685800" indent="-228600" algn="l" defTabSz="914400" rtl="0" eaLnBrk="1" latinLnBrk="0" hangingPunct="1">
+                  <a:lnSpc>
+                    <a:spcPct val="90000"/>
+                  </a:lnSpc>
+                  <a:spcBef>
+                    <a:spcPts val="500"/>
+                  </a:spcBef>
+                  <a:buFont typeface="Arial" panose="020B0604020202020204" pitchFamily="34" charset="0"/>
+                  <a:buChar char="•"/>
+                  <a:defRPr sz="2400" kern="1200">
+                    <a:solidFill>
+                      <a:schemeClr val="accent6">
+                        <a:lumMod val="75000"/>
+                      </a:schemeClr>
+                    </a:solidFill>
+                    <a:latin typeface="Trebuchet MS" panose="020B0603020202020204" pitchFamily="34" charset="0"/>
+                    <a:ea typeface="+mn-ea"/>
+                    <a:cs typeface="+mn-cs"/>
+                  </a:defRPr>
+                </a:lvl2pPr>
+                <a:lvl3pPr marL="1143000" indent="-228600" algn="l" defTabSz="914400" rtl="0" eaLnBrk="1" latinLnBrk="0" hangingPunct="1">
+                  <a:lnSpc>
+                    <a:spcPct val="90000"/>
+                  </a:lnSpc>
+                  <a:spcBef>
+                    <a:spcPts val="500"/>
+                  </a:spcBef>
+                  <a:buFont typeface="Arial" panose="020B0604020202020204" pitchFamily="34" charset="0"/>
+                  <a:buChar char="•"/>
+                  <a:defRPr sz="2000" kern="1200">
+                    <a:solidFill>
+                      <a:schemeClr val="accent6">
+                        <a:lumMod val="75000"/>
+                      </a:schemeClr>
+                    </a:solidFill>
+                    <a:latin typeface="Trebuchet MS" panose="020B0603020202020204" pitchFamily="34" charset="0"/>
+                    <a:ea typeface="+mn-ea"/>
+                    <a:cs typeface="+mn-cs"/>
+                  </a:defRPr>
+                </a:lvl3pPr>
+                <a:lvl4pPr marL="1600200" indent="-228600" algn="l" defTabSz="914400" rtl="0" eaLnBrk="1" latinLnBrk="0" hangingPunct="1">
+                  <a:lnSpc>
+                    <a:spcPct val="90000"/>
+                  </a:lnSpc>
+                  <a:spcBef>
+                    <a:spcPts val="500"/>
+                  </a:spcBef>
+                  <a:buFont typeface="Arial" panose="020B0604020202020204" pitchFamily="34" charset="0"/>
+                  <a:buChar char="•"/>
+                  <a:defRPr sz="1800" kern="1200">
+                    <a:solidFill>
+                      <a:schemeClr val="accent6">
+                        <a:lumMod val="75000"/>
+                      </a:schemeClr>
+                    </a:solidFill>
+                    <a:latin typeface="Trebuchet MS" panose="020B0603020202020204" pitchFamily="34" charset="0"/>
+                    <a:ea typeface="+mn-ea"/>
+                    <a:cs typeface="+mn-cs"/>
+                  </a:defRPr>
+                </a:lvl4pPr>
+                <a:lvl5pPr marL="2057400" indent="-228600" algn="l" defTabSz="914400" rtl="0" eaLnBrk="1" latinLnBrk="0" hangingPunct="1">
+                  <a:lnSpc>
+                    <a:spcPct val="90000"/>
+                  </a:lnSpc>
+                  <a:spcBef>
+                    <a:spcPts val="500"/>
+                  </a:spcBef>
+                  <a:buFont typeface="Arial" panose="020B0604020202020204" pitchFamily="34" charset="0"/>
+                  <a:buChar char="•"/>
+                  <a:defRPr sz="1800" kern="1200">
+                    <a:solidFill>
+                      <a:schemeClr val="accent6">
+                        <a:lumMod val="75000"/>
+                      </a:schemeClr>
+                    </a:solidFill>
+                    <a:latin typeface="Trebuchet MS" panose="020B0603020202020204" pitchFamily="34" charset="0"/>
+                    <a:ea typeface="+mn-ea"/>
+                    <a:cs typeface="+mn-cs"/>
+                  </a:defRPr>
+                </a:lvl5pPr>
+                <a:lvl6pPr marL="2514600" indent="-228600" algn="l" defTabSz="914400" rtl="0" eaLnBrk="1" latinLnBrk="0" hangingPunct="1">
+                  <a:lnSpc>
+                    <a:spcPct val="90000"/>
+                  </a:lnSpc>
+                  <a:spcBef>
+                    <a:spcPts val="500"/>
+                  </a:spcBef>
+                  <a:buFont typeface="Arial" panose="020B0604020202020204" pitchFamily="34" charset="0"/>
+                  <a:buChar char="•"/>
+                  <a:defRPr sz="1800" kern="1200">
+                    <a:solidFill>
+                      <a:schemeClr val="tx1"/>
+                    </a:solidFill>
+                    <a:latin typeface="+mn-lt"/>
+                    <a:ea typeface="+mn-ea"/>
+                    <a:cs typeface="+mn-cs"/>
+                  </a:defRPr>
+                </a:lvl6pPr>
+                <a:lvl7pPr marL="2971800" indent="-228600" algn="l" defTabSz="914400" rtl="0" eaLnBrk="1" latinLnBrk="0" hangingPunct="1">
+                  <a:lnSpc>
+                    <a:spcPct val="90000"/>
+                  </a:lnSpc>
+                  <a:spcBef>
+                    <a:spcPts val="500"/>
+                  </a:spcBef>
+                  <a:buFont typeface="Arial" panose="020B0604020202020204" pitchFamily="34" charset="0"/>
+                  <a:buChar char="•"/>
+                  <a:defRPr sz="1800" kern="1200">
+                    <a:solidFill>
+                      <a:schemeClr val="tx1"/>
+                    </a:solidFill>
+                    <a:latin typeface="+mn-lt"/>
+                    <a:ea typeface="+mn-ea"/>
+                    <a:cs typeface="+mn-cs"/>
+                  </a:defRPr>
+                </a:lvl7pPr>
+                <a:lvl8pPr marL="3429000" indent="-228600" algn="l" defTabSz="914400" rtl="0" eaLnBrk="1" latinLnBrk="0" hangingPunct="1">
+                  <a:lnSpc>
+                    <a:spcPct val="90000"/>
+                  </a:lnSpc>
+                  <a:spcBef>
+                    <a:spcPts val="500"/>
+                  </a:spcBef>
+                  <a:buFont typeface="Arial" panose="020B0604020202020204" pitchFamily="34" charset="0"/>
+                  <a:buChar char="•"/>
+                  <a:defRPr sz="1800" kern="1200">
+                    <a:solidFill>
+                      <a:schemeClr val="tx1"/>
+                    </a:solidFill>
+                    <a:latin typeface="+mn-lt"/>
+                    <a:ea typeface="+mn-ea"/>
+                    <a:cs typeface="+mn-cs"/>
+                  </a:defRPr>
+                </a:lvl8pPr>
+                <a:lvl9pPr marL="3886200" indent="-228600" algn="l" defTabSz="914400" rtl="0" eaLnBrk="1" latinLnBrk="0" hangingPunct="1">
+                  <a:lnSpc>
+                    <a:spcPct val="90000"/>
+                  </a:lnSpc>
+                  <a:spcBef>
+                    <a:spcPts val="500"/>
+                  </a:spcBef>
+                  <a:buFont typeface="Arial" panose="020B0604020202020204" pitchFamily="34" charset="0"/>
+                  <a:buChar char="•"/>
+                  <a:defRPr sz="1800" kern="1200">
+                    <a:solidFill>
+                      <a:schemeClr val="tx1"/>
+                    </a:solidFill>
+                    <a:latin typeface="+mn-lt"/>
+                    <a:ea typeface="+mn-ea"/>
+                    <a:cs typeface="+mn-cs"/>
+                  </a:defRPr>
+                </a:lvl9pPr>
+              </a:lstStyle>
+              <a:p>
+                <a:pPr marL="0" indent="0" algn="ctr">
+                  <a:buNone/>
+                </a:pPr>
+                <a14:m>
+                  <m:oMathPara xmlns:m="http://schemas.openxmlformats.org/officeDocument/2006/math">
+                    <m:oMathParaPr>
+                      <m:jc m:val="centerGroup"/>
+                    </m:oMathParaPr>
+                    <m:oMath xmlns:m="http://schemas.openxmlformats.org/officeDocument/2006/math">
+                      <m:sSub>
+                        <m:sSubPr>
+                          <m:ctrlPr>
+                            <a:rPr lang="en-US" sz="1400" b="0" i="1" smtClean="0">
+                              <a:solidFill>
+                                <a:schemeClr val="tx1"/>
+                              </a:solidFill>
+                              <a:latin typeface="Cambria Math" panose="02040503050406030204" pitchFamily="18" charset="0"/>
+                            </a:rPr>
+                          </m:ctrlPr>
+                        </m:sSubPr>
+                        <m:e>
+                          <m:r>
+                            <a:rPr lang="en-US" sz="1400" b="0" i="1" smtClean="0">
+                              <a:solidFill>
+                                <a:schemeClr val="tx1"/>
+                              </a:solidFill>
+                              <a:latin typeface="Cambria Math" panose="02040503050406030204" pitchFamily="18" charset="0"/>
+                            </a:rPr>
+                            <m:t>𝑥</m:t>
+                          </m:r>
+                        </m:e>
+                        <m:sub>
+                          <m:r>
+                            <a:rPr lang="en-US" sz="1400" b="0" i="1" smtClean="0">
+                              <a:solidFill>
+                                <a:schemeClr val="tx1"/>
+                              </a:solidFill>
+                              <a:latin typeface="Cambria Math" panose="02040503050406030204" pitchFamily="18" charset="0"/>
+                            </a:rPr>
+                            <m:t>𝜃</m:t>
+                          </m:r>
+                        </m:sub>
+                      </m:sSub>
+                      <m:r>
+                        <a:rPr lang="en-US" sz="1400" b="0" i="1" smtClean="0">
+                          <a:solidFill>
+                            <a:schemeClr val="tx1"/>
+                          </a:solidFill>
+                          <a:latin typeface="Cambria Math" panose="02040503050406030204" pitchFamily="18" charset="0"/>
+                        </a:rPr>
+                        <m:t>=</m:t>
+                      </m:r>
+                      <m:r>
+                        <a:rPr lang="en-US" sz="1400" i="1">
+                          <a:solidFill>
+                            <a:schemeClr val="tx1"/>
+                          </a:solidFill>
+                          <a:latin typeface="Cambria Math" panose="02040503050406030204" pitchFamily="18" charset="0"/>
+                        </a:rPr>
+                        <m:t>𝑥𝑐𝑜𝑠</m:t>
+                      </m:r>
+                      <m:sSub>
+                        <m:sSubPr>
+                          <m:ctrlPr>
+                            <a:rPr lang="en-US" sz="1400" i="1">
+                              <a:solidFill>
+                                <a:schemeClr val="tx1"/>
+                              </a:solidFill>
+                              <a:latin typeface="Cambria Math" panose="02040503050406030204" pitchFamily="18" charset="0"/>
+                            </a:rPr>
+                          </m:ctrlPr>
+                        </m:sSubPr>
+                        <m:e>
+                          <m:r>
+                            <a:rPr lang="en-US" sz="1400" i="1">
+                              <a:solidFill>
+                                <a:schemeClr val="tx1"/>
+                              </a:solidFill>
+                              <a:latin typeface="Cambria Math" panose="02040503050406030204" pitchFamily="18" charset="0"/>
+                            </a:rPr>
+                            <m:t>𝜃</m:t>
+                          </m:r>
+                        </m:e>
+                        <m:sub>
+                          <m:r>
+                            <a:rPr lang="en-US" sz="1400" i="1">
+                              <a:solidFill>
+                                <a:schemeClr val="tx1"/>
+                              </a:solidFill>
+                              <a:latin typeface="Cambria Math" panose="02040503050406030204" pitchFamily="18" charset="0"/>
+                            </a:rPr>
+                            <m:t>𝑥</m:t>
+                          </m:r>
+                        </m:sub>
+                      </m:sSub>
+                      <m:r>
+                        <a:rPr lang="en-US" sz="1400" i="1">
+                          <a:solidFill>
+                            <a:schemeClr val="tx1"/>
+                          </a:solidFill>
+                          <a:latin typeface="Cambria Math" panose="02040503050406030204" pitchFamily="18" charset="0"/>
+                        </a:rPr>
+                        <m:t>+</m:t>
+                      </m:r>
+                      <m:r>
+                        <a:rPr lang="en-US" sz="1400" i="1">
+                          <a:solidFill>
+                            <a:schemeClr val="tx1"/>
+                          </a:solidFill>
+                          <a:latin typeface="Cambria Math" panose="02040503050406030204" pitchFamily="18" charset="0"/>
+                        </a:rPr>
+                        <m:t>𝑦𝑠𝑖𝑛</m:t>
+                      </m:r>
+                      <m:sSub>
+                        <m:sSubPr>
+                          <m:ctrlPr>
+                            <a:rPr lang="en-US" sz="1400" i="1">
+                              <a:solidFill>
+                                <a:schemeClr val="tx1"/>
+                              </a:solidFill>
+                              <a:latin typeface="Cambria Math" panose="02040503050406030204" pitchFamily="18" charset="0"/>
+                            </a:rPr>
+                          </m:ctrlPr>
+                        </m:sSubPr>
+                        <m:e>
+                          <m:r>
+                            <a:rPr lang="en-US" sz="1400" i="1">
+                              <a:solidFill>
+                                <a:schemeClr val="tx1"/>
+                              </a:solidFill>
+                              <a:latin typeface="Cambria Math" panose="02040503050406030204" pitchFamily="18" charset="0"/>
+                            </a:rPr>
+                            <m:t>𝜃</m:t>
+                          </m:r>
+                        </m:e>
+                        <m:sub>
+                          <m:r>
+                            <a:rPr lang="en-US" sz="1400" i="1">
+                              <a:solidFill>
+                                <a:schemeClr val="tx1"/>
+                              </a:solidFill>
+                              <a:latin typeface="Cambria Math" panose="02040503050406030204" pitchFamily="18" charset="0"/>
+                            </a:rPr>
+                            <m:t>𝑦</m:t>
+                          </m:r>
+                        </m:sub>
+                      </m:sSub>
+                    </m:oMath>
+                  </m:oMathPara>
+                </a14:m>
+                <a:endParaRPr lang="en-US" sz="1400" dirty="0">
+                  <a:solidFill>
+                    <a:schemeClr val="tx1"/>
+                  </a:solidFill>
+                </a:endParaRPr>
+              </a:p>
+              <a:p>
+                <a:pPr marL="0" indent="0" algn="ctr">
+                  <a:buNone/>
+                </a:pPr>
+                <a14:m>
+                  <m:oMathPara xmlns:m="http://schemas.openxmlformats.org/officeDocument/2006/math">
+                    <m:oMathParaPr>
+                      <m:jc m:val="centerGroup"/>
+                    </m:oMathParaPr>
+                    <m:oMath xmlns:m="http://schemas.openxmlformats.org/officeDocument/2006/math">
+                      <m:sSub>
+                        <m:sSubPr>
+                          <m:ctrlPr>
+                            <a:rPr lang="en-US" sz="1400" b="0" i="1" smtClean="0">
+                              <a:solidFill>
+                                <a:schemeClr val="tx1"/>
+                              </a:solidFill>
+                              <a:latin typeface="Cambria Math" panose="02040503050406030204" pitchFamily="18" charset="0"/>
+                            </a:rPr>
+                          </m:ctrlPr>
+                        </m:sSubPr>
+                        <m:e>
+                          <m:r>
+                            <a:rPr lang="en-US" sz="1400" b="0" i="1" smtClean="0">
+                              <a:solidFill>
+                                <a:schemeClr val="tx1"/>
+                              </a:solidFill>
+                              <a:latin typeface="Cambria Math" panose="02040503050406030204" pitchFamily="18" charset="0"/>
+                            </a:rPr>
+                            <m:t>𝑦</m:t>
+                          </m:r>
+                        </m:e>
+                        <m:sub>
+                          <m:r>
+                            <a:rPr lang="en-US" sz="1400" b="0" i="1" smtClean="0">
+                              <a:solidFill>
+                                <a:schemeClr val="tx1"/>
+                              </a:solidFill>
+                              <a:latin typeface="Cambria Math" panose="02040503050406030204" pitchFamily="18" charset="0"/>
+                            </a:rPr>
+                            <m:t>𝜃</m:t>
+                          </m:r>
+                        </m:sub>
+                      </m:sSub>
+                      <m:r>
+                        <a:rPr lang="en-US" sz="1400" i="1">
+                          <a:solidFill>
+                            <a:schemeClr val="tx1"/>
+                          </a:solidFill>
+                          <a:latin typeface="Cambria Math" panose="02040503050406030204" pitchFamily="18" charset="0"/>
+                        </a:rPr>
+                        <m:t>=</m:t>
+                      </m:r>
+                      <m:r>
+                        <a:rPr lang="en-US" sz="1400" b="0" i="1" smtClean="0">
+                          <a:solidFill>
+                            <a:schemeClr val="tx1"/>
+                          </a:solidFill>
+                          <a:latin typeface="Cambria Math" panose="02040503050406030204" pitchFamily="18" charset="0"/>
+                        </a:rPr>
+                        <m:t>−</m:t>
+                      </m:r>
+                      <m:r>
+                        <a:rPr lang="en-US" sz="1400" i="1">
+                          <a:solidFill>
+                            <a:schemeClr val="tx1"/>
+                          </a:solidFill>
+                          <a:latin typeface="Cambria Math" panose="02040503050406030204" pitchFamily="18" charset="0"/>
+                        </a:rPr>
+                        <m:t>𝑥</m:t>
+                      </m:r>
+                      <m:r>
+                        <a:rPr lang="en-US" sz="1400" b="0" i="1" smtClean="0">
+                          <a:solidFill>
+                            <a:schemeClr val="tx1"/>
+                          </a:solidFill>
+                          <a:latin typeface="Cambria Math" panose="02040503050406030204" pitchFamily="18" charset="0"/>
+                        </a:rPr>
+                        <m:t>𝑠𝑖𝑛</m:t>
+                      </m:r>
+                      <m:sSub>
+                        <m:sSubPr>
+                          <m:ctrlPr>
+                            <a:rPr lang="en-US" sz="1400" i="1">
+                              <a:solidFill>
+                                <a:schemeClr val="tx1"/>
+                              </a:solidFill>
+                              <a:latin typeface="Cambria Math" panose="02040503050406030204" pitchFamily="18" charset="0"/>
+                            </a:rPr>
+                          </m:ctrlPr>
+                        </m:sSubPr>
+                        <m:e>
+                          <m:r>
+                            <a:rPr lang="en-US" sz="1400" i="1">
+                              <a:solidFill>
+                                <a:schemeClr val="tx1"/>
+                              </a:solidFill>
+                              <a:latin typeface="Cambria Math" panose="02040503050406030204" pitchFamily="18" charset="0"/>
+                            </a:rPr>
+                            <m:t>𝜃</m:t>
+                          </m:r>
+                        </m:e>
+                        <m:sub>
+                          <m:r>
+                            <a:rPr lang="en-US" sz="1400" i="1">
+                              <a:solidFill>
+                                <a:schemeClr val="tx1"/>
+                              </a:solidFill>
+                              <a:latin typeface="Cambria Math" panose="02040503050406030204" pitchFamily="18" charset="0"/>
+                            </a:rPr>
+                            <m:t>𝑥</m:t>
+                          </m:r>
+                        </m:sub>
+                      </m:sSub>
+                      <m:r>
+                        <a:rPr lang="en-US" sz="1400" i="1">
+                          <a:solidFill>
+                            <a:schemeClr val="tx1"/>
+                          </a:solidFill>
+                          <a:latin typeface="Cambria Math" panose="02040503050406030204" pitchFamily="18" charset="0"/>
+                        </a:rPr>
+                        <m:t>+</m:t>
+                      </m:r>
+                      <m:r>
+                        <a:rPr lang="en-US" sz="1400" i="1">
+                          <a:solidFill>
+                            <a:schemeClr val="tx1"/>
+                          </a:solidFill>
+                          <a:latin typeface="Cambria Math" panose="02040503050406030204" pitchFamily="18" charset="0"/>
+                        </a:rPr>
+                        <m:t>𝑦𝑐</m:t>
+                      </m:r>
+                      <m:r>
+                        <a:rPr lang="en-US" sz="1400" b="0" i="1" smtClean="0">
+                          <a:solidFill>
+                            <a:schemeClr val="tx1"/>
+                          </a:solidFill>
+                          <a:latin typeface="Cambria Math" panose="02040503050406030204" pitchFamily="18" charset="0"/>
+                        </a:rPr>
+                        <m:t>𝑜𝑠</m:t>
+                      </m:r>
+                      <m:sSub>
+                        <m:sSubPr>
+                          <m:ctrlPr>
+                            <a:rPr lang="en-US" sz="1400" i="1">
+                              <a:solidFill>
+                                <a:schemeClr val="tx1"/>
+                              </a:solidFill>
+                              <a:latin typeface="Cambria Math" panose="02040503050406030204" pitchFamily="18" charset="0"/>
+                            </a:rPr>
+                          </m:ctrlPr>
+                        </m:sSubPr>
+                        <m:e>
+                          <m:r>
+                            <a:rPr lang="en-US" sz="1400" i="1">
+                              <a:solidFill>
+                                <a:schemeClr val="tx1"/>
+                              </a:solidFill>
+                              <a:latin typeface="Cambria Math" panose="02040503050406030204" pitchFamily="18" charset="0"/>
+                            </a:rPr>
+                            <m:t>𝜃</m:t>
+                          </m:r>
+                        </m:e>
+                        <m:sub>
+                          <m:r>
+                            <a:rPr lang="en-US" sz="1400" i="1">
+                              <a:solidFill>
+                                <a:schemeClr val="tx1"/>
+                              </a:solidFill>
+                              <a:latin typeface="Cambria Math" panose="02040503050406030204" pitchFamily="18" charset="0"/>
+                            </a:rPr>
+                            <m:t>𝑦</m:t>
+                          </m:r>
+                        </m:sub>
+                      </m:sSub>
+                    </m:oMath>
+                  </m:oMathPara>
+                </a14:m>
+                <a:endParaRPr lang="en-US" sz="1400" dirty="0">
+                  <a:solidFill>
+                    <a:schemeClr val="tx1"/>
+                  </a:solidFill>
+                </a:endParaRPr>
+              </a:p>
+              <a:p>
+                <a:pPr marL="0" indent="0" algn="ctr">
+                  <a:buNone/>
+                </a:pPr>
+                <a:endParaRPr lang="en-US" sz="1400" dirty="0"/>
+              </a:p>
+              <a:p>
+                <a:pPr marL="0" indent="0" algn="ctr">
+                  <a:buNone/>
+                </a:pPr>
+                <a:endParaRPr lang="en-US" sz="1400" dirty="0"/>
+              </a:p>
+            </p:txBody>
+          </p:sp>
+        </mc:Choice>
+        <mc:Fallback>
+          <p:sp>
+            <p:nvSpPr>
+              <p:cNvPr id="10" name="Content Placeholder 2">
+                <a:extLst>
+                  <a:ext uri="{FF2B5EF4-FFF2-40B4-BE49-F238E27FC236}">
+                    <a16:creationId xmlns:a16="http://schemas.microsoft.com/office/drawing/2014/main" id="{42D7E356-4E4A-988E-4C36-7DAC142E6950}"/>
+                  </a:ext>
+                </a:extLst>
+              </p:cNvPr>
+              <p:cNvSpPr txBox="1">
+                <a:spLocks noRot="1" noChangeAspect="1" noMove="1" noResize="1" noEditPoints="1" noAdjustHandles="1" noChangeArrowheads="1" noChangeShapeType="1" noTextEdit="1"/>
+              </p:cNvSpPr>
+              <p:nvPr/>
+            </p:nvSpPr>
+            <p:spPr>
+              <a:xfrm>
+                <a:off x="3483190" y="1061540"/>
+                <a:ext cx="2031906" cy="658601"/>
+              </a:xfrm>
+              <a:prstGeom prst="rect">
+                <a:avLst/>
+              </a:prstGeom>
+              <a:blipFill>
+                <a:blip r:embed="rId11"/>
+                <a:stretch>
+                  <a:fillRect/>
+                </a:stretch>
+              </a:blipFill>
+              <a:ln>
+                <a:solidFill>
+                  <a:schemeClr val="tx1"/>
+                </a:solidFill>
+              </a:ln>
+            </p:spPr>
+            <p:txBody>
+              <a:bodyPr/>
+              <a:lstStyle/>
+              <a:p>
+                <a:r>
+                  <a:rPr lang="en-US">
+                    <a:noFill/>
+                  </a:rPr>
+                  <a:t> </a:t>
+                </a:r>
+              </a:p>
+            </p:txBody>
+          </p:sp>
+        </mc:Fallback>
+      </mc:AlternateContent>
+    </p:spTree>
+    <p:extLst>
+      <p:ext uri="{BB962C8B-B14F-4D97-AF65-F5344CB8AC3E}">
+        <p14:creationId xmlns:p14="http://schemas.microsoft.com/office/powerpoint/2010/main" val="2658074322"/>
+      </p:ext>
+    </p:extLst>
+  </p:cSld>
+  <p:clrMapOvr>
+    <a:masterClrMapping/>
+  </p:clrMapOvr>
+</p:sld>
+</file>
+
+<file path=ppt/slides/slide9.xml><?xml version="1.0" encoding="utf-8"?>
+<p:sld xmlns:a="http://schemas.openxmlformats.org/drawingml/2006/main" xmlns:r="http://schemas.openxmlformats.org/officeDocument/2006/relationships" xmlns:p="http://schemas.openxmlformats.org/presentationml/2006/main">
+  <p:cSld>
+    <p:spTree>
+      <p:nvGrpSpPr>
+        <p:cNvPr id="1" name="">
+          <a:extLst>
+            <a:ext uri="{FF2B5EF4-FFF2-40B4-BE49-F238E27FC236}">
+              <a16:creationId xmlns:a16="http://schemas.microsoft.com/office/drawing/2014/main" id="{3CF449CB-F5A0-201F-63B2-88ECF265B350}"/>
+            </a:ext>
+          </a:extLst>
+        </p:cNvPr>
+        <p:cNvGrpSpPr/>
+        <p:nvPr/>
+      </p:nvGrpSpPr>
+      <p:grpSpPr>
+        <a:xfrm>
+          <a:off x="0" y="0"/>
+          <a:ext cx="0" cy="0"/>
+          <a:chOff x="0" y="0"/>
+          <a:chExt cx="0" cy="0"/>
+        </a:xfrm>
+      </p:grpSpPr>
+      <p:sp>
+        <p:nvSpPr>
+          <p:cNvPr id="19" name="Content Placeholder 2">
+            <a:extLst>
+              <a:ext uri="{FF2B5EF4-FFF2-40B4-BE49-F238E27FC236}">
+                <a16:creationId xmlns:a16="http://schemas.microsoft.com/office/drawing/2014/main" id="{3EDA03A5-0139-7E05-6CA8-A9EA884644B1}"/>
+              </a:ext>
+            </a:extLst>
+          </p:cNvPr>
+          <p:cNvSpPr txBox="1">
+            <a:spLocks/>
+          </p:cNvSpPr>
+          <p:nvPr/>
+        </p:nvSpPr>
+        <p:spPr>
+          <a:xfrm>
+            <a:off x="6179360" y="941744"/>
+            <a:ext cx="5758938" cy="2487256"/>
+          </a:xfrm>
+          <a:prstGeom prst="rect">
+            <a:avLst/>
+          </a:prstGeom>
+        </p:spPr>
+        <p:txBody>
+          <a:bodyPr vert="horz" lIns="91440" tIns="45720" rIns="91440" bIns="45720" rtlCol="0">
+            <a:normAutofit/>
+          </a:bodyPr>
+          <a:lstStyle>
+            <a:lvl1pPr marL="228600" indent="-228600" algn="l" defTabSz="914400" rtl="0" eaLnBrk="1" latinLnBrk="0" hangingPunct="1">
+              <a:lnSpc>
+                <a:spcPct val="90000"/>
+              </a:lnSpc>
+              <a:spcBef>
+                <a:spcPts val="1000"/>
+              </a:spcBef>
+              <a:buFont typeface="Arial" panose="020B0604020202020204" pitchFamily="34" charset="0"/>
+              <a:buChar char="•"/>
+              <a:defRPr sz="2800" kern="1200">
+                <a:solidFill>
+                  <a:schemeClr val="accent6">
+                    <a:lumMod val="75000"/>
+                  </a:schemeClr>
+                </a:solidFill>
+                <a:latin typeface="Trebuchet MS" panose="020B0603020202020204" pitchFamily="34" charset="0"/>
+                <a:ea typeface="+mn-ea"/>
+                <a:cs typeface="+mn-cs"/>
+              </a:defRPr>
+            </a:lvl1pPr>
+            <a:lvl2pPr marL="685800" indent="-228600" algn="l" defTabSz="914400" rtl="0" eaLnBrk="1" latinLnBrk="0" hangingPunct="1">
+              <a:lnSpc>
+                <a:spcPct val="90000"/>
+              </a:lnSpc>
+              <a:spcBef>
+                <a:spcPts val="500"/>
+              </a:spcBef>
+              <a:buFont typeface="Arial" panose="020B0604020202020204" pitchFamily="34" charset="0"/>
+              <a:buChar char="•"/>
+              <a:defRPr sz="2400" kern="1200">
+                <a:solidFill>
+                  <a:schemeClr val="accent6">
+                    <a:lumMod val="75000"/>
+                  </a:schemeClr>
+                </a:solidFill>
+                <a:latin typeface="Trebuchet MS" panose="020B0603020202020204" pitchFamily="34" charset="0"/>
+                <a:ea typeface="+mn-ea"/>
+                <a:cs typeface="+mn-cs"/>
+              </a:defRPr>
+            </a:lvl2pPr>
+            <a:lvl3pPr marL="1143000" indent="-228600" algn="l" defTabSz="914400" rtl="0" eaLnBrk="1" latinLnBrk="0" hangingPunct="1">
+              <a:lnSpc>
+                <a:spcPct val="90000"/>
+              </a:lnSpc>
+              <a:spcBef>
+                <a:spcPts val="500"/>
+              </a:spcBef>
+              <a:buFont typeface="Arial" panose="020B0604020202020204" pitchFamily="34" charset="0"/>
+              <a:buChar char="•"/>
+              <a:defRPr sz="2000" kern="1200">
+                <a:solidFill>
+                  <a:schemeClr val="accent6">
+                    <a:lumMod val="75000"/>
+                  </a:schemeClr>
+                </a:solidFill>
+                <a:latin typeface="Trebuchet MS" panose="020B0603020202020204" pitchFamily="34" charset="0"/>
+                <a:ea typeface="+mn-ea"/>
+                <a:cs typeface="+mn-cs"/>
+              </a:defRPr>
+            </a:lvl3pPr>
+            <a:lvl4pPr marL="1600200" indent="-228600" algn="l" defTabSz="914400" rtl="0" eaLnBrk="1" latinLnBrk="0" hangingPunct="1">
+              <a:lnSpc>
+                <a:spcPct val="90000"/>
+              </a:lnSpc>
+              <a:spcBef>
+                <a:spcPts val="500"/>
+              </a:spcBef>
+              <a:buFont typeface="Arial" panose="020B0604020202020204" pitchFamily="34" charset="0"/>
+              <a:buChar char="•"/>
+              <a:defRPr sz="1800" kern="1200">
+                <a:solidFill>
+                  <a:schemeClr val="accent6">
+                    <a:lumMod val="75000"/>
+                  </a:schemeClr>
+                </a:solidFill>
+                <a:latin typeface="Trebuchet MS" panose="020B0603020202020204" pitchFamily="34" charset="0"/>
+                <a:ea typeface="+mn-ea"/>
+                <a:cs typeface="+mn-cs"/>
+              </a:defRPr>
+            </a:lvl4pPr>
+            <a:lvl5pPr marL="2057400" indent="-228600" algn="l" defTabSz="914400" rtl="0" eaLnBrk="1" latinLnBrk="0" hangingPunct="1">
+              <a:lnSpc>
+                <a:spcPct val="90000"/>
+              </a:lnSpc>
+              <a:spcBef>
+                <a:spcPts val="500"/>
+              </a:spcBef>
+              <a:buFont typeface="Arial" panose="020B0604020202020204" pitchFamily="34" charset="0"/>
+              <a:buChar char="•"/>
+              <a:defRPr sz="1800" kern="1200">
+                <a:solidFill>
+                  <a:schemeClr val="accent6">
+                    <a:lumMod val="75000"/>
+                  </a:schemeClr>
+                </a:solidFill>
+                <a:latin typeface="Trebuchet MS" panose="020B0603020202020204" pitchFamily="34" charset="0"/>
+                <a:ea typeface="+mn-ea"/>
+                <a:cs typeface="+mn-cs"/>
+              </a:defRPr>
+            </a:lvl5pPr>
+            <a:lvl6pPr marL="2514600" indent="-228600" algn="l" defTabSz="914400" rtl="0" eaLnBrk="1" latinLnBrk="0" hangingPunct="1">
+              <a:lnSpc>
+                <a:spcPct val="90000"/>
+              </a:lnSpc>
+              <a:spcBef>
+                <a:spcPts val="500"/>
+              </a:spcBef>
+              <a:buFont typeface="Arial" panose="020B0604020202020204" pitchFamily="34" charset="0"/>
+              <a:buChar char="•"/>
+              <a:defRPr sz="1800" kern="1200">
+                <a:solidFill>
+                  <a:schemeClr val="tx1"/>
+                </a:solidFill>
+                <a:latin typeface="+mn-lt"/>
+                <a:ea typeface="+mn-ea"/>
+                <a:cs typeface="+mn-cs"/>
+              </a:defRPr>
+            </a:lvl6pPr>
+            <a:lvl7pPr marL="2971800" indent="-228600" algn="l" defTabSz="914400" rtl="0" eaLnBrk="1" latinLnBrk="0" hangingPunct="1">
+              <a:lnSpc>
+                <a:spcPct val="90000"/>
+              </a:lnSpc>
+              <a:spcBef>
+                <a:spcPts val="500"/>
+              </a:spcBef>
+              <a:buFont typeface="Arial" panose="020B0604020202020204" pitchFamily="34" charset="0"/>
+              <a:buChar char="•"/>
+              <a:defRPr sz="1800" kern="1200">
+                <a:solidFill>
+                  <a:schemeClr val="tx1"/>
+                </a:solidFill>
+                <a:latin typeface="+mn-lt"/>
+                <a:ea typeface="+mn-ea"/>
+                <a:cs typeface="+mn-cs"/>
+              </a:defRPr>
+            </a:lvl7pPr>
+            <a:lvl8pPr marL="3429000" indent="-228600" algn="l" defTabSz="914400" rtl="0" eaLnBrk="1" latinLnBrk="0" hangingPunct="1">
+              <a:lnSpc>
+                <a:spcPct val="90000"/>
+              </a:lnSpc>
+              <a:spcBef>
+                <a:spcPts val="500"/>
+              </a:spcBef>
+              <a:buFont typeface="Arial" panose="020B0604020202020204" pitchFamily="34" charset="0"/>
+              <a:buChar char="•"/>
+              <a:defRPr sz="1800" kern="1200">
+                <a:solidFill>
+                  <a:schemeClr val="tx1"/>
+                </a:solidFill>
+                <a:latin typeface="+mn-lt"/>
+                <a:ea typeface="+mn-ea"/>
+                <a:cs typeface="+mn-cs"/>
+              </a:defRPr>
+            </a:lvl8pPr>
+            <a:lvl9pPr marL="3886200" indent="-228600" algn="l" defTabSz="914400" rtl="0" eaLnBrk="1" latinLnBrk="0" hangingPunct="1">
+              <a:lnSpc>
+                <a:spcPct val="90000"/>
+              </a:lnSpc>
+              <a:spcBef>
+                <a:spcPts val="500"/>
+              </a:spcBef>
+              <a:buFont typeface="Arial" panose="020B0604020202020204" pitchFamily="34" charset="0"/>
+              <a:buChar char="•"/>
+              <a:defRPr sz="1800" kern="1200">
+                <a:solidFill>
+                  <a:schemeClr val="tx1"/>
+                </a:solidFill>
+                <a:latin typeface="+mn-lt"/>
+                <a:ea typeface="+mn-ea"/>
+                <a:cs typeface="+mn-cs"/>
+              </a:defRPr>
+            </a:lvl9pPr>
+          </a:lstStyle>
+          <a:p>
+            <a:r>
+              <a:rPr lang="en-US" sz="2000" dirty="0">
+                <a:solidFill>
+                  <a:schemeClr val="tx1"/>
+                </a:solidFill>
+              </a:rPr>
+              <a:t>Geometry given in spatial representation (32x32 pixels) [0,1]</a:t>
+            </a:r>
+            <a:endParaRPr lang="en-US" sz="1600" dirty="0">
+              <a:solidFill>
+                <a:schemeClr val="tx1"/>
+              </a:solidFill>
+            </a:endParaRPr>
+          </a:p>
+          <a:p>
+            <a:r>
+              <a:rPr lang="en-US" sz="2000" dirty="0">
+                <a:solidFill>
+                  <a:schemeClr val="tx1"/>
+                </a:solidFill>
+              </a:rPr>
+              <a:t>Band encoded in the frequency and rotation angle of a Gabor wavelet function. (-1,1)</a:t>
+            </a:r>
+          </a:p>
+          <a:p>
+            <a:r>
+              <a:rPr lang="en-US" sz="2000" dirty="0">
+                <a:solidFill>
+                  <a:schemeClr val="tx1"/>
+                </a:solidFill>
+              </a:rPr>
+              <a:t>Wavevectors similarly encoded in a Gabor wavelet function. (-1,1)</a:t>
+            </a:r>
+          </a:p>
+        </p:txBody>
+      </p:sp>
+      <p:sp>
+        <p:nvSpPr>
+          <p:cNvPr id="3" name="Title 1">
+            <a:extLst>
+              <a:ext uri="{FF2B5EF4-FFF2-40B4-BE49-F238E27FC236}">
+                <a16:creationId xmlns:a16="http://schemas.microsoft.com/office/drawing/2014/main" id="{A037D48E-D6F0-F94B-8CE1-19FFDC461297}"/>
+              </a:ext>
+            </a:extLst>
+          </p:cNvPr>
+          <p:cNvSpPr txBox="1">
+            <a:spLocks/>
+          </p:cNvSpPr>
+          <p:nvPr/>
+        </p:nvSpPr>
+        <p:spPr>
+          <a:xfrm>
+            <a:off x="1064404" y="90397"/>
+            <a:ext cx="10289395" cy="771015"/>
+          </a:xfrm>
+          <a:prstGeom prst="rect">
+            <a:avLst/>
+          </a:prstGeom>
+        </p:spPr>
+        <p:txBody>
+          <a:bodyPr vert="horz" lIns="91440" tIns="45720" rIns="91440" bIns="45720" rtlCol="0" anchor="ctr">
+            <a:normAutofit/>
+          </a:bodyPr>
+          <a:lstStyle>
+            <a:lvl1pPr algn="l" defTabSz="914400" rtl="0" eaLnBrk="1" latinLnBrk="0" hangingPunct="1">
+              <a:lnSpc>
+                <a:spcPct val="90000"/>
+              </a:lnSpc>
+              <a:spcBef>
+                <a:spcPct val="0"/>
+              </a:spcBef>
+              <a:buNone/>
+              <a:defRPr sz="4400" b="1" kern="1200">
+                <a:solidFill>
+                  <a:schemeClr val="accent6">
+                    <a:lumMod val="75000"/>
+                  </a:schemeClr>
+                </a:solidFill>
+                <a:latin typeface="Garamond" panose="02020404030301010803" pitchFamily="18" charset="0"/>
+                <a:ea typeface="+mj-ea"/>
+                <a:cs typeface="+mj-cs"/>
+              </a:defRPr>
+            </a:lvl1pPr>
+          </a:lstStyle>
+          <a:p>
+            <a:pPr algn="ctr"/>
+            <a:r>
+              <a:rPr lang="en-US" sz="4000" dirty="0">
+                <a:latin typeface="Segoe UI Light" panose="020B0502040204020203" pitchFamily="34" charset="0"/>
+                <a:ea typeface="Calibri" panose="020F0502020204030204" pitchFamily="34" charset="0"/>
+                <a:cs typeface="Segoe UI Light" panose="020B0502040204020203" pitchFamily="34" charset="0"/>
+              </a:rPr>
+              <a:t>Wavelet Encoding</a:t>
+            </a:r>
+          </a:p>
+        </p:txBody>
+      </p:sp>
+      <p:sp>
+        <p:nvSpPr>
+          <p:cNvPr id="13" name="TextBox 12">
+            <a:extLst>
+              <a:ext uri="{FF2B5EF4-FFF2-40B4-BE49-F238E27FC236}">
+                <a16:creationId xmlns:a16="http://schemas.microsoft.com/office/drawing/2014/main" id="{49A8A888-7B9D-3CF4-7384-417052F82672}"/>
               </a:ext>
             </a:extLst>
           </p:cNvPr>
@@ -7813,18 +14555,13 @@
         </p:nvSpPr>
         <p:spPr>
           <a:xfrm>
-            <a:off x="6566135" y="5694120"/>
-            <a:ext cx="1120603" cy="523220"/>
+            <a:off x="2425321" y="572412"/>
+            <a:ext cx="788727" cy="369332"/>
           </a:xfrm>
           <a:prstGeom prst="rect">
             <a:avLst/>
           </a:prstGeom>
           <a:noFill/>
-          <a:ln>
-            <a:solidFill>
-              <a:schemeClr val="tx1"/>
-            </a:solidFill>
-          </a:ln>
         </p:spPr>
         <p:txBody>
           <a:bodyPr wrap="square" rtlCol="0">
@@ -7833,8 +14570,990 @@
           <a:lstStyle/>
           <a:p>
             <a:r>
-              <a:rPr lang="en-US" sz="1400" dirty="0"/>
-              <a:t>Alternative Output</a:t>
+              <a:rPr lang="en-US" dirty="0"/>
+              <a:t>Inputs</a:t>
+            </a:r>
+          </a:p>
+        </p:txBody>
+      </p:sp>
+      <p:sp>
+        <p:nvSpPr>
+          <p:cNvPr id="14" name="TextBox 13">
+            <a:extLst>
+              <a:ext uri="{FF2B5EF4-FFF2-40B4-BE49-F238E27FC236}">
+                <a16:creationId xmlns:a16="http://schemas.microsoft.com/office/drawing/2014/main" id="{76ABBF72-AB97-14E4-AA6A-AEEB20A87F40}"/>
+              </a:ext>
+            </a:extLst>
+          </p:cNvPr>
+          <p:cNvSpPr txBox="1"/>
+          <p:nvPr/>
+        </p:nvSpPr>
+        <p:spPr>
+          <a:xfrm>
+            <a:off x="1064404" y="3059668"/>
+            <a:ext cx="1038225" cy="369332"/>
+          </a:xfrm>
+          <a:prstGeom prst="rect">
+            <a:avLst/>
+          </a:prstGeom>
+          <a:noFill/>
+        </p:spPr>
+        <p:txBody>
+          <a:bodyPr wrap="square" rtlCol="0">
+            <a:spAutoFit/>
+          </a:bodyPr>
+          <a:lstStyle/>
+          <a:p>
+            <a:r>
+              <a:rPr lang="en-US" dirty="0"/>
+              <a:t>Outputs</a:t>
+            </a:r>
+          </a:p>
+        </p:txBody>
+      </p:sp>
+      <p:sp>
+        <p:nvSpPr>
+          <p:cNvPr id="15" name="TextBox 14">
+            <a:extLst>
+              <a:ext uri="{FF2B5EF4-FFF2-40B4-BE49-F238E27FC236}">
+                <a16:creationId xmlns:a16="http://schemas.microsoft.com/office/drawing/2014/main" id="{38C9AC8D-0C5D-475A-C0C8-FB87B42901E9}"/>
+              </a:ext>
+            </a:extLst>
+          </p:cNvPr>
+          <p:cNvSpPr txBox="1"/>
+          <p:nvPr/>
+        </p:nvSpPr>
+        <p:spPr>
+          <a:xfrm>
+            <a:off x="5120388" y="3059668"/>
+            <a:ext cx="1038225" cy="369332"/>
+          </a:xfrm>
+          <a:prstGeom prst="rect">
+            <a:avLst/>
+          </a:prstGeom>
+          <a:noFill/>
+        </p:spPr>
+        <p:txBody>
+          <a:bodyPr wrap="square" rtlCol="0">
+            <a:spAutoFit/>
+          </a:bodyPr>
+          <a:lstStyle/>
+          <a:p>
+            <a:r>
+              <a:rPr lang="en-US" dirty="0"/>
+              <a:t>Targets</a:t>
+            </a:r>
+          </a:p>
+        </p:txBody>
+      </p:sp>
+      <p:pic>
+        <p:nvPicPr>
+          <p:cNvPr id="4" name="Picture 3" descr="A screenshot of a graph&#10;&#10;AI-generated content may be incorrect.">
+            <a:extLst>
+              <a:ext uri="{FF2B5EF4-FFF2-40B4-BE49-F238E27FC236}">
+                <a16:creationId xmlns:a16="http://schemas.microsoft.com/office/drawing/2014/main" id="{51277E20-1B75-4C2B-FC0F-5748BF401B07}"/>
+              </a:ext>
+            </a:extLst>
+          </p:cNvPr>
+          <p:cNvPicPr>
+            <a:picLocks noChangeAspect="1"/>
+          </p:cNvPicPr>
+          <p:nvPr/>
+        </p:nvPicPr>
+        <p:blipFill>
+          <a:blip r:embed="rId3"/>
+          <a:srcRect t="11571"/>
+          <a:stretch>
+            <a:fillRect/>
+          </a:stretch>
+        </p:blipFill>
+        <p:spPr>
+          <a:xfrm>
+            <a:off x="29741" y="864392"/>
+            <a:ext cx="6179360" cy="2195275"/>
+          </a:xfrm>
+          <a:prstGeom prst="rect">
+            <a:avLst/>
+          </a:prstGeom>
+        </p:spPr>
+      </p:pic>
+      <p:pic>
+        <p:nvPicPr>
+          <p:cNvPr id="7" name="Picture 6" descr="A screenshot of a chart&#10;&#10;AI-generated content may be incorrect.">
+            <a:extLst>
+              <a:ext uri="{FF2B5EF4-FFF2-40B4-BE49-F238E27FC236}">
+                <a16:creationId xmlns:a16="http://schemas.microsoft.com/office/drawing/2014/main" id="{7AC2B5B2-F5BE-6EBF-148B-F56B38949868}"/>
+              </a:ext>
+            </a:extLst>
+          </p:cNvPr>
+          <p:cNvPicPr>
+            <a:picLocks noChangeAspect="1"/>
+          </p:cNvPicPr>
+          <p:nvPr/>
+        </p:nvPicPr>
+        <p:blipFill>
+          <a:blip r:embed="rId4"/>
+          <a:srcRect t="10996"/>
+          <a:stretch>
+            <a:fillRect/>
+          </a:stretch>
+        </p:blipFill>
+        <p:spPr>
+          <a:xfrm>
+            <a:off x="70920" y="3380144"/>
+            <a:ext cx="3643436" cy="3424842"/>
+          </a:xfrm>
+          <a:prstGeom prst="rect">
+            <a:avLst/>
+          </a:prstGeom>
+        </p:spPr>
+      </p:pic>
+      <p:pic>
+        <p:nvPicPr>
+          <p:cNvPr id="9" name="Picture 8" descr="A screenshot of a computer generated image&#10;&#10;AI-generated content may be incorrect.">
+            <a:extLst>
+              <a:ext uri="{FF2B5EF4-FFF2-40B4-BE49-F238E27FC236}">
+                <a16:creationId xmlns:a16="http://schemas.microsoft.com/office/drawing/2014/main" id="{BBE2F405-85A1-92F9-E53F-33FEF33D2009}"/>
+              </a:ext>
+            </a:extLst>
+          </p:cNvPr>
+          <p:cNvPicPr>
+            <a:picLocks noChangeAspect="1"/>
+          </p:cNvPicPr>
+          <p:nvPr/>
+        </p:nvPicPr>
+        <p:blipFill>
+          <a:blip r:embed="rId5"/>
+          <a:srcRect t="10996"/>
+          <a:stretch>
+            <a:fillRect/>
+          </a:stretch>
+        </p:blipFill>
+        <p:spPr>
+          <a:xfrm>
+            <a:off x="3709476" y="3380144"/>
+            <a:ext cx="3643436" cy="3424842"/>
+          </a:xfrm>
+          <a:prstGeom prst="rect">
+            <a:avLst/>
+          </a:prstGeom>
+        </p:spPr>
+      </p:pic>
+      <mc:AlternateContent xmlns:mc="http://schemas.openxmlformats.org/markup-compatibility/2006">
+        <mc:Choice xmlns:a14="http://schemas.microsoft.com/office/drawing/2010/main" Requires="a14">
+          <p:sp>
+            <p:nvSpPr>
+              <p:cNvPr id="10" name="Content Placeholder 2">
+                <a:extLst>
+                  <a:ext uri="{FF2B5EF4-FFF2-40B4-BE49-F238E27FC236}">
+                    <a16:creationId xmlns:a16="http://schemas.microsoft.com/office/drawing/2014/main" id="{B5B5D5D2-2574-31F7-B266-F6E963DF2C5A}"/>
+                  </a:ext>
+                </a:extLst>
+              </p:cNvPr>
+              <p:cNvSpPr txBox="1">
+                <a:spLocks/>
+              </p:cNvSpPr>
+              <p:nvPr/>
+            </p:nvSpPr>
+            <p:spPr>
+              <a:xfrm>
+                <a:off x="7373659" y="3429000"/>
+                <a:ext cx="4747421" cy="2487256"/>
+              </a:xfrm>
+              <a:prstGeom prst="rect">
+                <a:avLst/>
+              </a:prstGeom>
+            </p:spPr>
+            <p:txBody>
+              <a:bodyPr vert="horz" lIns="91440" tIns="45720" rIns="91440" bIns="45720" rtlCol="0">
+                <a:normAutofit/>
+              </a:bodyPr>
+              <a:lstStyle>
+                <a:lvl1pPr marL="228600" indent="-228600" algn="l" defTabSz="914400" rtl="0" eaLnBrk="1" latinLnBrk="0" hangingPunct="1">
+                  <a:lnSpc>
+                    <a:spcPct val="90000"/>
+                  </a:lnSpc>
+                  <a:spcBef>
+                    <a:spcPts val="1000"/>
+                  </a:spcBef>
+                  <a:buFont typeface="Arial" panose="020B0604020202020204" pitchFamily="34" charset="0"/>
+                  <a:buChar char="•"/>
+                  <a:defRPr sz="2800" kern="1200">
+                    <a:solidFill>
+                      <a:schemeClr val="accent6">
+                        <a:lumMod val="75000"/>
+                      </a:schemeClr>
+                    </a:solidFill>
+                    <a:latin typeface="Trebuchet MS" panose="020B0603020202020204" pitchFamily="34" charset="0"/>
+                    <a:ea typeface="+mn-ea"/>
+                    <a:cs typeface="+mn-cs"/>
+                  </a:defRPr>
+                </a:lvl1pPr>
+                <a:lvl2pPr marL="685800" indent="-228600" algn="l" defTabSz="914400" rtl="0" eaLnBrk="1" latinLnBrk="0" hangingPunct="1">
+                  <a:lnSpc>
+                    <a:spcPct val="90000"/>
+                  </a:lnSpc>
+                  <a:spcBef>
+                    <a:spcPts val="500"/>
+                  </a:spcBef>
+                  <a:buFont typeface="Arial" panose="020B0604020202020204" pitchFamily="34" charset="0"/>
+                  <a:buChar char="•"/>
+                  <a:defRPr sz="2400" kern="1200">
+                    <a:solidFill>
+                      <a:schemeClr val="accent6">
+                        <a:lumMod val="75000"/>
+                      </a:schemeClr>
+                    </a:solidFill>
+                    <a:latin typeface="Trebuchet MS" panose="020B0603020202020204" pitchFamily="34" charset="0"/>
+                    <a:ea typeface="+mn-ea"/>
+                    <a:cs typeface="+mn-cs"/>
+                  </a:defRPr>
+                </a:lvl2pPr>
+                <a:lvl3pPr marL="1143000" indent="-228600" algn="l" defTabSz="914400" rtl="0" eaLnBrk="1" latinLnBrk="0" hangingPunct="1">
+                  <a:lnSpc>
+                    <a:spcPct val="90000"/>
+                  </a:lnSpc>
+                  <a:spcBef>
+                    <a:spcPts val="500"/>
+                  </a:spcBef>
+                  <a:buFont typeface="Arial" panose="020B0604020202020204" pitchFamily="34" charset="0"/>
+                  <a:buChar char="•"/>
+                  <a:defRPr sz="2000" kern="1200">
+                    <a:solidFill>
+                      <a:schemeClr val="accent6">
+                        <a:lumMod val="75000"/>
+                      </a:schemeClr>
+                    </a:solidFill>
+                    <a:latin typeface="Trebuchet MS" panose="020B0603020202020204" pitchFamily="34" charset="0"/>
+                    <a:ea typeface="+mn-ea"/>
+                    <a:cs typeface="+mn-cs"/>
+                  </a:defRPr>
+                </a:lvl3pPr>
+                <a:lvl4pPr marL="1600200" indent="-228600" algn="l" defTabSz="914400" rtl="0" eaLnBrk="1" latinLnBrk="0" hangingPunct="1">
+                  <a:lnSpc>
+                    <a:spcPct val="90000"/>
+                  </a:lnSpc>
+                  <a:spcBef>
+                    <a:spcPts val="500"/>
+                  </a:spcBef>
+                  <a:buFont typeface="Arial" panose="020B0604020202020204" pitchFamily="34" charset="0"/>
+                  <a:buChar char="•"/>
+                  <a:defRPr sz="1800" kern="1200">
+                    <a:solidFill>
+                      <a:schemeClr val="accent6">
+                        <a:lumMod val="75000"/>
+                      </a:schemeClr>
+                    </a:solidFill>
+                    <a:latin typeface="Trebuchet MS" panose="020B0603020202020204" pitchFamily="34" charset="0"/>
+                    <a:ea typeface="+mn-ea"/>
+                    <a:cs typeface="+mn-cs"/>
+                  </a:defRPr>
+                </a:lvl4pPr>
+                <a:lvl5pPr marL="2057400" indent="-228600" algn="l" defTabSz="914400" rtl="0" eaLnBrk="1" latinLnBrk="0" hangingPunct="1">
+                  <a:lnSpc>
+                    <a:spcPct val="90000"/>
+                  </a:lnSpc>
+                  <a:spcBef>
+                    <a:spcPts val="500"/>
+                  </a:spcBef>
+                  <a:buFont typeface="Arial" panose="020B0604020202020204" pitchFamily="34" charset="0"/>
+                  <a:buChar char="•"/>
+                  <a:defRPr sz="1800" kern="1200">
+                    <a:solidFill>
+                      <a:schemeClr val="accent6">
+                        <a:lumMod val="75000"/>
+                      </a:schemeClr>
+                    </a:solidFill>
+                    <a:latin typeface="Trebuchet MS" panose="020B0603020202020204" pitchFamily="34" charset="0"/>
+                    <a:ea typeface="+mn-ea"/>
+                    <a:cs typeface="+mn-cs"/>
+                  </a:defRPr>
+                </a:lvl5pPr>
+                <a:lvl6pPr marL="2514600" indent="-228600" algn="l" defTabSz="914400" rtl="0" eaLnBrk="1" latinLnBrk="0" hangingPunct="1">
+                  <a:lnSpc>
+                    <a:spcPct val="90000"/>
+                  </a:lnSpc>
+                  <a:spcBef>
+                    <a:spcPts val="500"/>
+                  </a:spcBef>
+                  <a:buFont typeface="Arial" panose="020B0604020202020204" pitchFamily="34" charset="0"/>
+                  <a:buChar char="•"/>
+                  <a:defRPr sz="1800" kern="1200">
+                    <a:solidFill>
+                      <a:schemeClr val="tx1"/>
+                    </a:solidFill>
+                    <a:latin typeface="+mn-lt"/>
+                    <a:ea typeface="+mn-ea"/>
+                    <a:cs typeface="+mn-cs"/>
+                  </a:defRPr>
+                </a:lvl6pPr>
+                <a:lvl7pPr marL="2971800" indent="-228600" algn="l" defTabSz="914400" rtl="0" eaLnBrk="1" latinLnBrk="0" hangingPunct="1">
+                  <a:lnSpc>
+                    <a:spcPct val="90000"/>
+                  </a:lnSpc>
+                  <a:spcBef>
+                    <a:spcPts val="500"/>
+                  </a:spcBef>
+                  <a:buFont typeface="Arial" panose="020B0604020202020204" pitchFamily="34" charset="0"/>
+                  <a:buChar char="•"/>
+                  <a:defRPr sz="1800" kern="1200">
+                    <a:solidFill>
+                      <a:schemeClr val="tx1"/>
+                    </a:solidFill>
+                    <a:latin typeface="+mn-lt"/>
+                    <a:ea typeface="+mn-ea"/>
+                    <a:cs typeface="+mn-cs"/>
+                  </a:defRPr>
+                </a:lvl7pPr>
+                <a:lvl8pPr marL="3429000" indent="-228600" algn="l" defTabSz="914400" rtl="0" eaLnBrk="1" latinLnBrk="0" hangingPunct="1">
+                  <a:lnSpc>
+                    <a:spcPct val="90000"/>
+                  </a:lnSpc>
+                  <a:spcBef>
+                    <a:spcPts val="500"/>
+                  </a:spcBef>
+                  <a:buFont typeface="Arial" panose="020B0604020202020204" pitchFamily="34" charset="0"/>
+                  <a:buChar char="•"/>
+                  <a:defRPr sz="1800" kern="1200">
+                    <a:solidFill>
+                      <a:schemeClr val="tx1"/>
+                    </a:solidFill>
+                    <a:latin typeface="+mn-lt"/>
+                    <a:ea typeface="+mn-ea"/>
+                    <a:cs typeface="+mn-cs"/>
+                  </a:defRPr>
+                </a:lvl8pPr>
+                <a:lvl9pPr marL="3886200" indent="-228600" algn="l" defTabSz="914400" rtl="0" eaLnBrk="1" latinLnBrk="0" hangingPunct="1">
+                  <a:lnSpc>
+                    <a:spcPct val="90000"/>
+                  </a:lnSpc>
+                  <a:spcBef>
+                    <a:spcPts val="500"/>
+                  </a:spcBef>
+                  <a:buFont typeface="Arial" panose="020B0604020202020204" pitchFamily="34" charset="0"/>
+                  <a:buChar char="•"/>
+                  <a:defRPr sz="1800" kern="1200">
+                    <a:solidFill>
+                      <a:schemeClr val="tx1"/>
+                    </a:solidFill>
+                    <a:latin typeface="+mn-lt"/>
+                    <a:ea typeface="+mn-ea"/>
+                    <a:cs typeface="+mn-cs"/>
+                  </a:defRPr>
+                </a:lvl9pPr>
+              </a:lstStyle>
+              <a:p>
+                <a:r>
+                  <a:rPr lang="en-US" sz="2000" dirty="0">
+                    <a:solidFill>
+                      <a:schemeClr val="tx1"/>
+                    </a:solidFill>
+                  </a:rPr>
+                  <a:t>FNO layers: </a:t>
+                </a:r>
+                <a14:m>
+                  <m:oMath xmlns:m="http://schemas.openxmlformats.org/officeDocument/2006/math">
+                    <m:d>
+                      <m:dPr>
+                        <m:begChr m:val="["/>
+                        <m:endChr m:val="]"/>
+                        <m:ctrlPr>
+                          <a:rPr lang="en-US" sz="2000" i="1">
+                            <a:solidFill>
+                              <a:schemeClr val="tx1"/>
+                            </a:solidFill>
+                            <a:latin typeface="Cambria Math" panose="02040503050406030204" pitchFamily="18" charset="0"/>
+                          </a:rPr>
+                        </m:ctrlPr>
+                      </m:dPr>
+                      <m:e>
+                        <m:r>
+                          <a:rPr lang="en-US" sz="2000" b="0" i="1" smtClean="0">
+                            <a:solidFill>
+                              <a:srgbClr val="FF0000"/>
+                            </a:solidFill>
+                            <a:latin typeface="Cambria Math" panose="02040503050406030204" pitchFamily="18" charset="0"/>
+                          </a:rPr>
+                          <m:t>4</m:t>
+                        </m:r>
+                        <m:r>
+                          <a:rPr lang="en-US" sz="2000" b="0" i="1" smtClean="0">
+                            <a:solidFill>
+                              <a:schemeClr val="tx1"/>
+                            </a:solidFill>
+                            <a:latin typeface="Cambria Math" panose="02040503050406030204" pitchFamily="18" charset="0"/>
+                          </a:rPr>
+                          <m:t>,6,8,12</m:t>
+                        </m:r>
+                      </m:e>
+                    </m:d>
+                  </m:oMath>
+                </a14:m>
+                <a:endParaRPr lang="en-US" sz="2000" dirty="0">
+                  <a:solidFill>
+                    <a:schemeClr val="tx1"/>
+                  </a:solidFill>
+                </a:endParaRPr>
+              </a:p>
+              <a:p>
+                <a:r>
+                  <a:rPr lang="en-US" sz="2000" dirty="0">
+                    <a:solidFill>
+                      <a:srgbClr val="C00000"/>
+                    </a:solidFill>
+                  </a:rPr>
+                  <a:t>FNO hidden channels</a:t>
+                </a:r>
+                <a:r>
+                  <a:rPr lang="en-US" sz="2000" dirty="0">
+                    <a:solidFill>
+                      <a:schemeClr val="tx1"/>
+                    </a:solidFill>
+                  </a:rPr>
+                  <a:t>: </a:t>
+                </a:r>
+                <a14:m>
+                  <m:oMath xmlns:m="http://schemas.openxmlformats.org/officeDocument/2006/math">
+                    <m:d>
+                      <m:dPr>
+                        <m:begChr m:val="["/>
+                        <m:endChr m:val="]"/>
+                        <m:ctrlPr>
+                          <a:rPr lang="en-US" sz="2000" i="1">
+                            <a:solidFill>
+                              <a:schemeClr val="tx1"/>
+                            </a:solidFill>
+                            <a:latin typeface="Cambria Math" panose="02040503050406030204" pitchFamily="18" charset="0"/>
+                          </a:rPr>
+                        </m:ctrlPr>
+                      </m:dPr>
+                      <m:e>
+                        <m:r>
+                          <a:rPr lang="en-US" sz="2000" b="0" i="1" smtClean="0">
+                            <a:solidFill>
+                              <a:schemeClr val="tx1"/>
+                            </a:solidFill>
+                            <a:latin typeface="Cambria Math" panose="02040503050406030204" pitchFamily="18" charset="0"/>
+                          </a:rPr>
+                          <m:t>64, </m:t>
+                        </m:r>
+                        <m:r>
+                          <a:rPr lang="en-US" sz="2000" b="0" i="1" smtClean="0">
+                            <a:solidFill>
+                              <a:srgbClr val="FF0000"/>
+                            </a:solidFill>
+                            <a:latin typeface="Cambria Math" panose="02040503050406030204" pitchFamily="18" charset="0"/>
+                          </a:rPr>
+                          <m:t>128</m:t>
+                        </m:r>
+                        <m:r>
+                          <a:rPr lang="en-US" sz="2000" b="0" i="1" smtClean="0">
+                            <a:solidFill>
+                              <a:schemeClr val="tx1"/>
+                            </a:solidFill>
+                            <a:latin typeface="Cambria Math" panose="02040503050406030204" pitchFamily="18" charset="0"/>
+                          </a:rPr>
+                          <m:t>, 256</m:t>
+                        </m:r>
+                      </m:e>
+                    </m:d>
+                  </m:oMath>
+                </a14:m>
+                <a:endParaRPr lang="en-US" sz="2000" dirty="0">
+                  <a:solidFill>
+                    <a:schemeClr val="tx1"/>
+                  </a:solidFill>
+                </a:endParaRPr>
+              </a:p>
+              <a:p>
+                <a:r>
+                  <a:rPr lang="en-US" sz="2000" dirty="0">
+                    <a:solidFill>
+                      <a:schemeClr val="tx1"/>
+                    </a:solidFill>
+                  </a:rPr>
+                  <a:t>FNO activations: [</a:t>
+                </a:r>
+                <a:r>
+                  <a:rPr lang="en-US" sz="2000" dirty="0" err="1">
+                    <a:solidFill>
+                      <a:srgbClr val="FF0000"/>
+                    </a:solidFill>
+                  </a:rPr>
+                  <a:t>gelu</a:t>
+                </a:r>
+                <a:r>
+                  <a:rPr lang="en-US" sz="2000" dirty="0">
+                    <a:solidFill>
+                      <a:schemeClr val="tx1"/>
+                    </a:solidFill>
+                  </a:rPr>
+                  <a:t>, </a:t>
+                </a:r>
+                <a:r>
+                  <a:rPr lang="en-US" sz="2000" dirty="0" err="1">
+                    <a:solidFill>
+                      <a:schemeClr val="tx1"/>
+                    </a:solidFill>
+                  </a:rPr>
+                  <a:t>relu</a:t>
+                </a:r>
+                <a:r>
+                  <a:rPr lang="en-US" sz="2000" dirty="0">
+                    <a:solidFill>
+                      <a:schemeClr val="tx1"/>
+                    </a:solidFill>
+                  </a:rPr>
+                  <a:t>, tanh]</a:t>
+                </a:r>
+              </a:p>
+              <a:p>
+                <a:r>
+                  <a:rPr lang="en-US" sz="2000" dirty="0">
+                    <a:solidFill>
+                      <a:srgbClr val="C00000"/>
+                    </a:solidFill>
+                  </a:rPr>
+                  <a:t>Learning rate</a:t>
+                </a:r>
+                <a:r>
+                  <a:rPr lang="en-US" sz="2000" dirty="0">
+                    <a:solidFill>
+                      <a:schemeClr val="tx1"/>
+                    </a:solidFill>
+                  </a:rPr>
+                  <a:t>: </a:t>
+                </a:r>
+                <a14:m>
+                  <m:oMath xmlns:m="http://schemas.openxmlformats.org/officeDocument/2006/math">
+                    <m:d>
+                      <m:dPr>
+                        <m:begChr m:val="["/>
+                        <m:endChr m:val="]"/>
+                        <m:ctrlPr>
+                          <a:rPr lang="en-US" sz="2000" b="0" i="1" smtClean="0">
+                            <a:solidFill>
+                              <a:schemeClr val="tx1"/>
+                            </a:solidFill>
+                            <a:latin typeface="Cambria Math" panose="02040503050406030204" pitchFamily="18" charset="0"/>
+                          </a:rPr>
+                        </m:ctrlPr>
+                      </m:dPr>
+                      <m:e>
+                        <m:sSup>
+                          <m:sSupPr>
+                            <m:ctrlPr>
+                              <a:rPr lang="en-US" sz="2000" b="0" i="1" smtClean="0">
+                                <a:solidFill>
+                                  <a:schemeClr val="tx1"/>
+                                </a:solidFill>
+                                <a:latin typeface="Cambria Math" panose="02040503050406030204" pitchFamily="18" charset="0"/>
+                              </a:rPr>
+                            </m:ctrlPr>
+                          </m:sSupPr>
+                          <m:e>
+                            <m:r>
+                              <a:rPr lang="en-US" sz="2000" b="0" i="1" smtClean="0">
+                                <a:solidFill>
+                                  <a:schemeClr val="tx1"/>
+                                </a:solidFill>
+                                <a:latin typeface="Cambria Math" panose="02040503050406030204" pitchFamily="18" charset="0"/>
+                              </a:rPr>
+                              <m:t>10</m:t>
+                            </m:r>
+                          </m:e>
+                          <m:sup>
+                            <m:r>
+                              <a:rPr lang="en-US" sz="2000" b="0" i="1" smtClean="0">
+                                <a:solidFill>
+                                  <a:schemeClr val="tx1"/>
+                                </a:solidFill>
+                                <a:latin typeface="Cambria Math" panose="02040503050406030204" pitchFamily="18" charset="0"/>
+                              </a:rPr>
+                              <m:t>−4</m:t>
+                            </m:r>
+                          </m:sup>
+                        </m:sSup>
+                        <m:r>
+                          <a:rPr lang="en-US" sz="2000" b="0" i="1" smtClean="0">
+                            <a:solidFill>
+                              <a:schemeClr val="tx1"/>
+                            </a:solidFill>
+                            <a:latin typeface="Cambria Math" panose="02040503050406030204" pitchFamily="18" charset="0"/>
+                          </a:rPr>
+                          <m:t>,</m:t>
+                        </m:r>
+                        <m:sSup>
+                          <m:sSupPr>
+                            <m:ctrlPr>
+                              <a:rPr lang="en-US" sz="2000" b="0" i="1" smtClean="0">
+                                <a:solidFill>
+                                  <a:srgbClr val="FF0000"/>
+                                </a:solidFill>
+                                <a:latin typeface="Cambria Math" panose="02040503050406030204" pitchFamily="18" charset="0"/>
+                              </a:rPr>
+                            </m:ctrlPr>
+                          </m:sSupPr>
+                          <m:e>
+                            <m:r>
+                              <a:rPr lang="en-US" sz="2000" b="0" i="1" smtClean="0">
+                                <a:solidFill>
+                                  <a:srgbClr val="FF0000"/>
+                                </a:solidFill>
+                                <a:latin typeface="Cambria Math" panose="02040503050406030204" pitchFamily="18" charset="0"/>
+                              </a:rPr>
+                              <m:t>10</m:t>
+                            </m:r>
+                          </m:e>
+                          <m:sup>
+                            <m:r>
+                              <a:rPr lang="en-US" sz="2000" b="0" i="1" smtClean="0">
+                                <a:solidFill>
+                                  <a:srgbClr val="FF0000"/>
+                                </a:solidFill>
+                                <a:latin typeface="Cambria Math" panose="02040503050406030204" pitchFamily="18" charset="0"/>
+                              </a:rPr>
+                              <m:t>−3</m:t>
+                            </m:r>
+                          </m:sup>
+                        </m:sSup>
+                        <m:r>
+                          <a:rPr lang="en-US" sz="2000" b="0" i="1" smtClean="0">
+                            <a:solidFill>
+                              <a:schemeClr val="tx1"/>
+                            </a:solidFill>
+                            <a:latin typeface="Cambria Math" panose="02040503050406030204" pitchFamily="18" charset="0"/>
+                          </a:rPr>
+                          <m:t>, </m:t>
+                        </m:r>
+                        <m:sSup>
+                          <m:sSupPr>
+                            <m:ctrlPr>
+                              <a:rPr lang="en-US" sz="2000" b="0" i="1" smtClean="0">
+                                <a:solidFill>
+                                  <a:schemeClr val="tx1"/>
+                                </a:solidFill>
+                                <a:latin typeface="Cambria Math" panose="02040503050406030204" pitchFamily="18" charset="0"/>
+                              </a:rPr>
+                            </m:ctrlPr>
+                          </m:sSupPr>
+                          <m:e>
+                            <m:r>
+                              <a:rPr lang="en-US" sz="2000" b="0" i="1" smtClean="0">
+                                <a:solidFill>
+                                  <a:schemeClr val="tx1"/>
+                                </a:solidFill>
+                                <a:latin typeface="Cambria Math" panose="02040503050406030204" pitchFamily="18" charset="0"/>
+                              </a:rPr>
+                              <m:t>10</m:t>
+                            </m:r>
+                          </m:e>
+                          <m:sup>
+                            <m:r>
+                              <a:rPr lang="en-US" sz="2000" b="0" i="1" smtClean="0">
+                                <a:solidFill>
+                                  <a:schemeClr val="tx1"/>
+                                </a:solidFill>
+                                <a:latin typeface="Cambria Math" panose="02040503050406030204" pitchFamily="18" charset="0"/>
+                              </a:rPr>
+                              <m:t>−2</m:t>
+                            </m:r>
+                          </m:sup>
+                        </m:sSup>
+                      </m:e>
+                    </m:d>
+                  </m:oMath>
+                </a14:m>
+                <a:endParaRPr lang="en-US" sz="2000" b="0" dirty="0">
+                  <a:solidFill>
+                    <a:schemeClr val="tx1"/>
+                  </a:solidFill>
+                </a:endParaRPr>
+              </a:p>
+              <a:p>
+                <a:r>
+                  <a:rPr lang="en-US" sz="2000" dirty="0">
+                    <a:solidFill>
+                      <a:schemeClr val="tx1"/>
+                    </a:solidFill>
+                  </a:rPr>
+                  <a:t>Weight decay: </a:t>
+                </a:r>
+                <a14:m>
+                  <m:oMath xmlns:m="http://schemas.openxmlformats.org/officeDocument/2006/math">
+                    <m:d>
+                      <m:dPr>
+                        <m:begChr m:val="["/>
+                        <m:endChr m:val="]"/>
+                        <m:ctrlPr>
+                          <a:rPr lang="en-US" sz="2000" i="1">
+                            <a:solidFill>
+                              <a:schemeClr val="tx1"/>
+                            </a:solidFill>
+                            <a:latin typeface="Cambria Math" panose="02040503050406030204" pitchFamily="18" charset="0"/>
+                          </a:rPr>
+                        </m:ctrlPr>
+                      </m:dPr>
+                      <m:e>
+                        <m:r>
+                          <a:rPr lang="en-US" sz="2000" b="0" i="1" smtClean="0">
+                            <a:solidFill>
+                              <a:srgbClr val="C00000"/>
+                            </a:solidFill>
+                            <a:latin typeface="Cambria Math" panose="02040503050406030204" pitchFamily="18" charset="0"/>
+                          </a:rPr>
+                          <m:t>0</m:t>
+                        </m:r>
+                        <m:r>
+                          <a:rPr lang="en-US" sz="2000" i="1">
+                            <a:solidFill>
+                              <a:schemeClr val="tx1"/>
+                            </a:solidFill>
+                            <a:latin typeface="Cambria Math" panose="02040503050406030204" pitchFamily="18" charset="0"/>
+                          </a:rPr>
+                          <m:t>,</m:t>
+                        </m:r>
+                        <m:sSup>
+                          <m:sSupPr>
+                            <m:ctrlPr>
+                              <a:rPr lang="en-US" sz="2000" i="1" smtClean="0">
+                                <a:solidFill>
+                                  <a:schemeClr val="tx1"/>
+                                </a:solidFill>
+                                <a:latin typeface="Cambria Math" panose="02040503050406030204" pitchFamily="18" charset="0"/>
+                              </a:rPr>
+                            </m:ctrlPr>
+                          </m:sSupPr>
+                          <m:e>
+                            <m:r>
+                              <a:rPr lang="en-US" sz="2000" i="1">
+                                <a:solidFill>
+                                  <a:schemeClr val="tx1"/>
+                                </a:solidFill>
+                                <a:latin typeface="Cambria Math" panose="02040503050406030204" pitchFamily="18" charset="0"/>
+                              </a:rPr>
+                              <m:t>10</m:t>
+                            </m:r>
+                          </m:e>
+                          <m:sup>
+                            <m:r>
+                              <a:rPr lang="en-US" sz="2000" i="1">
+                                <a:solidFill>
+                                  <a:schemeClr val="tx1"/>
+                                </a:solidFill>
+                                <a:latin typeface="Cambria Math" panose="02040503050406030204" pitchFamily="18" charset="0"/>
+                              </a:rPr>
+                              <m:t>−</m:t>
+                            </m:r>
+                            <m:r>
+                              <a:rPr lang="en-US" sz="2000" b="0" i="1" smtClean="0">
+                                <a:solidFill>
+                                  <a:schemeClr val="tx1"/>
+                                </a:solidFill>
+                                <a:latin typeface="Cambria Math" panose="02040503050406030204" pitchFamily="18" charset="0"/>
+                              </a:rPr>
+                              <m:t>4</m:t>
+                            </m:r>
+                          </m:sup>
+                        </m:sSup>
+                        <m:r>
+                          <a:rPr lang="en-US" sz="2000" i="1">
+                            <a:solidFill>
+                              <a:schemeClr val="tx1"/>
+                            </a:solidFill>
+                            <a:latin typeface="Cambria Math" panose="02040503050406030204" pitchFamily="18" charset="0"/>
+                          </a:rPr>
+                          <m:t>, </m:t>
+                        </m:r>
+                        <m:sSup>
+                          <m:sSupPr>
+                            <m:ctrlPr>
+                              <a:rPr lang="en-US" sz="2000" i="1">
+                                <a:solidFill>
+                                  <a:schemeClr val="tx1"/>
+                                </a:solidFill>
+                                <a:latin typeface="Cambria Math" panose="02040503050406030204" pitchFamily="18" charset="0"/>
+                              </a:rPr>
+                            </m:ctrlPr>
+                          </m:sSupPr>
+                          <m:e>
+                            <m:r>
+                              <a:rPr lang="en-US" sz="2000" i="1">
+                                <a:solidFill>
+                                  <a:schemeClr val="tx1"/>
+                                </a:solidFill>
+                                <a:latin typeface="Cambria Math" panose="02040503050406030204" pitchFamily="18" charset="0"/>
+                              </a:rPr>
+                              <m:t>10</m:t>
+                            </m:r>
+                          </m:e>
+                          <m:sup>
+                            <m:r>
+                              <a:rPr lang="en-US" sz="2000" i="1">
+                                <a:solidFill>
+                                  <a:schemeClr val="tx1"/>
+                                </a:solidFill>
+                                <a:latin typeface="Cambria Math" panose="02040503050406030204" pitchFamily="18" charset="0"/>
+                              </a:rPr>
+                              <m:t>−</m:t>
+                            </m:r>
+                            <m:r>
+                              <a:rPr lang="en-US" sz="2000" b="0" i="1" smtClean="0">
+                                <a:solidFill>
+                                  <a:schemeClr val="tx1"/>
+                                </a:solidFill>
+                                <a:latin typeface="Cambria Math" panose="02040503050406030204" pitchFamily="18" charset="0"/>
+                              </a:rPr>
+                              <m:t>3</m:t>
+                            </m:r>
+                          </m:sup>
+                        </m:sSup>
+                      </m:e>
+                    </m:d>
+                  </m:oMath>
+                </a14:m>
+                <a:endParaRPr lang="en-US" sz="2000" dirty="0">
+                  <a:solidFill>
+                    <a:schemeClr val="tx1"/>
+                  </a:solidFill>
+                </a:endParaRPr>
+              </a:p>
+              <a:p>
+                <a:r>
+                  <a:rPr lang="en-US" sz="2000" dirty="0">
+                    <a:solidFill>
+                      <a:srgbClr val="C00000"/>
+                    </a:solidFill>
+                  </a:rPr>
+                  <a:t>Training epochs</a:t>
+                </a:r>
+                <a:r>
+                  <a:rPr lang="en-US" sz="2000" dirty="0">
+                    <a:solidFill>
+                      <a:schemeClr val="tx1"/>
+                    </a:solidFill>
+                  </a:rPr>
+                  <a:t>: </a:t>
+                </a:r>
+                <a14:m>
+                  <m:oMath xmlns:m="http://schemas.openxmlformats.org/officeDocument/2006/math">
+                    <m:r>
+                      <a:rPr lang="en-US" sz="2000" i="1" dirty="0" smtClean="0">
+                        <a:solidFill>
+                          <a:schemeClr val="tx1"/>
+                        </a:solidFill>
+                        <a:latin typeface="Cambria Math" panose="02040503050406030204" pitchFamily="18" charset="0"/>
+                      </a:rPr>
+                      <m:t>[10, </m:t>
+                    </m:r>
+                    <m:r>
+                      <a:rPr lang="en-US" sz="2000" i="1" dirty="0" smtClean="0">
+                        <a:solidFill>
+                          <a:srgbClr val="C00000"/>
+                        </a:solidFill>
+                        <a:latin typeface="Cambria Math" panose="02040503050406030204" pitchFamily="18" charset="0"/>
+                      </a:rPr>
+                      <m:t>20</m:t>
+                    </m:r>
+                    <m:r>
+                      <a:rPr lang="en-US" sz="2000" i="1" dirty="0" smtClean="0">
+                        <a:solidFill>
+                          <a:schemeClr val="tx1"/>
+                        </a:solidFill>
+                        <a:latin typeface="Cambria Math" panose="02040503050406030204" pitchFamily="18" charset="0"/>
+                      </a:rPr>
+                      <m:t>, 50, 100]</m:t>
+                    </m:r>
+                  </m:oMath>
+                </a14:m>
+                <a:r>
+                  <a:rPr lang="en-US" sz="2000" dirty="0">
+                    <a:solidFill>
+                      <a:schemeClr val="tx1"/>
+                    </a:solidFill>
+                  </a:rPr>
+                  <a:t> </a:t>
+                </a:r>
+              </a:p>
+            </p:txBody>
+          </p:sp>
+        </mc:Choice>
+        <mc:Fallback>
+          <p:sp>
+            <p:nvSpPr>
+              <p:cNvPr id="10" name="Content Placeholder 2">
+                <a:extLst>
+                  <a:ext uri="{FF2B5EF4-FFF2-40B4-BE49-F238E27FC236}">
+                    <a16:creationId xmlns:a16="http://schemas.microsoft.com/office/drawing/2014/main" id="{B5B5D5D2-2574-31F7-B266-F6E963DF2C5A}"/>
+                  </a:ext>
+                </a:extLst>
+              </p:cNvPr>
+              <p:cNvSpPr txBox="1">
+                <a:spLocks noRot="1" noChangeAspect="1" noMove="1" noResize="1" noEditPoints="1" noAdjustHandles="1" noChangeArrowheads="1" noChangeShapeType="1" noTextEdit="1"/>
+              </p:cNvSpPr>
+              <p:nvPr/>
+            </p:nvSpPr>
+            <p:spPr>
+              <a:xfrm>
+                <a:off x="7373659" y="3429000"/>
+                <a:ext cx="4747421" cy="2487256"/>
+              </a:xfrm>
+              <a:prstGeom prst="rect">
+                <a:avLst/>
+              </a:prstGeom>
+              <a:blipFill>
+                <a:blip r:embed="rId6"/>
+                <a:stretch>
+                  <a:fillRect l="-1157" t="-2941"/>
+                </a:stretch>
+              </a:blipFill>
+            </p:spPr>
+            <p:txBody>
+              <a:bodyPr/>
+              <a:lstStyle/>
+              <a:p>
+                <a:r>
+                  <a:rPr lang="en-US">
+                    <a:noFill/>
+                  </a:rPr>
+                  <a:t> </a:t>
+                </a:r>
+              </a:p>
+            </p:txBody>
+          </p:sp>
+        </mc:Fallback>
+      </mc:AlternateContent>
+      <p:sp>
+        <p:nvSpPr>
+          <p:cNvPr id="11" name="TextBox 10">
+            <a:extLst>
+              <a:ext uri="{FF2B5EF4-FFF2-40B4-BE49-F238E27FC236}">
+                <a16:creationId xmlns:a16="http://schemas.microsoft.com/office/drawing/2014/main" id="{49FA2694-579D-1C85-DDA1-5BBE2CDEDA90}"/>
+              </a:ext>
+            </a:extLst>
+          </p:cNvPr>
+          <p:cNvSpPr txBox="1"/>
+          <p:nvPr/>
+        </p:nvSpPr>
+        <p:spPr>
+          <a:xfrm>
+            <a:off x="8231076" y="3059668"/>
+            <a:ext cx="2532409" cy="369332"/>
+          </a:xfrm>
+          <a:prstGeom prst="rect">
+            <a:avLst/>
+          </a:prstGeom>
+          <a:noFill/>
+        </p:spPr>
+        <p:txBody>
+          <a:bodyPr wrap="square" rtlCol="0">
+            <a:spAutoFit/>
+          </a:bodyPr>
+          <a:lstStyle/>
+          <a:p>
+            <a:r>
+              <a:rPr lang="en-US" dirty="0"/>
+              <a:t>Hyperparameter Tuning</a:t>
             </a:r>
           </a:p>
         </p:txBody>
@@ -7842,7 +15561,7 @@
     </p:spTree>
     <p:extLst>
       <p:ext uri="{BB962C8B-B14F-4D97-AF65-F5344CB8AC3E}">
-        <p14:creationId xmlns:p14="http://schemas.microsoft.com/office/powerpoint/2010/main" val="3078316605"/>
+        <p14:creationId xmlns:p14="http://schemas.microsoft.com/office/powerpoint/2010/main" val="1189127706"/>
       </p:ext>
     </p:extLst>
   </p:cSld>
@@ -8443,23 +16162,6 @@
 </file>
 
 <file path=customXml/item1.xml><?xml version="1.0" encoding="utf-8"?>
-<?mso-contentType ?>
-<FormTemplates xmlns="http://schemas.microsoft.com/sharepoint/v3/contenttype/forms">
-  <Display>DocumentLibraryForm</Display>
-  <Edit>DocumentLibraryForm</Edit>
-  <New>DocumentLibraryForm</New>
-</FormTemplates>
-</file>
-
-<file path=customXml/item2.xml><?xml version="1.0" encoding="utf-8"?>
-<p:properties xmlns:p="http://schemas.microsoft.com/office/2006/metadata/properties" xmlns:xsi="http://www.w3.org/2001/XMLSchema-instance" xmlns:pc="http://schemas.microsoft.com/office/infopath/2007/PartnerControls">
-  <documentManagement>
-    <_activity xmlns="5ab46313-7834-4214-aec9-155b2fe37111" xsi:nil="true"/>
-  </documentManagement>
-</p:properties>
-</file>
-
-<file path=customXml/item3.xml><?xml version="1.0" encoding="utf-8"?>
 <ct:contentTypeSchema xmlns:ct="http://schemas.microsoft.com/office/2006/metadata/contentType" xmlns:ma="http://schemas.microsoft.com/office/2006/metadata/properties/metaAttributes" ct:_="" ma:_="" ma:contentTypeName="Document" ma:contentTypeID="0x0101008C6D81289CCC004F972E63C671B7D298" ma:contentTypeVersion="11" ma:contentTypeDescription="Create a new document." ma:contentTypeScope="" ma:versionID="f0a023cf506d87bb97b51fb4161b9eba">
   <xsd:schema xmlns:xsd="http://www.w3.org/2001/XMLSchema" xmlns:xs="http://www.w3.org/2001/XMLSchema" xmlns:p="http://schemas.microsoft.com/office/2006/metadata/properties" xmlns:ns3="5ab46313-7834-4214-aec9-155b2fe37111" xmlns:ns4="2d1aa6b7-1a0a-46e3-8f70-b6d3e32cbd9a" targetNamespace="http://schemas.microsoft.com/office/2006/metadata/properties" ma:root="true" ma:fieldsID="fb8935dbd9c171815cb087e97e0838ff" ns3:_="" ns4:_="">
     <xsd:import namespace="5ab46313-7834-4214-aec9-155b2fe37111"/>
@@ -8668,10 +16370,38 @@
 </ct:contentTypeSchema>
 </file>
 
+<file path=customXml/item2.xml><?xml version="1.0" encoding="utf-8"?>
+<p:properties xmlns:p="http://schemas.microsoft.com/office/2006/metadata/properties" xmlns:xsi="http://www.w3.org/2001/XMLSchema-instance" xmlns:pc="http://schemas.microsoft.com/office/infopath/2007/PartnerControls">
+  <documentManagement>
+    <_activity xmlns="5ab46313-7834-4214-aec9-155b2fe37111" xsi:nil="true"/>
+  </documentManagement>
+</p:properties>
+</file>
+
+<file path=customXml/item3.xml><?xml version="1.0" encoding="utf-8"?>
+<?mso-contentType ?>
+<FormTemplates xmlns="http://schemas.microsoft.com/sharepoint/v3/contenttype/forms">
+  <Display>DocumentLibraryForm</Display>
+  <Edit>DocumentLibraryForm</Edit>
+  <New>DocumentLibraryForm</New>
+</FormTemplates>
+</file>
+
 <file path=customXml/itemProps1.xml><?xml version="1.0" encoding="utf-8"?>
-<ds:datastoreItem xmlns:ds="http://schemas.openxmlformats.org/officeDocument/2006/customXml" ds:itemID="{B294D1B7-8679-422F-949D-1455F508E596}">
+<ds:datastoreItem xmlns:ds="http://schemas.openxmlformats.org/officeDocument/2006/customXml" ds:itemID="{9BFBBE5A-F611-4091-94E1-60C5F755DF63}">
   <ds:schemaRefs>
-    <ds:schemaRef ds:uri="http://schemas.microsoft.com/sharepoint/v3/contenttype/forms"/>
+    <ds:schemaRef ds:uri="http://schemas.microsoft.com/office/2006/metadata/contentType"/>
+    <ds:schemaRef ds:uri="http://schemas.microsoft.com/office/2006/metadata/properties/metaAttributes"/>
+    <ds:schemaRef ds:uri="http://www.w3.org/2001/XMLSchema"/>
+    <ds:schemaRef ds:uri="http://schemas.microsoft.com/office/2006/metadata/properties"/>
+    <ds:schemaRef ds:uri="5ab46313-7834-4214-aec9-155b2fe37111"/>
+    <ds:schemaRef ds:uri="2d1aa6b7-1a0a-46e3-8f70-b6d3e32cbd9a"/>
+    <ds:schemaRef ds:uri="http://schemas.microsoft.com/office/2006/documentManagement/types"/>
+    <ds:schemaRef ds:uri="http://schemas.microsoft.com/office/infopath/2007/PartnerControls"/>
+    <ds:schemaRef ds:uri="http://schemas.openxmlformats.org/package/2006/metadata/core-properties"/>
+    <ds:schemaRef ds:uri="http://purl.org/dc/elements/1.1/"/>
+    <ds:schemaRef ds:uri="http://purl.org/dc/terms/"/>
+    <ds:schemaRef ds:uri="http://schemas.microsoft.com/internal/obd"/>
   </ds:schemaRefs>
 </ds:datastoreItem>
 </file>
@@ -8694,20 +16424,9 @@
 </file>
 
 <file path=customXml/itemProps3.xml><?xml version="1.0" encoding="utf-8"?>
-<ds:datastoreItem xmlns:ds="http://schemas.openxmlformats.org/officeDocument/2006/customXml" ds:itemID="{9BFBBE5A-F611-4091-94E1-60C5F755DF63}">
+<ds:datastoreItem xmlns:ds="http://schemas.openxmlformats.org/officeDocument/2006/customXml" ds:itemID="{B294D1B7-8679-422F-949D-1455F508E596}">
   <ds:schemaRefs>
-    <ds:schemaRef ds:uri="http://schemas.microsoft.com/office/2006/metadata/contentType"/>
-    <ds:schemaRef ds:uri="http://schemas.microsoft.com/office/2006/metadata/properties/metaAttributes"/>
-    <ds:schemaRef ds:uri="http://www.w3.org/2001/XMLSchema"/>
-    <ds:schemaRef ds:uri="http://schemas.microsoft.com/office/2006/metadata/properties"/>
-    <ds:schemaRef ds:uri="5ab46313-7834-4214-aec9-155b2fe37111"/>
-    <ds:schemaRef ds:uri="2d1aa6b7-1a0a-46e3-8f70-b6d3e32cbd9a"/>
-    <ds:schemaRef ds:uri="http://schemas.microsoft.com/office/2006/documentManagement/types"/>
-    <ds:schemaRef ds:uri="http://schemas.microsoft.com/office/infopath/2007/PartnerControls"/>
-    <ds:schemaRef ds:uri="http://schemas.openxmlformats.org/package/2006/metadata/core-properties"/>
-    <ds:schemaRef ds:uri="http://purl.org/dc/elements/1.1/"/>
-    <ds:schemaRef ds:uri="http://purl.org/dc/terms/"/>
-    <ds:schemaRef ds:uri="http://schemas.microsoft.com/internal/obd"/>
+    <ds:schemaRef ds:uri="http://schemas.microsoft.com/sharepoint/v3/contenttype/forms"/>
   </ds:schemaRefs>
 </ds:datastoreItem>
 </file>
--- a/NO_2D_metamaterials_talk.pptx
+++ b/NO_2D_metamaterials_talk.pptx
@@ -5,7 +5,7 @@
     <p:sldMasterId id="2147483660" r:id="rId4"/>
   </p:sldMasterIdLst>
   <p:notesMasterIdLst>
-    <p:notesMasterId r:id="rId14"/>
+    <p:notesMasterId r:id="rId21"/>
   </p:notesMasterIdLst>
   <p:sldIdLst>
     <p:sldId id="256" r:id="rId5"/>
@@ -17,6 +17,13 @@
     <p:sldId id="1033" r:id="rId11"/>
     <p:sldId id="1035" r:id="rId12"/>
     <p:sldId id="1034" r:id="rId13"/>
+    <p:sldId id="1036" r:id="rId14"/>
+    <p:sldId id="1037" r:id="rId15"/>
+    <p:sldId id="1038" r:id="rId16"/>
+    <p:sldId id="1040" r:id="rId17"/>
+    <p:sldId id="1041" r:id="rId18"/>
+    <p:sldId id="1042" r:id="rId19"/>
+    <p:sldId id="1043" r:id="rId20"/>
   </p:sldIdLst>
   <p:sldSz cx="12192000" cy="6858000"/>
   <p:notesSz cx="6858000" cy="9144000"/>
@@ -129,6 +136,13 @@
             <p14:sldId id="1033"/>
             <p14:sldId id="1035"/>
             <p14:sldId id="1034"/>
+            <p14:sldId id="1036"/>
+            <p14:sldId id="1037"/>
+            <p14:sldId id="1038"/>
+            <p14:sldId id="1040"/>
+            <p14:sldId id="1041"/>
+            <p14:sldId id="1042"/>
+            <p14:sldId id="1043"/>
           </p14:sldIdLst>
         </p14:section>
       </p14:sectionLst>
@@ -1110,6 +1124,330 @@
     <p:extLst>
       <p:ext uri="{BB962C8B-B14F-4D97-AF65-F5344CB8AC3E}">
         <p14:creationId xmlns:p14="http://schemas.microsoft.com/office/powerpoint/2010/main" val="1276290506"/>
+      </p:ext>
+    </p:extLst>
+  </p:cSld>
+  <p:clrMapOvr>
+    <a:masterClrMapping/>
+  </p:clrMapOvr>
+</p:notes>
+</file>
+
+<file path=ppt/notesSlides/notesSlide7.xml><?xml version="1.0" encoding="utf-8"?>
+<p:notes xmlns:a="http://schemas.openxmlformats.org/drawingml/2006/main" xmlns:r="http://schemas.openxmlformats.org/officeDocument/2006/relationships" xmlns:p="http://schemas.openxmlformats.org/presentationml/2006/main">
+  <p:cSld>
+    <p:spTree>
+      <p:nvGrpSpPr>
+        <p:cNvPr id="1" name="">
+          <a:extLst>
+            <a:ext uri="{FF2B5EF4-FFF2-40B4-BE49-F238E27FC236}">
+              <a16:creationId xmlns:a16="http://schemas.microsoft.com/office/drawing/2014/main" id="{88C09931-7EA0-C39D-186A-F84FD0FE0302}"/>
+            </a:ext>
+          </a:extLst>
+        </p:cNvPr>
+        <p:cNvGrpSpPr/>
+        <p:nvPr/>
+      </p:nvGrpSpPr>
+      <p:grpSpPr>
+        <a:xfrm>
+          <a:off x="0" y="0"/>
+          <a:ext cx="0" cy="0"/>
+          <a:chOff x="0" y="0"/>
+          <a:chExt cx="0" cy="0"/>
+        </a:xfrm>
+      </p:grpSpPr>
+      <p:sp>
+        <p:nvSpPr>
+          <p:cNvPr id="2" name="Slide Image Placeholder 1">
+            <a:extLst>
+              <a:ext uri="{FF2B5EF4-FFF2-40B4-BE49-F238E27FC236}">
+                <a16:creationId xmlns:a16="http://schemas.microsoft.com/office/drawing/2014/main" id="{B3E07C6F-000A-4188-0209-91A08517A48F}"/>
+              </a:ext>
+            </a:extLst>
+          </p:cNvPr>
+          <p:cNvSpPr>
+            <a:spLocks noGrp="1" noRot="1" noChangeAspect="1"/>
+          </p:cNvSpPr>
+          <p:nvPr>
+            <p:ph type="sldImg"/>
+          </p:nvPr>
+        </p:nvSpPr>
+        <p:spPr/>
+      </p:sp>
+      <p:sp>
+        <p:nvSpPr>
+          <p:cNvPr id="3" name="Notes Placeholder 2">
+            <a:extLst>
+              <a:ext uri="{FF2B5EF4-FFF2-40B4-BE49-F238E27FC236}">
+                <a16:creationId xmlns:a16="http://schemas.microsoft.com/office/drawing/2014/main" id="{160D5033-FEDA-3B73-BB54-34CF80A0DD74}"/>
+              </a:ext>
+            </a:extLst>
+          </p:cNvPr>
+          <p:cNvSpPr>
+            <a:spLocks noGrp="1"/>
+          </p:cNvSpPr>
+          <p:nvPr>
+            <p:ph type="body" idx="1"/>
+          </p:nvPr>
+        </p:nvSpPr>
+        <p:spPr/>
+        <p:txBody>
+          <a:bodyPr/>
+          <a:lstStyle/>
+          <a:p>
+            <a:endParaRPr lang="en-US" dirty="0"/>
+          </a:p>
+        </p:txBody>
+      </p:sp>
+      <p:sp>
+        <p:nvSpPr>
+          <p:cNvPr id="4" name="Slide Number Placeholder 3">
+            <a:extLst>
+              <a:ext uri="{FF2B5EF4-FFF2-40B4-BE49-F238E27FC236}">
+                <a16:creationId xmlns:a16="http://schemas.microsoft.com/office/drawing/2014/main" id="{765CE35F-BFAA-9E8C-7089-596F48AFF8DA}"/>
+              </a:ext>
+            </a:extLst>
+          </p:cNvPr>
+          <p:cNvSpPr>
+            <a:spLocks noGrp="1"/>
+          </p:cNvSpPr>
+          <p:nvPr>
+            <p:ph type="sldNum" sz="quarter" idx="5"/>
+          </p:nvPr>
+        </p:nvSpPr>
+        <p:spPr/>
+        <p:txBody>
+          <a:bodyPr/>
+          <a:lstStyle/>
+          <a:p>
+            <a:fld id="{5ED6D2F6-D9A8-4EC3-B74F-DA40A0FC4A95}" type="slidenum">
+              <a:rPr lang="en-US" smtClean="0"/>
+              <a:t>10</a:t>
+            </a:fld>
+            <a:endParaRPr lang="en-US"/>
+          </a:p>
+        </p:txBody>
+      </p:sp>
+    </p:spTree>
+    <p:extLst>
+      <p:ext uri="{BB962C8B-B14F-4D97-AF65-F5344CB8AC3E}">
+        <p14:creationId xmlns:p14="http://schemas.microsoft.com/office/powerpoint/2010/main" val="3050818717"/>
+      </p:ext>
+    </p:extLst>
+  </p:cSld>
+  <p:clrMapOvr>
+    <a:masterClrMapping/>
+  </p:clrMapOvr>
+</p:notes>
+</file>
+
+<file path=ppt/notesSlides/notesSlide8.xml><?xml version="1.0" encoding="utf-8"?>
+<p:notes xmlns:a="http://schemas.openxmlformats.org/drawingml/2006/main" xmlns:r="http://schemas.openxmlformats.org/officeDocument/2006/relationships" xmlns:p="http://schemas.openxmlformats.org/presentationml/2006/main">
+  <p:cSld>
+    <p:spTree>
+      <p:nvGrpSpPr>
+        <p:cNvPr id="1" name="">
+          <a:extLst>
+            <a:ext uri="{FF2B5EF4-FFF2-40B4-BE49-F238E27FC236}">
+              <a16:creationId xmlns:a16="http://schemas.microsoft.com/office/drawing/2014/main" id="{FC069F10-B3BE-57BB-8BED-233B05C0CE39}"/>
+            </a:ext>
+          </a:extLst>
+        </p:cNvPr>
+        <p:cNvGrpSpPr/>
+        <p:nvPr/>
+      </p:nvGrpSpPr>
+      <p:grpSpPr>
+        <a:xfrm>
+          <a:off x="0" y="0"/>
+          <a:ext cx="0" cy="0"/>
+          <a:chOff x="0" y="0"/>
+          <a:chExt cx="0" cy="0"/>
+        </a:xfrm>
+      </p:grpSpPr>
+      <p:sp>
+        <p:nvSpPr>
+          <p:cNvPr id="2" name="Slide Image Placeholder 1">
+            <a:extLst>
+              <a:ext uri="{FF2B5EF4-FFF2-40B4-BE49-F238E27FC236}">
+                <a16:creationId xmlns:a16="http://schemas.microsoft.com/office/drawing/2014/main" id="{B08DD5F8-8A15-13A8-811A-EE17DCF24EAD}"/>
+              </a:ext>
+            </a:extLst>
+          </p:cNvPr>
+          <p:cNvSpPr>
+            <a:spLocks noGrp="1" noRot="1" noChangeAspect="1"/>
+          </p:cNvSpPr>
+          <p:nvPr>
+            <p:ph type="sldImg"/>
+          </p:nvPr>
+        </p:nvSpPr>
+        <p:spPr/>
+      </p:sp>
+      <p:sp>
+        <p:nvSpPr>
+          <p:cNvPr id="3" name="Notes Placeholder 2">
+            <a:extLst>
+              <a:ext uri="{FF2B5EF4-FFF2-40B4-BE49-F238E27FC236}">
+                <a16:creationId xmlns:a16="http://schemas.microsoft.com/office/drawing/2014/main" id="{CC192A43-7029-D455-D62F-60096265D7DA}"/>
+              </a:ext>
+            </a:extLst>
+          </p:cNvPr>
+          <p:cNvSpPr>
+            <a:spLocks noGrp="1"/>
+          </p:cNvSpPr>
+          <p:nvPr>
+            <p:ph type="body" idx="1"/>
+          </p:nvPr>
+        </p:nvSpPr>
+        <p:spPr/>
+        <p:txBody>
+          <a:bodyPr/>
+          <a:lstStyle/>
+          <a:p>
+            <a:endParaRPr lang="en-US" dirty="0"/>
+          </a:p>
+        </p:txBody>
+      </p:sp>
+      <p:sp>
+        <p:nvSpPr>
+          <p:cNvPr id="4" name="Slide Number Placeholder 3">
+            <a:extLst>
+              <a:ext uri="{FF2B5EF4-FFF2-40B4-BE49-F238E27FC236}">
+                <a16:creationId xmlns:a16="http://schemas.microsoft.com/office/drawing/2014/main" id="{CEAD669B-14A8-5BBC-283E-7DEEC7CF7677}"/>
+              </a:ext>
+            </a:extLst>
+          </p:cNvPr>
+          <p:cNvSpPr>
+            <a:spLocks noGrp="1"/>
+          </p:cNvSpPr>
+          <p:nvPr>
+            <p:ph type="sldNum" sz="quarter" idx="5"/>
+          </p:nvPr>
+        </p:nvSpPr>
+        <p:spPr/>
+        <p:txBody>
+          <a:bodyPr/>
+          <a:lstStyle/>
+          <a:p>
+            <a:fld id="{5ED6D2F6-D9A8-4EC3-B74F-DA40A0FC4A95}" type="slidenum">
+              <a:rPr lang="en-US" smtClean="0"/>
+              <a:t>11</a:t>
+            </a:fld>
+            <a:endParaRPr lang="en-US"/>
+          </a:p>
+        </p:txBody>
+      </p:sp>
+    </p:spTree>
+    <p:extLst>
+      <p:ext uri="{BB962C8B-B14F-4D97-AF65-F5344CB8AC3E}">
+        <p14:creationId xmlns:p14="http://schemas.microsoft.com/office/powerpoint/2010/main" val="4236753609"/>
+      </p:ext>
+    </p:extLst>
+  </p:cSld>
+  <p:clrMapOvr>
+    <a:masterClrMapping/>
+  </p:clrMapOvr>
+</p:notes>
+</file>
+
+<file path=ppt/notesSlides/notesSlide9.xml><?xml version="1.0" encoding="utf-8"?>
+<p:notes xmlns:a="http://schemas.openxmlformats.org/drawingml/2006/main" xmlns:r="http://schemas.openxmlformats.org/officeDocument/2006/relationships" xmlns:p="http://schemas.openxmlformats.org/presentationml/2006/main">
+  <p:cSld>
+    <p:spTree>
+      <p:nvGrpSpPr>
+        <p:cNvPr id="1" name="">
+          <a:extLst>
+            <a:ext uri="{FF2B5EF4-FFF2-40B4-BE49-F238E27FC236}">
+              <a16:creationId xmlns:a16="http://schemas.microsoft.com/office/drawing/2014/main" id="{6469B699-8DDE-E922-4BEF-73F213DB1378}"/>
+            </a:ext>
+          </a:extLst>
+        </p:cNvPr>
+        <p:cNvGrpSpPr/>
+        <p:nvPr/>
+      </p:nvGrpSpPr>
+      <p:grpSpPr>
+        <a:xfrm>
+          <a:off x="0" y="0"/>
+          <a:ext cx="0" cy="0"/>
+          <a:chOff x="0" y="0"/>
+          <a:chExt cx="0" cy="0"/>
+        </a:xfrm>
+      </p:grpSpPr>
+      <p:sp>
+        <p:nvSpPr>
+          <p:cNvPr id="2" name="Slide Image Placeholder 1">
+            <a:extLst>
+              <a:ext uri="{FF2B5EF4-FFF2-40B4-BE49-F238E27FC236}">
+                <a16:creationId xmlns:a16="http://schemas.microsoft.com/office/drawing/2014/main" id="{3C89B823-E88E-C018-8456-09F7D7A100D7}"/>
+              </a:ext>
+            </a:extLst>
+          </p:cNvPr>
+          <p:cNvSpPr>
+            <a:spLocks noGrp="1" noRot="1" noChangeAspect="1"/>
+          </p:cNvSpPr>
+          <p:nvPr>
+            <p:ph type="sldImg"/>
+          </p:nvPr>
+        </p:nvSpPr>
+        <p:spPr/>
+      </p:sp>
+      <p:sp>
+        <p:nvSpPr>
+          <p:cNvPr id="3" name="Notes Placeholder 2">
+            <a:extLst>
+              <a:ext uri="{FF2B5EF4-FFF2-40B4-BE49-F238E27FC236}">
+                <a16:creationId xmlns:a16="http://schemas.microsoft.com/office/drawing/2014/main" id="{0BFD2D15-F76E-A620-9CEE-6FEEAF9AEFF2}"/>
+              </a:ext>
+            </a:extLst>
+          </p:cNvPr>
+          <p:cNvSpPr>
+            <a:spLocks noGrp="1"/>
+          </p:cNvSpPr>
+          <p:nvPr>
+            <p:ph type="body" idx="1"/>
+          </p:nvPr>
+        </p:nvSpPr>
+        <p:spPr/>
+        <p:txBody>
+          <a:bodyPr/>
+          <a:lstStyle/>
+          <a:p>
+            <a:endParaRPr lang="en-US" dirty="0"/>
+          </a:p>
+        </p:txBody>
+      </p:sp>
+      <p:sp>
+        <p:nvSpPr>
+          <p:cNvPr id="4" name="Slide Number Placeholder 3">
+            <a:extLst>
+              <a:ext uri="{FF2B5EF4-FFF2-40B4-BE49-F238E27FC236}">
+                <a16:creationId xmlns:a16="http://schemas.microsoft.com/office/drawing/2014/main" id="{5113A054-0CFD-A08E-9F03-C7FC817AEDFC}"/>
+              </a:ext>
+            </a:extLst>
+          </p:cNvPr>
+          <p:cNvSpPr>
+            <a:spLocks noGrp="1"/>
+          </p:cNvSpPr>
+          <p:nvPr>
+            <p:ph type="sldNum" sz="quarter" idx="5"/>
+          </p:nvPr>
+        </p:nvSpPr>
+        <p:spPr/>
+        <p:txBody>
+          <a:bodyPr/>
+          <a:lstStyle/>
+          <a:p>
+            <a:fld id="{5ED6D2F6-D9A8-4EC3-B74F-DA40A0FC4A95}" type="slidenum">
+              <a:rPr lang="en-US" smtClean="0"/>
+              <a:t>12</a:t>
+            </a:fld>
+            <a:endParaRPr lang="en-US"/>
+          </a:p>
+        </p:txBody>
+      </p:sp>
+    </p:spTree>
+    <p:extLst>
+      <p:ext uri="{BB962C8B-B14F-4D97-AF65-F5344CB8AC3E}">
+        <p14:creationId xmlns:p14="http://schemas.microsoft.com/office/powerpoint/2010/main" val="3666323987"/>
       </p:ext>
     </p:extLst>
   </p:cSld>
@@ -4922,6 +5260,2031 @@
     <p:extLst>
       <p:ext uri="{BB962C8B-B14F-4D97-AF65-F5344CB8AC3E}">
         <p14:creationId xmlns:p14="http://schemas.microsoft.com/office/powerpoint/2010/main" val="4166404884"/>
+      </p:ext>
+    </p:extLst>
+  </p:cSld>
+  <p:clrMapOvr>
+    <a:masterClrMapping/>
+  </p:clrMapOvr>
+</p:sld>
+</file>
+
+<file path=ppt/slides/slide10.xml><?xml version="1.0" encoding="utf-8"?>
+<p:sld xmlns:a="http://schemas.openxmlformats.org/drawingml/2006/main" xmlns:r="http://schemas.openxmlformats.org/officeDocument/2006/relationships" xmlns:p="http://schemas.openxmlformats.org/presentationml/2006/main">
+  <p:cSld>
+    <p:spTree>
+      <p:nvGrpSpPr>
+        <p:cNvPr id="1" name="">
+          <a:extLst>
+            <a:ext uri="{FF2B5EF4-FFF2-40B4-BE49-F238E27FC236}">
+              <a16:creationId xmlns:a16="http://schemas.microsoft.com/office/drawing/2014/main" id="{B092FA97-B778-AD37-6440-99FCAF1F2FBA}"/>
+            </a:ext>
+          </a:extLst>
+        </p:cNvPr>
+        <p:cNvGrpSpPr/>
+        <p:nvPr/>
+      </p:nvGrpSpPr>
+      <p:grpSpPr>
+        <a:xfrm>
+          <a:off x="0" y="0"/>
+          <a:ext cx="0" cy="0"/>
+          <a:chOff x="0" y="0"/>
+          <a:chExt cx="0" cy="0"/>
+        </a:xfrm>
+      </p:grpSpPr>
+      <p:sp>
+        <p:nvSpPr>
+          <p:cNvPr id="3" name="Title 1">
+            <a:extLst>
+              <a:ext uri="{FF2B5EF4-FFF2-40B4-BE49-F238E27FC236}">
+                <a16:creationId xmlns:a16="http://schemas.microsoft.com/office/drawing/2014/main" id="{E4F33771-957B-DF60-D7F0-F5121BB09AD6}"/>
+              </a:ext>
+            </a:extLst>
+          </p:cNvPr>
+          <p:cNvSpPr txBox="1">
+            <a:spLocks/>
+          </p:cNvSpPr>
+          <p:nvPr/>
+        </p:nvSpPr>
+        <p:spPr>
+          <a:xfrm>
+            <a:off x="1064404" y="90397"/>
+            <a:ext cx="10289395" cy="771015"/>
+          </a:xfrm>
+          <a:prstGeom prst="rect">
+            <a:avLst/>
+          </a:prstGeom>
+        </p:spPr>
+        <p:txBody>
+          <a:bodyPr vert="horz" lIns="91440" tIns="45720" rIns="91440" bIns="45720" rtlCol="0" anchor="ctr">
+            <a:normAutofit/>
+          </a:bodyPr>
+          <a:lstStyle>
+            <a:lvl1pPr algn="l" defTabSz="914400" rtl="0" eaLnBrk="1" latinLnBrk="0" hangingPunct="1">
+              <a:lnSpc>
+                <a:spcPct val="90000"/>
+              </a:lnSpc>
+              <a:spcBef>
+                <a:spcPct val="0"/>
+              </a:spcBef>
+              <a:buNone/>
+              <a:defRPr sz="4400" b="1" kern="1200">
+                <a:solidFill>
+                  <a:schemeClr val="accent6">
+                    <a:lumMod val="75000"/>
+                  </a:schemeClr>
+                </a:solidFill>
+                <a:latin typeface="Garamond" panose="02020404030301010803" pitchFamily="18" charset="0"/>
+                <a:ea typeface="+mj-ea"/>
+                <a:cs typeface="+mj-cs"/>
+              </a:defRPr>
+            </a:lvl1pPr>
+          </a:lstStyle>
+          <a:p>
+            <a:pPr algn="ctr"/>
+            <a:r>
+              <a:rPr lang="en-US" sz="4000" dirty="0">
+                <a:latin typeface="Segoe UI Light" panose="020B0502040204020203" pitchFamily="34" charset="0"/>
+                <a:ea typeface="Calibri" panose="020F0502020204030204" pitchFamily="34" charset="0"/>
+                <a:cs typeface="Segoe UI Light" panose="020B0502040204020203" pitchFamily="34" charset="0"/>
+              </a:rPr>
+              <a:t>Performance On Novel Geometries</a:t>
+            </a:r>
+          </a:p>
+        </p:txBody>
+      </p:sp>
+      <p:pic>
+        <p:nvPicPr>
+          <p:cNvPr id="5" name="Picture 4" descr="A graph of a graph with a colorful square&#10;&#10;AI-generated content may be incorrect.">
+            <a:extLst>
+              <a:ext uri="{FF2B5EF4-FFF2-40B4-BE49-F238E27FC236}">
+                <a16:creationId xmlns:a16="http://schemas.microsoft.com/office/drawing/2014/main" id="{D17B65B1-B87F-84A9-D33F-5B21BCEC127A}"/>
+              </a:ext>
+            </a:extLst>
+          </p:cNvPr>
+          <p:cNvPicPr>
+            <a:picLocks noChangeAspect="1"/>
+          </p:cNvPicPr>
+          <p:nvPr/>
+        </p:nvPicPr>
+        <p:blipFill>
+          <a:blip r:embed="rId3"/>
+          <a:stretch>
+            <a:fillRect/>
+          </a:stretch>
+        </p:blipFill>
+        <p:spPr>
+          <a:xfrm>
+            <a:off x="1" y="1844054"/>
+            <a:ext cx="6096000" cy="2013074"/>
+          </a:xfrm>
+          <a:prstGeom prst="rect">
+            <a:avLst/>
+          </a:prstGeom>
+        </p:spPr>
+      </p:pic>
+      <p:pic>
+        <p:nvPicPr>
+          <p:cNvPr id="8" name="Picture 7" descr="A close-up of a graph&#10;&#10;AI-generated content may be incorrect.">
+            <a:extLst>
+              <a:ext uri="{FF2B5EF4-FFF2-40B4-BE49-F238E27FC236}">
+                <a16:creationId xmlns:a16="http://schemas.microsoft.com/office/drawing/2014/main" id="{29DE9170-CF07-64CA-DB48-78F8414D041C}"/>
+              </a:ext>
+            </a:extLst>
+          </p:cNvPr>
+          <p:cNvPicPr>
+            <a:picLocks noChangeAspect="1"/>
+          </p:cNvPicPr>
+          <p:nvPr/>
+        </p:nvPicPr>
+        <p:blipFill>
+          <a:blip r:embed="rId4"/>
+          <a:stretch>
+            <a:fillRect/>
+          </a:stretch>
+        </p:blipFill>
+        <p:spPr>
+          <a:xfrm>
+            <a:off x="0" y="3857128"/>
+            <a:ext cx="6096000" cy="1499962"/>
+          </a:xfrm>
+          <a:prstGeom prst="rect">
+            <a:avLst/>
+          </a:prstGeom>
+        </p:spPr>
+      </p:pic>
+      <p:pic>
+        <p:nvPicPr>
+          <p:cNvPr id="16" name="Picture 15" descr="A screenshot of a graph&#10;&#10;AI-generated content may be incorrect.">
+            <a:extLst>
+              <a:ext uri="{FF2B5EF4-FFF2-40B4-BE49-F238E27FC236}">
+                <a16:creationId xmlns:a16="http://schemas.microsoft.com/office/drawing/2014/main" id="{2BD83DEA-CA02-3F9E-2AC9-EE885040EEA7}"/>
+              </a:ext>
+            </a:extLst>
+          </p:cNvPr>
+          <p:cNvPicPr>
+            <a:picLocks noChangeAspect="1"/>
+          </p:cNvPicPr>
+          <p:nvPr/>
+        </p:nvPicPr>
+        <p:blipFill>
+          <a:blip r:embed="rId5"/>
+          <a:stretch>
+            <a:fillRect/>
+          </a:stretch>
+        </p:blipFill>
+        <p:spPr>
+          <a:xfrm>
+            <a:off x="-1" y="5357090"/>
+            <a:ext cx="6096001" cy="1500909"/>
+          </a:xfrm>
+          <a:prstGeom prst="rect">
+            <a:avLst/>
+          </a:prstGeom>
+        </p:spPr>
+      </p:pic>
+      <p:pic>
+        <p:nvPicPr>
+          <p:cNvPr id="18" name="Picture 17" descr="A screenshot of a graph&#10;&#10;AI-generated content may be incorrect.">
+            <a:extLst>
+              <a:ext uri="{FF2B5EF4-FFF2-40B4-BE49-F238E27FC236}">
+                <a16:creationId xmlns:a16="http://schemas.microsoft.com/office/drawing/2014/main" id="{DF6097AA-E9BF-F4F4-8C13-AB9BA890ADFC}"/>
+              </a:ext>
+            </a:extLst>
+          </p:cNvPr>
+          <p:cNvPicPr>
+            <a:picLocks noChangeAspect="1"/>
+          </p:cNvPicPr>
+          <p:nvPr/>
+        </p:nvPicPr>
+        <p:blipFill>
+          <a:blip r:embed="rId6"/>
+          <a:stretch>
+            <a:fillRect/>
+          </a:stretch>
+        </p:blipFill>
+        <p:spPr>
+          <a:xfrm>
+            <a:off x="6096000" y="5357091"/>
+            <a:ext cx="6107811" cy="1500909"/>
+          </a:xfrm>
+          <a:prstGeom prst="rect">
+            <a:avLst/>
+          </a:prstGeom>
+        </p:spPr>
+      </p:pic>
+      <p:pic>
+        <p:nvPicPr>
+          <p:cNvPr id="21" name="Picture 20" descr="A graph of a graph&#10;&#10;AI-generated content may be incorrect.">
+            <a:extLst>
+              <a:ext uri="{FF2B5EF4-FFF2-40B4-BE49-F238E27FC236}">
+                <a16:creationId xmlns:a16="http://schemas.microsoft.com/office/drawing/2014/main" id="{0FB105C3-A4AC-1F99-58D1-084C60687F64}"/>
+              </a:ext>
+            </a:extLst>
+          </p:cNvPr>
+          <p:cNvPicPr>
+            <a:picLocks noChangeAspect="1"/>
+          </p:cNvPicPr>
+          <p:nvPr/>
+        </p:nvPicPr>
+        <p:blipFill>
+          <a:blip r:embed="rId7"/>
+          <a:stretch>
+            <a:fillRect/>
+          </a:stretch>
+        </p:blipFill>
+        <p:spPr>
+          <a:xfrm>
+            <a:off x="6107810" y="1846364"/>
+            <a:ext cx="6096001" cy="2013074"/>
+          </a:xfrm>
+          <a:prstGeom prst="rect">
+            <a:avLst/>
+          </a:prstGeom>
+        </p:spPr>
+      </p:pic>
+      <p:pic>
+        <p:nvPicPr>
+          <p:cNvPr id="23" name="Picture 22" descr="A close-up of a graph&#10;&#10;AI-generated content may be incorrect.">
+            <a:extLst>
+              <a:ext uri="{FF2B5EF4-FFF2-40B4-BE49-F238E27FC236}">
+                <a16:creationId xmlns:a16="http://schemas.microsoft.com/office/drawing/2014/main" id="{207CF268-CD39-5865-D8EB-6EFECCFD10DB}"/>
+              </a:ext>
+            </a:extLst>
+          </p:cNvPr>
+          <p:cNvPicPr>
+            <a:picLocks noChangeAspect="1"/>
+          </p:cNvPicPr>
+          <p:nvPr/>
+        </p:nvPicPr>
+        <p:blipFill>
+          <a:blip r:embed="rId8"/>
+          <a:stretch>
+            <a:fillRect/>
+          </a:stretch>
+        </p:blipFill>
+        <p:spPr>
+          <a:xfrm>
+            <a:off x="6107811" y="3853872"/>
+            <a:ext cx="6096000" cy="1500909"/>
+          </a:xfrm>
+          <a:prstGeom prst="rect">
+            <a:avLst/>
+          </a:prstGeom>
+        </p:spPr>
+      </p:pic>
+      <p:sp>
+        <p:nvSpPr>
+          <p:cNvPr id="24" name="TextBox 23">
+            <a:extLst>
+              <a:ext uri="{FF2B5EF4-FFF2-40B4-BE49-F238E27FC236}">
+                <a16:creationId xmlns:a16="http://schemas.microsoft.com/office/drawing/2014/main" id="{814B7D5D-CEC4-0C95-3A63-43A73ED51073}"/>
+              </a:ext>
+            </a:extLst>
+          </p:cNvPr>
+          <p:cNvSpPr txBox="1"/>
+          <p:nvPr/>
+        </p:nvSpPr>
+        <p:spPr>
+          <a:xfrm>
+            <a:off x="1712059" y="1177744"/>
+            <a:ext cx="2660073" cy="646331"/>
+          </a:xfrm>
+          <a:prstGeom prst="rect">
+            <a:avLst/>
+          </a:prstGeom>
+          <a:noFill/>
+        </p:spPr>
+        <p:txBody>
+          <a:bodyPr wrap="square" rtlCol="0">
+            <a:spAutoFit/>
+          </a:bodyPr>
+          <a:lstStyle/>
+          <a:p>
+            <a:pPr algn="ctr"/>
+            <a:r>
+              <a:rPr lang="en-US" dirty="0"/>
+              <a:t>Random Sample 1</a:t>
+            </a:r>
+          </a:p>
+          <a:p>
+            <a:pPr algn="ctr"/>
+            <a:r>
+              <a:rPr lang="en-US" dirty="0"/>
+              <a:t>Inputs, Outputs, &amp;Targets</a:t>
+            </a:r>
+          </a:p>
+        </p:txBody>
+      </p:sp>
+      <p:sp>
+        <p:nvSpPr>
+          <p:cNvPr id="25" name="TextBox 24">
+            <a:extLst>
+              <a:ext uri="{FF2B5EF4-FFF2-40B4-BE49-F238E27FC236}">
+                <a16:creationId xmlns:a16="http://schemas.microsoft.com/office/drawing/2014/main" id="{11097123-FE3F-BB0B-B3FC-77E590247323}"/>
+              </a:ext>
+            </a:extLst>
+          </p:cNvPr>
+          <p:cNvSpPr txBox="1"/>
+          <p:nvPr/>
+        </p:nvSpPr>
+        <p:spPr>
+          <a:xfrm>
+            <a:off x="7819868" y="1180053"/>
+            <a:ext cx="2660073" cy="646331"/>
+          </a:xfrm>
+          <a:prstGeom prst="rect">
+            <a:avLst/>
+          </a:prstGeom>
+          <a:noFill/>
+        </p:spPr>
+        <p:txBody>
+          <a:bodyPr wrap="square" rtlCol="0">
+            <a:spAutoFit/>
+          </a:bodyPr>
+          <a:lstStyle/>
+          <a:p>
+            <a:pPr algn="ctr"/>
+            <a:r>
+              <a:rPr lang="en-US" dirty="0"/>
+              <a:t>Random Sample 2</a:t>
+            </a:r>
+          </a:p>
+          <a:p>
+            <a:pPr algn="ctr"/>
+            <a:r>
+              <a:rPr lang="en-US" dirty="0"/>
+              <a:t>Inputs, Outputs, &amp;Targets</a:t>
+            </a:r>
+          </a:p>
+        </p:txBody>
+      </p:sp>
+    </p:spTree>
+    <p:extLst>
+      <p:ext uri="{BB962C8B-B14F-4D97-AF65-F5344CB8AC3E}">
+        <p14:creationId xmlns:p14="http://schemas.microsoft.com/office/powerpoint/2010/main" val="758969267"/>
+      </p:ext>
+    </p:extLst>
+  </p:cSld>
+  <p:clrMapOvr>
+    <a:masterClrMapping/>
+  </p:clrMapOvr>
+</p:sld>
+</file>
+
+<file path=ppt/slides/slide11.xml><?xml version="1.0" encoding="utf-8"?>
+<p:sld xmlns:a="http://schemas.openxmlformats.org/drawingml/2006/main" xmlns:r="http://schemas.openxmlformats.org/officeDocument/2006/relationships" xmlns:p="http://schemas.openxmlformats.org/presentationml/2006/main">
+  <p:cSld>
+    <p:spTree>
+      <p:nvGrpSpPr>
+        <p:cNvPr id="1" name="">
+          <a:extLst>
+            <a:ext uri="{FF2B5EF4-FFF2-40B4-BE49-F238E27FC236}">
+              <a16:creationId xmlns:a16="http://schemas.microsoft.com/office/drawing/2014/main" id="{4E4BEC2C-C899-5530-FE93-AFC55F21AD15}"/>
+            </a:ext>
+          </a:extLst>
+        </p:cNvPr>
+        <p:cNvGrpSpPr/>
+        <p:nvPr/>
+      </p:nvGrpSpPr>
+      <p:grpSpPr>
+        <a:xfrm>
+          <a:off x="0" y="0"/>
+          <a:ext cx="0" cy="0"/>
+          <a:chOff x="0" y="0"/>
+          <a:chExt cx="0" cy="0"/>
+        </a:xfrm>
+      </p:grpSpPr>
+      <p:sp>
+        <p:nvSpPr>
+          <p:cNvPr id="3" name="Title 1">
+            <a:extLst>
+              <a:ext uri="{FF2B5EF4-FFF2-40B4-BE49-F238E27FC236}">
+                <a16:creationId xmlns:a16="http://schemas.microsoft.com/office/drawing/2014/main" id="{C87C5231-2177-8C99-2065-EF9F8FB48FEF}"/>
+              </a:ext>
+            </a:extLst>
+          </p:cNvPr>
+          <p:cNvSpPr txBox="1">
+            <a:spLocks/>
+          </p:cNvSpPr>
+          <p:nvPr/>
+        </p:nvSpPr>
+        <p:spPr>
+          <a:xfrm>
+            <a:off x="1064404" y="90397"/>
+            <a:ext cx="10289395" cy="771015"/>
+          </a:xfrm>
+          <a:prstGeom prst="rect">
+            <a:avLst/>
+          </a:prstGeom>
+        </p:spPr>
+        <p:txBody>
+          <a:bodyPr vert="horz" lIns="91440" tIns="45720" rIns="91440" bIns="45720" rtlCol="0" anchor="ctr">
+            <a:normAutofit/>
+          </a:bodyPr>
+          <a:lstStyle>
+            <a:lvl1pPr algn="l" defTabSz="914400" rtl="0" eaLnBrk="1" latinLnBrk="0" hangingPunct="1">
+              <a:lnSpc>
+                <a:spcPct val="90000"/>
+              </a:lnSpc>
+              <a:spcBef>
+                <a:spcPct val="0"/>
+              </a:spcBef>
+              <a:buNone/>
+              <a:defRPr sz="4400" b="1" kern="1200">
+                <a:solidFill>
+                  <a:schemeClr val="accent6">
+                    <a:lumMod val="75000"/>
+                  </a:schemeClr>
+                </a:solidFill>
+                <a:latin typeface="Garamond" panose="02020404030301010803" pitchFamily="18" charset="0"/>
+                <a:ea typeface="+mj-ea"/>
+                <a:cs typeface="+mj-cs"/>
+              </a:defRPr>
+            </a:lvl1pPr>
+          </a:lstStyle>
+          <a:p>
+            <a:pPr algn="ctr"/>
+            <a:r>
+              <a:rPr lang="en-US" sz="4000" dirty="0">
+                <a:latin typeface="Segoe UI Light" panose="020B0502040204020203" pitchFamily="34" charset="0"/>
+                <a:ea typeface="Calibri" panose="020F0502020204030204" pitchFamily="34" charset="0"/>
+                <a:cs typeface="Segoe UI Light" panose="020B0502040204020203" pitchFamily="34" charset="0"/>
+              </a:rPr>
+              <a:t>Performance On Novel Geometries</a:t>
+            </a:r>
+          </a:p>
+        </p:txBody>
+      </p:sp>
+      <p:pic>
+        <p:nvPicPr>
+          <p:cNvPr id="5" name="Picture 4">
+            <a:extLst>
+              <a:ext uri="{FF2B5EF4-FFF2-40B4-BE49-F238E27FC236}">
+                <a16:creationId xmlns:a16="http://schemas.microsoft.com/office/drawing/2014/main" id="{BC00F077-9C75-AE38-E237-87C90C593CB6}"/>
+              </a:ext>
+            </a:extLst>
+          </p:cNvPr>
+          <p:cNvPicPr>
+            <a:picLocks noChangeAspect="1"/>
+          </p:cNvPicPr>
+          <p:nvPr/>
+        </p:nvPicPr>
+        <p:blipFill>
+          <a:blip r:embed="rId3"/>
+          <a:srcRect/>
+          <a:stretch/>
+        </p:blipFill>
+        <p:spPr>
+          <a:xfrm>
+            <a:off x="1" y="1844054"/>
+            <a:ext cx="6096000" cy="2013073"/>
+          </a:xfrm>
+          <a:prstGeom prst="rect">
+            <a:avLst/>
+          </a:prstGeom>
+        </p:spPr>
+      </p:pic>
+      <p:pic>
+        <p:nvPicPr>
+          <p:cNvPr id="8" name="Picture 7">
+            <a:extLst>
+              <a:ext uri="{FF2B5EF4-FFF2-40B4-BE49-F238E27FC236}">
+                <a16:creationId xmlns:a16="http://schemas.microsoft.com/office/drawing/2014/main" id="{79156797-B8C3-C4A5-F84F-5660685DFDBE}"/>
+              </a:ext>
+            </a:extLst>
+          </p:cNvPr>
+          <p:cNvPicPr>
+            <a:picLocks noChangeAspect="1"/>
+          </p:cNvPicPr>
+          <p:nvPr/>
+        </p:nvPicPr>
+        <p:blipFill>
+          <a:blip r:embed="rId4"/>
+          <a:srcRect/>
+          <a:stretch/>
+        </p:blipFill>
+        <p:spPr>
+          <a:xfrm>
+            <a:off x="0" y="3858579"/>
+            <a:ext cx="6096000" cy="1497060"/>
+          </a:xfrm>
+          <a:prstGeom prst="rect">
+            <a:avLst/>
+          </a:prstGeom>
+        </p:spPr>
+      </p:pic>
+      <p:pic>
+        <p:nvPicPr>
+          <p:cNvPr id="16" name="Picture 15">
+            <a:extLst>
+              <a:ext uri="{FF2B5EF4-FFF2-40B4-BE49-F238E27FC236}">
+                <a16:creationId xmlns:a16="http://schemas.microsoft.com/office/drawing/2014/main" id="{34C414E6-180E-5A38-9F43-1AE99A5D3E74}"/>
+              </a:ext>
+            </a:extLst>
+          </p:cNvPr>
+          <p:cNvPicPr>
+            <a:picLocks noChangeAspect="1"/>
+          </p:cNvPicPr>
+          <p:nvPr/>
+        </p:nvPicPr>
+        <p:blipFill>
+          <a:blip r:embed="rId5"/>
+          <a:srcRect/>
+          <a:stretch/>
+        </p:blipFill>
+        <p:spPr>
+          <a:xfrm>
+            <a:off x="1924" y="5357090"/>
+            <a:ext cx="6092151" cy="1500909"/>
+          </a:xfrm>
+          <a:prstGeom prst="rect">
+            <a:avLst/>
+          </a:prstGeom>
+        </p:spPr>
+      </p:pic>
+      <p:pic>
+        <p:nvPicPr>
+          <p:cNvPr id="18" name="Picture 17">
+            <a:extLst>
+              <a:ext uri="{FF2B5EF4-FFF2-40B4-BE49-F238E27FC236}">
+                <a16:creationId xmlns:a16="http://schemas.microsoft.com/office/drawing/2014/main" id="{1378609E-4A4B-4E1B-4648-042B15F6C3EE}"/>
+              </a:ext>
+            </a:extLst>
+          </p:cNvPr>
+          <p:cNvPicPr>
+            <a:picLocks noChangeAspect="1"/>
+          </p:cNvPicPr>
+          <p:nvPr/>
+        </p:nvPicPr>
+        <p:blipFill>
+          <a:blip r:embed="rId6"/>
+          <a:srcRect/>
+          <a:stretch/>
+        </p:blipFill>
+        <p:spPr>
+          <a:xfrm>
+            <a:off x="6101906" y="5357091"/>
+            <a:ext cx="6095999" cy="1500909"/>
+          </a:xfrm>
+          <a:prstGeom prst="rect">
+            <a:avLst/>
+          </a:prstGeom>
+        </p:spPr>
+      </p:pic>
+      <p:pic>
+        <p:nvPicPr>
+          <p:cNvPr id="21" name="Picture 20">
+            <a:extLst>
+              <a:ext uri="{FF2B5EF4-FFF2-40B4-BE49-F238E27FC236}">
+                <a16:creationId xmlns:a16="http://schemas.microsoft.com/office/drawing/2014/main" id="{6EF772C4-F0DF-0BE0-7F51-D35E249BFFE3}"/>
+              </a:ext>
+            </a:extLst>
+          </p:cNvPr>
+          <p:cNvPicPr>
+            <a:picLocks noChangeAspect="1"/>
+          </p:cNvPicPr>
+          <p:nvPr/>
+        </p:nvPicPr>
+        <p:blipFill>
+          <a:blip r:embed="rId7"/>
+          <a:srcRect/>
+          <a:stretch/>
+        </p:blipFill>
+        <p:spPr>
+          <a:xfrm>
+            <a:off x="6107810" y="1847216"/>
+            <a:ext cx="6096001" cy="2011370"/>
+          </a:xfrm>
+          <a:prstGeom prst="rect">
+            <a:avLst/>
+          </a:prstGeom>
+        </p:spPr>
+      </p:pic>
+      <p:pic>
+        <p:nvPicPr>
+          <p:cNvPr id="23" name="Picture 22">
+            <a:extLst>
+              <a:ext uri="{FF2B5EF4-FFF2-40B4-BE49-F238E27FC236}">
+                <a16:creationId xmlns:a16="http://schemas.microsoft.com/office/drawing/2014/main" id="{B231A91D-510A-F79E-D7A5-79D15C939826}"/>
+              </a:ext>
+            </a:extLst>
+          </p:cNvPr>
+          <p:cNvPicPr>
+            <a:picLocks noChangeAspect="1"/>
+          </p:cNvPicPr>
+          <p:nvPr/>
+        </p:nvPicPr>
+        <p:blipFill>
+          <a:blip r:embed="rId8"/>
+          <a:srcRect/>
+          <a:stretch/>
+        </p:blipFill>
+        <p:spPr>
+          <a:xfrm>
+            <a:off x="6107811" y="3853872"/>
+            <a:ext cx="6095999" cy="1500909"/>
+          </a:xfrm>
+          <a:prstGeom prst="rect">
+            <a:avLst/>
+          </a:prstGeom>
+        </p:spPr>
+      </p:pic>
+      <p:sp>
+        <p:nvSpPr>
+          <p:cNvPr id="24" name="TextBox 23">
+            <a:extLst>
+              <a:ext uri="{FF2B5EF4-FFF2-40B4-BE49-F238E27FC236}">
+                <a16:creationId xmlns:a16="http://schemas.microsoft.com/office/drawing/2014/main" id="{3BA31E4D-1336-3538-A7B5-B0CB9A4EA171}"/>
+              </a:ext>
+            </a:extLst>
+          </p:cNvPr>
+          <p:cNvSpPr txBox="1"/>
+          <p:nvPr/>
+        </p:nvSpPr>
+        <p:spPr>
+          <a:xfrm>
+            <a:off x="1712059" y="1177744"/>
+            <a:ext cx="2660073" cy="646331"/>
+          </a:xfrm>
+          <a:prstGeom prst="rect">
+            <a:avLst/>
+          </a:prstGeom>
+          <a:noFill/>
+        </p:spPr>
+        <p:txBody>
+          <a:bodyPr wrap="square" rtlCol="0">
+            <a:spAutoFit/>
+          </a:bodyPr>
+          <a:lstStyle/>
+          <a:p>
+            <a:pPr algn="ctr"/>
+            <a:r>
+              <a:rPr lang="en-US" dirty="0"/>
+              <a:t>Random Sample 3</a:t>
+            </a:r>
+          </a:p>
+          <a:p>
+            <a:pPr algn="ctr"/>
+            <a:r>
+              <a:rPr lang="en-US" dirty="0"/>
+              <a:t>Inputs, Outputs, &amp;Targets</a:t>
+            </a:r>
+          </a:p>
+        </p:txBody>
+      </p:sp>
+      <p:sp>
+        <p:nvSpPr>
+          <p:cNvPr id="25" name="TextBox 24">
+            <a:extLst>
+              <a:ext uri="{FF2B5EF4-FFF2-40B4-BE49-F238E27FC236}">
+                <a16:creationId xmlns:a16="http://schemas.microsoft.com/office/drawing/2014/main" id="{4A232357-2607-8376-944D-B4DA2465B116}"/>
+              </a:ext>
+            </a:extLst>
+          </p:cNvPr>
+          <p:cNvSpPr txBox="1"/>
+          <p:nvPr/>
+        </p:nvSpPr>
+        <p:spPr>
+          <a:xfrm>
+            <a:off x="7819868" y="1180053"/>
+            <a:ext cx="2660073" cy="646331"/>
+          </a:xfrm>
+          <a:prstGeom prst="rect">
+            <a:avLst/>
+          </a:prstGeom>
+          <a:noFill/>
+        </p:spPr>
+        <p:txBody>
+          <a:bodyPr wrap="square" rtlCol="0">
+            <a:spAutoFit/>
+          </a:bodyPr>
+          <a:lstStyle/>
+          <a:p>
+            <a:pPr algn="ctr"/>
+            <a:r>
+              <a:rPr lang="en-US" dirty="0"/>
+              <a:t>Random Sample 4</a:t>
+            </a:r>
+          </a:p>
+          <a:p>
+            <a:pPr algn="ctr"/>
+            <a:r>
+              <a:rPr lang="en-US" dirty="0"/>
+              <a:t>Inputs, Outputs, &amp;Targets</a:t>
+            </a:r>
+          </a:p>
+        </p:txBody>
+      </p:sp>
+    </p:spTree>
+    <p:extLst>
+      <p:ext uri="{BB962C8B-B14F-4D97-AF65-F5344CB8AC3E}">
+        <p14:creationId xmlns:p14="http://schemas.microsoft.com/office/powerpoint/2010/main" val="3562688811"/>
+      </p:ext>
+    </p:extLst>
+  </p:cSld>
+  <p:clrMapOvr>
+    <a:masterClrMapping/>
+  </p:clrMapOvr>
+</p:sld>
+</file>
+
+<file path=ppt/slides/slide12.xml><?xml version="1.0" encoding="utf-8"?>
+<p:sld xmlns:a="http://schemas.openxmlformats.org/drawingml/2006/main" xmlns:r="http://schemas.openxmlformats.org/officeDocument/2006/relationships" xmlns:p="http://schemas.openxmlformats.org/presentationml/2006/main">
+  <p:cSld>
+    <p:spTree>
+      <p:nvGrpSpPr>
+        <p:cNvPr id="1" name="">
+          <a:extLst>
+            <a:ext uri="{FF2B5EF4-FFF2-40B4-BE49-F238E27FC236}">
+              <a16:creationId xmlns:a16="http://schemas.microsoft.com/office/drawing/2014/main" id="{C3249451-03F8-DC3E-EA77-4B3AE7B4DE33}"/>
+            </a:ext>
+          </a:extLst>
+        </p:cNvPr>
+        <p:cNvGrpSpPr/>
+        <p:nvPr/>
+      </p:nvGrpSpPr>
+      <p:grpSpPr>
+        <a:xfrm>
+          <a:off x="0" y="0"/>
+          <a:ext cx="0" cy="0"/>
+          <a:chOff x="0" y="0"/>
+          <a:chExt cx="0" cy="0"/>
+        </a:xfrm>
+      </p:grpSpPr>
+      <p:sp>
+        <p:nvSpPr>
+          <p:cNvPr id="3" name="Title 1">
+            <a:extLst>
+              <a:ext uri="{FF2B5EF4-FFF2-40B4-BE49-F238E27FC236}">
+                <a16:creationId xmlns:a16="http://schemas.microsoft.com/office/drawing/2014/main" id="{3B31611E-4EA9-3CF1-799E-DD10184CC6BA}"/>
+              </a:ext>
+            </a:extLst>
+          </p:cNvPr>
+          <p:cNvSpPr txBox="1">
+            <a:spLocks/>
+          </p:cNvSpPr>
+          <p:nvPr/>
+        </p:nvSpPr>
+        <p:spPr>
+          <a:xfrm>
+            <a:off x="1064404" y="90397"/>
+            <a:ext cx="10289395" cy="771015"/>
+          </a:xfrm>
+          <a:prstGeom prst="rect">
+            <a:avLst/>
+          </a:prstGeom>
+        </p:spPr>
+        <p:txBody>
+          <a:bodyPr vert="horz" lIns="91440" tIns="45720" rIns="91440" bIns="45720" rtlCol="0" anchor="ctr">
+            <a:normAutofit/>
+          </a:bodyPr>
+          <a:lstStyle>
+            <a:lvl1pPr algn="l" defTabSz="914400" rtl="0" eaLnBrk="1" latinLnBrk="0" hangingPunct="1">
+              <a:lnSpc>
+                <a:spcPct val="90000"/>
+              </a:lnSpc>
+              <a:spcBef>
+                <a:spcPct val="0"/>
+              </a:spcBef>
+              <a:buNone/>
+              <a:defRPr sz="4400" b="1" kern="1200">
+                <a:solidFill>
+                  <a:schemeClr val="accent6">
+                    <a:lumMod val="75000"/>
+                  </a:schemeClr>
+                </a:solidFill>
+                <a:latin typeface="Garamond" panose="02020404030301010803" pitchFamily="18" charset="0"/>
+                <a:ea typeface="+mj-ea"/>
+                <a:cs typeface="+mj-cs"/>
+              </a:defRPr>
+            </a:lvl1pPr>
+          </a:lstStyle>
+          <a:p>
+            <a:pPr algn="ctr"/>
+            <a:r>
+              <a:rPr lang="en-US" sz="4000" dirty="0">
+                <a:latin typeface="Segoe UI Light" panose="020B0502040204020203" pitchFamily="34" charset="0"/>
+                <a:ea typeface="Calibri" panose="020F0502020204030204" pitchFamily="34" charset="0"/>
+                <a:cs typeface="Segoe UI Light" panose="020B0502040204020203" pitchFamily="34" charset="0"/>
+              </a:rPr>
+              <a:t>Performance On Novel Geometries</a:t>
+            </a:r>
+          </a:p>
+        </p:txBody>
+      </p:sp>
+      <p:pic>
+        <p:nvPicPr>
+          <p:cNvPr id="5" name="Picture 4">
+            <a:extLst>
+              <a:ext uri="{FF2B5EF4-FFF2-40B4-BE49-F238E27FC236}">
+                <a16:creationId xmlns:a16="http://schemas.microsoft.com/office/drawing/2014/main" id="{3B3682B0-32B0-70C6-32DB-F08CBED948D2}"/>
+              </a:ext>
+            </a:extLst>
+          </p:cNvPr>
+          <p:cNvPicPr>
+            <a:picLocks noChangeAspect="1"/>
+          </p:cNvPicPr>
+          <p:nvPr/>
+        </p:nvPicPr>
+        <p:blipFill>
+          <a:blip r:embed="rId3"/>
+          <a:srcRect/>
+          <a:stretch/>
+        </p:blipFill>
+        <p:spPr>
+          <a:xfrm>
+            <a:off x="2" y="1844054"/>
+            <a:ext cx="6095997" cy="2013073"/>
+          </a:xfrm>
+          <a:prstGeom prst="rect">
+            <a:avLst/>
+          </a:prstGeom>
+        </p:spPr>
+      </p:pic>
+      <p:pic>
+        <p:nvPicPr>
+          <p:cNvPr id="8" name="Picture 7">
+            <a:extLst>
+              <a:ext uri="{FF2B5EF4-FFF2-40B4-BE49-F238E27FC236}">
+                <a16:creationId xmlns:a16="http://schemas.microsoft.com/office/drawing/2014/main" id="{C25F5728-F3DD-A092-E569-326F930E27FF}"/>
+              </a:ext>
+            </a:extLst>
+          </p:cNvPr>
+          <p:cNvPicPr>
+            <a:picLocks noChangeAspect="1"/>
+          </p:cNvPicPr>
+          <p:nvPr/>
+        </p:nvPicPr>
+        <p:blipFill>
+          <a:blip r:embed="rId4"/>
+          <a:srcRect/>
+          <a:stretch/>
+        </p:blipFill>
+        <p:spPr>
+          <a:xfrm>
+            <a:off x="1925" y="3858579"/>
+            <a:ext cx="6092149" cy="1497060"/>
+          </a:xfrm>
+          <a:prstGeom prst="rect">
+            <a:avLst/>
+          </a:prstGeom>
+        </p:spPr>
+      </p:pic>
+      <p:pic>
+        <p:nvPicPr>
+          <p:cNvPr id="16" name="Picture 15">
+            <a:extLst>
+              <a:ext uri="{FF2B5EF4-FFF2-40B4-BE49-F238E27FC236}">
+                <a16:creationId xmlns:a16="http://schemas.microsoft.com/office/drawing/2014/main" id="{39CA63BD-1CD2-4D00-D83E-0FC8C321B818}"/>
+              </a:ext>
+            </a:extLst>
+          </p:cNvPr>
+          <p:cNvPicPr>
+            <a:picLocks noChangeAspect="1"/>
+          </p:cNvPicPr>
+          <p:nvPr/>
+        </p:nvPicPr>
+        <p:blipFill>
+          <a:blip r:embed="rId5"/>
+          <a:srcRect/>
+          <a:stretch/>
+        </p:blipFill>
+        <p:spPr>
+          <a:xfrm>
+            <a:off x="1924" y="5357564"/>
+            <a:ext cx="6092151" cy="1499961"/>
+          </a:xfrm>
+          <a:prstGeom prst="rect">
+            <a:avLst/>
+          </a:prstGeom>
+        </p:spPr>
+      </p:pic>
+      <p:pic>
+        <p:nvPicPr>
+          <p:cNvPr id="18" name="Picture 17">
+            <a:extLst>
+              <a:ext uri="{FF2B5EF4-FFF2-40B4-BE49-F238E27FC236}">
+                <a16:creationId xmlns:a16="http://schemas.microsoft.com/office/drawing/2014/main" id="{07BC6103-CA5B-8C14-2E4C-D503C5ADC3EB}"/>
+              </a:ext>
+            </a:extLst>
+          </p:cNvPr>
+          <p:cNvPicPr>
+            <a:picLocks noChangeAspect="1"/>
+          </p:cNvPicPr>
+          <p:nvPr/>
+        </p:nvPicPr>
+        <p:blipFill>
+          <a:blip r:embed="rId6"/>
+          <a:srcRect/>
+          <a:stretch/>
+        </p:blipFill>
+        <p:spPr>
+          <a:xfrm>
+            <a:off x="6101906" y="5357091"/>
+            <a:ext cx="6095999" cy="1500908"/>
+          </a:xfrm>
+          <a:prstGeom prst="rect">
+            <a:avLst/>
+          </a:prstGeom>
+        </p:spPr>
+      </p:pic>
+      <p:pic>
+        <p:nvPicPr>
+          <p:cNvPr id="21" name="Picture 20">
+            <a:extLst>
+              <a:ext uri="{FF2B5EF4-FFF2-40B4-BE49-F238E27FC236}">
+                <a16:creationId xmlns:a16="http://schemas.microsoft.com/office/drawing/2014/main" id="{5845AB49-625C-B2D6-B7C9-1BBB8DDED24D}"/>
+              </a:ext>
+            </a:extLst>
+          </p:cNvPr>
+          <p:cNvPicPr>
+            <a:picLocks noChangeAspect="1"/>
+          </p:cNvPicPr>
+          <p:nvPr/>
+        </p:nvPicPr>
+        <p:blipFill>
+          <a:blip r:embed="rId7"/>
+          <a:srcRect/>
+          <a:stretch/>
+        </p:blipFill>
+        <p:spPr>
+          <a:xfrm>
+            <a:off x="6110390" y="1847216"/>
+            <a:ext cx="6090840" cy="2011370"/>
+          </a:xfrm>
+          <a:prstGeom prst="rect">
+            <a:avLst/>
+          </a:prstGeom>
+        </p:spPr>
+      </p:pic>
+      <p:pic>
+        <p:nvPicPr>
+          <p:cNvPr id="23" name="Picture 22">
+            <a:extLst>
+              <a:ext uri="{FF2B5EF4-FFF2-40B4-BE49-F238E27FC236}">
+                <a16:creationId xmlns:a16="http://schemas.microsoft.com/office/drawing/2014/main" id="{A12E4D41-67A4-BB06-170C-BAD37C9182EC}"/>
+              </a:ext>
+            </a:extLst>
+          </p:cNvPr>
+          <p:cNvPicPr>
+            <a:picLocks noChangeAspect="1"/>
+          </p:cNvPicPr>
+          <p:nvPr/>
+        </p:nvPicPr>
+        <p:blipFill>
+          <a:blip r:embed="rId8"/>
+          <a:srcRect/>
+          <a:stretch/>
+        </p:blipFill>
+        <p:spPr>
+          <a:xfrm>
+            <a:off x="6107811" y="3854346"/>
+            <a:ext cx="6095999" cy="1499961"/>
+          </a:xfrm>
+          <a:prstGeom prst="rect">
+            <a:avLst/>
+          </a:prstGeom>
+        </p:spPr>
+      </p:pic>
+      <p:sp>
+        <p:nvSpPr>
+          <p:cNvPr id="24" name="TextBox 23">
+            <a:extLst>
+              <a:ext uri="{FF2B5EF4-FFF2-40B4-BE49-F238E27FC236}">
+                <a16:creationId xmlns:a16="http://schemas.microsoft.com/office/drawing/2014/main" id="{8FEFD487-ADC4-3DF8-4168-C936306A3C77}"/>
+              </a:ext>
+            </a:extLst>
+          </p:cNvPr>
+          <p:cNvSpPr txBox="1"/>
+          <p:nvPr/>
+        </p:nvSpPr>
+        <p:spPr>
+          <a:xfrm>
+            <a:off x="1712059" y="1177744"/>
+            <a:ext cx="2660073" cy="646331"/>
+          </a:xfrm>
+          <a:prstGeom prst="rect">
+            <a:avLst/>
+          </a:prstGeom>
+          <a:noFill/>
+        </p:spPr>
+        <p:txBody>
+          <a:bodyPr wrap="square" rtlCol="0">
+            <a:spAutoFit/>
+          </a:bodyPr>
+          <a:lstStyle/>
+          <a:p>
+            <a:pPr algn="ctr"/>
+            <a:r>
+              <a:rPr lang="en-US" dirty="0"/>
+              <a:t>Picked Sample 1</a:t>
+            </a:r>
+          </a:p>
+          <a:p>
+            <a:pPr algn="ctr"/>
+            <a:r>
+              <a:rPr lang="en-US" dirty="0"/>
+              <a:t>Inputs, Outputs, &amp;Targets</a:t>
+            </a:r>
+          </a:p>
+        </p:txBody>
+      </p:sp>
+      <p:sp>
+        <p:nvSpPr>
+          <p:cNvPr id="25" name="TextBox 24">
+            <a:extLst>
+              <a:ext uri="{FF2B5EF4-FFF2-40B4-BE49-F238E27FC236}">
+                <a16:creationId xmlns:a16="http://schemas.microsoft.com/office/drawing/2014/main" id="{D869CB46-50FE-F604-6F53-925C208EB98F}"/>
+              </a:ext>
+            </a:extLst>
+          </p:cNvPr>
+          <p:cNvSpPr txBox="1"/>
+          <p:nvPr/>
+        </p:nvSpPr>
+        <p:spPr>
+          <a:xfrm>
+            <a:off x="7819868" y="1180053"/>
+            <a:ext cx="2660073" cy="646331"/>
+          </a:xfrm>
+          <a:prstGeom prst="rect">
+            <a:avLst/>
+          </a:prstGeom>
+          <a:noFill/>
+        </p:spPr>
+        <p:txBody>
+          <a:bodyPr wrap="square" rtlCol="0">
+            <a:spAutoFit/>
+          </a:bodyPr>
+          <a:lstStyle/>
+          <a:p>
+            <a:pPr algn="ctr"/>
+            <a:r>
+              <a:rPr lang="en-US" dirty="0"/>
+              <a:t>Picked Sample 2</a:t>
+            </a:r>
+          </a:p>
+          <a:p>
+            <a:pPr algn="ctr"/>
+            <a:r>
+              <a:rPr lang="en-US" dirty="0"/>
+              <a:t>Inputs, Outputs, &amp;Targets</a:t>
+            </a:r>
+          </a:p>
+        </p:txBody>
+      </p:sp>
+    </p:spTree>
+    <p:extLst>
+      <p:ext uri="{BB962C8B-B14F-4D97-AF65-F5344CB8AC3E}">
+        <p14:creationId xmlns:p14="http://schemas.microsoft.com/office/powerpoint/2010/main" val="1569401539"/>
+      </p:ext>
+    </p:extLst>
+  </p:cSld>
+  <p:clrMapOvr>
+    <a:masterClrMapping/>
+  </p:clrMapOvr>
+</p:sld>
+</file>
+
+<file path=ppt/slides/slide13.xml><?xml version="1.0" encoding="utf-8"?>
+<p:sld xmlns:a="http://schemas.openxmlformats.org/drawingml/2006/main" xmlns:r="http://schemas.openxmlformats.org/officeDocument/2006/relationships" xmlns:p="http://schemas.openxmlformats.org/presentationml/2006/main">
+  <p:cSld>
+    <p:spTree>
+      <p:nvGrpSpPr>
+        <p:cNvPr id="1" name="">
+          <a:extLst>
+            <a:ext uri="{FF2B5EF4-FFF2-40B4-BE49-F238E27FC236}">
+              <a16:creationId xmlns:a16="http://schemas.microsoft.com/office/drawing/2014/main" id="{DC571F3A-45C4-730F-E639-295D2EBE848F}"/>
+            </a:ext>
+          </a:extLst>
+        </p:cNvPr>
+        <p:cNvGrpSpPr/>
+        <p:nvPr/>
+      </p:nvGrpSpPr>
+      <p:grpSpPr>
+        <a:xfrm>
+          <a:off x="0" y="0"/>
+          <a:ext cx="0" cy="0"/>
+          <a:chOff x="0" y="0"/>
+          <a:chExt cx="0" cy="0"/>
+        </a:xfrm>
+      </p:grpSpPr>
+      <p:sp>
+        <p:nvSpPr>
+          <p:cNvPr id="2" name="Title 1">
+            <a:extLst>
+              <a:ext uri="{FF2B5EF4-FFF2-40B4-BE49-F238E27FC236}">
+                <a16:creationId xmlns:a16="http://schemas.microsoft.com/office/drawing/2014/main" id="{2940F464-98CD-CBF7-EDC3-BD211E63E847}"/>
+              </a:ext>
+            </a:extLst>
+          </p:cNvPr>
+          <p:cNvSpPr>
+            <a:spLocks noGrp="1"/>
+          </p:cNvSpPr>
+          <p:nvPr>
+            <p:ph type="title"/>
+          </p:nvPr>
+        </p:nvSpPr>
+        <p:spPr>
+          <a:xfrm>
+            <a:off x="838200" y="90397"/>
+            <a:ext cx="10515600" cy="1056686"/>
+          </a:xfrm>
+        </p:spPr>
+        <p:txBody>
+          <a:bodyPr/>
+          <a:lstStyle/>
+          <a:p>
+            <a:pPr algn="ctr"/>
+            <a:r>
+              <a:rPr lang="en-US" sz="4000">
+                <a:latin typeface="Segoe UI Light" panose="020B0502040204020203" pitchFamily="34" charset="0"/>
+                <a:ea typeface="Calibri" panose="020F0502020204030204" pitchFamily="34" charset="0"/>
+                <a:cs typeface="Segoe UI Light" panose="020B0502040204020203" pitchFamily="34" charset="0"/>
+              </a:rPr>
+              <a:t>Conclusions &amp; </a:t>
+            </a:r>
+            <a:r>
+              <a:rPr lang="en-US" sz="4000" dirty="0">
+                <a:latin typeface="Segoe UI Light" panose="020B0502040204020203" pitchFamily="34" charset="0"/>
+                <a:ea typeface="Calibri" panose="020F0502020204030204" pitchFamily="34" charset="0"/>
+                <a:cs typeface="Segoe UI Light" panose="020B0502040204020203" pitchFamily="34" charset="0"/>
+              </a:rPr>
+              <a:t>Future Work</a:t>
+            </a:r>
+          </a:p>
+        </p:txBody>
+      </p:sp>
+      <p:sp>
+        <p:nvSpPr>
+          <p:cNvPr id="8" name="Content Placeholder 2">
+            <a:extLst>
+              <a:ext uri="{FF2B5EF4-FFF2-40B4-BE49-F238E27FC236}">
+                <a16:creationId xmlns:a16="http://schemas.microsoft.com/office/drawing/2014/main" id="{121A1056-D85E-0E07-63E6-DF1CA8887DE7}"/>
+              </a:ext>
+            </a:extLst>
+          </p:cNvPr>
+          <p:cNvSpPr txBox="1">
+            <a:spLocks/>
+          </p:cNvSpPr>
+          <p:nvPr/>
+        </p:nvSpPr>
+        <p:spPr>
+          <a:xfrm>
+            <a:off x="6095999" y="1046654"/>
+            <a:ext cx="5754779" cy="5029883"/>
+          </a:xfrm>
+          <a:prstGeom prst="rect">
+            <a:avLst/>
+          </a:prstGeom>
+        </p:spPr>
+        <p:txBody>
+          <a:bodyPr vert="horz" lIns="91440" tIns="45720" rIns="91440" bIns="45720" rtlCol="0">
+            <a:normAutofit/>
+          </a:bodyPr>
+          <a:lstStyle>
+            <a:lvl1pPr marL="228600" indent="-228600" algn="l" defTabSz="914400" rtl="0" eaLnBrk="1" latinLnBrk="0" hangingPunct="1">
+              <a:lnSpc>
+                <a:spcPct val="90000"/>
+              </a:lnSpc>
+              <a:spcBef>
+                <a:spcPts val="1000"/>
+              </a:spcBef>
+              <a:buFont typeface="Arial" panose="020B0604020202020204" pitchFamily="34" charset="0"/>
+              <a:buChar char="•"/>
+              <a:defRPr sz="2800" kern="1200">
+                <a:solidFill>
+                  <a:schemeClr val="accent6">
+                    <a:lumMod val="75000"/>
+                  </a:schemeClr>
+                </a:solidFill>
+                <a:latin typeface="Trebuchet MS" panose="020B0603020202020204" pitchFamily="34" charset="0"/>
+                <a:ea typeface="+mn-ea"/>
+                <a:cs typeface="+mn-cs"/>
+              </a:defRPr>
+            </a:lvl1pPr>
+            <a:lvl2pPr marL="685800" indent="-228600" algn="l" defTabSz="914400" rtl="0" eaLnBrk="1" latinLnBrk="0" hangingPunct="1">
+              <a:lnSpc>
+                <a:spcPct val="90000"/>
+              </a:lnSpc>
+              <a:spcBef>
+                <a:spcPts val="500"/>
+              </a:spcBef>
+              <a:buFont typeface="Arial" panose="020B0604020202020204" pitchFamily="34" charset="0"/>
+              <a:buChar char="•"/>
+              <a:defRPr sz="2400" kern="1200">
+                <a:solidFill>
+                  <a:schemeClr val="accent6">
+                    <a:lumMod val="75000"/>
+                  </a:schemeClr>
+                </a:solidFill>
+                <a:latin typeface="Trebuchet MS" panose="020B0603020202020204" pitchFamily="34" charset="0"/>
+                <a:ea typeface="+mn-ea"/>
+                <a:cs typeface="+mn-cs"/>
+              </a:defRPr>
+            </a:lvl2pPr>
+            <a:lvl3pPr marL="1143000" indent="-228600" algn="l" defTabSz="914400" rtl="0" eaLnBrk="1" latinLnBrk="0" hangingPunct="1">
+              <a:lnSpc>
+                <a:spcPct val="90000"/>
+              </a:lnSpc>
+              <a:spcBef>
+                <a:spcPts val="500"/>
+              </a:spcBef>
+              <a:buFont typeface="Arial" panose="020B0604020202020204" pitchFamily="34" charset="0"/>
+              <a:buChar char="•"/>
+              <a:defRPr sz="2000" kern="1200">
+                <a:solidFill>
+                  <a:schemeClr val="accent6">
+                    <a:lumMod val="75000"/>
+                  </a:schemeClr>
+                </a:solidFill>
+                <a:latin typeface="Trebuchet MS" panose="020B0603020202020204" pitchFamily="34" charset="0"/>
+                <a:ea typeface="+mn-ea"/>
+                <a:cs typeface="+mn-cs"/>
+              </a:defRPr>
+            </a:lvl3pPr>
+            <a:lvl4pPr marL="1600200" indent="-228600" algn="l" defTabSz="914400" rtl="0" eaLnBrk="1" latinLnBrk="0" hangingPunct="1">
+              <a:lnSpc>
+                <a:spcPct val="90000"/>
+              </a:lnSpc>
+              <a:spcBef>
+                <a:spcPts val="500"/>
+              </a:spcBef>
+              <a:buFont typeface="Arial" panose="020B0604020202020204" pitchFamily="34" charset="0"/>
+              <a:buChar char="•"/>
+              <a:defRPr sz="1800" kern="1200">
+                <a:solidFill>
+                  <a:schemeClr val="accent6">
+                    <a:lumMod val="75000"/>
+                  </a:schemeClr>
+                </a:solidFill>
+                <a:latin typeface="Trebuchet MS" panose="020B0603020202020204" pitchFamily="34" charset="0"/>
+                <a:ea typeface="+mn-ea"/>
+                <a:cs typeface="+mn-cs"/>
+              </a:defRPr>
+            </a:lvl4pPr>
+            <a:lvl5pPr marL="2057400" indent="-228600" algn="l" defTabSz="914400" rtl="0" eaLnBrk="1" latinLnBrk="0" hangingPunct="1">
+              <a:lnSpc>
+                <a:spcPct val="90000"/>
+              </a:lnSpc>
+              <a:spcBef>
+                <a:spcPts val="500"/>
+              </a:spcBef>
+              <a:buFont typeface="Arial" panose="020B0604020202020204" pitchFamily="34" charset="0"/>
+              <a:buChar char="•"/>
+              <a:defRPr sz="1800" kern="1200">
+                <a:solidFill>
+                  <a:schemeClr val="accent6">
+                    <a:lumMod val="75000"/>
+                  </a:schemeClr>
+                </a:solidFill>
+                <a:latin typeface="Trebuchet MS" panose="020B0603020202020204" pitchFamily="34" charset="0"/>
+                <a:ea typeface="+mn-ea"/>
+                <a:cs typeface="+mn-cs"/>
+              </a:defRPr>
+            </a:lvl5pPr>
+            <a:lvl6pPr marL="2514600" indent="-228600" algn="l" defTabSz="914400" rtl="0" eaLnBrk="1" latinLnBrk="0" hangingPunct="1">
+              <a:lnSpc>
+                <a:spcPct val="90000"/>
+              </a:lnSpc>
+              <a:spcBef>
+                <a:spcPts val="500"/>
+              </a:spcBef>
+              <a:buFont typeface="Arial" panose="020B0604020202020204" pitchFamily="34" charset="0"/>
+              <a:buChar char="•"/>
+              <a:defRPr sz="1800" kern="1200">
+                <a:solidFill>
+                  <a:schemeClr val="tx1"/>
+                </a:solidFill>
+                <a:latin typeface="+mn-lt"/>
+                <a:ea typeface="+mn-ea"/>
+                <a:cs typeface="+mn-cs"/>
+              </a:defRPr>
+            </a:lvl6pPr>
+            <a:lvl7pPr marL="2971800" indent="-228600" algn="l" defTabSz="914400" rtl="0" eaLnBrk="1" latinLnBrk="0" hangingPunct="1">
+              <a:lnSpc>
+                <a:spcPct val="90000"/>
+              </a:lnSpc>
+              <a:spcBef>
+                <a:spcPts val="500"/>
+              </a:spcBef>
+              <a:buFont typeface="Arial" panose="020B0604020202020204" pitchFamily="34" charset="0"/>
+              <a:buChar char="•"/>
+              <a:defRPr sz="1800" kern="1200">
+                <a:solidFill>
+                  <a:schemeClr val="tx1"/>
+                </a:solidFill>
+                <a:latin typeface="+mn-lt"/>
+                <a:ea typeface="+mn-ea"/>
+                <a:cs typeface="+mn-cs"/>
+              </a:defRPr>
+            </a:lvl7pPr>
+            <a:lvl8pPr marL="3429000" indent="-228600" algn="l" defTabSz="914400" rtl="0" eaLnBrk="1" latinLnBrk="0" hangingPunct="1">
+              <a:lnSpc>
+                <a:spcPct val="90000"/>
+              </a:lnSpc>
+              <a:spcBef>
+                <a:spcPts val="500"/>
+              </a:spcBef>
+              <a:buFont typeface="Arial" panose="020B0604020202020204" pitchFamily="34" charset="0"/>
+              <a:buChar char="•"/>
+              <a:defRPr sz="1800" kern="1200">
+                <a:solidFill>
+                  <a:schemeClr val="tx1"/>
+                </a:solidFill>
+                <a:latin typeface="+mn-lt"/>
+                <a:ea typeface="+mn-ea"/>
+                <a:cs typeface="+mn-cs"/>
+              </a:defRPr>
+            </a:lvl8pPr>
+            <a:lvl9pPr marL="3886200" indent="-228600" algn="l" defTabSz="914400" rtl="0" eaLnBrk="1" latinLnBrk="0" hangingPunct="1">
+              <a:lnSpc>
+                <a:spcPct val="90000"/>
+              </a:lnSpc>
+              <a:spcBef>
+                <a:spcPts val="500"/>
+              </a:spcBef>
+              <a:buFont typeface="Arial" panose="020B0604020202020204" pitchFamily="34" charset="0"/>
+              <a:buChar char="•"/>
+              <a:defRPr sz="1800" kern="1200">
+                <a:solidFill>
+                  <a:schemeClr val="tx1"/>
+                </a:solidFill>
+                <a:latin typeface="+mn-lt"/>
+                <a:ea typeface="+mn-ea"/>
+                <a:cs typeface="+mn-cs"/>
+              </a:defRPr>
+            </a:lvl9pPr>
+          </a:lstStyle>
+          <a:p>
+            <a:r>
+              <a:rPr lang="en-US" sz="2000" dirty="0">
+                <a:solidFill>
+                  <a:schemeClr val="tx1"/>
+                </a:solidFill>
+              </a:rPr>
+              <a:t>Train model with more geometry examples to increase performance on all possible geometries in the 8 fold symmetry group.</a:t>
+            </a:r>
+          </a:p>
+          <a:p>
+            <a:r>
+              <a:rPr lang="en-US" sz="2000" dirty="0">
+                <a:solidFill>
+                  <a:schemeClr val="tx1"/>
+                </a:solidFill>
+              </a:rPr>
+              <a:t>Expand to binary geometries (swap from continuous pixel values)</a:t>
+            </a:r>
+          </a:p>
+          <a:p>
+            <a:r>
+              <a:rPr lang="en-US" sz="2000" dirty="0">
+                <a:solidFill>
+                  <a:schemeClr val="tx1"/>
+                </a:solidFill>
+              </a:rPr>
+              <a:t>Expand to asymmetric geometries</a:t>
+            </a:r>
+          </a:p>
+          <a:p>
+            <a:r>
+              <a:rPr lang="en-US" sz="2000" dirty="0">
+                <a:solidFill>
+                  <a:schemeClr val="tx1"/>
+                </a:solidFill>
+              </a:rPr>
+              <a:t>Test model performance retention on half and double resolution scenarios.</a:t>
+            </a:r>
+          </a:p>
+          <a:p>
+            <a:r>
+              <a:rPr lang="en-US" sz="2000" dirty="0">
+                <a:solidFill>
+                  <a:schemeClr val="tx1"/>
+                </a:solidFill>
+              </a:rPr>
+              <a:t>Augment loss terms with physics informed terms. (More complicated for eigenvalue PDEs.)</a:t>
+            </a:r>
+            <a:endParaRPr lang="en-US" sz="1600" dirty="0">
+              <a:solidFill>
+                <a:schemeClr val="tx1"/>
+              </a:solidFill>
+            </a:endParaRPr>
+          </a:p>
+          <a:p>
+            <a:pPr marL="0" indent="0">
+              <a:buNone/>
+            </a:pPr>
+            <a:endParaRPr lang="en-US" sz="2000" dirty="0">
+              <a:solidFill>
+                <a:schemeClr val="tx1"/>
+              </a:solidFill>
+            </a:endParaRPr>
+          </a:p>
+        </p:txBody>
+      </p:sp>
+      <p:sp>
+        <p:nvSpPr>
+          <p:cNvPr id="3" name="Content Placeholder 2">
+            <a:extLst>
+              <a:ext uri="{FF2B5EF4-FFF2-40B4-BE49-F238E27FC236}">
+                <a16:creationId xmlns:a16="http://schemas.microsoft.com/office/drawing/2014/main" id="{4C8CA141-E39B-09A3-0BAA-3F37EBDC8AC3}"/>
+              </a:ext>
+            </a:extLst>
+          </p:cNvPr>
+          <p:cNvSpPr txBox="1">
+            <a:spLocks/>
+          </p:cNvSpPr>
+          <p:nvPr/>
+        </p:nvSpPr>
+        <p:spPr>
+          <a:xfrm>
+            <a:off x="341222" y="1046653"/>
+            <a:ext cx="5754779" cy="5029883"/>
+          </a:xfrm>
+          <a:prstGeom prst="rect">
+            <a:avLst/>
+          </a:prstGeom>
+        </p:spPr>
+        <p:txBody>
+          <a:bodyPr vert="horz" lIns="91440" tIns="45720" rIns="91440" bIns="45720" rtlCol="0">
+            <a:normAutofit/>
+          </a:bodyPr>
+          <a:lstStyle>
+            <a:lvl1pPr marL="228600" indent="-228600" algn="l" defTabSz="914400" rtl="0" eaLnBrk="1" latinLnBrk="0" hangingPunct="1">
+              <a:lnSpc>
+                <a:spcPct val="90000"/>
+              </a:lnSpc>
+              <a:spcBef>
+                <a:spcPts val="1000"/>
+              </a:spcBef>
+              <a:buFont typeface="Arial" panose="020B0604020202020204" pitchFamily="34" charset="0"/>
+              <a:buChar char="•"/>
+              <a:defRPr sz="2800" kern="1200">
+                <a:solidFill>
+                  <a:schemeClr val="accent6">
+                    <a:lumMod val="75000"/>
+                  </a:schemeClr>
+                </a:solidFill>
+                <a:latin typeface="Trebuchet MS" panose="020B0603020202020204" pitchFamily="34" charset="0"/>
+                <a:ea typeface="+mn-ea"/>
+                <a:cs typeface="+mn-cs"/>
+              </a:defRPr>
+            </a:lvl1pPr>
+            <a:lvl2pPr marL="685800" indent="-228600" algn="l" defTabSz="914400" rtl="0" eaLnBrk="1" latinLnBrk="0" hangingPunct="1">
+              <a:lnSpc>
+                <a:spcPct val="90000"/>
+              </a:lnSpc>
+              <a:spcBef>
+                <a:spcPts val="500"/>
+              </a:spcBef>
+              <a:buFont typeface="Arial" panose="020B0604020202020204" pitchFamily="34" charset="0"/>
+              <a:buChar char="•"/>
+              <a:defRPr sz="2400" kern="1200">
+                <a:solidFill>
+                  <a:schemeClr val="accent6">
+                    <a:lumMod val="75000"/>
+                  </a:schemeClr>
+                </a:solidFill>
+                <a:latin typeface="Trebuchet MS" panose="020B0603020202020204" pitchFamily="34" charset="0"/>
+                <a:ea typeface="+mn-ea"/>
+                <a:cs typeface="+mn-cs"/>
+              </a:defRPr>
+            </a:lvl2pPr>
+            <a:lvl3pPr marL="1143000" indent="-228600" algn="l" defTabSz="914400" rtl="0" eaLnBrk="1" latinLnBrk="0" hangingPunct="1">
+              <a:lnSpc>
+                <a:spcPct val="90000"/>
+              </a:lnSpc>
+              <a:spcBef>
+                <a:spcPts val="500"/>
+              </a:spcBef>
+              <a:buFont typeface="Arial" panose="020B0604020202020204" pitchFamily="34" charset="0"/>
+              <a:buChar char="•"/>
+              <a:defRPr sz="2000" kern="1200">
+                <a:solidFill>
+                  <a:schemeClr val="accent6">
+                    <a:lumMod val="75000"/>
+                  </a:schemeClr>
+                </a:solidFill>
+                <a:latin typeface="Trebuchet MS" panose="020B0603020202020204" pitchFamily="34" charset="0"/>
+                <a:ea typeface="+mn-ea"/>
+                <a:cs typeface="+mn-cs"/>
+              </a:defRPr>
+            </a:lvl3pPr>
+            <a:lvl4pPr marL="1600200" indent="-228600" algn="l" defTabSz="914400" rtl="0" eaLnBrk="1" latinLnBrk="0" hangingPunct="1">
+              <a:lnSpc>
+                <a:spcPct val="90000"/>
+              </a:lnSpc>
+              <a:spcBef>
+                <a:spcPts val="500"/>
+              </a:spcBef>
+              <a:buFont typeface="Arial" panose="020B0604020202020204" pitchFamily="34" charset="0"/>
+              <a:buChar char="•"/>
+              <a:defRPr sz="1800" kern="1200">
+                <a:solidFill>
+                  <a:schemeClr val="accent6">
+                    <a:lumMod val="75000"/>
+                  </a:schemeClr>
+                </a:solidFill>
+                <a:latin typeface="Trebuchet MS" panose="020B0603020202020204" pitchFamily="34" charset="0"/>
+                <a:ea typeface="+mn-ea"/>
+                <a:cs typeface="+mn-cs"/>
+              </a:defRPr>
+            </a:lvl4pPr>
+            <a:lvl5pPr marL="2057400" indent="-228600" algn="l" defTabSz="914400" rtl="0" eaLnBrk="1" latinLnBrk="0" hangingPunct="1">
+              <a:lnSpc>
+                <a:spcPct val="90000"/>
+              </a:lnSpc>
+              <a:spcBef>
+                <a:spcPts val="500"/>
+              </a:spcBef>
+              <a:buFont typeface="Arial" panose="020B0604020202020204" pitchFamily="34" charset="0"/>
+              <a:buChar char="•"/>
+              <a:defRPr sz="1800" kern="1200">
+                <a:solidFill>
+                  <a:schemeClr val="accent6">
+                    <a:lumMod val="75000"/>
+                  </a:schemeClr>
+                </a:solidFill>
+                <a:latin typeface="Trebuchet MS" panose="020B0603020202020204" pitchFamily="34" charset="0"/>
+                <a:ea typeface="+mn-ea"/>
+                <a:cs typeface="+mn-cs"/>
+              </a:defRPr>
+            </a:lvl5pPr>
+            <a:lvl6pPr marL="2514600" indent="-228600" algn="l" defTabSz="914400" rtl="0" eaLnBrk="1" latinLnBrk="0" hangingPunct="1">
+              <a:lnSpc>
+                <a:spcPct val="90000"/>
+              </a:lnSpc>
+              <a:spcBef>
+                <a:spcPts val="500"/>
+              </a:spcBef>
+              <a:buFont typeface="Arial" panose="020B0604020202020204" pitchFamily="34" charset="0"/>
+              <a:buChar char="•"/>
+              <a:defRPr sz="1800" kern="1200">
+                <a:solidFill>
+                  <a:schemeClr val="tx1"/>
+                </a:solidFill>
+                <a:latin typeface="+mn-lt"/>
+                <a:ea typeface="+mn-ea"/>
+                <a:cs typeface="+mn-cs"/>
+              </a:defRPr>
+            </a:lvl6pPr>
+            <a:lvl7pPr marL="2971800" indent="-228600" algn="l" defTabSz="914400" rtl="0" eaLnBrk="1" latinLnBrk="0" hangingPunct="1">
+              <a:lnSpc>
+                <a:spcPct val="90000"/>
+              </a:lnSpc>
+              <a:spcBef>
+                <a:spcPts val="500"/>
+              </a:spcBef>
+              <a:buFont typeface="Arial" panose="020B0604020202020204" pitchFamily="34" charset="0"/>
+              <a:buChar char="•"/>
+              <a:defRPr sz="1800" kern="1200">
+                <a:solidFill>
+                  <a:schemeClr val="tx1"/>
+                </a:solidFill>
+                <a:latin typeface="+mn-lt"/>
+                <a:ea typeface="+mn-ea"/>
+                <a:cs typeface="+mn-cs"/>
+              </a:defRPr>
+            </a:lvl7pPr>
+            <a:lvl8pPr marL="3429000" indent="-228600" algn="l" defTabSz="914400" rtl="0" eaLnBrk="1" latinLnBrk="0" hangingPunct="1">
+              <a:lnSpc>
+                <a:spcPct val="90000"/>
+              </a:lnSpc>
+              <a:spcBef>
+                <a:spcPts val="500"/>
+              </a:spcBef>
+              <a:buFont typeface="Arial" panose="020B0604020202020204" pitchFamily="34" charset="0"/>
+              <a:buChar char="•"/>
+              <a:defRPr sz="1800" kern="1200">
+                <a:solidFill>
+                  <a:schemeClr val="tx1"/>
+                </a:solidFill>
+                <a:latin typeface="+mn-lt"/>
+                <a:ea typeface="+mn-ea"/>
+                <a:cs typeface="+mn-cs"/>
+              </a:defRPr>
+            </a:lvl8pPr>
+            <a:lvl9pPr marL="3886200" indent="-228600" algn="l" defTabSz="914400" rtl="0" eaLnBrk="1" latinLnBrk="0" hangingPunct="1">
+              <a:lnSpc>
+                <a:spcPct val="90000"/>
+              </a:lnSpc>
+              <a:spcBef>
+                <a:spcPts val="500"/>
+              </a:spcBef>
+              <a:buFont typeface="Arial" panose="020B0604020202020204" pitchFamily="34" charset="0"/>
+              <a:buChar char="•"/>
+              <a:defRPr sz="1800" kern="1200">
+                <a:solidFill>
+                  <a:schemeClr val="tx1"/>
+                </a:solidFill>
+                <a:latin typeface="+mn-lt"/>
+                <a:ea typeface="+mn-ea"/>
+                <a:cs typeface="+mn-cs"/>
+              </a:defRPr>
+            </a:lvl9pPr>
+          </a:lstStyle>
+          <a:p>
+            <a:r>
+              <a:rPr lang="en-US" sz="2000" dirty="0">
+                <a:solidFill>
+                  <a:schemeClr val="tx1"/>
+                </a:solidFill>
+              </a:rPr>
+              <a:t>FNOs are able to solve eigenvalue PDEs, and even deterministically toggle between different solutions for the same structure.</a:t>
+            </a:r>
+          </a:p>
+          <a:p>
+            <a:r>
+              <a:rPr lang="en-US" sz="2000" dirty="0">
+                <a:solidFill>
+                  <a:schemeClr val="tx1"/>
+                </a:solidFill>
+              </a:rPr>
+              <a:t>FNOs are intrinsically wavelet operators, due to their two branch nature</a:t>
+            </a:r>
+          </a:p>
+          <a:p>
+            <a:r>
+              <a:rPr lang="en-US" sz="2000" dirty="0">
+                <a:solidFill>
+                  <a:schemeClr val="tx1"/>
+                </a:solidFill>
+              </a:rPr>
+              <a:t>To maximize FNO effectiveness, both spatial and frequency domain information should be passed in.</a:t>
+            </a:r>
+          </a:p>
+          <a:p>
+            <a:r>
+              <a:rPr lang="en-US" sz="2000" dirty="0">
+                <a:solidFill>
+                  <a:schemeClr val="tx1"/>
+                </a:solidFill>
+              </a:rPr>
+              <a:t>FNOs can extrapolate to unseen geometries, correctly predicting multiple deformation modes (and their band order) for given excitations.</a:t>
+            </a:r>
+          </a:p>
+          <a:p>
+            <a:r>
+              <a:rPr lang="en-US" sz="2000" dirty="0">
+                <a:solidFill>
+                  <a:schemeClr val="tx1"/>
+                </a:solidFill>
+              </a:rPr>
+              <a:t>Learning rate needs to be kept low for this sort of model, there are areas of the loss landscape which are flat, which can optimizers to get stuck.</a:t>
+            </a:r>
+          </a:p>
+        </p:txBody>
+      </p:sp>
+      <p:pic>
+        <p:nvPicPr>
+          <p:cNvPr id="6" name="Picture 5" descr="A qr code with a blue circle and a white envelope&#10;&#10;AI-generated content may be incorrect.">
+            <a:extLst>
+              <a:ext uri="{FF2B5EF4-FFF2-40B4-BE49-F238E27FC236}">
+                <a16:creationId xmlns:a16="http://schemas.microsoft.com/office/drawing/2014/main" id="{1ECFDA15-2B68-0FDE-0430-C1BB46FB5274}"/>
+              </a:ext>
+            </a:extLst>
+          </p:cNvPr>
+          <p:cNvPicPr>
+            <a:picLocks noChangeAspect="1"/>
+          </p:cNvPicPr>
+          <p:nvPr/>
+        </p:nvPicPr>
+        <p:blipFill>
+          <a:blip r:embed="rId2"/>
+          <a:stretch>
+            <a:fillRect/>
+          </a:stretch>
+        </p:blipFill>
+        <p:spPr>
+          <a:xfrm>
+            <a:off x="6095998" y="4959489"/>
+            <a:ext cx="6096001" cy="1898511"/>
+          </a:xfrm>
+          <a:prstGeom prst="rect">
+            <a:avLst/>
+          </a:prstGeom>
+        </p:spPr>
+      </p:pic>
+    </p:spTree>
+    <p:extLst>
+      <p:ext uri="{BB962C8B-B14F-4D97-AF65-F5344CB8AC3E}">
+        <p14:creationId xmlns:p14="http://schemas.microsoft.com/office/powerpoint/2010/main" val="3596196355"/>
+      </p:ext>
+    </p:extLst>
+  </p:cSld>
+  <p:clrMapOvr>
+    <a:masterClrMapping/>
+  </p:clrMapOvr>
+</p:sld>
+</file>
+
+<file path=ppt/slides/slide14.xml><?xml version="1.0" encoding="utf-8"?>
+<p:sld xmlns:a="http://schemas.openxmlformats.org/drawingml/2006/main" xmlns:r="http://schemas.openxmlformats.org/officeDocument/2006/relationships" xmlns:p="http://schemas.openxmlformats.org/presentationml/2006/main">
+  <p:cSld>
+    <p:spTree>
+      <p:nvGrpSpPr>
+        <p:cNvPr id="1" name="">
+          <a:extLst>
+            <a:ext uri="{FF2B5EF4-FFF2-40B4-BE49-F238E27FC236}">
+              <a16:creationId xmlns:a16="http://schemas.microsoft.com/office/drawing/2014/main" id="{65152AE9-2F76-8122-9A40-460ABD40D752}"/>
+            </a:ext>
+          </a:extLst>
+        </p:cNvPr>
+        <p:cNvGrpSpPr/>
+        <p:nvPr/>
+      </p:nvGrpSpPr>
+      <p:grpSpPr>
+        <a:xfrm>
+          <a:off x="0" y="0"/>
+          <a:ext cx="0" cy="0"/>
+          <a:chOff x="0" y="0"/>
+          <a:chExt cx="0" cy="0"/>
+        </a:xfrm>
+      </p:grpSpPr>
+      <p:pic>
+        <p:nvPicPr>
+          <p:cNvPr id="5" name="Picture 4" descr="A diagram of a company&#10;&#10;AI-generated content may be incorrect.">
+            <a:extLst>
+              <a:ext uri="{FF2B5EF4-FFF2-40B4-BE49-F238E27FC236}">
+                <a16:creationId xmlns:a16="http://schemas.microsoft.com/office/drawing/2014/main" id="{40358334-CC20-3BE1-08C2-793F8431DADD}"/>
+              </a:ext>
+            </a:extLst>
+          </p:cNvPr>
+          <p:cNvPicPr>
+            <a:picLocks noChangeAspect="1"/>
+          </p:cNvPicPr>
+          <p:nvPr/>
+        </p:nvPicPr>
+        <p:blipFill>
+          <a:blip r:embed="rId2"/>
+          <a:srcRect l="2707" t="5760" r="2639" b="14125"/>
+          <a:stretch>
+            <a:fillRect/>
+          </a:stretch>
+        </p:blipFill>
+        <p:spPr>
+          <a:xfrm>
+            <a:off x="0" y="963045"/>
+            <a:ext cx="12192000" cy="5804558"/>
+          </a:xfrm>
+          <a:prstGeom prst="rect">
+            <a:avLst/>
+          </a:prstGeom>
+          <a:noFill/>
+        </p:spPr>
+      </p:pic>
+      <p:sp>
+        <p:nvSpPr>
+          <p:cNvPr id="11" name="Title 1">
+            <a:extLst>
+              <a:ext uri="{FF2B5EF4-FFF2-40B4-BE49-F238E27FC236}">
+                <a16:creationId xmlns:a16="http://schemas.microsoft.com/office/drawing/2014/main" id="{A275553B-8E22-2DB5-C721-F0E52B31964E}"/>
+              </a:ext>
+            </a:extLst>
+          </p:cNvPr>
+          <p:cNvSpPr>
+            <a:spLocks noGrp="1"/>
+          </p:cNvSpPr>
+          <p:nvPr>
+            <p:ph type="title"/>
+          </p:nvPr>
+        </p:nvSpPr>
+        <p:spPr>
+          <a:xfrm>
+            <a:off x="838200" y="90397"/>
+            <a:ext cx="10515600" cy="1056686"/>
+          </a:xfrm>
+        </p:spPr>
+        <p:txBody>
+          <a:bodyPr/>
+          <a:lstStyle/>
+          <a:p>
+            <a:pPr algn="ctr"/>
+            <a:r>
+              <a:rPr lang="en-US" sz="4000" dirty="0">
+                <a:latin typeface="Segoe UI Light" panose="020B0502040204020203" pitchFamily="34" charset="0"/>
+                <a:ea typeface="Calibri" panose="020F0502020204030204" pitchFamily="34" charset="0"/>
+                <a:cs typeface="Segoe UI Light" panose="020B0502040204020203" pitchFamily="34" charset="0"/>
+              </a:rPr>
+              <a:t>FEA Process</a:t>
+            </a:r>
+          </a:p>
+        </p:txBody>
+      </p:sp>
+    </p:spTree>
+    <p:extLst>
+      <p:ext uri="{BB962C8B-B14F-4D97-AF65-F5344CB8AC3E}">
+        <p14:creationId xmlns:p14="http://schemas.microsoft.com/office/powerpoint/2010/main" val="679682636"/>
+      </p:ext>
+    </p:extLst>
+  </p:cSld>
+  <p:clrMapOvr>
+    <a:masterClrMapping/>
+  </p:clrMapOvr>
+</p:sld>
+</file>
+
+<file path=ppt/slides/slide15.xml><?xml version="1.0" encoding="utf-8"?>
+<p:sld xmlns:a="http://schemas.openxmlformats.org/drawingml/2006/main" xmlns:r="http://schemas.openxmlformats.org/officeDocument/2006/relationships" xmlns:p="http://schemas.openxmlformats.org/presentationml/2006/main">
+  <p:cSld>
+    <p:spTree>
+      <p:nvGrpSpPr>
+        <p:cNvPr id="1" name="">
+          <a:extLst>
+            <a:ext uri="{FF2B5EF4-FFF2-40B4-BE49-F238E27FC236}">
+              <a16:creationId xmlns:a16="http://schemas.microsoft.com/office/drawing/2014/main" id="{11DB0E2E-1B9C-4DB6-A057-EE6D292745B4}"/>
+            </a:ext>
+          </a:extLst>
+        </p:cNvPr>
+        <p:cNvGrpSpPr/>
+        <p:nvPr/>
+      </p:nvGrpSpPr>
+      <p:grpSpPr>
+        <a:xfrm>
+          <a:off x="0" y="0"/>
+          <a:ext cx="0" cy="0"/>
+          <a:chOff x="0" y="0"/>
+          <a:chExt cx="0" cy="0"/>
+        </a:xfrm>
+      </p:grpSpPr>
+      <p:sp>
+        <p:nvSpPr>
+          <p:cNvPr id="11" name="Title 1">
+            <a:extLst>
+              <a:ext uri="{FF2B5EF4-FFF2-40B4-BE49-F238E27FC236}">
+                <a16:creationId xmlns:a16="http://schemas.microsoft.com/office/drawing/2014/main" id="{0C036CE4-1B93-7C7E-816F-285E2A9D574F}"/>
+              </a:ext>
+            </a:extLst>
+          </p:cNvPr>
+          <p:cNvSpPr>
+            <a:spLocks noGrp="1"/>
+          </p:cNvSpPr>
+          <p:nvPr>
+            <p:ph type="title"/>
+          </p:nvPr>
+        </p:nvSpPr>
+        <p:spPr>
+          <a:xfrm>
+            <a:off x="838200" y="90396"/>
+            <a:ext cx="10515600" cy="1134033"/>
+          </a:xfrm>
+        </p:spPr>
+        <p:txBody>
+          <a:bodyPr/>
+          <a:lstStyle/>
+          <a:p>
+            <a:pPr algn="ctr"/>
+            <a:r>
+              <a:rPr lang="en-US" sz="4000" dirty="0">
+                <a:latin typeface="Segoe UI Light" panose="020B0502040204020203" pitchFamily="34" charset="0"/>
+                <a:ea typeface="Calibri" panose="020F0502020204030204" pitchFamily="34" charset="0"/>
+                <a:cs typeface="Segoe UI Light" panose="020B0502040204020203" pitchFamily="34" charset="0"/>
+              </a:rPr>
+              <a:t>Physics Informed Loss for an Eigenvalue PDE</a:t>
+            </a:r>
+          </a:p>
+        </p:txBody>
+      </p:sp>
+      <p:pic>
+        <p:nvPicPr>
+          <p:cNvPr id="3" name="Picture 2" descr="A diagram of a company&#10;&#10;AI-generated content may be incorrect.">
+            <a:extLst>
+              <a:ext uri="{FF2B5EF4-FFF2-40B4-BE49-F238E27FC236}">
+                <a16:creationId xmlns:a16="http://schemas.microsoft.com/office/drawing/2014/main" id="{2A0BD967-C483-2571-C9B2-740522AB2EDC}"/>
+              </a:ext>
+            </a:extLst>
+          </p:cNvPr>
+          <p:cNvPicPr>
+            <a:picLocks noChangeAspect="1"/>
+          </p:cNvPicPr>
+          <p:nvPr/>
+        </p:nvPicPr>
+        <p:blipFill>
+          <a:blip r:embed="rId2"/>
+          <a:stretch>
+            <a:fillRect/>
+          </a:stretch>
+        </p:blipFill>
+        <p:spPr>
+          <a:xfrm>
+            <a:off x="1409414" y="1224430"/>
+            <a:ext cx="9274628" cy="5216978"/>
+          </a:xfrm>
+          <a:prstGeom prst="rect">
+            <a:avLst/>
+          </a:prstGeom>
+        </p:spPr>
+      </p:pic>
+    </p:spTree>
+    <p:extLst>
+      <p:ext uri="{BB962C8B-B14F-4D97-AF65-F5344CB8AC3E}">
+        <p14:creationId xmlns:p14="http://schemas.microsoft.com/office/powerpoint/2010/main" val="2550733236"/>
+      </p:ext>
+    </p:extLst>
+  </p:cSld>
+  <p:clrMapOvr>
+    <a:masterClrMapping/>
+  </p:clrMapOvr>
+</p:sld>
+</file>
+
+<file path=ppt/slides/slide16.xml><?xml version="1.0" encoding="utf-8"?>
+<p:sld xmlns:a="http://schemas.openxmlformats.org/drawingml/2006/main" xmlns:r="http://schemas.openxmlformats.org/officeDocument/2006/relationships" xmlns:p="http://schemas.openxmlformats.org/presentationml/2006/main">
+  <p:cSld>
+    <p:spTree>
+      <p:nvGrpSpPr>
+        <p:cNvPr id="1" name="">
+          <a:extLst>
+            <a:ext uri="{FF2B5EF4-FFF2-40B4-BE49-F238E27FC236}">
+              <a16:creationId xmlns:a16="http://schemas.microsoft.com/office/drawing/2014/main" id="{8D56F5DA-560A-C80A-1BDB-CD4F0790DAF1}"/>
+            </a:ext>
+          </a:extLst>
+        </p:cNvPr>
+        <p:cNvGrpSpPr/>
+        <p:nvPr/>
+      </p:nvGrpSpPr>
+      <p:grpSpPr>
+        <a:xfrm>
+          <a:off x="0" y="0"/>
+          <a:ext cx="0" cy="0"/>
+          <a:chOff x="0" y="0"/>
+          <a:chExt cx="0" cy="0"/>
+        </a:xfrm>
+      </p:grpSpPr>
+      <p:sp>
+        <p:nvSpPr>
+          <p:cNvPr id="11" name="Title 1">
+            <a:extLst>
+              <a:ext uri="{FF2B5EF4-FFF2-40B4-BE49-F238E27FC236}">
+                <a16:creationId xmlns:a16="http://schemas.microsoft.com/office/drawing/2014/main" id="{B11AC1D6-3664-B43A-6AD9-FD3B9A4CA657}"/>
+              </a:ext>
+            </a:extLst>
+          </p:cNvPr>
+          <p:cNvSpPr>
+            <a:spLocks noGrp="1"/>
+          </p:cNvSpPr>
+          <p:nvPr>
+            <p:ph type="title"/>
+          </p:nvPr>
+        </p:nvSpPr>
+        <p:spPr>
+          <a:xfrm>
+            <a:off x="838200" y="90396"/>
+            <a:ext cx="10515600" cy="1134033"/>
+          </a:xfrm>
+        </p:spPr>
+        <p:txBody>
+          <a:bodyPr/>
+          <a:lstStyle/>
+          <a:p>
+            <a:pPr algn="ctr"/>
+            <a:r>
+              <a:rPr lang="en-US" sz="4000" dirty="0">
+                <a:latin typeface="Segoe UI Light" panose="020B0502040204020203" pitchFamily="34" charset="0"/>
+                <a:ea typeface="Calibri" panose="020F0502020204030204" pitchFamily="34" charset="0"/>
+                <a:cs typeface="Segoe UI Light" panose="020B0502040204020203" pitchFamily="34" charset="0"/>
+              </a:rPr>
+              <a:t>Methodology Flowchart</a:t>
+            </a:r>
+          </a:p>
+        </p:txBody>
+      </p:sp>
+      <p:pic>
+        <p:nvPicPr>
+          <p:cNvPr id="4" name="Picture 3" descr="A diagram of a company&#10;&#10;AI-generated content may be incorrect.">
+            <a:extLst>
+              <a:ext uri="{FF2B5EF4-FFF2-40B4-BE49-F238E27FC236}">
+                <a16:creationId xmlns:a16="http://schemas.microsoft.com/office/drawing/2014/main" id="{82D82A23-196F-ACC3-30A0-B6DFDBEC5276}"/>
+              </a:ext>
+            </a:extLst>
+          </p:cNvPr>
+          <p:cNvPicPr>
+            <a:picLocks noChangeAspect="1"/>
+          </p:cNvPicPr>
+          <p:nvPr/>
+        </p:nvPicPr>
+        <p:blipFill>
+          <a:blip r:embed="rId2"/>
+          <a:srcRect l="4260" t="1965" r="1156" b="3095"/>
+          <a:stretch>
+            <a:fillRect/>
+          </a:stretch>
+        </p:blipFill>
+        <p:spPr>
+          <a:xfrm>
+            <a:off x="598142" y="1116708"/>
+            <a:ext cx="10168402" cy="5741292"/>
+          </a:xfrm>
+          <a:prstGeom prst="rect">
+            <a:avLst/>
+          </a:prstGeom>
+        </p:spPr>
+      </p:pic>
+    </p:spTree>
+    <p:extLst>
+      <p:ext uri="{BB962C8B-B14F-4D97-AF65-F5344CB8AC3E}">
+        <p14:creationId xmlns:p14="http://schemas.microsoft.com/office/powerpoint/2010/main" val="3108955197"/>
       </p:ext>
     </p:extLst>
   </p:cSld>
@@ -5526,7 +7889,7 @@
       </mc:AlternateContent>
       <p:pic>
         <p:nvPicPr>
-          <p:cNvPr id="4" name="Picture 3" descr="A screenshot of a color palette&#10;&#10;AI-generated content may be incorrect.">
+          <p:cNvPr id="4" name="Picture 3">
             <a:extLst>
               <a:ext uri="{FF2B5EF4-FFF2-40B4-BE49-F238E27FC236}">
                 <a16:creationId xmlns:a16="http://schemas.microsoft.com/office/drawing/2014/main" id="{40AB2DAE-FF93-2DFD-80EB-2B5E7DED038D}"/>
@@ -5540,15 +7903,15 @@
         </p:nvPicPr>
         <p:blipFill>
           <a:blip r:embed="rId3"/>
-          <a:srcRect l="818" t="9007" r="67175" b="2087"/>
+          <a:srcRect l="669" t="13357" r="72636" b="7889"/>
           <a:stretch>
             <a:fillRect/>
           </a:stretch>
         </p:blipFill>
         <p:spPr>
           <a:xfrm>
-            <a:off x="2941986" y="974467"/>
-            <a:ext cx="2291937" cy="2312837"/>
+            <a:off x="2849914" y="1014506"/>
+            <a:ext cx="2291937" cy="2232757"/>
           </a:xfrm>
           <a:prstGeom prst="rect">
             <a:avLst/>

--- a/NO_2D_metamaterials_talk.pptx
+++ b/NO_2D_metamaterials_talk.pptx
@@ -4974,7 +4974,7 @@
                 <a:ea typeface="Calibri" panose="020F0502020204030204" pitchFamily="34" charset="0"/>
                 <a:cs typeface="Segoe UI Light" panose="020B0502040204020203" pitchFamily="34" charset="0"/>
               </a:rPr>
-              <a:t>Fourier Neural Operators as a Surrogate Eigenvalue PDE Solver for Acoustic Metamaterials</a:t>
+              <a:t>Multi-input, Multi-output Neural Operator Learning for Acoustic Metamaterials </a:t>
             </a:r>
           </a:p>
         </p:txBody>
@@ -4997,12 +4997,14 @@
         </p:nvSpPr>
         <p:spPr>
           <a:xfrm>
-            <a:off x="1524000" y="4729549"/>
-            <a:ext cx="9144000" cy="800100"/>
+            <a:off x="1524000" y="4347798"/>
+            <a:ext cx="9144000" cy="1181851"/>
           </a:xfrm>
         </p:spPr>
         <p:txBody>
-          <a:bodyPr/>
+          <a:bodyPr>
+            <a:normAutofit fontScale="85000" lnSpcReduction="10000"/>
+          </a:bodyPr>
           <a:lstStyle/>
           <a:p>
             <a:r>
@@ -5022,6 +5024,35 @@
               </a:rPr>
               <a:t>Han Zhang</a:t>
             </a:r>
+          </a:p>
+          <a:p>
+            <a:r>
+              <a:rPr kumimoji="0" lang="en-US" sz="2400" b="0" i="0" u="none" strike="noStrike" kern="1200" cap="none" spc="0" normalizeH="0" baseline="0" noProof="0" dirty="0">
+                <a:ln>
+                  <a:noFill/>
+                </a:ln>
+                <a:solidFill>
+                  <a:srgbClr val="002060"/>
+                </a:solidFill>
+                <a:effectLst/>
+                <a:uLnTx/>
+                <a:uFillTx/>
+                <a:latin typeface="Trebuchet MS" panose="020B0603020202020204" pitchFamily="34" charset="0"/>
+                <a:ea typeface="+mn-ea"/>
+                <a:cs typeface="+mn-cs"/>
+              </a:rPr>
+              <a:t>Ph.D. Candidate</a:t>
+            </a:r>
+          </a:p>
+          <a:p>
+            <a:r>
+              <a:rPr lang="en-US" dirty="0">
+                <a:solidFill>
+                  <a:srgbClr val="002060"/>
+                </a:solidFill>
+              </a:rPr>
+              <a:t>Duke University, Department of Mechanical Engineering &amp; Materials Science</a:t>
+            </a:r>
             <a:endParaRPr kumimoji="0" lang="en-US" sz="2400" b="0" i="0" u="none" strike="noStrike" kern="1200" cap="none" spc="0" normalizeH="0" baseline="0" noProof="0" dirty="0">
               <a:ln>
                 <a:noFill/>
@@ -5041,216 +5072,6 @@
             <a:endParaRPr lang="en-US" dirty="0">
               <a:solidFill>
                 <a:srgbClr val="002060"/>
-              </a:solidFill>
-            </a:endParaRPr>
-          </a:p>
-        </p:txBody>
-      </p:sp>
-      <p:sp>
-        <p:nvSpPr>
-          <p:cNvPr id="7" name="Subtitle 2">
-            <a:extLst>
-              <a:ext uri="{FF2B5EF4-FFF2-40B4-BE49-F238E27FC236}">
-                <a16:creationId xmlns:a16="http://schemas.microsoft.com/office/drawing/2014/main" id="{0C3ABF4E-5F55-444C-8362-BCAC4BA17E2D}"/>
-              </a:ext>
-            </a:extLst>
-          </p:cNvPr>
-          <p:cNvSpPr txBox="1">
-            <a:spLocks/>
-          </p:cNvSpPr>
-          <p:nvPr/>
-        </p:nvSpPr>
-        <p:spPr>
-          <a:xfrm>
-            <a:off x="1524000" y="5739714"/>
-            <a:ext cx="9144000" cy="800100"/>
-          </a:xfrm>
-          <a:prstGeom prst="rect">
-            <a:avLst/>
-          </a:prstGeom>
-        </p:spPr>
-        <p:txBody>
-          <a:bodyPr vert="horz" lIns="91440" tIns="45720" rIns="91440" bIns="45720" rtlCol="0">
-            <a:normAutofit/>
-          </a:bodyPr>
-          <a:lstStyle>
-            <a:lvl1pPr marL="0" indent="0" algn="ctr" defTabSz="914400" rtl="0" eaLnBrk="1" latinLnBrk="0" hangingPunct="1">
-              <a:lnSpc>
-                <a:spcPct val="90000"/>
-              </a:lnSpc>
-              <a:spcBef>
-                <a:spcPts val="1000"/>
-              </a:spcBef>
-              <a:buFont typeface="Arial" panose="020B0604020202020204" pitchFamily="34" charset="0"/>
-              <a:buNone/>
-              <a:defRPr sz="2400" kern="1200">
-                <a:solidFill>
-                  <a:schemeClr val="accent6">
-                    <a:lumMod val="75000"/>
-                  </a:schemeClr>
-                </a:solidFill>
-                <a:latin typeface="Trebuchet MS" panose="020B0603020202020204" pitchFamily="34" charset="0"/>
-                <a:ea typeface="+mn-ea"/>
-                <a:cs typeface="+mn-cs"/>
-              </a:defRPr>
-            </a:lvl1pPr>
-            <a:lvl2pPr marL="457200" indent="0" algn="ctr" defTabSz="914400" rtl="0" eaLnBrk="1" latinLnBrk="0" hangingPunct="1">
-              <a:lnSpc>
-                <a:spcPct val="90000"/>
-              </a:lnSpc>
-              <a:spcBef>
-                <a:spcPts val="500"/>
-              </a:spcBef>
-              <a:buFont typeface="Arial" panose="020B0604020202020204" pitchFamily="34" charset="0"/>
-              <a:buNone/>
-              <a:defRPr sz="2000" kern="1200">
-                <a:solidFill>
-                  <a:schemeClr val="accent6">
-                    <a:lumMod val="75000"/>
-                  </a:schemeClr>
-                </a:solidFill>
-                <a:latin typeface="Trebuchet MS" panose="020B0603020202020204" pitchFamily="34" charset="0"/>
-                <a:ea typeface="+mn-ea"/>
-                <a:cs typeface="+mn-cs"/>
-              </a:defRPr>
-            </a:lvl2pPr>
-            <a:lvl3pPr marL="914400" indent="0" algn="ctr" defTabSz="914400" rtl="0" eaLnBrk="1" latinLnBrk="0" hangingPunct="1">
-              <a:lnSpc>
-                <a:spcPct val="90000"/>
-              </a:lnSpc>
-              <a:spcBef>
-                <a:spcPts val="500"/>
-              </a:spcBef>
-              <a:buFont typeface="Arial" panose="020B0604020202020204" pitchFamily="34" charset="0"/>
-              <a:buNone/>
-              <a:defRPr sz="1800" kern="1200">
-                <a:solidFill>
-                  <a:schemeClr val="accent6">
-                    <a:lumMod val="75000"/>
-                  </a:schemeClr>
-                </a:solidFill>
-                <a:latin typeface="Trebuchet MS" panose="020B0603020202020204" pitchFamily="34" charset="0"/>
-                <a:ea typeface="+mn-ea"/>
-                <a:cs typeface="+mn-cs"/>
-              </a:defRPr>
-            </a:lvl3pPr>
-            <a:lvl4pPr marL="1371600" indent="0" algn="ctr" defTabSz="914400" rtl="0" eaLnBrk="1" latinLnBrk="0" hangingPunct="1">
-              <a:lnSpc>
-                <a:spcPct val="90000"/>
-              </a:lnSpc>
-              <a:spcBef>
-                <a:spcPts val="500"/>
-              </a:spcBef>
-              <a:buFont typeface="Arial" panose="020B0604020202020204" pitchFamily="34" charset="0"/>
-              <a:buNone/>
-              <a:defRPr sz="1600" kern="1200">
-                <a:solidFill>
-                  <a:schemeClr val="accent6">
-                    <a:lumMod val="75000"/>
-                  </a:schemeClr>
-                </a:solidFill>
-                <a:latin typeface="Trebuchet MS" panose="020B0603020202020204" pitchFamily="34" charset="0"/>
-                <a:ea typeface="+mn-ea"/>
-                <a:cs typeface="+mn-cs"/>
-              </a:defRPr>
-            </a:lvl4pPr>
-            <a:lvl5pPr marL="1828800" indent="0" algn="ctr" defTabSz="914400" rtl="0" eaLnBrk="1" latinLnBrk="0" hangingPunct="1">
-              <a:lnSpc>
-                <a:spcPct val="90000"/>
-              </a:lnSpc>
-              <a:spcBef>
-                <a:spcPts val="500"/>
-              </a:spcBef>
-              <a:buFont typeface="Arial" panose="020B0604020202020204" pitchFamily="34" charset="0"/>
-              <a:buNone/>
-              <a:defRPr sz="1600" kern="1200">
-                <a:solidFill>
-                  <a:schemeClr val="accent6">
-                    <a:lumMod val="75000"/>
-                  </a:schemeClr>
-                </a:solidFill>
-                <a:latin typeface="Trebuchet MS" panose="020B0603020202020204" pitchFamily="34" charset="0"/>
-                <a:ea typeface="+mn-ea"/>
-                <a:cs typeface="+mn-cs"/>
-              </a:defRPr>
-            </a:lvl5pPr>
-            <a:lvl6pPr marL="2286000" indent="0" algn="ctr" defTabSz="914400" rtl="0" eaLnBrk="1" latinLnBrk="0" hangingPunct="1">
-              <a:lnSpc>
-                <a:spcPct val="90000"/>
-              </a:lnSpc>
-              <a:spcBef>
-                <a:spcPts val="500"/>
-              </a:spcBef>
-              <a:buFont typeface="Arial" panose="020B0604020202020204" pitchFamily="34" charset="0"/>
-              <a:buNone/>
-              <a:defRPr sz="1600" kern="1200">
-                <a:solidFill>
-                  <a:schemeClr val="tx1"/>
-                </a:solidFill>
-                <a:latin typeface="+mn-lt"/>
-                <a:ea typeface="+mn-ea"/>
-                <a:cs typeface="+mn-cs"/>
-              </a:defRPr>
-            </a:lvl6pPr>
-            <a:lvl7pPr marL="2743200" indent="0" algn="ctr" defTabSz="914400" rtl="0" eaLnBrk="1" latinLnBrk="0" hangingPunct="1">
-              <a:lnSpc>
-                <a:spcPct val="90000"/>
-              </a:lnSpc>
-              <a:spcBef>
-                <a:spcPts val="500"/>
-              </a:spcBef>
-              <a:buFont typeface="Arial" panose="020B0604020202020204" pitchFamily="34" charset="0"/>
-              <a:buNone/>
-              <a:defRPr sz="1600" kern="1200">
-                <a:solidFill>
-                  <a:schemeClr val="tx1"/>
-                </a:solidFill>
-                <a:latin typeface="+mn-lt"/>
-                <a:ea typeface="+mn-ea"/>
-                <a:cs typeface="+mn-cs"/>
-              </a:defRPr>
-            </a:lvl7pPr>
-            <a:lvl8pPr marL="3200400" indent="0" algn="ctr" defTabSz="914400" rtl="0" eaLnBrk="1" latinLnBrk="0" hangingPunct="1">
-              <a:lnSpc>
-                <a:spcPct val="90000"/>
-              </a:lnSpc>
-              <a:spcBef>
-                <a:spcPts val="500"/>
-              </a:spcBef>
-              <a:buFont typeface="Arial" panose="020B0604020202020204" pitchFamily="34" charset="0"/>
-              <a:buNone/>
-              <a:defRPr sz="1600" kern="1200">
-                <a:solidFill>
-                  <a:schemeClr val="tx1"/>
-                </a:solidFill>
-                <a:latin typeface="+mn-lt"/>
-                <a:ea typeface="+mn-ea"/>
-                <a:cs typeface="+mn-cs"/>
-              </a:defRPr>
-            </a:lvl8pPr>
-            <a:lvl9pPr marL="3657600" indent="0" algn="ctr" defTabSz="914400" rtl="0" eaLnBrk="1" latinLnBrk="0" hangingPunct="1">
-              <a:lnSpc>
-                <a:spcPct val="90000"/>
-              </a:lnSpc>
-              <a:spcBef>
-                <a:spcPts val="500"/>
-              </a:spcBef>
-              <a:buFont typeface="Arial" panose="020B0604020202020204" pitchFamily="34" charset="0"/>
-              <a:buNone/>
-              <a:defRPr sz="1600" kern="1200">
-                <a:solidFill>
-                  <a:schemeClr val="tx1"/>
-                </a:solidFill>
-                <a:latin typeface="+mn-lt"/>
-                <a:ea typeface="+mn-ea"/>
-                <a:cs typeface="+mn-cs"/>
-              </a:defRPr>
-            </a:lvl9pPr>
-          </a:lstStyle>
-          <a:p>
-            <a:endParaRPr lang="en-US" sz="2000" dirty="0">
-              <a:solidFill>
-                <a:schemeClr val="accent6"/>
               </a:solidFill>
             </a:endParaRPr>
           </a:p>
@@ -5348,7 +5169,7 @@
                 <a:ea typeface="Calibri" panose="020F0502020204030204" pitchFamily="34" charset="0"/>
                 <a:cs typeface="Segoe UI Light" panose="020B0502040204020203" pitchFamily="34" charset="0"/>
               </a:rPr>
-              <a:t>Performance On Novel Geometries</a:t>
+              <a:t>Performance On Novel Unseen Geometries</a:t>
             </a:r>
           </a:p>
         </p:txBody>
@@ -5711,7 +5532,7 @@
                 <a:ea typeface="Calibri" panose="020F0502020204030204" pitchFamily="34" charset="0"/>
                 <a:cs typeface="Segoe UI Light" panose="020B0502040204020203" pitchFamily="34" charset="0"/>
               </a:rPr>
-              <a:t>Performance On Novel Geometries</a:t>
+              <a:t>Performance On Novel Unseen Geometries</a:t>
             </a:r>
           </a:p>
         </p:txBody>
@@ -5928,7 +5749,7 @@
             <a:pPr algn="ctr"/>
             <a:r>
               <a:rPr lang="en-US" dirty="0"/>
-              <a:t>Inputs, Outputs, &amp;Targets</a:t>
+              <a:t>Inputs, Outputs, &amp; Targets</a:t>
             </a:r>
           </a:p>
         </p:txBody>
@@ -5971,7 +5792,7 @@
             <a:pPr algn="ctr"/>
             <a:r>
               <a:rPr lang="en-US" dirty="0"/>
-              <a:t>Inputs, Outputs, &amp;Targets</a:t>
+              <a:t>Inputs, Outputs, &amp; Targets</a:t>
             </a:r>
           </a:p>
         </p:txBody>
@@ -6068,7 +5889,7 @@
                 <a:ea typeface="Calibri" panose="020F0502020204030204" pitchFamily="34" charset="0"/>
                 <a:cs typeface="Segoe UI Light" panose="020B0502040204020203" pitchFamily="34" charset="0"/>
               </a:rPr>
-              <a:t>Performance On Novel Geometries</a:t>
+              <a:t>Performance On Novel Unseen Geometries</a:t>
             </a:r>
           </a:p>
         </p:txBody>
@@ -6285,7 +6106,7 @@
             <a:pPr algn="ctr"/>
             <a:r>
               <a:rPr lang="en-US" dirty="0"/>
-              <a:t>Inputs, Outputs, &amp;Targets</a:t>
+              <a:t>Inputs, Outputs, &amp; Targets</a:t>
             </a:r>
           </a:p>
         </p:txBody>
@@ -6328,7 +6149,7 @@
             <a:pPr algn="ctr"/>
             <a:r>
               <a:rPr lang="en-US" dirty="0"/>
-              <a:t>Inputs, Outputs, &amp;Targets</a:t>
+              <a:t>Inputs, Outputs, &amp; Targets</a:t>
             </a:r>
           </a:p>
         </p:txBody>
@@ -6623,7 +6444,7 @@
                   <a:schemeClr val="tx1"/>
                 </a:solidFill>
               </a:rPr>
-              <a:t>Train model with more geometry examples to increase performance on all possible geometries in the 8 fold symmetry group.</a:t>
+              <a:t>Train model with more geometry examples to increase performance on all possible geometries in the 8-fold symmetry group.</a:t>
             </a:r>
           </a:p>
           <a:p>
@@ -6643,7 +6464,7 @@
                   <a:schemeClr val="tx1"/>
                 </a:solidFill>
               </a:rPr>
-              <a:t>Expand to asymmetric geometries</a:t>
+              <a:t>Expand to different symmetry groups and asymmetric geometries</a:t>
             </a:r>
           </a:p>
           <a:p>
@@ -6708,7 +6529,7 @@
         </p:spPr>
         <p:txBody>
           <a:bodyPr vert="horz" lIns="91440" tIns="45720" rIns="91440" bIns="45720" rtlCol="0">
-            <a:normAutofit/>
+            <a:normAutofit lnSpcReduction="10000"/>
           </a:bodyPr>
           <a:lstStyle>
             <a:lvl1pPr marL="228600" indent="-228600" algn="l" defTabSz="914400" rtl="0" eaLnBrk="1" latinLnBrk="0" hangingPunct="1">
@@ -6891,7 +6712,7 @@
                   <a:schemeClr val="tx1"/>
                 </a:solidFill>
               </a:rPr>
-              <a:t>FNOs are able to solve eigenvalue PDEs, and even deterministically toggle between different solutions for the same structure.</a:t>
+              <a:t>FNOs are able to solve eigenvalue PDEs, and deterministically toggle between different solutions for the same structure.</a:t>
             </a:r>
           </a:p>
           <a:p>
@@ -6901,7 +6722,7 @@
                   <a:schemeClr val="tx1"/>
                 </a:solidFill>
               </a:rPr>
-              <a:t>FNOs are intrinsically wavelet operators, due to their two branch nature</a:t>
+              <a:t>FNOs are intrinsically wavelet operators, due to their spatial and spectral branches architecture.</a:t>
             </a:r>
           </a:p>
           <a:p>
@@ -6911,7 +6732,7 @@
                   <a:schemeClr val="tx1"/>
                 </a:solidFill>
               </a:rPr>
-              <a:t>To maximize FNO effectiveness, both spatial and frequency domain information should be passed in.</a:t>
+              <a:t>To maximize FNO effectiveness, both spatial and frequency domain information of inputs should be passed in.</a:t>
             </a:r>
           </a:p>
           <a:p>
@@ -6921,7 +6742,7 @@
                   <a:schemeClr val="tx1"/>
                 </a:solidFill>
               </a:rPr>
-              <a:t>FNOs can extrapolate to unseen geometries, correctly predicting multiple deformation modes (and their band order) for given excitations.</a:t>
+              <a:t>FNOs can extrapolate to not just to unseen combinations, but also unseen geometries, correctly predicting multiple deformation modes for given excitations.</a:t>
             </a:r>
           </a:p>
           <a:p>
@@ -6931,7 +6752,7 @@
                   <a:schemeClr val="tx1"/>
                 </a:solidFill>
               </a:rPr>
-              <a:t>Learning rate needs to be kept low for this sort of model, there are areas of the loss landscape which are flat, which can optimizers to get stuck.</a:t>
+              <a:t>Learning rate needs to be kept low for this sort of model, there are areas of the loss landscape which are very flat, which can optimizers to get stuck.</a:t>
             </a:r>
           </a:p>
         </p:txBody>
@@ -7349,8 +7170,8 @@
           </a:p>
         </p:txBody>
       </p:sp>
-      <mc:AlternateContent xmlns:mc="http://schemas.openxmlformats.org/markup-compatibility/2006" xmlns:a14="http://schemas.microsoft.com/office/drawing/2010/main">
-        <mc:Choice Requires="a14">
+      <mc:AlternateContent xmlns:mc="http://schemas.openxmlformats.org/markup-compatibility/2006">
+        <mc:Choice xmlns:a14="http://schemas.microsoft.com/office/drawing/2010/main" Requires="a14">
           <p:sp>
             <p:nvSpPr>
               <p:cNvPr id="8" name="Content Placeholder 2">
@@ -7376,7 +7197,7 @@
             </p:spPr>
             <p:txBody>
               <a:bodyPr vert="horz" lIns="91440" tIns="45720" rIns="91440" bIns="45720" rtlCol="0">
-                <a:normAutofit/>
+                <a:normAutofit fontScale="92500"/>
               </a:bodyPr>
               <a:lstStyle>
                 <a:lvl1pPr marL="228600" indent="-228600" algn="l" defTabSz="914400" rtl="0" eaLnBrk="1" latinLnBrk="0" hangingPunct="1">
@@ -7559,7 +7380,17 @@
                       <a:schemeClr val="tx1"/>
                     </a:solidFill>
                   </a:rPr>
-                  <a:t>Context: characterizing metamaterial geometries</a:t>
+                  <a:t>The fundamental problem is metamaterial design</a:t>
+                </a:r>
+              </a:p>
+              <a:p>
+                <a:r>
+                  <a:rPr lang="en-US" sz="2000" dirty="0">
+                    <a:solidFill>
+                      <a:schemeClr val="tx1"/>
+                    </a:solidFill>
+                  </a:rPr>
+                  <a:t>Forward &amp; inverse design problems both require forward solvers.</a:t>
                 </a:r>
               </a:p>
               <a:p>
@@ -7581,7 +7412,7 @@
                       <a:schemeClr val="tx1"/>
                     </a:solidFill>
                   </a:rPr>
-                  <a:t>To characterize the material, pick a number if dispersion bands to solve for. Each band gives a set of deformation modes.</a:t>
+                  <a:t>To characterize the material, find its dispersion bands which correspond to deformation modes.</a:t>
                 </a:r>
               </a:p>
               <a:p>
@@ -7602,7 +7433,7 @@
                       <a:schemeClr val="tx1"/>
                     </a:solidFill>
                   </a:rPr>
-                  <a:t>FEA solvers are trying to solve:</a:t>
+                  <a:t>FEA in this case solves the wave equation for linear elastic solids with periodicity conditions:</a:t>
                 </a:r>
               </a:p>
               <a:p>
@@ -7793,7 +7624,7 @@
                       <a:schemeClr val="tx1"/>
                     </a:solidFill>
                   </a:rPr>
-                  <a:t>Fourier Neural operators</a:t>
+                  <a:t>Fourier Neural Operators (FNOs) </a:t>
                 </a:r>
               </a:p>
               <a:p>
@@ -7804,18 +7635,7 @@
                       <a:schemeClr val="tx1"/>
                     </a:solidFill>
                   </a:rPr>
-                  <a:t>Less compute cost per simulation. </a:t>
-                </a:r>
-              </a:p>
-              <a:p>
-                <a:pPr lvl="1"/>
-                <a:r>
-                  <a:rPr lang="en-US" sz="1600" dirty="0">
-                    <a:solidFill>
-                      <a:schemeClr val="tx1"/>
-                    </a:solidFill>
-                  </a:rPr>
-                  <a:t>High compute cost in generating training data.</a:t>
+                  <a:t>Moderate compute cost in generating training data, but orders of magnitude faster in cost per simulation. </a:t>
                 </a:r>
               </a:p>
               <a:p>
@@ -7827,6 +7647,17 @@
                     </a:solidFill>
                   </a:rPr>
                   <a:t>Demonstrated capability in solving non-eigenvalue PDEs</a:t>
+                </a:r>
+              </a:p>
+              <a:p>
+                <a:pPr lvl="1"/>
+                <a:r>
+                  <a:rPr lang="en-US" sz="1600" dirty="0">
+                    <a:solidFill>
+                      <a:schemeClr val="tx1"/>
+                    </a:solidFill>
+                  </a:rPr>
+                  <a:t>But can FNOs solve an eigenvalue PDE, and toggle deterministically between different solutions?</a:t>
                 </a:r>
               </a:p>
               <a:p>
@@ -7842,7 +7673,7 @@
             </p:txBody>
           </p:sp>
         </mc:Choice>
-        <mc:Fallback xmlns="">
+        <mc:Fallback>
           <p:sp>
             <p:nvSpPr>
               <p:cNvPr id="8" name="Content Placeholder 2">
@@ -7868,7 +7699,7 @@
               <a:blipFill>
                 <a:blip r:embed="rId2"/>
                 <a:stretch>
-                  <a:fillRect l="-846" t="-1455"/>
+                  <a:fillRect l="-752" t="-1212" r="-940" b="-485"/>
                 </a:stretch>
               </a:blipFill>
             </p:spPr>
@@ -8825,7 +8656,7 @@
                   <a:schemeClr val="tx1"/>
                 </a:solidFill>
               </a:rPr>
-              <a:t>Spectral (Fourier) layers</a:t>
+              <a:t>Arbitrary number of spectral (Fourier) layers</a:t>
             </a:r>
           </a:p>
           <a:p>
@@ -8927,7 +8758,18 @@
                   <a:schemeClr val="tx1"/>
                 </a:solidFill>
               </a:rPr>
-              <a:t>Last layer usually a projection layer that returns outputs from a high dimensional latent space to input dimensionality.</a:t>
+              <a:t>Last layer usually a projection layer</a:t>
+            </a:r>
+          </a:p>
+          <a:p>
+            <a:pPr lvl="1"/>
+            <a:r>
+              <a:rPr lang="en-US" sz="1600" dirty="0">
+                <a:solidFill>
+                  <a:schemeClr val="tx1"/>
+                </a:solidFill>
+              </a:rPr>
+              <a:t>returns outputs from a high dimensional latent space to input dimensionality.</a:t>
             </a:r>
           </a:p>
         </p:txBody>
@@ -9180,7 +9022,7 @@
         </p:spPr>
         <p:txBody>
           <a:bodyPr vert="horz" lIns="91440" tIns="45720" rIns="91440" bIns="45720" rtlCol="0">
-            <a:normAutofit/>
+            <a:normAutofit fontScale="92500" lnSpcReduction="20000"/>
           </a:bodyPr>
           <a:lstStyle>
             <a:lvl1pPr marL="228600" indent="-228600" algn="l" defTabSz="914400" rtl="0" eaLnBrk="1" latinLnBrk="0" hangingPunct="1">
@@ -9363,6 +9205,48 @@
                   <a:schemeClr val="tx1"/>
                 </a:solidFill>
               </a:rPr>
+              <a:t>FNO maps 4 inputs (geometry, band, </a:t>
+            </a:r>
+            <a:r>
+              <a:rPr lang="en-US" sz="2000" dirty="0" err="1">
+                <a:solidFill>
+                  <a:schemeClr val="tx1"/>
+                </a:solidFill>
+              </a:rPr>
+              <a:t>kx</a:t>
+            </a:r>
+            <a:r>
+              <a:rPr lang="en-US" sz="2000" dirty="0">
+                <a:solidFill>
+                  <a:schemeClr val="tx1"/>
+                </a:solidFill>
+              </a:rPr>
+              <a:t>, </a:t>
+            </a:r>
+            <a:r>
+              <a:rPr lang="en-US" sz="2000" dirty="0" err="1">
+                <a:solidFill>
+                  <a:schemeClr val="tx1"/>
+                </a:solidFill>
+              </a:rPr>
+              <a:t>ky</a:t>
+            </a:r>
+            <a:r>
+              <a:rPr lang="en-US" sz="2000" dirty="0">
+                <a:solidFill>
+                  <a:schemeClr val="tx1"/>
+                </a:solidFill>
+              </a:rPr>
+              <a:t>) to 4 displacement field outputs</a:t>
+            </a:r>
+          </a:p>
+          <a:p>
+            <a:r>
+              <a:rPr lang="en-US" sz="2000" dirty="0">
+                <a:solidFill>
+                  <a:schemeClr val="tx1"/>
+                </a:solidFill>
+              </a:rPr>
               <a:t>Geometry given in spatial representation (32x32 pixels)</a:t>
             </a:r>
             <a:endParaRPr lang="en-US" sz="1600" dirty="0">
@@ -9513,7 +9397,7 @@
                 <a:ea typeface="Calibri" panose="020F0502020204030204" pitchFamily="34" charset="0"/>
                 <a:cs typeface="Segoe UI Light" panose="020B0502040204020203" pitchFamily="34" charset="0"/>
               </a:rPr>
-              <a:t>Constant Field Encoding</a:t>
+              <a:t>Constant Field Encoding Training</a:t>
             </a:r>
           </a:p>
         </p:txBody>
@@ -9734,8 +9618,8 @@
         </p:nvSpPr>
         <p:spPr>
           <a:xfrm>
-            <a:off x="1064404" y="3059668"/>
-            <a:ext cx="1038225" cy="369332"/>
+            <a:off x="386862" y="3059668"/>
+            <a:ext cx="2673030" cy="369332"/>
           </a:xfrm>
           <a:prstGeom prst="rect">
             <a:avLst/>
@@ -9750,7 +9634,7 @@
           <a:p>
             <a:r>
               <a:rPr lang="en-US" dirty="0"/>
-              <a:t>Outputs</a:t>
+              <a:t>Outputs (Mode Collapse!)</a:t>
             </a:r>
           </a:p>
         </p:txBody>
@@ -10108,7 +9992,7 @@
         </p:spPr>
         <p:txBody>
           <a:bodyPr vert="horz" lIns="91440" tIns="45720" rIns="91440" bIns="45720" rtlCol="0">
-            <a:normAutofit/>
+            <a:normAutofit lnSpcReduction="10000"/>
           </a:bodyPr>
           <a:lstStyle>
             <a:lvl1pPr marL="228600" indent="-228600" algn="l" defTabSz="914400" rtl="0" eaLnBrk="1" latinLnBrk="0" hangingPunct="1">
@@ -10291,6 +10175,16 @@
                   <a:schemeClr val="tx1"/>
                 </a:solidFill>
               </a:rPr>
+              <a:t>FNO maps 3 inputs (geometry, wavevectors, &amp; band) to 4 displacement field outputs</a:t>
+            </a:r>
+          </a:p>
+          <a:p>
+            <a:r>
+              <a:rPr lang="en-US" sz="2000" dirty="0">
+                <a:solidFill>
+                  <a:schemeClr val="tx1"/>
+                </a:solidFill>
+              </a:rPr>
               <a:t>Geometry given in spatial representation (32x32 pixels) [0,1]</a:t>
             </a:r>
             <a:endParaRPr lang="en-US" sz="1600" dirty="0">
@@ -10377,7 +10271,7 @@
                 <a:ea typeface="Calibri" panose="020F0502020204030204" pitchFamily="34" charset="0"/>
                 <a:cs typeface="Segoe UI Light" panose="020B0502040204020203" pitchFamily="34" charset="0"/>
               </a:rPr>
-              <a:t>Sinusoidal Field Encoding</a:t>
+              <a:t>Sinusoidal Field Encoding Training</a:t>
             </a:r>
           </a:p>
         </p:txBody>
@@ -10720,8 +10614,8 @@
           <a:chExt cx="0" cy="0"/>
         </a:xfrm>
       </p:grpSpPr>
-      <mc:AlternateContent xmlns:mc="http://schemas.openxmlformats.org/markup-compatibility/2006">
-        <mc:Choice xmlns:a14="http://schemas.microsoft.com/office/drawing/2010/main" Requires="a14">
+      <mc:AlternateContent xmlns:mc="http://schemas.openxmlformats.org/markup-compatibility/2006" xmlns:a14="http://schemas.microsoft.com/office/drawing/2010/main">
+        <mc:Choice Requires="a14">
           <p:sp>
             <p:nvSpPr>
               <p:cNvPr id="19" name="Content Placeholder 2">
@@ -11036,7 +10930,7 @@
             </p:txBody>
           </p:sp>
         </mc:Choice>
-        <mc:Fallback>
+        <mc:Fallback xmlns="">
           <p:sp>
             <p:nvSpPr>
               <p:cNvPr id="19" name="Content Placeholder 2">
@@ -11207,8 +11101,8 @@
           </a:prstGeom>
         </p:spPr>
       </p:pic>
-      <mc:AlternateContent xmlns:mc="http://schemas.openxmlformats.org/markup-compatibility/2006">
-        <mc:Choice xmlns:a14="http://schemas.microsoft.com/office/drawing/2010/main" Requires="a14">
+      <mc:AlternateContent xmlns:mc="http://schemas.openxmlformats.org/markup-compatibility/2006" xmlns:a14="http://schemas.microsoft.com/office/drawing/2010/main">
+        <mc:Choice Requires="a14">
           <p:sp>
             <p:nvSpPr>
               <p:cNvPr id="8" name="Content Placeholder 2">
@@ -11588,7 +11482,7 @@
             </p:txBody>
           </p:sp>
         </mc:Choice>
-        <mc:Fallback>
+        <mc:Fallback xmlns="">
           <p:sp>
             <p:nvSpPr>
               <p:cNvPr id="8" name="Content Placeholder 2">
@@ -11638,8 +11532,8 @@
           </p:sp>
         </mc:Fallback>
       </mc:AlternateContent>
-      <mc:AlternateContent xmlns:mc="http://schemas.openxmlformats.org/markup-compatibility/2006">
-        <mc:Choice xmlns:a14="http://schemas.microsoft.com/office/drawing/2010/main" Requires="a14">
+      <mc:AlternateContent xmlns:mc="http://schemas.openxmlformats.org/markup-compatibility/2006" xmlns:a14="http://schemas.microsoft.com/office/drawing/2010/main">
+        <mc:Choice Requires="a14">
           <p:sp>
             <p:nvSpPr>
               <p:cNvPr id="11" name="Content Placeholder 2">
@@ -11952,7 +11846,7 @@
             </p:txBody>
           </p:sp>
         </mc:Choice>
-        <mc:Fallback>
+        <mc:Fallback xmlns="">
           <p:sp>
             <p:nvSpPr>
               <p:cNvPr id="11" name="Content Placeholder 2">
@@ -12002,8 +11896,8 @@
           </p:sp>
         </mc:Fallback>
       </mc:AlternateContent>
-      <mc:AlternateContent xmlns:mc="http://schemas.openxmlformats.org/markup-compatibility/2006">
-        <mc:Choice xmlns:a14="http://schemas.microsoft.com/office/drawing/2010/main" Requires="a14">
+      <mc:AlternateContent xmlns:mc="http://schemas.openxmlformats.org/markup-compatibility/2006" xmlns:a14="http://schemas.microsoft.com/office/drawing/2010/main">
+        <mc:Choice Requires="a14">
           <p:sp>
             <p:nvSpPr>
               <p:cNvPr id="18" name="Content Placeholder 2">
@@ -12670,7 +12564,7 @@
             </p:txBody>
           </p:sp>
         </mc:Choice>
-        <mc:Fallback>
+        <mc:Fallback xmlns="">
           <p:sp>
             <p:nvSpPr>
               <p:cNvPr id="18" name="Content Placeholder 2">
@@ -12756,8 +12650,8 @@
           <a:chExt cx="0" cy="0"/>
         </a:xfrm>
       </p:grpSpPr>
-      <mc:AlternateContent xmlns:mc="http://schemas.openxmlformats.org/markup-compatibility/2006">
-        <mc:Choice xmlns:a14="http://schemas.microsoft.com/office/drawing/2010/main" Requires="a14">
+      <mc:AlternateContent xmlns:mc="http://schemas.openxmlformats.org/markup-compatibility/2006" xmlns:a14="http://schemas.microsoft.com/office/drawing/2010/main">
+        <mc:Choice Requires="a14">
           <p:sp>
             <p:nvSpPr>
               <p:cNvPr id="19" name="Content Placeholder 2">
@@ -13015,43 +12909,7 @@
                           </a:solidFill>
                           <a:latin typeface="Cambria Math" panose="02040503050406030204" pitchFamily="18" charset="0"/>
                         </a:rPr>
-                        <m:t>=</m:t>
-                      </m:r>
-                      <m:r>
-                        <a:rPr lang="en-US" sz="1600" b="0" i="1" smtClean="0">
-                          <a:solidFill>
-                            <a:schemeClr val="tx1"/>
-                          </a:solidFill>
-                          <a:latin typeface="Cambria Math" panose="02040503050406030204" pitchFamily="18" charset="0"/>
-                        </a:rPr>
-                        <m:t>(</m:t>
-                      </m:r>
-                      <m:r>
-                        <a:rPr lang="en-US" sz="1600" b="0" i="1" smtClean="0">
-                          <a:solidFill>
-                            <a:schemeClr val="tx1"/>
-                          </a:solidFill>
-                          <a:latin typeface="Cambria Math" panose="02040503050406030204" pitchFamily="18" charset="0"/>
-                        </a:rPr>
-                        <m:t>1</m:t>
-                      </m:r>
-                      <m:r>
-                        <a:rPr lang="en-US" sz="1600" b="0" i="1" smtClean="0">
-                          <a:solidFill>
-                            <a:schemeClr val="tx1"/>
-                          </a:solidFill>
-                          <a:latin typeface="Cambria Math" panose="02040503050406030204" pitchFamily="18" charset="0"/>
-                        </a:rPr>
-                        <m:t>.01</m:t>
-                      </m:r>
-                      <m:r>
-                        <a:rPr lang="en-US" sz="1600" b="0" i="1" smtClean="0">
-                          <a:solidFill>
-                            <a:schemeClr val="tx1"/>
-                          </a:solidFill>
-                          <a:latin typeface="Cambria Math" panose="02040503050406030204" pitchFamily="18" charset="0"/>
-                        </a:rPr>
-                        <m:t>+</m:t>
+                        <m:t>=(1.01+</m:t>
                       </m:r>
                       <m:sSub>
                         <m:sSubPr>
@@ -13142,7 +13000,7 @@
             </p:txBody>
           </p:sp>
         </mc:Choice>
-        <mc:Fallback>
+        <mc:Fallback xmlns="">
           <p:sp>
             <p:nvSpPr>
               <p:cNvPr id="19" name="Content Placeholder 2">
@@ -13209,7 +13067,7 @@
         <p:spPr>
           <a:xfrm>
             <a:off x="5661560" y="90397"/>
-            <a:ext cx="5692239" cy="771015"/>
+            <a:ext cx="6382987" cy="771015"/>
           </a:xfrm>
           <a:prstGeom prst="rect">
             <a:avLst/>
@@ -13217,7 +13075,7 @@
         </p:spPr>
         <p:txBody>
           <a:bodyPr vert="horz" lIns="91440" tIns="45720" rIns="91440" bIns="45720" rtlCol="0" anchor="ctr">
-            <a:normAutofit fontScale="85000" lnSpcReduction="10000"/>
+            <a:normAutofit fontScale="77500" lnSpcReduction="20000"/>
           </a:bodyPr>
           <a:lstStyle>
             <a:lvl1pPr algn="l" defTabSz="914400" rtl="0" eaLnBrk="1" latinLnBrk="0" hangingPunct="1">
@@ -13248,7 +13106,7 @@
                 <a:ea typeface="Calibri" panose="020F0502020204030204" pitchFamily="34" charset="0"/>
                 <a:cs typeface="Segoe UI Light" panose="020B0502040204020203" pitchFamily="34" charset="0"/>
               </a:rPr>
-              <a:t>2D (Band) Wavelet Encoding</a:t>
+              <a:t>2D (Band) Wavelet Encoding Training</a:t>
             </a:r>
           </a:p>
         </p:txBody>
@@ -13311,8 +13169,8 @@
           </a:prstGeom>
         </p:spPr>
       </p:pic>
-      <mc:AlternateContent xmlns:mc="http://schemas.openxmlformats.org/markup-compatibility/2006">
-        <mc:Choice xmlns:a14="http://schemas.microsoft.com/office/drawing/2010/main" Requires="a14">
+      <mc:AlternateContent xmlns:mc="http://schemas.openxmlformats.org/markup-compatibility/2006" xmlns:a14="http://schemas.microsoft.com/office/drawing/2010/main">
+        <mc:Choice Requires="a14">
           <p:sp>
             <p:nvSpPr>
               <p:cNvPr id="8" name="Content Placeholder 2">
@@ -13684,7 +13542,7 @@
             </p:txBody>
           </p:sp>
         </mc:Choice>
-        <mc:Fallback>
+        <mc:Fallback xmlns="">
           <p:sp>
             <p:nvSpPr>
               <p:cNvPr id="8" name="Content Placeholder 2">
@@ -13734,8 +13592,8 @@
           </p:sp>
         </mc:Fallback>
       </mc:AlternateContent>
-      <mc:AlternateContent xmlns:mc="http://schemas.openxmlformats.org/markup-compatibility/2006">
-        <mc:Choice xmlns:a14="http://schemas.microsoft.com/office/drawing/2010/main" Requires="a14">
+      <mc:AlternateContent xmlns:mc="http://schemas.openxmlformats.org/markup-compatibility/2006" xmlns:a14="http://schemas.microsoft.com/office/drawing/2010/main">
+        <mc:Choice Requires="a14">
           <p:sp>
             <p:nvSpPr>
               <p:cNvPr id="11" name="Content Placeholder 2">
@@ -14048,16 +13906,7 @@
                               </a:solidFill>
                               <a:latin typeface="Cambria Math" panose="02040503050406030204" pitchFamily="18" charset="0"/>
                             </a:rPr>
-                            <m:t> </m:t>
-                          </m:r>
-                          <m:r>
-                            <a:rPr lang="en-US" sz="1400" b="0" i="1" smtClean="0">
-                              <a:solidFill>
-                                <a:schemeClr val="tx1"/>
-                              </a:solidFill>
-                              <a:latin typeface="Cambria Math" panose="02040503050406030204" pitchFamily="18" charset="0"/>
-                            </a:rPr>
-                            <m:t>% 5</m:t>
+                            <m:t> % 5</m:t>
                           </m:r>
                         </m:e>
                       </m:d>
@@ -14107,7 +13956,7 @@
             </p:txBody>
           </p:sp>
         </mc:Choice>
-        <mc:Fallback>
+        <mc:Fallback xmlns="">
           <p:sp>
             <p:nvSpPr>
               <p:cNvPr id="11" name="Content Placeholder 2">
@@ -14157,8 +14006,8 @@
           </p:sp>
         </mc:Fallback>
       </mc:AlternateContent>
-      <mc:AlternateContent xmlns:mc="http://schemas.openxmlformats.org/markup-compatibility/2006">
-        <mc:Choice xmlns:a14="http://schemas.microsoft.com/office/drawing/2010/main" Requires="a14">
+      <mc:AlternateContent xmlns:mc="http://schemas.openxmlformats.org/markup-compatibility/2006" xmlns:a14="http://schemas.microsoft.com/office/drawing/2010/main">
+        <mc:Choice Requires="a14">
           <p:sp>
             <p:nvSpPr>
               <p:cNvPr id="18" name="Content Placeholder 2">
@@ -15046,7 +14895,7 @@
             </p:txBody>
           </p:sp>
         </mc:Choice>
-        <mc:Fallback>
+        <mc:Fallback xmlns="">
           <p:sp>
             <p:nvSpPr>
               <p:cNvPr id="18" name="Content Placeholder 2">
@@ -15096,8 +14945,8 @@
           </p:sp>
         </mc:Fallback>
       </mc:AlternateContent>
-      <mc:AlternateContent xmlns:mc="http://schemas.openxmlformats.org/markup-compatibility/2006">
-        <mc:Choice xmlns:a14="http://schemas.microsoft.com/office/drawing/2010/main" Requires="a14">
+      <mc:AlternateContent xmlns:mc="http://schemas.openxmlformats.org/markup-compatibility/2006" xmlns:a14="http://schemas.microsoft.com/office/drawing/2010/main">
+        <mc:Choice Requires="a14">
           <p:sp>
             <p:nvSpPr>
               <p:cNvPr id="2" name="Content Placeholder 2">
@@ -15355,43 +15204,7 @@
                           </a:solidFill>
                           <a:latin typeface="Cambria Math" panose="02040503050406030204" pitchFamily="18" charset="0"/>
                         </a:rPr>
-                        <m:t>=</m:t>
-                      </m:r>
-                      <m:r>
-                        <a:rPr lang="en-US" sz="1500" b="0" i="1" smtClean="0">
-                          <a:solidFill>
-                            <a:schemeClr val="tx1"/>
-                          </a:solidFill>
-                          <a:latin typeface="Cambria Math" panose="02040503050406030204" pitchFamily="18" charset="0"/>
-                        </a:rPr>
-                        <m:t>(</m:t>
-                      </m:r>
-                      <m:r>
-                        <a:rPr lang="en-US" sz="1500" b="0" i="1" smtClean="0">
-                          <a:solidFill>
-                            <a:schemeClr val="tx1"/>
-                          </a:solidFill>
-                          <a:latin typeface="Cambria Math" panose="02040503050406030204" pitchFamily="18" charset="0"/>
-                        </a:rPr>
-                        <m:t>1</m:t>
-                      </m:r>
-                      <m:r>
-                        <a:rPr lang="en-US" sz="1500" b="0" i="1" smtClean="0">
-                          <a:solidFill>
-                            <a:schemeClr val="tx1"/>
-                          </a:solidFill>
-                          <a:latin typeface="Cambria Math" panose="02040503050406030204" pitchFamily="18" charset="0"/>
-                        </a:rPr>
-                        <m:t>.01</m:t>
-                      </m:r>
-                      <m:r>
-                        <a:rPr lang="en-US" sz="1500" b="0" i="1" smtClean="0">
-                          <a:solidFill>
-                            <a:schemeClr val="tx1"/>
-                          </a:solidFill>
-                          <a:latin typeface="Cambria Math" panose="02040503050406030204" pitchFamily="18" charset="0"/>
-                        </a:rPr>
-                        <m:t>+</m:t>
+                        <m:t>=(1.01+</m:t>
                       </m:r>
                       <m:sSub>
                         <m:sSubPr>
@@ -15482,7 +15295,7 @@
             </p:txBody>
           </p:sp>
         </mc:Choice>
-        <mc:Fallback>
+        <mc:Fallback xmlns="">
           <p:sp>
             <p:nvSpPr>
               <p:cNvPr id="2" name="Content Placeholder 2">
@@ -15532,8 +15345,8 @@
           </p:sp>
         </mc:Fallback>
       </mc:AlternateContent>
-      <mc:AlternateContent xmlns:mc="http://schemas.openxmlformats.org/markup-compatibility/2006">
-        <mc:Choice xmlns:a14="http://schemas.microsoft.com/office/drawing/2010/main" Requires="a14">
+      <mc:AlternateContent xmlns:mc="http://schemas.openxmlformats.org/markup-compatibility/2006" xmlns:a14="http://schemas.microsoft.com/office/drawing/2010/main">
+        <mc:Choice Requires="a14">
           <p:sp>
             <p:nvSpPr>
               <p:cNvPr id="5" name="Content Placeholder 2">
@@ -15846,16 +15659,7 @@
                               </a:solidFill>
                               <a:latin typeface="Cambria Math" panose="02040503050406030204" pitchFamily="18" charset="0"/>
                             </a:rPr>
-                            <m:t> </m:t>
-                          </m:r>
-                          <m:r>
-                            <a:rPr lang="en-US" sz="1400" b="0" i="1" smtClean="0">
-                              <a:solidFill>
-                                <a:schemeClr val="tx1"/>
-                              </a:solidFill>
-                              <a:latin typeface="Cambria Math" panose="02040503050406030204" pitchFamily="18" charset="0"/>
-                            </a:rPr>
-                            <m:t>% 7</m:t>
+                            <m:t> % 7</m:t>
                           </m:r>
                         </m:e>
                       </m:d>
@@ -15905,7 +15709,7 @@
             </p:txBody>
           </p:sp>
         </mc:Choice>
-        <mc:Fallback>
+        <mc:Fallback xmlns="">
           <p:sp>
             <p:nvSpPr>
               <p:cNvPr id="5" name="Content Placeholder 2">
@@ -15955,8 +15759,8 @@
           </p:sp>
         </mc:Fallback>
       </mc:AlternateContent>
-      <mc:AlternateContent xmlns:mc="http://schemas.openxmlformats.org/markup-compatibility/2006">
-        <mc:Choice xmlns:a14="http://schemas.microsoft.com/office/drawing/2010/main" Requires="a14">
+      <mc:AlternateContent xmlns:mc="http://schemas.openxmlformats.org/markup-compatibility/2006" xmlns:a14="http://schemas.microsoft.com/office/drawing/2010/main">
+        <mc:Choice Requires="a14">
           <p:sp>
             <p:nvSpPr>
               <p:cNvPr id="10" name="Content Placeholder 2">
@@ -16450,7 +16254,7 @@
                           </a:solidFill>
                           <a:latin typeface="Cambria Math" panose="02040503050406030204" pitchFamily="18" charset="0"/>
                         </a:rPr>
-                        <m:t>𝑦𝑐</m:t>
+                        <m:t>𝑦𝑐𝑜</m:t>
                       </m:r>
                       <m:r>
                         <a:rPr lang="en-US" sz="1400" b="0" i="1" smtClean="0">
@@ -16459,7 +16263,7 @@
                           </a:solidFill>
                           <a:latin typeface="Cambria Math" panose="02040503050406030204" pitchFamily="18" charset="0"/>
                         </a:rPr>
-                        <m:t>𝑜𝑠</m:t>
+                        <m:t>𝑠</m:t>
                       </m:r>
                       <m:sSub>
                         <m:sSubPr>
@@ -16519,7 +16323,7 @@
             </p:txBody>
           </p:sp>
         </mc:Choice>
-        <mc:Fallback>
+        <mc:Fallback xmlns="">
           <p:sp>
             <p:nvSpPr>
               <p:cNvPr id="10" name="Content Placeholder 2">
@@ -16630,7 +16434,7 @@
         </p:spPr>
         <p:txBody>
           <a:bodyPr vert="horz" lIns="91440" tIns="45720" rIns="91440" bIns="45720" rtlCol="0">
-            <a:normAutofit/>
+            <a:normAutofit lnSpcReduction="10000"/>
           </a:bodyPr>
           <a:lstStyle>
             <a:lvl1pPr marL="228600" indent="-228600" algn="l" defTabSz="914400" rtl="0" eaLnBrk="1" latinLnBrk="0" hangingPunct="1">
@@ -16813,6 +16617,16 @@
                   <a:schemeClr val="tx1"/>
                 </a:solidFill>
               </a:rPr>
+              <a:t>FNO maps 3 inputs (geometry, wavevectors, and band) to 4 displacement field outputs</a:t>
+            </a:r>
+          </a:p>
+          <a:p>
+            <a:r>
+              <a:rPr lang="en-US" sz="2000" dirty="0">
+                <a:solidFill>
+                  <a:schemeClr val="tx1"/>
+                </a:solidFill>
+              </a:rPr>
               <a:t>Geometry given in spatial representation (32x32 pixels) [0,1]</a:t>
             </a:r>
             <a:endParaRPr lang="en-US" sz="1600" dirty="0">
@@ -17120,7 +16934,7 @@
             </p:nvSpPr>
             <p:spPr>
               <a:xfrm>
-                <a:off x="7373659" y="3429000"/>
+                <a:off x="7373659" y="3794760"/>
                 <a:ext cx="4747421" cy="2487256"/>
               </a:xfrm>
               <a:prstGeom prst="rect">
@@ -17858,7 +17672,7 @@
             </p:nvSpPr>
             <p:spPr>
               <a:xfrm>
-                <a:off x="7373659" y="3429000"/>
+                <a:off x="7373659" y="3794760"/>
                 <a:ext cx="4747421" cy="2487256"/>
               </a:xfrm>
               <a:prstGeom prst="rect">
@@ -17900,7 +17714,7 @@
         </p:nvSpPr>
         <p:spPr>
           <a:xfrm>
-            <a:off x="8231076" y="3059668"/>
+            <a:off x="8252248" y="3427214"/>
             <a:ext cx="2532409" cy="369332"/>
           </a:xfrm>
           <a:prstGeom prst="rect">
@@ -18525,6 +18339,23 @@
 </file>
 
 <file path=customXml/item1.xml><?xml version="1.0" encoding="utf-8"?>
+<?mso-contentType ?>
+<FormTemplates xmlns="http://schemas.microsoft.com/sharepoint/v3/contenttype/forms">
+  <Display>DocumentLibraryForm</Display>
+  <Edit>DocumentLibraryForm</Edit>
+  <New>DocumentLibraryForm</New>
+</FormTemplates>
+</file>
+
+<file path=customXml/item2.xml><?xml version="1.0" encoding="utf-8"?>
+<p:properties xmlns:p="http://schemas.microsoft.com/office/2006/metadata/properties" xmlns:xsi="http://www.w3.org/2001/XMLSchema-instance" xmlns:pc="http://schemas.microsoft.com/office/infopath/2007/PartnerControls">
+  <documentManagement>
+    <_activity xmlns="5ab46313-7834-4214-aec9-155b2fe37111" xsi:nil="true"/>
+  </documentManagement>
+</p:properties>
+</file>
+
+<file path=customXml/item3.xml><?xml version="1.0" encoding="utf-8"?>
 <ct:contentTypeSchema xmlns:ct="http://schemas.microsoft.com/office/2006/metadata/contentType" xmlns:ma="http://schemas.microsoft.com/office/2006/metadata/properties/metaAttributes" ct:_="" ma:_="" ma:contentTypeName="Document" ma:contentTypeID="0x0101008C6D81289CCC004F972E63C671B7D298" ma:contentTypeVersion="11" ma:contentTypeDescription="Create a new document." ma:contentTypeScope="" ma:versionID="f0a023cf506d87bb97b51fb4161b9eba">
   <xsd:schema xmlns:xsd="http://www.w3.org/2001/XMLSchema" xmlns:xs="http://www.w3.org/2001/XMLSchema" xmlns:p="http://schemas.microsoft.com/office/2006/metadata/properties" xmlns:ns3="5ab46313-7834-4214-aec9-155b2fe37111" xmlns:ns4="2d1aa6b7-1a0a-46e3-8f70-b6d3e32cbd9a" targetNamespace="http://schemas.microsoft.com/office/2006/metadata/properties" ma:root="true" ma:fieldsID="fb8935dbd9c171815cb087e97e0838ff" ns3:_="" ns4:_="">
     <xsd:import namespace="5ab46313-7834-4214-aec9-155b2fe37111"/>
@@ -18733,38 +18564,10 @@
 </ct:contentTypeSchema>
 </file>
 
-<file path=customXml/item2.xml><?xml version="1.0" encoding="utf-8"?>
-<p:properties xmlns:p="http://schemas.microsoft.com/office/2006/metadata/properties" xmlns:xsi="http://www.w3.org/2001/XMLSchema-instance" xmlns:pc="http://schemas.microsoft.com/office/infopath/2007/PartnerControls">
-  <documentManagement>
-    <_activity xmlns="5ab46313-7834-4214-aec9-155b2fe37111" xsi:nil="true"/>
-  </documentManagement>
-</p:properties>
-</file>
-
-<file path=customXml/item3.xml><?xml version="1.0" encoding="utf-8"?>
-<?mso-contentType ?>
-<FormTemplates xmlns="http://schemas.microsoft.com/sharepoint/v3/contenttype/forms">
-  <Display>DocumentLibraryForm</Display>
-  <Edit>DocumentLibraryForm</Edit>
-  <New>DocumentLibraryForm</New>
-</FormTemplates>
-</file>
-
 <file path=customXml/itemProps1.xml><?xml version="1.0" encoding="utf-8"?>
-<ds:datastoreItem xmlns:ds="http://schemas.openxmlformats.org/officeDocument/2006/customXml" ds:itemID="{9BFBBE5A-F611-4091-94E1-60C5F755DF63}">
+<ds:datastoreItem xmlns:ds="http://schemas.openxmlformats.org/officeDocument/2006/customXml" ds:itemID="{B294D1B7-8679-422F-949D-1455F508E596}">
   <ds:schemaRefs>
-    <ds:schemaRef ds:uri="http://schemas.microsoft.com/office/2006/metadata/contentType"/>
-    <ds:schemaRef ds:uri="http://schemas.microsoft.com/office/2006/metadata/properties/metaAttributes"/>
-    <ds:schemaRef ds:uri="http://www.w3.org/2001/XMLSchema"/>
-    <ds:schemaRef ds:uri="http://schemas.microsoft.com/office/2006/metadata/properties"/>
-    <ds:schemaRef ds:uri="5ab46313-7834-4214-aec9-155b2fe37111"/>
-    <ds:schemaRef ds:uri="2d1aa6b7-1a0a-46e3-8f70-b6d3e32cbd9a"/>
-    <ds:schemaRef ds:uri="http://schemas.microsoft.com/office/2006/documentManagement/types"/>
-    <ds:schemaRef ds:uri="http://schemas.microsoft.com/office/infopath/2007/PartnerControls"/>
-    <ds:schemaRef ds:uri="http://schemas.openxmlformats.org/package/2006/metadata/core-properties"/>
-    <ds:schemaRef ds:uri="http://purl.org/dc/elements/1.1/"/>
-    <ds:schemaRef ds:uri="http://purl.org/dc/terms/"/>
-    <ds:schemaRef ds:uri="http://schemas.microsoft.com/internal/obd"/>
+    <ds:schemaRef ds:uri="http://schemas.microsoft.com/sharepoint/v3/contenttype/forms"/>
   </ds:schemaRefs>
 </ds:datastoreItem>
 </file>
@@ -18787,9 +18590,20 @@
 </file>
 
 <file path=customXml/itemProps3.xml><?xml version="1.0" encoding="utf-8"?>
-<ds:datastoreItem xmlns:ds="http://schemas.openxmlformats.org/officeDocument/2006/customXml" ds:itemID="{B294D1B7-8679-422F-949D-1455F508E596}">
+<ds:datastoreItem xmlns:ds="http://schemas.openxmlformats.org/officeDocument/2006/customXml" ds:itemID="{9BFBBE5A-F611-4091-94E1-60C5F755DF63}">
   <ds:schemaRefs>
-    <ds:schemaRef ds:uri="http://schemas.microsoft.com/sharepoint/v3/contenttype/forms"/>
+    <ds:schemaRef ds:uri="http://schemas.microsoft.com/office/2006/metadata/contentType"/>
+    <ds:schemaRef ds:uri="http://schemas.microsoft.com/office/2006/metadata/properties/metaAttributes"/>
+    <ds:schemaRef ds:uri="http://www.w3.org/2001/XMLSchema"/>
+    <ds:schemaRef ds:uri="http://schemas.microsoft.com/office/2006/metadata/properties"/>
+    <ds:schemaRef ds:uri="5ab46313-7834-4214-aec9-155b2fe37111"/>
+    <ds:schemaRef ds:uri="2d1aa6b7-1a0a-46e3-8f70-b6d3e32cbd9a"/>
+    <ds:schemaRef ds:uri="http://schemas.microsoft.com/office/2006/documentManagement/types"/>
+    <ds:schemaRef ds:uri="http://schemas.microsoft.com/office/infopath/2007/PartnerControls"/>
+    <ds:schemaRef ds:uri="http://schemas.openxmlformats.org/package/2006/metadata/core-properties"/>
+    <ds:schemaRef ds:uri="http://purl.org/dc/elements/1.1/"/>
+    <ds:schemaRef ds:uri="http://purl.org/dc/terms/"/>
+    <ds:schemaRef ds:uri="http://schemas.microsoft.com/internal/obd"/>
   </ds:schemaRefs>
 </ds:datastoreItem>
 </file>